--- a/車牌辨識.pptx
+++ b/車牌辨識.pptx
@@ -106,7 +106,6402 @@
       </a:defRPr>
     </a:lvl9pPr>
   </p:defaultTextStyle>
+  <p:extLst>
+    <p:ext uri="{EFAFB233-063F-42B5-8137-9DF3F51BA10A}">
+      <p15:sldGuideLst xmlns:p15="http://schemas.microsoft.com/office/powerpoint/2012/main"/>
+    </p:ext>
+  </p:extLst>
 </p:presentation>
+</file>
+
+<file path=ppt/diagrams/colors1.xml><?xml version="1.0" encoding="utf-8"?>
+<dgm:colorsDef xmlns:dgm="http://schemas.openxmlformats.org/drawingml/2006/diagram" xmlns:a="http://schemas.openxmlformats.org/drawingml/2006/main" uniqueId="urn:microsoft.com/office/officeart/2005/8/colors/accent1_2">
+  <dgm:title val=""/>
+  <dgm:desc val=""/>
+  <dgm:catLst>
+    <dgm:cat type="accent1" pri="11200"/>
+  </dgm:catLst>
+  <dgm:styleLbl name="node0">
+    <dgm:fillClrLst meth="repeat">
+      <a:schemeClr val="accent1"/>
+    </dgm:fillClrLst>
+    <dgm:linClrLst meth="repeat">
+      <a:schemeClr val="lt1"/>
+    </dgm:linClrLst>
+    <dgm:effectClrLst/>
+    <dgm:txLinClrLst/>
+    <dgm:txFillClrLst/>
+    <dgm:txEffectClrLst/>
+  </dgm:styleLbl>
+  <dgm:styleLbl name="alignNode1">
+    <dgm:fillClrLst meth="repeat">
+      <a:schemeClr val="accent1"/>
+    </dgm:fillClrLst>
+    <dgm:linClrLst meth="repeat">
+      <a:schemeClr val="accent1"/>
+    </dgm:linClrLst>
+    <dgm:effectClrLst/>
+    <dgm:txLinClrLst/>
+    <dgm:txFillClrLst/>
+    <dgm:txEffectClrLst/>
+  </dgm:styleLbl>
+  <dgm:styleLbl name="node1">
+    <dgm:fillClrLst meth="repeat">
+      <a:schemeClr val="accent1"/>
+    </dgm:fillClrLst>
+    <dgm:linClrLst meth="repeat">
+      <a:schemeClr val="lt1"/>
+    </dgm:linClrLst>
+    <dgm:effectClrLst/>
+    <dgm:txLinClrLst/>
+    <dgm:txFillClrLst/>
+    <dgm:txEffectClrLst/>
+  </dgm:styleLbl>
+  <dgm:styleLbl name="lnNode1">
+    <dgm:fillClrLst meth="repeat">
+      <a:schemeClr val="accent1"/>
+    </dgm:fillClrLst>
+    <dgm:linClrLst meth="repeat">
+      <a:schemeClr val="lt1"/>
+    </dgm:linClrLst>
+    <dgm:effectClrLst/>
+    <dgm:txLinClrLst/>
+    <dgm:txFillClrLst/>
+    <dgm:txEffectClrLst/>
+  </dgm:styleLbl>
+  <dgm:styleLbl name="vennNode1">
+    <dgm:fillClrLst meth="repeat">
+      <a:schemeClr val="accent1">
+        <a:alpha val="50000"/>
+      </a:schemeClr>
+    </dgm:fillClrLst>
+    <dgm:linClrLst meth="repeat">
+      <a:schemeClr val="lt1"/>
+    </dgm:linClrLst>
+    <dgm:effectClrLst/>
+    <dgm:txLinClrLst/>
+    <dgm:txFillClrLst/>
+    <dgm:txEffectClrLst/>
+  </dgm:styleLbl>
+  <dgm:styleLbl name="node2">
+    <dgm:fillClrLst meth="repeat">
+      <a:schemeClr val="accent1"/>
+    </dgm:fillClrLst>
+    <dgm:linClrLst meth="repeat">
+      <a:schemeClr val="lt1"/>
+    </dgm:linClrLst>
+    <dgm:effectClrLst/>
+    <dgm:txLinClrLst/>
+    <dgm:txFillClrLst/>
+    <dgm:txEffectClrLst/>
+  </dgm:styleLbl>
+  <dgm:styleLbl name="node3">
+    <dgm:fillClrLst meth="repeat">
+      <a:schemeClr val="accent1"/>
+    </dgm:fillClrLst>
+    <dgm:linClrLst meth="repeat">
+      <a:schemeClr val="lt1"/>
+    </dgm:linClrLst>
+    <dgm:effectClrLst/>
+    <dgm:txLinClrLst/>
+    <dgm:txFillClrLst/>
+    <dgm:txEffectClrLst/>
+  </dgm:styleLbl>
+  <dgm:styleLbl name="node4">
+    <dgm:fillClrLst meth="repeat">
+      <a:schemeClr val="accent1"/>
+    </dgm:fillClrLst>
+    <dgm:linClrLst meth="repeat">
+      <a:schemeClr val="lt1"/>
+    </dgm:linClrLst>
+    <dgm:effectClrLst/>
+    <dgm:txLinClrLst/>
+    <dgm:txFillClrLst/>
+    <dgm:txEffectClrLst/>
+  </dgm:styleLbl>
+  <dgm:styleLbl name="fgImgPlace1">
+    <dgm:fillClrLst meth="repeat">
+      <a:schemeClr val="accent1">
+        <a:tint val="50000"/>
+      </a:schemeClr>
+    </dgm:fillClrLst>
+    <dgm:linClrLst meth="repeat">
+      <a:schemeClr val="lt1"/>
+    </dgm:linClrLst>
+    <dgm:effectClrLst/>
+    <dgm:txLinClrLst/>
+    <dgm:txFillClrLst meth="repeat">
+      <a:schemeClr val="lt1"/>
+    </dgm:txFillClrLst>
+    <dgm:txEffectClrLst/>
+  </dgm:styleLbl>
+  <dgm:styleLbl name="alignImgPlace1">
+    <dgm:fillClrLst meth="repeat">
+      <a:schemeClr val="accent1">
+        <a:tint val="50000"/>
+      </a:schemeClr>
+    </dgm:fillClrLst>
+    <dgm:linClrLst meth="repeat">
+      <a:schemeClr val="lt1"/>
+    </dgm:linClrLst>
+    <dgm:effectClrLst/>
+    <dgm:txLinClrLst/>
+    <dgm:txFillClrLst meth="repeat">
+      <a:schemeClr val="lt1"/>
+    </dgm:txFillClrLst>
+    <dgm:txEffectClrLst/>
+  </dgm:styleLbl>
+  <dgm:styleLbl name="bgImgPlace1">
+    <dgm:fillClrLst meth="repeat">
+      <a:schemeClr val="accent1">
+        <a:tint val="50000"/>
+      </a:schemeClr>
+    </dgm:fillClrLst>
+    <dgm:linClrLst meth="repeat">
+      <a:schemeClr val="lt1"/>
+    </dgm:linClrLst>
+    <dgm:effectClrLst/>
+    <dgm:txLinClrLst/>
+    <dgm:txFillClrLst meth="repeat">
+      <a:schemeClr val="lt1"/>
+    </dgm:txFillClrLst>
+    <dgm:txEffectClrLst/>
+  </dgm:styleLbl>
+  <dgm:styleLbl name="sibTrans2D1">
+    <dgm:fillClrLst meth="repeat">
+      <a:schemeClr val="accent1">
+        <a:tint val="60000"/>
+      </a:schemeClr>
+    </dgm:fillClrLst>
+    <dgm:linClrLst meth="repeat">
+      <a:schemeClr val="accent1">
+        <a:tint val="60000"/>
+      </a:schemeClr>
+    </dgm:linClrLst>
+    <dgm:effectClrLst/>
+    <dgm:txLinClrLst/>
+    <dgm:txFillClrLst/>
+    <dgm:txEffectClrLst/>
+  </dgm:styleLbl>
+  <dgm:styleLbl name="fgSibTrans2D1">
+    <dgm:fillClrLst meth="repeat">
+      <a:schemeClr val="accent1">
+        <a:tint val="60000"/>
+      </a:schemeClr>
+    </dgm:fillClrLst>
+    <dgm:linClrLst meth="repeat">
+      <a:schemeClr val="accent1">
+        <a:tint val="60000"/>
+      </a:schemeClr>
+    </dgm:linClrLst>
+    <dgm:effectClrLst/>
+    <dgm:txLinClrLst/>
+    <dgm:txFillClrLst/>
+    <dgm:txEffectClrLst/>
+  </dgm:styleLbl>
+  <dgm:styleLbl name="bgSibTrans2D1">
+    <dgm:fillClrLst meth="repeat">
+      <a:schemeClr val="accent1">
+        <a:tint val="60000"/>
+      </a:schemeClr>
+    </dgm:fillClrLst>
+    <dgm:linClrLst meth="repeat">
+      <a:schemeClr val="accent1">
+        <a:tint val="60000"/>
+      </a:schemeClr>
+    </dgm:linClrLst>
+    <dgm:effectClrLst/>
+    <dgm:txLinClrLst/>
+    <dgm:txFillClrLst/>
+    <dgm:txEffectClrLst/>
+  </dgm:styleLbl>
+  <dgm:styleLbl name="sibTrans1D1">
+    <dgm:fillClrLst meth="repeat">
+      <a:schemeClr val="accent1"/>
+    </dgm:fillClrLst>
+    <dgm:linClrLst meth="repeat">
+      <a:schemeClr val="accent1"/>
+    </dgm:linClrLst>
+    <dgm:effectClrLst/>
+    <dgm:txLinClrLst/>
+    <dgm:txFillClrLst meth="repeat">
+      <a:schemeClr val="tx1"/>
+    </dgm:txFillClrLst>
+    <dgm:txEffectClrLst/>
+  </dgm:styleLbl>
+  <dgm:styleLbl name="callout">
+    <dgm:fillClrLst meth="repeat">
+      <a:schemeClr val="accent1"/>
+    </dgm:fillClrLst>
+    <dgm:linClrLst meth="repeat">
+      <a:schemeClr val="accent1">
+        <a:tint val="50000"/>
+      </a:schemeClr>
+    </dgm:linClrLst>
+    <dgm:effectClrLst/>
+    <dgm:txLinClrLst/>
+    <dgm:txFillClrLst meth="repeat">
+      <a:schemeClr val="tx1"/>
+    </dgm:txFillClrLst>
+    <dgm:txEffectClrLst/>
+  </dgm:styleLbl>
+  <dgm:styleLbl name="asst0">
+    <dgm:fillClrLst meth="repeat">
+      <a:schemeClr val="accent1"/>
+    </dgm:fillClrLst>
+    <dgm:linClrLst meth="repeat">
+      <a:schemeClr val="lt1"/>
+    </dgm:linClrLst>
+    <dgm:effectClrLst/>
+    <dgm:txLinClrLst/>
+    <dgm:txFillClrLst/>
+    <dgm:txEffectClrLst/>
+  </dgm:styleLbl>
+  <dgm:styleLbl name="asst1">
+    <dgm:fillClrLst meth="repeat">
+      <a:schemeClr val="accent1"/>
+    </dgm:fillClrLst>
+    <dgm:linClrLst meth="repeat">
+      <a:schemeClr val="lt1"/>
+    </dgm:linClrLst>
+    <dgm:effectClrLst/>
+    <dgm:txLinClrLst/>
+    <dgm:txFillClrLst/>
+    <dgm:txEffectClrLst/>
+  </dgm:styleLbl>
+  <dgm:styleLbl name="asst2">
+    <dgm:fillClrLst meth="repeat">
+      <a:schemeClr val="accent1"/>
+    </dgm:fillClrLst>
+    <dgm:linClrLst meth="repeat">
+      <a:schemeClr val="lt1"/>
+    </dgm:linClrLst>
+    <dgm:effectClrLst/>
+    <dgm:txLinClrLst/>
+    <dgm:txFillClrLst/>
+    <dgm:txEffectClrLst/>
+  </dgm:styleLbl>
+  <dgm:styleLbl name="asst3">
+    <dgm:fillClrLst meth="repeat">
+      <a:schemeClr val="accent1"/>
+    </dgm:fillClrLst>
+    <dgm:linClrLst meth="repeat">
+      <a:schemeClr val="lt1"/>
+    </dgm:linClrLst>
+    <dgm:effectClrLst/>
+    <dgm:txLinClrLst/>
+    <dgm:txFillClrLst/>
+    <dgm:txEffectClrLst/>
+  </dgm:styleLbl>
+  <dgm:styleLbl name="asst4">
+    <dgm:fillClrLst meth="repeat">
+      <a:schemeClr val="accent1"/>
+    </dgm:fillClrLst>
+    <dgm:linClrLst meth="repeat">
+      <a:schemeClr val="lt1"/>
+    </dgm:linClrLst>
+    <dgm:effectClrLst/>
+    <dgm:txLinClrLst/>
+    <dgm:txFillClrLst/>
+    <dgm:txEffectClrLst/>
+  </dgm:styleLbl>
+  <dgm:styleLbl name="parChTrans2D1">
+    <dgm:fillClrLst meth="repeat">
+      <a:schemeClr val="accent1">
+        <a:tint val="60000"/>
+      </a:schemeClr>
+    </dgm:fillClrLst>
+    <dgm:linClrLst meth="repeat">
+      <a:schemeClr val="accent1">
+        <a:tint val="60000"/>
+      </a:schemeClr>
+    </dgm:linClrLst>
+    <dgm:effectClrLst/>
+    <dgm:txLinClrLst/>
+    <dgm:txFillClrLst meth="repeat">
+      <a:schemeClr val="lt1"/>
+    </dgm:txFillClrLst>
+    <dgm:txEffectClrLst/>
+  </dgm:styleLbl>
+  <dgm:styleLbl name="parChTrans2D2">
+    <dgm:fillClrLst meth="repeat">
+      <a:schemeClr val="accent1"/>
+    </dgm:fillClrLst>
+    <dgm:linClrLst meth="repeat">
+      <a:schemeClr val="accent1"/>
+    </dgm:linClrLst>
+    <dgm:effectClrLst/>
+    <dgm:txLinClrLst/>
+    <dgm:txFillClrLst meth="repeat">
+      <a:schemeClr val="lt1"/>
+    </dgm:txFillClrLst>
+    <dgm:txEffectClrLst/>
+  </dgm:styleLbl>
+  <dgm:styleLbl name="parChTrans2D3">
+    <dgm:fillClrLst meth="repeat">
+      <a:schemeClr val="accent1"/>
+    </dgm:fillClrLst>
+    <dgm:linClrLst meth="repeat">
+      <a:schemeClr val="accent1"/>
+    </dgm:linClrLst>
+    <dgm:effectClrLst/>
+    <dgm:txLinClrLst/>
+    <dgm:txFillClrLst meth="repeat">
+      <a:schemeClr val="lt1"/>
+    </dgm:txFillClrLst>
+    <dgm:txEffectClrLst/>
+  </dgm:styleLbl>
+  <dgm:styleLbl name="parChTrans2D4">
+    <dgm:fillClrLst meth="repeat">
+      <a:schemeClr val="accent1"/>
+    </dgm:fillClrLst>
+    <dgm:linClrLst meth="repeat">
+      <a:schemeClr val="accent1"/>
+    </dgm:linClrLst>
+    <dgm:effectClrLst/>
+    <dgm:txLinClrLst/>
+    <dgm:txFillClrLst meth="repeat">
+      <a:schemeClr val="lt1"/>
+    </dgm:txFillClrLst>
+    <dgm:txEffectClrLst/>
+  </dgm:styleLbl>
+  <dgm:styleLbl name="parChTrans1D1">
+    <dgm:fillClrLst meth="repeat">
+      <a:schemeClr val="accent1"/>
+    </dgm:fillClrLst>
+    <dgm:linClrLst meth="repeat">
+      <a:schemeClr val="accent1">
+        <a:shade val="60000"/>
+      </a:schemeClr>
+    </dgm:linClrLst>
+    <dgm:effectClrLst/>
+    <dgm:txLinClrLst/>
+    <dgm:txFillClrLst meth="repeat">
+      <a:schemeClr val="tx1"/>
+    </dgm:txFillClrLst>
+    <dgm:txEffectClrLst/>
+  </dgm:styleLbl>
+  <dgm:styleLbl name="parChTrans1D2">
+    <dgm:fillClrLst meth="repeat">
+      <a:schemeClr val="accent1"/>
+    </dgm:fillClrLst>
+    <dgm:linClrLst meth="repeat">
+      <a:schemeClr val="accent1">
+        <a:shade val="60000"/>
+      </a:schemeClr>
+    </dgm:linClrLst>
+    <dgm:effectClrLst/>
+    <dgm:txLinClrLst/>
+    <dgm:txFillClrLst meth="repeat">
+      <a:schemeClr val="tx1"/>
+    </dgm:txFillClrLst>
+    <dgm:txEffectClrLst/>
+  </dgm:styleLbl>
+  <dgm:styleLbl name="parChTrans1D3">
+    <dgm:fillClrLst meth="repeat">
+      <a:schemeClr val="accent1"/>
+    </dgm:fillClrLst>
+    <dgm:linClrLst meth="repeat">
+      <a:schemeClr val="accent1">
+        <a:shade val="80000"/>
+      </a:schemeClr>
+    </dgm:linClrLst>
+    <dgm:effectClrLst/>
+    <dgm:txLinClrLst/>
+    <dgm:txFillClrLst meth="repeat">
+      <a:schemeClr val="tx1"/>
+    </dgm:txFillClrLst>
+    <dgm:txEffectClrLst/>
+  </dgm:styleLbl>
+  <dgm:styleLbl name="parChTrans1D4">
+    <dgm:fillClrLst meth="repeat">
+      <a:schemeClr val="accent1"/>
+    </dgm:fillClrLst>
+    <dgm:linClrLst meth="repeat">
+      <a:schemeClr val="accent1">
+        <a:shade val="80000"/>
+      </a:schemeClr>
+    </dgm:linClrLst>
+    <dgm:effectClrLst/>
+    <dgm:txLinClrLst/>
+    <dgm:txFillClrLst meth="repeat">
+      <a:schemeClr val="tx1"/>
+    </dgm:txFillClrLst>
+    <dgm:txEffectClrLst/>
+  </dgm:styleLbl>
+  <dgm:styleLbl name="fgAcc1">
+    <dgm:fillClrLst meth="repeat">
+      <a:schemeClr val="lt1">
+        <a:alpha val="90000"/>
+      </a:schemeClr>
+    </dgm:fillClrLst>
+    <dgm:linClrLst meth="repeat">
+      <a:schemeClr val="accent1"/>
+    </dgm:linClrLst>
+    <dgm:effectClrLst/>
+    <dgm:txLinClrLst/>
+    <dgm:txFillClrLst meth="repeat">
+      <a:schemeClr val="dk1"/>
+    </dgm:txFillClrLst>
+    <dgm:txEffectClrLst/>
+  </dgm:styleLbl>
+  <dgm:styleLbl name="conFgAcc1">
+    <dgm:fillClrLst meth="repeat">
+      <a:schemeClr val="lt1">
+        <a:alpha val="90000"/>
+      </a:schemeClr>
+    </dgm:fillClrLst>
+    <dgm:linClrLst meth="repeat">
+      <a:schemeClr val="accent1"/>
+    </dgm:linClrLst>
+    <dgm:effectClrLst/>
+    <dgm:txLinClrLst/>
+    <dgm:txFillClrLst meth="repeat">
+      <a:schemeClr val="dk1"/>
+    </dgm:txFillClrLst>
+    <dgm:txEffectClrLst/>
+  </dgm:styleLbl>
+  <dgm:styleLbl name="alignAcc1">
+    <dgm:fillClrLst meth="repeat">
+      <a:schemeClr val="lt1">
+        <a:alpha val="90000"/>
+      </a:schemeClr>
+    </dgm:fillClrLst>
+    <dgm:linClrLst meth="repeat">
+      <a:schemeClr val="accent1"/>
+    </dgm:linClrLst>
+    <dgm:effectClrLst/>
+    <dgm:txLinClrLst/>
+    <dgm:txFillClrLst meth="repeat">
+      <a:schemeClr val="dk1"/>
+    </dgm:txFillClrLst>
+    <dgm:txEffectClrLst/>
+  </dgm:styleLbl>
+  <dgm:styleLbl name="trAlignAcc1">
+    <dgm:fillClrLst meth="repeat">
+      <a:schemeClr val="lt1">
+        <a:alpha val="40000"/>
+      </a:schemeClr>
+    </dgm:fillClrLst>
+    <dgm:linClrLst meth="repeat">
+      <a:schemeClr val="accent1"/>
+    </dgm:linClrLst>
+    <dgm:effectClrLst/>
+    <dgm:txLinClrLst/>
+    <dgm:txFillClrLst meth="repeat">
+      <a:schemeClr val="dk1"/>
+    </dgm:txFillClrLst>
+    <dgm:txEffectClrLst/>
+  </dgm:styleLbl>
+  <dgm:styleLbl name="bgAcc1">
+    <dgm:fillClrLst meth="repeat">
+      <a:schemeClr val="lt1">
+        <a:alpha val="90000"/>
+      </a:schemeClr>
+    </dgm:fillClrLst>
+    <dgm:linClrLst meth="repeat">
+      <a:schemeClr val="accent1"/>
+    </dgm:linClrLst>
+    <dgm:effectClrLst/>
+    <dgm:txLinClrLst/>
+    <dgm:txFillClrLst meth="repeat">
+      <a:schemeClr val="dk1"/>
+    </dgm:txFillClrLst>
+    <dgm:txEffectClrLst/>
+  </dgm:styleLbl>
+  <dgm:styleLbl name="solidFgAcc1">
+    <dgm:fillClrLst meth="repeat">
+      <a:schemeClr val="lt1"/>
+    </dgm:fillClrLst>
+    <dgm:linClrLst meth="repeat">
+      <a:schemeClr val="accent1"/>
+    </dgm:linClrLst>
+    <dgm:effectClrLst/>
+    <dgm:txLinClrLst/>
+    <dgm:txFillClrLst meth="repeat">
+      <a:schemeClr val="dk1"/>
+    </dgm:txFillClrLst>
+    <dgm:txEffectClrLst/>
+  </dgm:styleLbl>
+  <dgm:styleLbl name="solidAlignAcc1">
+    <dgm:fillClrLst meth="repeat">
+      <a:schemeClr val="lt1"/>
+    </dgm:fillClrLst>
+    <dgm:linClrLst meth="repeat">
+      <a:schemeClr val="accent1"/>
+    </dgm:linClrLst>
+    <dgm:effectClrLst/>
+    <dgm:txLinClrLst/>
+    <dgm:txFillClrLst meth="repeat">
+      <a:schemeClr val="dk1"/>
+    </dgm:txFillClrLst>
+    <dgm:txEffectClrLst/>
+  </dgm:styleLbl>
+  <dgm:styleLbl name="solidBgAcc1">
+    <dgm:fillClrLst meth="repeat">
+      <a:schemeClr val="lt1"/>
+    </dgm:fillClrLst>
+    <dgm:linClrLst meth="repeat">
+      <a:schemeClr val="accent1"/>
+    </dgm:linClrLst>
+    <dgm:effectClrLst/>
+    <dgm:txLinClrLst/>
+    <dgm:txFillClrLst meth="repeat">
+      <a:schemeClr val="dk1"/>
+    </dgm:txFillClrLst>
+    <dgm:txEffectClrLst/>
+  </dgm:styleLbl>
+  <dgm:styleLbl name="fgAccFollowNode1">
+    <dgm:fillClrLst meth="repeat">
+      <a:schemeClr val="accent1">
+        <a:alpha val="90000"/>
+        <a:tint val="40000"/>
+      </a:schemeClr>
+    </dgm:fillClrLst>
+    <dgm:linClrLst meth="repeat">
+      <a:schemeClr val="accent1">
+        <a:alpha val="90000"/>
+        <a:tint val="40000"/>
+      </a:schemeClr>
+    </dgm:linClrLst>
+    <dgm:effectClrLst/>
+    <dgm:txLinClrLst/>
+    <dgm:txFillClrLst meth="repeat">
+      <a:schemeClr val="dk1"/>
+    </dgm:txFillClrLst>
+    <dgm:txEffectClrLst/>
+  </dgm:styleLbl>
+  <dgm:styleLbl name="alignAccFollowNode1">
+    <dgm:fillClrLst meth="repeat">
+      <a:schemeClr val="accent1">
+        <a:alpha val="90000"/>
+        <a:tint val="40000"/>
+      </a:schemeClr>
+    </dgm:fillClrLst>
+    <dgm:linClrLst meth="repeat">
+      <a:schemeClr val="accent1">
+        <a:alpha val="90000"/>
+        <a:tint val="40000"/>
+      </a:schemeClr>
+    </dgm:linClrLst>
+    <dgm:effectClrLst/>
+    <dgm:txLinClrLst/>
+    <dgm:txFillClrLst meth="repeat">
+      <a:schemeClr val="dk1"/>
+    </dgm:txFillClrLst>
+    <dgm:txEffectClrLst/>
+  </dgm:styleLbl>
+  <dgm:styleLbl name="bgAccFollowNode1">
+    <dgm:fillClrLst meth="repeat">
+      <a:schemeClr val="accent1">
+        <a:alpha val="90000"/>
+        <a:tint val="40000"/>
+      </a:schemeClr>
+    </dgm:fillClrLst>
+    <dgm:linClrLst meth="repeat">
+      <a:schemeClr val="accent1">
+        <a:alpha val="90000"/>
+        <a:tint val="40000"/>
+      </a:schemeClr>
+    </dgm:linClrLst>
+    <dgm:effectClrLst/>
+    <dgm:txLinClrLst/>
+    <dgm:txFillClrLst meth="repeat">
+      <a:schemeClr val="dk1"/>
+    </dgm:txFillClrLst>
+    <dgm:txEffectClrLst/>
+  </dgm:styleLbl>
+  <dgm:styleLbl name="fgAcc0">
+    <dgm:fillClrLst meth="repeat">
+      <a:schemeClr val="lt1">
+        <a:alpha val="90000"/>
+      </a:schemeClr>
+    </dgm:fillClrLst>
+    <dgm:linClrLst meth="repeat">
+      <a:schemeClr val="accent1"/>
+    </dgm:linClrLst>
+    <dgm:effectClrLst/>
+    <dgm:txLinClrLst/>
+    <dgm:txFillClrLst meth="repeat">
+      <a:schemeClr val="dk1"/>
+    </dgm:txFillClrLst>
+    <dgm:txEffectClrLst/>
+  </dgm:styleLbl>
+  <dgm:styleLbl name="fgAcc2">
+    <dgm:fillClrLst meth="repeat">
+      <a:schemeClr val="lt1">
+        <a:alpha val="90000"/>
+      </a:schemeClr>
+    </dgm:fillClrLst>
+    <dgm:linClrLst meth="repeat">
+      <a:schemeClr val="accent1"/>
+    </dgm:linClrLst>
+    <dgm:effectClrLst/>
+    <dgm:txLinClrLst/>
+    <dgm:txFillClrLst meth="repeat">
+      <a:schemeClr val="dk1"/>
+    </dgm:txFillClrLst>
+    <dgm:txEffectClrLst/>
+  </dgm:styleLbl>
+  <dgm:styleLbl name="fgAcc3">
+    <dgm:fillClrLst meth="repeat">
+      <a:schemeClr val="lt1">
+        <a:alpha val="90000"/>
+      </a:schemeClr>
+    </dgm:fillClrLst>
+    <dgm:linClrLst meth="repeat">
+      <a:schemeClr val="accent1"/>
+    </dgm:linClrLst>
+    <dgm:effectClrLst/>
+    <dgm:txLinClrLst/>
+    <dgm:txFillClrLst meth="repeat">
+      <a:schemeClr val="dk1"/>
+    </dgm:txFillClrLst>
+    <dgm:txEffectClrLst/>
+  </dgm:styleLbl>
+  <dgm:styleLbl name="fgAcc4">
+    <dgm:fillClrLst meth="repeat">
+      <a:schemeClr val="lt1">
+        <a:alpha val="90000"/>
+      </a:schemeClr>
+    </dgm:fillClrLst>
+    <dgm:linClrLst meth="repeat">
+      <a:schemeClr val="accent1"/>
+    </dgm:linClrLst>
+    <dgm:effectClrLst/>
+    <dgm:txLinClrLst/>
+    <dgm:txFillClrLst meth="repeat">
+      <a:schemeClr val="dk1"/>
+    </dgm:txFillClrLst>
+    <dgm:txEffectClrLst/>
+  </dgm:styleLbl>
+  <dgm:styleLbl name="bgShp">
+    <dgm:fillClrLst meth="repeat">
+      <a:schemeClr val="accent1">
+        <a:tint val="40000"/>
+      </a:schemeClr>
+    </dgm:fillClrLst>
+    <dgm:linClrLst meth="repeat">
+      <a:schemeClr val="accent1"/>
+    </dgm:linClrLst>
+    <dgm:effectClrLst/>
+    <dgm:txLinClrLst/>
+    <dgm:txFillClrLst meth="repeat">
+      <a:schemeClr val="dk1"/>
+    </dgm:txFillClrLst>
+    <dgm:txEffectClrLst/>
+  </dgm:styleLbl>
+  <dgm:styleLbl name="dkBgShp">
+    <dgm:fillClrLst meth="repeat">
+      <a:schemeClr val="accent1">
+        <a:shade val="80000"/>
+      </a:schemeClr>
+    </dgm:fillClrLst>
+    <dgm:linClrLst meth="repeat">
+      <a:schemeClr val="accent1"/>
+    </dgm:linClrLst>
+    <dgm:effectClrLst/>
+    <dgm:txLinClrLst/>
+    <dgm:txFillClrLst meth="repeat">
+      <a:schemeClr val="lt1"/>
+    </dgm:txFillClrLst>
+    <dgm:txEffectClrLst/>
+  </dgm:styleLbl>
+  <dgm:styleLbl name="trBgShp">
+    <dgm:fillClrLst meth="repeat">
+      <a:schemeClr val="accent1">
+        <a:tint val="50000"/>
+        <a:alpha val="40000"/>
+      </a:schemeClr>
+    </dgm:fillClrLst>
+    <dgm:linClrLst meth="repeat">
+      <a:schemeClr val="accent1"/>
+    </dgm:linClrLst>
+    <dgm:effectClrLst/>
+    <dgm:txLinClrLst/>
+    <dgm:txFillClrLst meth="repeat">
+      <a:schemeClr val="lt1"/>
+    </dgm:txFillClrLst>
+    <dgm:txEffectClrLst/>
+  </dgm:styleLbl>
+  <dgm:styleLbl name="fgShp">
+    <dgm:fillClrLst meth="repeat">
+      <a:schemeClr val="accent1">
+        <a:tint val="60000"/>
+      </a:schemeClr>
+    </dgm:fillClrLst>
+    <dgm:linClrLst meth="repeat">
+      <a:schemeClr val="lt1"/>
+    </dgm:linClrLst>
+    <dgm:effectClrLst/>
+    <dgm:txLinClrLst/>
+    <dgm:txFillClrLst meth="repeat">
+      <a:schemeClr val="dk1"/>
+    </dgm:txFillClrLst>
+    <dgm:txEffectClrLst/>
+  </dgm:styleLbl>
+  <dgm:styleLbl name="revTx">
+    <dgm:fillClrLst meth="repeat">
+      <a:schemeClr val="lt1">
+        <a:alpha val="0"/>
+      </a:schemeClr>
+    </dgm:fillClrLst>
+    <dgm:linClrLst meth="repeat">
+      <a:schemeClr val="dk1">
+        <a:alpha val="0"/>
+      </a:schemeClr>
+    </dgm:linClrLst>
+    <dgm:effectClrLst/>
+    <dgm:txLinClrLst/>
+    <dgm:txFillClrLst meth="repeat">
+      <a:schemeClr val="tx1"/>
+    </dgm:txFillClrLst>
+    <dgm:txEffectClrLst/>
+  </dgm:styleLbl>
+</dgm:colorsDef>
+</file>
+
+<file path=ppt/diagrams/data1.xml><?xml version="1.0" encoding="utf-8"?>
+<dgm:dataModel xmlns:dgm="http://schemas.openxmlformats.org/drawingml/2006/diagram" xmlns:a="http://schemas.openxmlformats.org/drawingml/2006/main">
+  <dgm:ptLst>
+    <dgm:pt modelId="{F23A4E3D-CF8F-4FFC-85E5-7BAF190C36D0}" type="doc">
+      <dgm:prSet loTypeId="urn:microsoft.com/office/officeart/2005/8/layout/orgChart1" loCatId="hierarchy" qsTypeId="urn:microsoft.com/office/officeart/2005/8/quickstyle/simple1" qsCatId="simple" csTypeId="urn:microsoft.com/office/officeart/2005/8/colors/accent1_2" csCatId="accent1" phldr="1"/>
+      <dgm:spPr/>
+      <dgm:t>
+        <a:bodyPr/>
+        <a:lstStyle/>
+        <a:p>
+          <a:endParaRPr lang="zh-TW" altLang="en-US"/>
+        </a:p>
+      </dgm:t>
+    </dgm:pt>
+    <dgm:pt modelId="{89448955-38CC-44B4-9AE1-C2203D300AA9}">
+      <dgm:prSet phldrT="[文字]"/>
+      <dgm:spPr>
+        <a:solidFill>
+          <a:schemeClr val="accent6">
+            <a:lumMod val="75000"/>
+          </a:schemeClr>
+        </a:solidFill>
+      </dgm:spPr>
+      <dgm:t>
+        <a:bodyPr/>
+        <a:lstStyle/>
+        <a:p>
+          <a:r>
+            <a:rPr lang="zh-TW" altLang="en-US" dirty="0">
+              <a:latin typeface="標楷體" panose="03000509000000000000" pitchFamily="65" charset="-120"/>
+              <a:ea typeface="標楷體" panose="03000509000000000000" pitchFamily="65" charset="-120"/>
+            </a:rPr>
+            <a:t>車牌辨識</a:t>
+          </a:r>
+        </a:p>
+      </dgm:t>
+    </dgm:pt>
+    <dgm:pt modelId="{6CDD0B7F-0B2C-4E6A-B0F7-EACF7AA80D1F}" type="parTrans" cxnId="{E7C0E207-BDEA-4BB3-9FB5-22874837897A}">
+      <dgm:prSet/>
+      <dgm:spPr/>
+      <dgm:t>
+        <a:bodyPr/>
+        <a:lstStyle/>
+        <a:p>
+          <a:endParaRPr lang="zh-TW" altLang="en-US"/>
+        </a:p>
+      </dgm:t>
+    </dgm:pt>
+    <dgm:pt modelId="{927F9015-BF08-4B15-B4BC-60AE7723CB75}" type="sibTrans" cxnId="{E7C0E207-BDEA-4BB3-9FB5-22874837897A}">
+      <dgm:prSet/>
+      <dgm:spPr/>
+      <dgm:t>
+        <a:bodyPr/>
+        <a:lstStyle/>
+        <a:p>
+          <a:endParaRPr lang="zh-TW" altLang="en-US"/>
+        </a:p>
+      </dgm:t>
+    </dgm:pt>
+    <dgm:pt modelId="{B0860D4C-F5A2-4FE3-A038-3AE6739CB2F8}">
+      <dgm:prSet phldrT="[文字]"/>
+      <dgm:spPr>
+        <a:solidFill>
+          <a:schemeClr val="accent2">
+            <a:lumMod val="75000"/>
+          </a:schemeClr>
+        </a:solidFill>
+      </dgm:spPr>
+      <dgm:t>
+        <a:bodyPr/>
+        <a:lstStyle/>
+        <a:p>
+          <a:r>
+            <a:rPr lang="zh-TW" altLang="en-US" dirty="0">
+              <a:latin typeface="標楷體" panose="03000509000000000000" pitchFamily="65" charset="-120"/>
+              <a:ea typeface="標楷體" panose="03000509000000000000" pitchFamily="65" charset="-120"/>
+            </a:rPr>
+            <a:t>辨識車牌</a:t>
+          </a:r>
+        </a:p>
+      </dgm:t>
+    </dgm:pt>
+    <dgm:pt modelId="{34967EF8-7953-475F-B501-826D1CB31E58}" type="parTrans" cxnId="{F5B9D853-4E64-4849-9AD3-230A559D48C6}">
+      <dgm:prSet/>
+      <dgm:spPr/>
+      <dgm:t>
+        <a:bodyPr/>
+        <a:lstStyle/>
+        <a:p>
+          <a:endParaRPr lang="zh-TW" altLang="en-US"/>
+        </a:p>
+      </dgm:t>
+    </dgm:pt>
+    <dgm:pt modelId="{05A2C105-8E47-4D10-8A61-B0890089996D}" type="sibTrans" cxnId="{F5B9D853-4E64-4849-9AD3-230A559D48C6}">
+      <dgm:prSet/>
+      <dgm:spPr/>
+      <dgm:t>
+        <a:bodyPr/>
+        <a:lstStyle/>
+        <a:p>
+          <a:endParaRPr lang="zh-TW" altLang="en-US"/>
+        </a:p>
+      </dgm:t>
+    </dgm:pt>
+    <dgm:pt modelId="{1507D3AE-3CAC-40E2-94D3-D59A1ABCD94B}">
+      <dgm:prSet phldrT="[文字]"/>
+      <dgm:spPr>
+        <a:solidFill>
+          <a:schemeClr val="accent2">
+            <a:lumMod val="75000"/>
+          </a:schemeClr>
+        </a:solidFill>
+      </dgm:spPr>
+      <dgm:t>
+        <a:bodyPr/>
+        <a:lstStyle/>
+        <a:p>
+          <a:r>
+            <a:rPr lang="zh-TW" altLang="en-US" dirty="0">
+              <a:latin typeface="標楷體" panose="03000509000000000000" pitchFamily="65" charset="-120"/>
+              <a:ea typeface="標楷體" panose="03000509000000000000" pitchFamily="65" charset="-120"/>
+            </a:rPr>
+            <a:t>內部存儲</a:t>
+          </a:r>
+        </a:p>
+      </dgm:t>
+    </dgm:pt>
+    <dgm:pt modelId="{EA0E4BE8-44EE-4913-852B-AAA4DA845B3E}" type="parTrans" cxnId="{E3CA563C-8C01-4BAB-AB21-624D8FDE06B6}">
+      <dgm:prSet/>
+      <dgm:spPr/>
+      <dgm:t>
+        <a:bodyPr/>
+        <a:lstStyle/>
+        <a:p>
+          <a:endParaRPr lang="zh-TW" altLang="en-US"/>
+        </a:p>
+      </dgm:t>
+    </dgm:pt>
+    <dgm:pt modelId="{F080BCF2-8D9A-40EE-9C47-E35AF8B26DD4}" type="sibTrans" cxnId="{E3CA563C-8C01-4BAB-AB21-624D8FDE06B6}">
+      <dgm:prSet/>
+      <dgm:spPr/>
+      <dgm:t>
+        <a:bodyPr/>
+        <a:lstStyle/>
+        <a:p>
+          <a:endParaRPr lang="zh-TW" altLang="en-US"/>
+        </a:p>
+      </dgm:t>
+    </dgm:pt>
+    <dgm:pt modelId="{BEA0552F-7C77-4CDE-85D3-708AD1A14619}">
+      <dgm:prSet phldrT="[文字]"/>
+      <dgm:spPr>
+        <a:solidFill>
+          <a:schemeClr val="accent2">
+            <a:lumMod val="75000"/>
+          </a:schemeClr>
+        </a:solidFill>
+      </dgm:spPr>
+      <dgm:t>
+        <a:bodyPr/>
+        <a:lstStyle/>
+        <a:p>
+          <a:r>
+            <a:rPr lang="zh-TW" altLang="en-US" dirty="0">
+              <a:latin typeface="標楷體" panose="03000509000000000000" pitchFamily="65" charset="-120"/>
+              <a:ea typeface="標楷體" panose="03000509000000000000" pitchFamily="65" charset="-120"/>
+            </a:rPr>
+            <a:t>提取車牌輪廓</a:t>
+          </a:r>
+        </a:p>
+      </dgm:t>
+    </dgm:pt>
+    <dgm:pt modelId="{358044DA-B012-4215-9130-4442A22BCA33}" type="parTrans" cxnId="{F858EC37-4CE9-4F08-89D2-B18ADFCABDF4}">
+      <dgm:prSet/>
+      <dgm:spPr/>
+      <dgm:t>
+        <a:bodyPr/>
+        <a:lstStyle/>
+        <a:p>
+          <a:endParaRPr lang="zh-TW" altLang="en-US"/>
+        </a:p>
+      </dgm:t>
+    </dgm:pt>
+    <dgm:pt modelId="{682F9DF3-9396-4D53-91AB-3BD5D99CEF55}" type="sibTrans" cxnId="{F858EC37-4CE9-4F08-89D2-B18ADFCABDF4}">
+      <dgm:prSet/>
+      <dgm:spPr/>
+      <dgm:t>
+        <a:bodyPr/>
+        <a:lstStyle/>
+        <a:p>
+          <a:endParaRPr lang="zh-TW" altLang="en-US"/>
+        </a:p>
+      </dgm:t>
+    </dgm:pt>
+    <dgm:pt modelId="{8F52081D-1F31-41EF-B85D-3BD0B9C73943}">
+      <dgm:prSet phldrT="[文字]"/>
+      <dgm:spPr>
+        <a:solidFill>
+          <a:schemeClr val="accent2">
+            <a:lumMod val="75000"/>
+          </a:schemeClr>
+        </a:solidFill>
+      </dgm:spPr>
+      <dgm:t>
+        <a:bodyPr/>
+        <a:lstStyle/>
+        <a:p>
+          <a:r>
+            <a:rPr lang="zh-TW" altLang="en-US" dirty="0">
+              <a:latin typeface="標楷體" panose="03000509000000000000" pitchFamily="65" charset="-120"/>
+              <a:ea typeface="標楷體" panose="03000509000000000000" pitchFamily="65" charset="-120"/>
+            </a:rPr>
+            <a:t>前處理</a:t>
+          </a:r>
+        </a:p>
+      </dgm:t>
+    </dgm:pt>
+    <dgm:pt modelId="{6EE4B883-E573-4421-97E5-D8AA25BC89AA}" type="parTrans" cxnId="{48A8C736-6018-4C21-8983-96351FEFF2ED}">
+      <dgm:prSet/>
+      <dgm:spPr/>
+      <dgm:t>
+        <a:bodyPr/>
+        <a:lstStyle/>
+        <a:p>
+          <a:endParaRPr lang="zh-TW" altLang="en-US"/>
+        </a:p>
+      </dgm:t>
+    </dgm:pt>
+    <dgm:pt modelId="{CE13CF27-1F0D-4FF3-AAA4-CAC86B0652D9}" type="sibTrans" cxnId="{48A8C736-6018-4C21-8983-96351FEFF2ED}">
+      <dgm:prSet/>
+      <dgm:spPr/>
+      <dgm:t>
+        <a:bodyPr/>
+        <a:lstStyle/>
+        <a:p>
+          <a:endParaRPr lang="zh-TW" altLang="en-US"/>
+        </a:p>
+      </dgm:t>
+    </dgm:pt>
+    <dgm:pt modelId="{9A89BBE0-C7CA-424F-B4CD-F8715AA66FEC}">
+      <dgm:prSet phldrT="[文字]"/>
+      <dgm:spPr/>
+      <dgm:t>
+        <a:bodyPr/>
+        <a:lstStyle/>
+        <a:p>
+          <a:r>
+            <a:rPr lang="zh-TW" altLang="en-US" dirty="0">
+              <a:latin typeface="標楷體" panose="03000509000000000000" pitchFamily="65" charset="-120"/>
+              <a:ea typeface="標楷體" panose="03000509000000000000" pitchFamily="65" charset="-120"/>
+            </a:rPr>
+            <a:t>更改圖片大小</a:t>
+          </a:r>
+          <a:r>
+            <a:rPr lang="en-US" altLang="zh-TW" dirty="0">
+              <a:latin typeface="標楷體" panose="03000509000000000000" pitchFamily="65" charset="-120"/>
+              <a:ea typeface="標楷體" panose="03000509000000000000" pitchFamily="65" charset="-120"/>
+            </a:rPr>
+            <a:t>(360p)</a:t>
+          </a:r>
+          <a:endParaRPr lang="zh-TW" altLang="en-US" dirty="0">
+            <a:latin typeface="標楷體" panose="03000509000000000000" pitchFamily="65" charset="-120"/>
+            <a:ea typeface="標楷體" panose="03000509000000000000" pitchFamily="65" charset="-120"/>
+          </a:endParaRPr>
+        </a:p>
+      </dgm:t>
+    </dgm:pt>
+    <dgm:pt modelId="{6B1D037D-23E8-463A-8F4D-236990C4CB5D}" type="parTrans" cxnId="{1DACEBA5-D8A7-498D-94BD-43E1497C1D20}">
+      <dgm:prSet/>
+      <dgm:spPr/>
+      <dgm:t>
+        <a:bodyPr/>
+        <a:lstStyle/>
+        <a:p>
+          <a:endParaRPr lang="zh-TW" altLang="en-US"/>
+        </a:p>
+      </dgm:t>
+    </dgm:pt>
+    <dgm:pt modelId="{675BEA08-768B-4BC3-82ED-3C43FD0FE5DE}" type="sibTrans" cxnId="{1DACEBA5-D8A7-498D-94BD-43E1497C1D20}">
+      <dgm:prSet/>
+      <dgm:spPr/>
+      <dgm:t>
+        <a:bodyPr/>
+        <a:lstStyle/>
+        <a:p>
+          <a:endParaRPr lang="zh-TW" altLang="en-US"/>
+        </a:p>
+      </dgm:t>
+    </dgm:pt>
+    <dgm:pt modelId="{CBEF451C-002C-4F8A-B8B8-CE133B2DE466}">
+      <dgm:prSet phldrT="[文字]"/>
+      <dgm:spPr/>
+      <dgm:t>
+        <a:bodyPr/>
+        <a:lstStyle/>
+        <a:p>
+          <a:r>
+            <a:rPr lang="zh-TW" altLang="en-US" dirty="0">
+              <a:latin typeface="標楷體" panose="03000509000000000000" pitchFamily="65" charset="-120"/>
+              <a:ea typeface="標楷體" panose="03000509000000000000" pitchFamily="65" charset="-120"/>
+            </a:rPr>
+            <a:t>灰階</a:t>
+          </a:r>
+        </a:p>
+      </dgm:t>
+    </dgm:pt>
+    <dgm:pt modelId="{4FACE287-6892-4366-8E3F-6DADBB0223D7}" type="parTrans" cxnId="{53580D48-21F3-46D4-B31A-34050BCCDA33}">
+      <dgm:prSet/>
+      <dgm:spPr/>
+      <dgm:t>
+        <a:bodyPr/>
+        <a:lstStyle/>
+        <a:p>
+          <a:endParaRPr lang="zh-TW" altLang="en-US"/>
+        </a:p>
+      </dgm:t>
+    </dgm:pt>
+    <dgm:pt modelId="{4BB53C82-2A42-4C50-B5F3-D64E646843B5}" type="sibTrans" cxnId="{53580D48-21F3-46D4-B31A-34050BCCDA33}">
+      <dgm:prSet/>
+      <dgm:spPr/>
+      <dgm:t>
+        <a:bodyPr/>
+        <a:lstStyle/>
+        <a:p>
+          <a:endParaRPr lang="zh-TW" altLang="en-US"/>
+        </a:p>
+      </dgm:t>
+    </dgm:pt>
+    <dgm:pt modelId="{02415962-477A-465A-99B3-4A3540149C17}">
+      <dgm:prSet phldrT="[文字]"/>
+      <dgm:spPr/>
+      <dgm:t>
+        <a:bodyPr/>
+        <a:lstStyle/>
+        <a:p>
+          <a:r>
+            <a:rPr lang="zh-TW" altLang="en-US" dirty="0">
+              <a:latin typeface="標楷體" panose="03000509000000000000" pitchFamily="65" charset="-120"/>
+              <a:ea typeface="標楷體" panose="03000509000000000000" pitchFamily="65" charset="-120"/>
+            </a:rPr>
+            <a:t>高斯模糊</a:t>
+          </a:r>
+        </a:p>
+      </dgm:t>
+    </dgm:pt>
+    <dgm:pt modelId="{783F092E-61E2-4D45-B174-B67730C34FBE}" type="parTrans" cxnId="{DB1B3669-CC93-4D55-8820-BD7AA7F487FB}">
+      <dgm:prSet/>
+      <dgm:spPr/>
+      <dgm:t>
+        <a:bodyPr/>
+        <a:lstStyle/>
+        <a:p>
+          <a:endParaRPr lang="zh-TW" altLang="en-US"/>
+        </a:p>
+      </dgm:t>
+    </dgm:pt>
+    <dgm:pt modelId="{DFC88FEB-3B93-4A70-9394-5D1DD21B96DF}" type="sibTrans" cxnId="{DB1B3669-CC93-4D55-8820-BD7AA7F487FB}">
+      <dgm:prSet/>
+      <dgm:spPr/>
+      <dgm:t>
+        <a:bodyPr/>
+        <a:lstStyle/>
+        <a:p>
+          <a:endParaRPr lang="zh-TW" altLang="en-US"/>
+        </a:p>
+      </dgm:t>
+    </dgm:pt>
+    <dgm:pt modelId="{2261E63F-1F71-48CB-84CF-571A9E2DF3C7}">
+      <dgm:prSet phldrT="[文字]"/>
+      <dgm:spPr/>
+      <dgm:t>
+        <a:bodyPr/>
+        <a:lstStyle/>
+        <a:p>
+          <a:r>
+            <a:rPr lang="en-US" altLang="zh-TW" dirty="0">
+              <a:latin typeface="標楷體" panose="03000509000000000000" pitchFamily="65" charset="-120"/>
+              <a:ea typeface="標楷體" panose="03000509000000000000" pitchFamily="65" charset="-120"/>
+            </a:rPr>
+            <a:t>Canny</a:t>
+          </a:r>
+          <a:endParaRPr lang="zh-TW" altLang="en-US" dirty="0">
+            <a:latin typeface="標楷體" panose="03000509000000000000" pitchFamily="65" charset="-120"/>
+            <a:ea typeface="標楷體" panose="03000509000000000000" pitchFamily="65" charset="-120"/>
+          </a:endParaRPr>
+        </a:p>
+      </dgm:t>
+    </dgm:pt>
+    <dgm:pt modelId="{4B45BFDD-2DE5-4D86-B274-995552996976}" type="parTrans" cxnId="{FB116227-33D3-4E86-ADE6-95E9BB625E47}">
+      <dgm:prSet/>
+      <dgm:spPr/>
+      <dgm:t>
+        <a:bodyPr/>
+        <a:lstStyle/>
+        <a:p>
+          <a:endParaRPr lang="zh-TW" altLang="en-US"/>
+        </a:p>
+      </dgm:t>
+    </dgm:pt>
+    <dgm:pt modelId="{AB0EA4CC-F551-47F8-A498-A39C059D7175}" type="sibTrans" cxnId="{FB116227-33D3-4E86-ADE6-95E9BB625E47}">
+      <dgm:prSet/>
+      <dgm:spPr/>
+      <dgm:t>
+        <a:bodyPr/>
+        <a:lstStyle/>
+        <a:p>
+          <a:endParaRPr lang="zh-TW" altLang="en-US"/>
+        </a:p>
+      </dgm:t>
+    </dgm:pt>
+    <dgm:pt modelId="{918BAD50-96A9-4B34-AF09-B34997CA4C14}">
+      <dgm:prSet phldrT="[文字]"/>
+      <dgm:spPr/>
+      <dgm:t>
+        <a:bodyPr/>
+        <a:lstStyle/>
+        <a:p>
+          <a:r>
+            <a:rPr lang="zh-TW" altLang="en-US" dirty="0">
+              <a:latin typeface="標楷體" panose="03000509000000000000" pitchFamily="65" charset="-120"/>
+              <a:ea typeface="標楷體" panose="03000509000000000000" pitchFamily="65" charset="-120"/>
+            </a:rPr>
+            <a:t>創建遮罩</a:t>
+          </a:r>
+        </a:p>
+      </dgm:t>
+    </dgm:pt>
+    <dgm:pt modelId="{5FC43921-9CB9-438E-89B8-115B5C7332F0}" type="parTrans" cxnId="{D167ADA8-DDC4-47FA-8864-2401C2B5B1DC}">
+      <dgm:prSet/>
+      <dgm:spPr/>
+      <dgm:t>
+        <a:bodyPr/>
+        <a:lstStyle/>
+        <a:p>
+          <a:endParaRPr lang="zh-TW" altLang="en-US"/>
+        </a:p>
+      </dgm:t>
+    </dgm:pt>
+    <dgm:pt modelId="{D9428D81-0D1E-4E0C-A2D0-CC3983CAA96B}" type="sibTrans" cxnId="{D167ADA8-DDC4-47FA-8864-2401C2B5B1DC}">
+      <dgm:prSet/>
+      <dgm:spPr/>
+      <dgm:t>
+        <a:bodyPr/>
+        <a:lstStyle/>
+        <a:p>
+          <a:endParaRPr lang="zh-TW" altLang="en-US"/>
+        </a:p>
+      </dgm:t>
+    </dgm:pt>
+    <dgm:pt modelId="{2FA36327-CA99-4F6A-B5DD-521D413B1B43}">
+      <dgm:prSet phldrT="[文字]"/>
+      <dgm:spPr/>
+      <dgm:t>
+        <a:bodyPr/>
+        <a:lstStyle/>
+        <a:p>
+          <a:r>
+            <a:rPr lang="zh-TW" altLang="en-US" dirty="0">
+              <a:latin typeface="標楷體" panose="03000509000000000000" pitchFamily="65" charset="-120"/>
+              <a:ea typeface="標楷體" panose="03000509000000000000" pitchFamily="65" charset="-120"/>
+            </a:rPr>
+            <a:t>刪除多於區域</a:t>
+          </a:r>
+        </a:p>
+      </dgm:t>
+    </dgm:pt>
+    <dgm:pt modelId="{1C99B740-439E-4A96-87A0-C328AC45357E}" type="parTrans" cxnId="{45B77580-AB29-4429-AA25-4C1011A1B06D}">
+      <dgm:prSet/>
+      <dgm:spPr/>
+      <dgm:t>
+        <a:bodyPr/>
+        <a:lstStyle/>
+        <a:p>
+          <a:endParaRPr lang="zh-TW" altLang="en-US"/>
+        </a:p>
+      </dgm:t>
+    </dgm:pt>
+    <dgm:pt modelId="{50F07964-8CFB-46B0-A0F8-0BBAF159AF70}" type="sibTrans" cxnId="{45B77580-AB29-4429-AA25-4C1011A1B06D}">
+      <dgm:prSet/>
+      <dgm:spPr/>
+      <dgm:t>
+        <a:bodyPr/>
+        <a:lstStyle/>
+        <a:p>
+          <a:endParaRPr lang="zh-TW" altLang="en-US"/>
+        </a:p>
+      </dgm:t>
+    </dgm:pt>
+    <dgm:pt modelId="{E44A941C-612F-4E92-924D-FFE0B5850B7F}">
+      <dgm:prSet phldrT="[文字]"/>
+      <dgm:spPr/>
+      <dgm:t>
+        <a:bodyPr/>
+        <a:lstStyle/>
+        <a:p>
+          <a:r>
+            <a:rPr lang="zh-TW" altLang="en-US" dirty="0">
+              <a:latin typeface="標楷體" panose="03000509000000000000" pitchFamily="65" charset="-120"/>
+              <a:ea typeface="標楷體" panose="03000509000000000000" pitchFamily="65" charset="-120"/>
+            </a:rPr>
+            <a:t>儲存車牌</a:t>
+          </a:r>
+        </a:p>
+      </dgm:t>
+    </dgm:pt>
+    <dgm:pt modelId="{D5EB77A5-BF1A-4944-ABC0-17CE1BD598F3}" type="parTrans" cxnId="{5384969D-29CE-4F40-A041-AE0A5557C515}">
+      <dgm:prSet/>
+      <dgm:spPr/>
+      <dgm:t>
+        <a:bodyPr/>
+        <a:lstStyle/>
+        <a:p>
+          <a:endParaRPr lang="zh-TW" altLang="en-US"/>
+        </a:p>
+      </dgm:t>
+    </dgm:pt>
+    <dgm:pt modelId="{0DA389DA-4985-4B68-96B6-A2FD5944D1F1}" type="sibTrans" cxnId="{5384969D-29CE-4F40-A041-AE0A5557C515}">
+      <dgm:prSet/>
+      <dgm:spPr/>
+      <dgm:t>
+        <a:bodyPr/>
+        <a:lstStyle/>
+        <a:p>
+          <a:endParaRPr lang="zh-TW" altLang="en-US"/>
+        </a:p>
+      </dgm:t>
+    </dgm:pt>
+    <dgm:pt modelId="{B65984E6-4FB2-478C-B2DD-C276AF98699E}">
+      <dgm:prSet phldrT="[文字]"/>
+      <dgm:spPr/>
+      <dgm:t>
+        <a:bodyPr/>
+        <a:lstStyle/>
+        <a:p>
+          <a:r>
+            <a:rPr lang="zh-TW" altLang="en-US" dirty="0">
+              <a:latin typeface="標楷體" panose="03000509000000000000" pitchFamily="65" charset="-120"/>
+              <a:ea typeface="標楷體" panose="03000509000000000000" pitchFamily="65" charset="-120"/>
+            </a:rPr>
+            <a:t>刪除車牌</a:t>
+          </a:r>
+        </a:p>
+      </dgm:t>
+    </dgm:pt>
+    <dgm:pt modelId="{181C8E2B-E214-43B3-8B00-EFF5CA0CFE4A}" type="parTrans" cxnId="{706C047B-8F82-46FE-A37A-46C554ADE4AE}">
+      <dgm:prSet/>
+      <dgm:spPr/>
+      <dgm:t>
+        <a:bodyPr/>
+        <a:lstStyle/>
+        <a:p>
+          <a:endParaRPr lang="zh-TW" altLang="en-US"/>
+        </a:p>
+      </dgm:t>
+    </dgm:pt>
+    <dgm:pt modelId="{8CCB7E6D-D8BF-4656-8DC7-3DFDBB443321}" type="sibTrans" cxnId="{706C047B-8F82-46FE-A37A-46C554ADE4AE}">
+      <dgm:prSet/>
+      <dgm:spPr/>
+      <dgm:t>
+        <a:bodyPr/>
+        <a:lstStyle/>
+        <a:p>
+          <a:endParaRPr lang="zh-TW" altLang="en-US"/>
+        </a:p>
+      </dgm:t>
+    </dgm:pt>
+    <dgm:pt modelId="{82B76CE7-267E-4C86-9DD1-D083C56A0CF3}">
+      <dgm:prSet phldrT="[文字]"/>
+      <dgm:spPr>
+        <a:solidFill>
+          <a:schemeClr val="accent2">
+            <a:lumMod val="75000"/>
+          </a:schemeClr>
+        </a:solidFill>
+      </dgm:spPr>
+      <dgm:t>
+        <a:bodyPr/>
+        <a:lstStyle/>
+        <a:p>
+          <a:r>
+            <a:rPr lang="en-US" altLang="zh-TW" dirty="0">
+              <a:latin typeface="標楷體" panose="03000509000000000000" pitchFamily="65" charset="-120"/>
+              <a:ea typeface="標楷體" panose="03000509000000000000" pitchFamily="65" charset="-120"/>
+            </a:rPr>
+            <a:t>UI</a:t>
+          </a:r>
+          <a:r>
+            <a:rPr lang="zh-TW" altLang="en-US" dirty="0">
+              <a:latin typeface="標楷體" panose="03000509000000000000" pitchFamily="65" charset="-120"/>
+              <a:ea typeface="標楷體" panose="03000509000000000000" pitchFamily="65" charset="-120"/>
+            </a:rPr>
+            <a:t>介面</a:t>
+          </a:r>
+        </a:p>
+      </dgm:t>
+    </dgm:pt>
+    <dgm:pt modelId="{0B3EF5B0-5AF0-4A5D-9129-21FEE5080755}" type="parTrans" cxnId="{E114095B-1EDD-4927-B2C8-0E45B49DF5FB}">
+      <dgm:prSet/>
+      <dgm:spPr/>
+      <dgm:t>
+        <a:bodyPr/>
+        <a:lstStyle/>
+        <a:p>
+          <a:endParaRPr lang="zh-TW" altLang="en-US"/>
+        </a:p>
+      </dgm:t>
+    </dgm:pt>
+    <dgm:pt modelId="{226B15C2-A4B6-4A17-880B-0C2E180D5E3D}" type="sibTrans" cxnId="{E114095B-1EDD-4927-B2C8-0E45B49DF5FB}">
+      <dgm:prSet/>
+      <dgm:spPr/>
+      <dgm:t>
+        <a:bodyPr/>
+        <a:lstStyle/>
+        <a:p>
+          <a:endParaRPr lang="zh-TW" altLang="en-US"/>
+        </a:p>
+      </dgm:t>
+    </dgm:pt>
+    <dgm:pt modelId="{471E8A3D-0412-4888-BDDC-4650B60A0162}">
+      <dgm:prSet phldrT="[文字]"/>
+      <dgm:spPr/>
+      <dgm:t>
+        <a:bodyPr/>
+        <a:lstStyle/>
+        <a:p>
+          <a:r>
+            <a:rPr lang="en-US" altLang="zh-TW" dirty="0" err="1">
+              <a:latin typeface="標楷體" panose="03000509000000000000" pitchFamily="65" charset="-120"/>
+              <a:ea typeface="標楷體" panose="03000509000000000000" pitchFamily="65" charset="-120"/>
+            </a:rPr>
+            <a:t>Tkinter</a:t>
+          </a:r>
+          <a:endParaRPr lang="zh-TW" altLang="en-US" dirty="0">
+            <a:latin typeface="標楷體" panose="03000509000000000000" pitchFamily="65" charset="-120"/>
+            <a:ea typeface="標楷體" panose="03000509000000000000" pitchFamily="65" charset="-120"/>
+          </a:endParaRPr>
+        </a:p>
+      </dgm:t>
+    </dgm:pt>
+    <dgm:pt modelId="{0709EB14-A909-49EE-A1F6-B8ACCE8A6E47}" type="parTrans" cxnId="{561F7E71-C7E3-49AB-8D28-07EA165EE92F}">
+      <dgm:prSet/>
+      <dgm:spPr/>
+      <dgm:t>
+        <a:bodyPr/>
+        <a:lstStyle/>
+        <a:p>
+          <a:endParaRPr lang="zh-TW" altLang="en-US"/>
+        </a:p>
+      </dgm:t>
+    </dgm:pt>
+    <dgm:pt modelId="{15359F1C-1B69-4E60-A475-AE8C100AF9AF}" type="sibTrans" cxnId="{561F7E71-C7E3-49AB-8D28-07EA165EE92F}">
+      <dgm:prSet/>
+      <dgm:spPr/>
+      <dgm:t>
+        <a:bodyPr/>
+        <a:lstStyle/>
+        <a:p>
+          <a:endParaRPr lang="zh-TW" altLang="en-US"/>
+        </a:p>
+      </dgm:t>
+    </dgm:pt>
+    <dgm:pt modelId="{A3FEA41B-5F13-42FE-969D-42376385971B}" type="pres">
+      <dgm:prSet presAssocID="{F23A4E3D-CF8F-4FFC-85E5-7BAF190C36D0}" presName="hierChild1" presStyleCnt="0">
+        <dgm:presLayoutVars>
+          <dgm:orgChart val="1"/>
+          <dgm:chPref val="1"/>
+          <dgm:dir/>
+          <dgm:animOne val="branch"/>
+          <dgm:animLvl val="lvl"/>
+          <dgm:resizeHandles/>
+        </dgm:presLayoutVars>
+      </dgm:prSet>
+      <dgm:spPr/>
+    </dgm:pt>
+    <dgm:pt modelId="{B511E66D-F516-446A-BF9A-38B0DC02F5A5}" type="pres">
+      <dgm:prSet presAssocID="{89448955-38CC-44B4-9AE1-C2203D300AA9}" presName="hierRoot1" presStyleCnt="0">
+        <dgm:presLayoutVars>
+          <dgm:hierBranch val="init"/>
+        </dgm:presLayoutVars>
+      </dgm:prSet>
+      <dgm:spPr/>
+    </dgm:pt>
+    <dgm:pt modelId="{11D83D36-8801-499F-A284-C2CE5C9A1988}" type="pres">
+      <dgm:prSet presAssocID="{89448955-38CC-44B4-9AE1-C2203D300AA9}" presName="rootComposite1" presStyleCnt="0"/>
+      <dgm:spPr/>
+    </dgm:pt>
+    <dgm:pt modelId="{9BFD6066-5CF0-4E60-A687-521DCE7DDDF8}" type="pres">
+      <dgm:prSet presAssocID="{89448955-38CC-44B4-9AE1-C2203D300AA9}" presName="rootText1" presStyleLbl="node0" presStyleIdx="0" presStyleCnt="1">
+        <dgm:presLayoutVars>
+          <dgm:chPref val="3"/>
+        </dgm:presLayoutVars>
+      </dgm:prSet>
+      <dgm:spPr/>
+    </dgm:pt>
+    <dgm:pt modelId="{733E7F8D-91A6-49D0-91D3-34EC11790FD6}" type="pres">
+      <dgm:prSet presAssocID="{89448955-38CC-44B4-9AE1-C2203D300AA9}" presName="rootConnector1" presStyleLbl="node1" presStyleIdx="0" presStyleCnt="0"/>
+      <dgm:spPr/>
+    </dgm:pt>
+    <dgm:pt modelId="{03C4FB5A-F466-4C13-846C-F1ABF63E6135}" type="pres">
+      <dgm:prSet presAssocID="{89448955-38CC-44B4-9AE1-C2203D300AA9}" presName="hierChild2" presStyleCnt="0"/>
+      <dgm:spPr/>
+    </dgm:pt>
+    <dgm:pt modelId="{2D56B674-C19A-4ABD-B9B3-F3B80163672B}" type="pres">
+      <dgm:prSet presAssocID="{6EE4B883-E573-4421-97E5-D8AA25BC89AA}" presName="Name37" presStyleLbl="parChTrans1D2" presStyleIdx="0" presStyleCnt="5"/>
+      <dgm:spPr/>
+    </dgm:pt>
+    <dgm:pt modelId="{8189F617-4662-47DC-A45D-177E7455F3C3}" type="pres">
+      <dgm:prSet presAssocID="{8F52081D-1F31-41EF-B85D-3BD0B9C73943}" presName="hierRoot2" presStyleCnt="0">
+        <dgm:presLayoutVars>
+          <dgm:hierBranch val="init"/>
+        </dgm:presLayoutVars>
+      </dgm:prSet>
+      <dgm:spPr/>
+    </dgm:pt>
+    <dgm:pt modelId="{55D9871D-66F9-4CF6-B9BD-E6D0580D2F62}" type="pres">
+      <dgm:prSet presAssocID="{8F52081D-1F31-41EF-B85D-3BD0B9C73943}" presName="rootComposite" presStyleCnt="0"/>
+      <dgm:spPr/>
+    </dgm:pt>
+    <dgm:pt modelId="{2C54278C-D6A4-49CC-AB46-B26EFEEAEAA1}" type="pres">
+      <dgm:prSet presAssocID="{8F52081D-1F31-41EF-B85D-3BD0B9C73943}" presName="rootText" presStyleLbl="node2" presStyleIdx="0" presStyleCnt="5" custLinFactX="-17166" custLinFactNeighborX="-100000" custLinFactNeighborY="2326">
+        <dgm:presLayoutVars>
+          <dgm:chPref val="3"/>
+        </dgm:presLayoutVars>
+      </dgm:prSet>
+      <dgm:spPr/>
+    </dgm:pt>
+    <dgm:pt modelId="{F1EAEC0C-011A-402C-BF1C-B79D18DA3015}" type="pres">
+      <dgm:prSet presAssocID="{8F52081D-1F31-41EF-B85D-3BD0B9C73943}" presName="rootConnector" presStyleLbl="node2" presStyleIdx="0" presStyleCnt="5"/>
+      <dgm:spPr/>
+    </dgm:pt>
+    <dgm:pt modelId="{86813D8A-2C6E-4532-B971-06CFBF5D08AB}" type="pres">
+      <dgm:prSet presAssocID="{8F52081D-1F31-41EF-B85D-3BD0B9C73943}" presName="hierChild4" presStyleCnt="0"/>
+      <dgm:spPr/>
+    </dgm:pt>
+    <dgm:pt modelId="{3758D57D-AB2C-422F-BDD6-2A9CFA8127BF}" type="pres">
+      <dgm:prSet presAssocID="{6B1D037D-23E8-463A-8F4D-236990C4CB5D}" presName="Name37" presStyleLbl="parChTrans1D3" presStyleIdx="0" presStyleCnt="9"/>
+      <dgm:spPr/>
+    </dgm:pt>
+    <dgm:pt modelId="{7FA6B409-64F5-4AC5-9192-77A602AFC81C}" type="pres">
+      <dgm:prSet presAssocID="{9A89BBE0-C7CA-424F-B4CD-F8715AA66FEC}" presName="hierRoot2" presStyleCnt="0">
+        <dgm:presLayoutVars>
+          <dgm:hierBranch val="init"/>
+        </dgm:presLayoutVars>
+      </dgm:prSet>
+      <dgm:spPr/>
+    </dgm:pt>
+    <dgm:pt modelId="{F89557D4-99C9-4E60-83E4-40DB493E68C3}" type="pres">
+      <dgm:prSet presAssocID="{9A89BBE0-C7CA-424F-B4CD-F8715AA66FEC}" presName="rootComposite" presStyleCnt="0"/>
+      <dgm:spPr/>
+    </dgm:pt>
+    <dgm:pt modelId="{A6C9AA09-511A-4B42-9DAF-4E44EB5CBF4E}" type="pres">
+      <dgm:prSet presAssocID="{9A89BBE0-C7CA-424F-B4CD-F8715AA66FEC}" presName="rootText" presStyleLbl="node3" presStyleIdx="0" presStyleCnt="9" custLinFactNeighborX="-72900" custLinFactNeighborY="14920">
+        <dgm:presLayoutVars>
+          <dgm:chPref val="3"/>
+        </dgm:presLayoutVars>
+      </dgm:prSet>
+      <dgm:spPr/>
+    </dgm:pt>
+    <dgm:pt modelId="{F8FF4914-5333-4B79-9D93-D481E4977F57}" type="pres">
+      <dgm:prSet presAssocID="{9A89BBE0-C7CA-424F-B4CD-F8715AA66FEC}" presName="rootConnector" presStyleLbl="node3" presStyleIdx="0" presStyleCnt="9"/>
+      <dgm:spPr/>
+    </dgm:pt>
+    <dgm:pt modelId="{8BF67FF6-E030-4890-A3B5-D898CD2521B8}" type="pres">
+      <dgm:prSet presAssocID="{9A89BBE0-C7CA-424F-B4CD-F8715AA66FEC}" presName="hierChild4" presStyleCnt="0"/>
+      <dgm:spPr/>
+    </dgm:pt>
+    <dgm:pt modelId="{199B1188-ED6E-4785-A7C1-DBA3C0DDC07E}" type="pres">
+      <dgm:prSet presAssocID="{9A89BBE0-C7CA-424F-B4CD-F8715AA66FEC}" presName="hierChild5" presStyleCnt="0"/>
+      <dgm:spPr/>
+    </dgm:pt>
+    <dgm:pt modelId="{DF0D2AA3-77AB-419C-9D23-326F9D37C5D4}" type="pres">
+      <dgm:prSet presAssocID="{4FACE287-6892-4366-8E3F-6DADBB0223D7}" presName="Name37" presStyleLbl="parChTrans1D3" presStyleIdx="1" presStyleCnt="9"/>
+      <dgm:spPr/>
+    </dgm:pt>
+    <dgm:pt modelId="{DA732A07-4D4B-43D4-A862-68D540D83CE7}" type="pres">
+      <dgm:prSet presAssocID="{CBEF451C-002C-4F8A-B8B8-CE133B2DE466}" presName="hierRoot2" presStyleCnt="0">
+        <dgm:presLayoutVars>
+          <dgm:hierBranch val="init"/>
+        </dgm:presLayoutVars>
+      </dgm:prSet>
+      <dgm:spPr/>
+    </dgm:pt>
+    <dgm:pt modelId="{6F7ACB29-1FF5-4024-968D-5668765DEA71}" type="pres">
+      <dgm:prSet presAssocID="{CBEF451C-002C-4F8A-B8B8-CE133B2DE466}" presName="rootComposite" presStyleCnt="0"/>
+      <dgm:spPr/>
+    </dgm:pt>
+    <dgm:pt modelId="{DC117704-7E65-4732-B80D-668AB7BE02E2}" type="pres">
+      <dgm:prSet presAssocID="{CBEF451C-002C-4F8A-B8B8-CE133B2DE466}" presName="rootText" presStyleLbl="node3" presStyleIdx="1" presStyleCnt="9" custLinFactNeighborX="-72900" custLinFactNeighborY="14920">
+        <dgm:presLayoutVars>
+          <dgm:chPref val="3"/>
+        </dgm:presLayoutVars>
+      </dgm:prSet>
+      <dgm:spPr/>
+    </dgm:pt>
+    <dgm:pt modelId="{E01CD6BE-EF90-436B-A4FE-B01AA9811E62}" type="pres">
+      <dgm:prSet presAssocID="{CBEF451C-002C-4F8A-B8B8-CE133B2DE466}" presName="rootConnector" presStyleLbl="node3" presStyleIdx="1" presStyleCnt="9"/>
+      <dgm:spPr/>
+    </dgm:pt>
+    <dgm:pt modelId="{6ED1C77B-30C8-4055-BDCB-77B926D16B3D}" type="pres">
+      <dgm:prSet presAssocID="{CBEF451C-002C-4F8A-B8B8-CE133B2DE466}" presName="hierChild4" presStyleCnt="0"/>
+      <dgm:spPr/>
+    </dgm:pt>
+    <dgm:pt modelId="{372FEA24-2924-4841-BD30-B37A75E1FC55}" type="pres">
+      <dgm:prSet presAssocID="{CBEF451C-002C-4F8A-B8B8-CE133B2DE466}" presName="hierChild5" presStyleCnt="0"/>
+      <dgm:spPr/>
+    </dgm:pt>
+    <dgm:pt modelId="{EC60AC49-AA5E-426F-A90A-8E4A7B5A721D}" type="pres">
+      <dgm:prSet presAssocID="{783F092E-61E2-4D45-B174-B67730C34FBE}" presName="Name37" presStyleLbl="parChTrans1D3" presStyleIdx="2" presStyleCnt="9"/>
+      <dgm:spPr/>
+    </dgm:pt>
+    <dgm:pt modelId="{F74D8415-F9B0-4F2D-84C6-1403FD07D64B}" type="pres">
+      <dgm:prSet presAssocID="{02415962-477A-465A-99B3-4A3540149C17}" presName="hierRoot2" presStyleCnt="0">
+        <dgm:presLayoutVars>
+          <dgm:hierBranch val="init"/>
+        </dgm:presLayoutVars>
+      </dgm:prSet>
+      <dgm:spPr/>
+    </dgm:pt>
+    <dgm:pt modelId="{D45BD0BE-0546-4945-AAA0-8E0951F60CE2}" type="pres">
+      <dgm:prSet presAssocID="{02415962-477A-465A-99B3-4A3540149C17}" presName="rootComposite" presStyleCnt="0"/>
+      <dgm:spPr/>
+    </dgm:pt>
+    <dgm:pt modelId="{413D91AD-4C30-4279-A6F9-F8962D1713BF}" type="pres">
+      <dgm:prSet presAssocID="{02415962-477A-465A-99B3-4A3540149C17}" presName="rootText" presStyleLbl="node3" presStyleIdx="2" presStyleCnt="9" custLinFactNeighborX="-72900" custLinFactNeighborY="14920">
+        <dgm:presLayoutVars>
+          <dgm:chPref val="3"/>
+        </dgm:presLayoutVars>
+      </dgm:prSet>
+      <dgm:spPr/>
+    </dgm:pt>
+    <dgm:pt modelId="{EFEC9B66-4E9F-42D5-8998-8D5F36A6917D}" type="pres">
+      <dgm:prSet presAssocID="{02415962-477A-465A-99B3-4A3540149C17}" presName="rootConnector" presStyleLbl="node3" presStyleIdx="2" presStyleCnt="9"/>
+      <dgm:spPr/>
+    </dgm:pt>
+    <dgm:pt modelId="{FBEE64C3-EEE8-4769-B7EF-486A918B4D15}" type="pres">
+      <dgm:prSet presAssocID="{02415962-477A-465A-99B3-4A3540149C17}" presName="hierChild4" presStyleCnt="0"/>
+      <dgm:spPr/>
+    </dgm:pt>
+    <dgm:pt modelId="{BBF36520-681B-496B-A561-7564A2098347}" type="pres">
+      <dgm:prSet presAssocID="{02415962-477A-465A-99B3-4A3540149C17}" presName="hierChild5" presStyleCnt="0"/>
+      <dgm:spPr/>
+    </dgm:pt>
+    <dgm:pt modelId="{423FE704-C9D8-46BB-BBF4-3B7F823E94F2}" type="pres">
+      <dgm:prSet presAssocID="{4B45BFDD-2DE5-4D86-B274-995552996976}" presName="Name37" presStyleLbl="parChTrans1D3" presStyleIdx="3" presStyleCnt="9"/>
+      <dgm:spPr/>
+    </dgm:pt>
+    <dgm:pt modelId="{EF9C43A8-1740-4A72-8519-2F6BA8DAE211}" type="pres">
+      <dgm:prSet presAssocID="{2261E63F-1F71-48CB-84CF-571A9E2DF3C7}" presName="hierRoot2" presStyleCnt="0">
+        <dgm:presLayoutVars>
+          <dgm:hierBranch val="init"/>
+        </dgm:presLayoutVars>
+      </dgm:prSet>
+      <dgm:spPr/>
+    </dgm:pt>
+    <dgm:pt modelId="{C07C539F-BC5C-4C8F-845C-E0FE5BC7CECC}" type="pres">
+      <dgm:prSet presAssocID="{2261E63F-1F71-48CB-84CF-571A9E2DF3C7}" presName="rootComposite" presStyleCnt="0"/>
+      <dgm:spPr/>
+    </dgm:pt>
+    <dgm:pt modelId="{EA11CD3A-E2AE-49AE-A406-DA16ED0BBDB4}" type="pres">
+      <dgm:prSet presAssocID="{2261E63F-1F71-48CB-84CF-571A9E2DF3C7}" presName="rootText" presStyleLbl="node3" presStyleIdx="3" presStyleCnt="9" custLinFactNeighborX="-72900" custLinFactNeighborY="7359">
+        <dgm:presLayoutVars>
+          <dgm:chPref val="3"/>
+        </dgm:presLayoutVars>
+      </dgm:prSet>
+      <dgm:spPr/>
+    </dgm:pt>
+    <dgm:pt modelId="{32D1FC56-D12D-4842-B9A6-A0E3318BD6FC}" type="pres">
+      <dgm:prSet presAssocID="{2261E63F-1F71-48CB-84CF-571A9E2DF3C7}" presName="rootConnector" presStyleLbl="node3" presStyleIdx="3" presStyleCnt="9"/>
+      <dgm:spPr/>
+    </dgm:pt>
+    <dgm:pt modelId="{09745FC5-558F-4E21-A455-85E305EF4682}" type="pres">
+      <dgm:prSet presAssocID="{2261E63F-1F71-48CB-84CF-571A9E2DF3C7}" presName="hierChild4" presStyleCnt="0"/>
+      <dgm:spPr/>
+    </dgm:pt>
+    <dgm:pt modelId="{DB15A204-FB13-47E8-A653-D2ACDD4F85FA}" type="pres">
+      <dgm:prSet presAssocID="{2261E63F-1F71-48CB-84CF-571A9E2DF3C7}" presName="hierChild5" presStyleCnt="0"/>
+      <dgm:spPr/>
+    </dgm:pt>
+    <dgm:pt modelId="{698477A8-2928-4D6C-8525-31934334CC7F}" type="pres">
+      <dgm:prSet presAssocID="{8F52081D-1F31-41EF-B85D-3BD0B9C73943}" presName="hierChild5" presStyleCnt="0"/>
+      <dgm:spPr/>
+    </dgm:pt>
+    <dgm:pt modelId="{AAEB0403-AD2A-47DD-8C8A-EE5DCEA14D79}" type="pres">
+      <dgm:prSet presAssocID="{358044DA-B012-4215-9130-4442A22BCA33}" presName="Name37" presStyleLbl="parChTrans1D2" presStyleIdx="1" presStyleCnt="5"/>
+      <dgm:spPr/>
+    </dgm:pt>
+    <dgm:pt modelId="{B069CD4E-470D-4802-8395-CF9D35033894}" type="pres">
+      <dgm:prSet presAssocID="{BEA0552F-7C77-4CDE-85D3-708AD1A14619}" presName="hierRoot2" presStyleCnt="0">
+        <dgm:presLayoutVars>
+          <dgm:hierBranch val="init"/>
+        </dgm:presLayoutVars>
+      </dgm:prSet>
+      <dgm:spPr/>
+    </dgm:pt>
+    <dgm:pt modelId="{D558757F-0201-49DA-83FE-B0205461BEA4}" type="pres">
+      <dgm:prSet presAssocID="{BEA0552F-7C77-4CDE-85D3-708AD1A14619}" presName="rootComposite" presStyleCnt="0"/>
+      <dgm:spPr/>
+    </dgm:pt>
+    <dgm:pt modelId="{8B9F627B-1E21-4E08-BCBE-B52C776231C1}" type="pres">
+      <dgm:prSet presAssocID="{BEA0552F-7C77-4CDE-85D3-708AD1A14619}" presName="rootText" presStyleLbl="node2" presStyleIdx="1" presStyleCnt="5" custLinFactNeighborX="-44950" custLinFactNeighborY="4873">
+        <dgm:presLayoutVars>
+          <dgm:chPref val="3"/>
+        </dgm:presLayoutVars>
+      </dgm:prSet>
+      <dgm:spPr/>
+    </dgm:pt>
+    <dgm:pt modelId="{AA239643-97FC-4231-914A-EE09BB29876F}" type="pres">
+      <dgm:prSet presAssocID="{BEA0552F-7C77-4CDE-85D3-708AD1A14619}" presName="rootConnector" presStyleLbl="node2" presStyleIdx="1" presStyleCnt="5"/>
+      <dgm:spPr/>
+    </dgm:pt>
+    <dgm:pt modelId="{B4731A07-9368-4707-A151-4780BA014B1C}" type="pres">
+      <dgm:prSet presAssocID="{BEA0552F-7C77-4CDE-85D3-708AD1A14619}" presName="hierChild4" presStyleCnt="0"/>
+      <dgm:spPr/>
+    </dgm:pt>
+    <dgm:pt modelId="{F72AC698-7D07-440D-B1B0-FEE8B5B70E8D}" type="pres">
+      <dgm:prSet presAssocID="{5FC43921-9CB9-438E-89B8-115B5C7332F0}" presName="Name37" presStyleLbl="parChTrans1D3" presStyleIdx="4" presStyleCnt="9"/>
+      <dgm:spPr/>
+    </dgm:pt>
+    <dgm:pt modelId="{127C4773-9E1F-416A-8D7B-3E42BB0283F8}" type="pres">
+      <dgm:prSet presAssocID="{918BAD50-96A9-4B34-AF09-B34997CA4C14}" presName="hierRoot2" presStyleCnt="0">
+        <dgm:presLayoutVars>
+          <dgm:hierBranch val="init"/>
+        </dgm:presLayoutVars>
+      </dgm:prSet>
+      <dgm:spPr/>
+    </dgm:pt>
+    <dgm:pt modelId="{EBEFE014-74C5-4F42-A509-A399876E2106}" type="pres">
+      <dgm:prSet presAssocID="{918BAD50-96A9-4B34-AF09-B34997CA4C14}" presName="rootComposite" presStyleCnt="0"/>
+      <dgm:spPr/>
+    </dgm:pt>
+    <dgm:pt modelId="{42668478-F7EA-42B0-8466-8D5B3E31351B}" type="pres">
+      <dgm:prSet presAssocID="{918BAD50-96A9-4B34-AF09-B34997CA4C14}" presName="rootText" presStyleLbl="node3" presStyleIdx="4" presStyleCnt="9" custLinFactNeighborX="-44950" custLinFactNeighborY="4873">
+        <dgm:presLayoutVars>
+          <dgm:chPref val="3"/>
+        </dgm:presLayoutVars>
+      </dgm:prSet>
+      <dgm:spPr/>
+    </dgm:pt>
+    <dgm:pt modelId="{077F8FD9-6148-4454-9408-71A8E8B6F5B7}" type="pres">
+      <dgm:prSet presAssocID="{918BAD50-96A9-4B34-AF09-B34997CA4C14}" presName="rootConnector" presStyleLbl="node3" presStyleIdx="4" presStyleCnt="9"/>
+      <dgm:spPr/>
+    </dgm:pt>
+    <dgm:pt modelId="{BEF735B6-074F-4CE3-81DA-5E21F458484A}" type="pres">
+      <dgm:prSet presAssocID="{918BAD50-96A9-4B34-AF09-B34997CA4C14}" presName="hierChild4" presStyleCnt="0"/>
+      <dgm:spPr/>
+    </dgm:pt>
+    <dgm:pt modelId="{7D756025-0E7F-4F84-B6A0-317345CD6641}" type="pres">
+      <dgm:prSet presAssocID="{918BAD50-96A9-4B34-AF09-B34997CA4C14}" presName="hierChild5" presStyleCnt="0"/>
+      <dgm:spPr/>
+    </dgm:pt>
+    <dgm:pt modelId="{26BFFC41-91E7-4992-A301-EF2C7AEF7808}" type="pres">
+      <dgm:prSet presAssocID="{1C99B740-439E-4A96-87A0-C328AC45357E}" presName="Name37" presStyleLbl="parChTrans1D3" presStyleIdx="5" presStyleCnt="9"/>
+      <dgm:spPr/>
+    </dgm:pt>
+    <dgm:pt modelId="{837AE238-14B9-42EA-8DF4-ACCA86F83B32}" type="pres">
+      <dgm:prSet presAssocID="{2FA36327-CA99-4F6A-B5DD-521D413B1B43}" presName="hierRoot2" presStyleCnt="0">
+        <dgm:presLayoutVars>
+          <dgm:hierBranch val="init"/>
+        </dgm:presLayoutVars>
+      </dgm:prSet>
+      <dgm:spPr/>
+    </dgm:pt>
+    <dgm:pt modelId="{89673F01-9411-4172-99B7-7310B14F5383}" type="pres">
+      <dgm:prSet presAssocID="{2FA36327-CA99-4F6A-B5DD-521D413B1B43}" presName="rootComposite" presStyleCnt="0"/>
+      <dgm:spPr/>
+    </dgm:pt>
+    <dgm:pt modelId="{A8014437-CC62-4F5F-8DA8-5FEF458377F2}" type="pres">
+      <dgm:prSet presAssocID="{2FA36327-CA99-4F6A-B5DD-521D413B1B43}" presName="rootText" presStyleLbl="node3" presStyleIdx="5" presStyleCnt="9" custLinFactNeighborX="-44950" custLinFactNeighborY="4873">
+        <dgm:presLayoutVars>
+          <dgm:chPref val="3"/>
+        </dgm:presLayoutVars>
+      </dgm:prSet>
+      <dgm:spPr/>
+    </dgm:pt>
+    <dgm:pt modelId="{14908242-A76A-48AE-A64E-DB25C8E90F4C}" type="pres">
+      <dgm:prSet presAssocID="{2FA36327-CA99-4F6A-B5DD-521D413B1B43}" presName="rootConnector" presStyleLbl="node3" presStyleIdx="5" presStyleCnt="9"/>
+      <dgm:spPr/>
+    </dgm:pt>
+    <dgm:pt modelId="{D421A73E-8432-4278-824A-A9F35CBBB54A}" type="pres">
+      <dgm:prSet presAssocID="{2FA36327-CA99-4F6A-B5DD-521D413B1B43}" presName="hierChild4" presStyleCnt="0"/>
+      <dgm:spPr/>
+    </dgm:pt>
+    <dgm:pt modelId="{4F0413B8-BB13-4721-B816-89988E592AAA}" type="pres">
+      <dgm:prSet presAssocID="{2FA36327-CA99-4F6A-B5DD-521D413B1B43}" presName="hierChild5" presStyleCnt="0"/>
+      <dgm:spPr/>
+    </dgm:pt>
+    <dgm:pt modelId="{4B8FAD81-8006-4BF1-9599-152A34855001}" type="pres">
+      <dgm:prSet presAssocID="{BEA0552F-7C77-4CDE-85D3-708AD1A14619}" presName="hierChild5" presStyleCnt="0"/>
+      <dgm:spPr/>
+    </dgm:pt>
+    <dgm:pt modelId="{52970560-E4A8-48B7-BFA7-FC8E4C509969}" type="pres">
+      <dgm:prSet presAssocID="{34967EF8-7953-475F-B501-826D1CB31E58}" presName="Name37" presStyleLbl="parChTrans1D2" presStyleIdx="2" presStyleCnt="5"/>
+      <dgm:spPr/>
+    </dgm:pt>
+    <dgm:pt modelId="{B74147BA-DF77-4794-82DA-1A617203570A}" type="pres">
+      <dgm:prSet presAssocID="{B0860D4C-F5A2-4FE3-A038-3AE6739CB2F8}" presName="hierRoot2" presStyleCnt="0">
+        <dgm:presLayoutVars>
+          <dgm:hierBranch val="init"/>
+        </dgm:presLayoutVars>
+      </dgm:prSet>
+      <dgm:spPr/>
+    </dgm:pt>
+    <dgm:pt modelId="{3EC8E579-D573-48BE-9360-88A797858CAC}" type="pres">
+      <dgm:prSet presAssocID="{B0860D4C-F5A2-4FE3-A038-3AE6739CB2F8}" presName="rootComposite" presStyleCnt="0"/>
+      <dgm:spPr/>
+    </dgm:pt>
+    <dgm:pt modelId="{49E54C8C-F3AB-4587-9714-9F87463F06FF}" type="pres">
+      <dgm:prSet presAssocID="{B0860D4C-F5A2-4FE3-A038-3AE6739CB2F8}" presName="rootText" presStyleLbl="node2" presStyleIdx="2" presStyleCnt="5" custLinFactNeighborX="-13000" custLinFactNeighborY="3337">
+        <dgm:presLayoutVars>
+          <dgm:chPref val="3"/>
+        </dgm:presLayoutVars>
+      </dgm:prSet>
+      <dgm:spPr/>
+    </dgm:pt>
+    <dgm:pt modelId="{DA0D333D-0134-4B90-A57A-A9DA8AE0286F}" type="pres">
+      <dgm:prSet presAssocID="{B0860D4C-F5A2-4FE3-A038-3AE6739CB2F8}" presName="rootConnector" presStyleLbl="node2" presStyleIdx="2" presStyleCnt="5"/>
+      <dgm:spPr/>
+    </dgm:pt>
+    <dgm:pt modelId="{1F44F630-7EC6-41EC-9A90-A461EB4967E6}" type="pres">
+      <dgm:prSet presAssocID="{B0860D4C-F5A2-4FE3-A038-3AE6739CB2F8}" presName="hierChild4" presStyleCnt="0"/>
+      <dgm:spPr/>
+    </dgm:pt>
+    <dgm:pt modelId="{7489B656-61F8-4846-9BAE-E87A75A31552}" type="pres">
+      <dgm:prSet presAssocID="{B0860D4C-F5A2-4FE3-A038-3AE6739CB2F8}" presName="hierChild5" presStyleCnt="0"/>
+      <dgm:spPr/>
+    </dgm:pt>
+    <dgm:pt modelId="{0B59EDE4-D8CD-4D94-9A2D-8B3F893E5FE9}" type="pres">
+      <dgm:prSet presAssocID="{EA0E4BE8-44EE-4913-852B-AAA4DA845B3E}" presName="Name37" presStyleLbl="parChTrans1D2" presStyleIdx="3" presStyleCnt="5"/>
+      <dgm:spPr/>
+    </dgm:pt>
+    <dgm:pt modelId="{C1CACC16-C79A-4066-8FFD-D88649385A02}" type="pres">
+      <dgm:prSet presAssocID="{1507D3AE-3CAC-40E2-94D3-D59A1ABCD94B}" presName="hierRoot2" presStyleCnt="0">
+        <dgm:presLayoutVars>
+          <dgm:hierBranch val="init"/>
+        </dgm:presLayoutVars>
+      </dgm:prSet>
+      <dgm:spPr/>
+    </dgm:pt>
+    <dgm:pt modelId="{41220D07-EEAC-4663-BB65-A08CA3C1CC3E}" type="pres">
+      <dgm:prSet presAssocID="{1507D3AE-3CAC-40E2-94D3-D59A1ABCD94B}" presName="rootComposite" presStyleCnt="0"/>
+      <dgm:spPr/>
+    </dgm:pt>
+    <dgm:pt modelId="{80FBB729-8602-4C96-B133-A412E1C7F799}" type="pres">
+      <dgm:prSet presAssocID="{1507D3AE-3CAC-40E2-94D3-D59A1ABCD94B}" presName="rootText" presStyleLbl="node2" presStyleIdx="3" presStyleCnt="5" custLinFactNeighborX="1360" custLinFactNeighborY="3923">
+        <dgm:presLayoutVars>
+          <dgm:chPref val="3"/>
+        </dgm:presLayoutVars>
+      </dgm:prSet>
+      <dgm:spPr/>
+    </dgm:pt>
+    <dgm:pt modelId="{933A7E87-600E-495C-9ED8-7B3FCD5BBE87}" type="pres">
+      <dgm:prSet presAssocID="{1507D3AE-3CAC-40E2-94D3-D59A1ABCD94B}" presName="rootConnector" presStyleLbl="node2" presStyleIdx="3" presStyleCnt="5"/>
+      <dgm:spPr/>
+    </dgm:pt>
+    <dgm:pt modelId="{3F9194C2-1DA3-4FF4-BF0C-48AB2DA347FA}" type="pres">
+      <dgm:prSet presAssocID="{1507D3AE-3CAC-40E2-94D3-D59A1ABCD94B}" presName="hierChild4" presStyleCnt="0"/>
+      <dgm:spPr/>
+    </dgm:pt>
+    <dgm:pt modelId="{C03B3E22-CC1E-4A03-8144-CEF62C9A0CF8}" type="pres">
+      <dgm:prSet presAssocID="{D5EB77A5-BF1A-4944-ABC0-17CE1BD598F3}" presName="Name37" presStyleLbl="parChTrans1D3" presStyleIdx="6" presStyleCnt="9"/>
+      <dgm:spPr/>
+    </dgm:pt>
+    <dgm:pt modelId="{7F90183D-C876-4B4C-B538-BF11639D05CF}" type="pres">
+      <dgm:prSet presAssocID="{E44A941C-612F-4E92-924D-FFE0B5850B7F}" presName="hierRoot2" presStyleCnt="0">
+        <dgm:presLayoutVars>
+          <dgm:hierBranch val="init"/>
+        </dgm:presLayoutVars>
+      </dgm:prSet>
+      <dgm:spPr/>
+    </dgm:pt>
+    <dgm:pt modelId="{AC894C0B-3122-489B-8612-FD7F20649F47}" type="pres">
+      <dgm:prSet presAssocID="{E44A941C-612F-4E92-924D-FFE0B5850B7F}" presName="rootComposite" presStyleCnt="0"/>
+      <dgm:spPr/>
+    </dgm:pt>
+    <dgm:pt modelId="{8936D5FF-BE5B-41B1-BCB0-C922C2AEF3A2}" type="pres">
+      <dgm:prSet presAssocID="{E44A941C-612F-4E92-924D-FFE0B5850B7F}" presName="rootText" presStyleLbl="node3" presStyleIdx="6" presStyleCnt="9" custLinFactNeighborX="1360" custLinFactNeighborY="3923">
+        <dgm:presLayoutVars>
+          <dgm:chPref val="3"/>
+        </dgm:presLayoutVars>
+      </dgm:prSet>
+      <dgm:spPr/>
+    </dgm:pt>
+    <dgm:pt modelId="{64AF2521-CFB6-41D0-A330-9DD3E3A9D02C}" type="pres">
+      <dgm:prSet presAssocID="{E44A941C-612F-4E92-924D-FFE0B5850B7F}" presName="rootConnector" presStyleLbl="node3" presStyleIdx="6" presStyleCnt="9"/>
+      <dgm:spPr/>
+    </dgm:pt>
+    <dgm:pt modelId="{D224BDA1-226D-4A06-8126-BC1C96D62781}" type="pres">
+      <dgm:prSet presAssocID="{E44A941C-612F-4E92-924D-FFE0B5850B7F}" presName="hierChild4" presStyleCnt="0"/>
+      <dgm:spPr/>
+    </dgm:pt>
+    <dgm:pt modelId="{B6AE715A-D3E0-459D-AA54-2079C2BAC449}" type="pres">
+      <dgm:prSet presAssocID="{E44A941C-612F-4E92-924D-FFE0B5850B7F}" presName="hierChild5" presStyleCnt="0"/>
+      <dgm:spPr/>
+    </dgm:pt>
+    <dgm:pt modelId="{677147A4-ED11-4D10-90FF-66F940FA324E}" type="pres">
+      <dgm:prSet presAssocID="{181C8E2B-E214-43B3-8B00-EFF5CA0CFE4A}" presName="Name37" presStyleLbl="parChTrans1D3" presStyleIdx="7" presStyleCnt="9"/>
+      <dgm:spPr/>
+    </dgm:pt>
+    <dgm:pt modelId="{FB4AF609-606B-4B6B-9BAB-173659A4F87B}" type="pres">
+      <dgm:prSet presAssocID="{B65984E6-4FB2-478C-B2DD-C276AF98699E}" presName="hierRoot2" presStyleCnt="0">
+        <dgm:presLayoutVars>
+          <dgm:hierBranch val="init"/>
+        </dgm:presLayoutVars>
+      </dgm:prSet>
+      <dgm:spPr/>
+    </dgm:pt>
+    <dgm:pt modelId="{A13BE3E8-BE35-4DA4-96EB-5F89F897D044}" type="pres">
+      <dgm:prSet presAssocID="{B65984E6-4FB2-478C-B2DD-C276AF98699E}" presName="rootComposite" presStyleCnt="0"/>
+      <dgm:spPr/>
+    </dgm:pt>
+    <dgm:pt modelId="{A92C7A02-1CFE-4030-8C4A-1DE39C7C9571}" type="pres">
+      <dgm:prSet presAssocID="{B65984E6-4FB2-478C-B2DD-C276AF98699E}" presName="rootText" presStyleLbl="node3" presStyleIdx="7" presStyleCnt="9" custLinFactNeighborX="1360" custLinFactNeighborY="3923">
+        <dgm:presLayoutVars>
+          <dgm:chPref val="3"/>
+        </dgm:presLayoutVars>
+      </dgm:prSet>
+      <dgm:spPr/>
+    </dgm:pt>
+    <dgm:pt modelId="{3C4BBB0D-526E-4D77-B7C7-E1C5797EDCB0}" type="pres">
+      <dgm:prSet presAssocID="{B65984E6-4FB2-478C-B2DD-C276AF98699E}" presName="rootConnector" presStyleLbl="node3" presStyleIdx="7" presStyleCnt="9"/>
+      <dgm:spPr/>
+    </dgm:pt>
+    <dgm:pt modelId="{B1567558-BD39-417E-8A07-A2F9FB1FC9EB}" type="pres">
+      <dgm:prSet presAssocID="{B65984E6-4FB2-478C-B2DD-C276AF98699E}" presName="hierChild4" presStyleCnt="0"/>
+      <dgm:spPr/>
+    </dgm:pt>
+    <dgm:pt modelId="{FBD46D89-AA2F-4A9F-87DA-5AE4270FE4E0}" type="pres">
+      <dgm:prSet presAssocID="{B65984E6-4FB2-478C-B2DD-C276AF98699E}" presName="hierChild5" presStyleCnt="0"/>
+      <dgm:spPr/>
+    </dgm:pt>
+    <dgm:pt modelId="{55F57422-D246-44F8-B56B-02B4A41870A1}" type="pres">
+      <dgm:prSet presAssocID="{1507D3AE-3CAC-40E2-94D3-D59A1ABCD94B}" presName="hierChild5" presStyleCnt="0"/>
+      <dgm:spPr/>
+    </dgm:pt>
+    <dgm:pt modelId="{98112DBB-CB8C-4D6C-A5B9-9D2B021F3CFF}" type="pres">
+      <dgm:prSet presAssocID="{0B3EF5B0-5AF0-4A5D-9129-21FEE5080755}" presName="Name37" presStyleLbl="parChTrans1D2" presStyleIdx="4" presStyleCnt="5"/>
+      <dgm:spPr/>
+    </dgm:pt>
+    <dgm:pt modelId="{6355F125-BABD-490D-9CD1-DDB9F4352D04}" type="pres">
+      <dgm:prSet presAssocID="{82B76CE7-267E-4C86-9DD1-D083C56A0CF3}" presName="hierRoot2" presStyleCnt="0">
+        <dgm:presLayoutVars>
+          <dgm:hierBranch val="init"/>
+        </dgm:presLayoutVars>
+      </dgm:prSet>
+      <dgm:spPr/>
+    </dgm:pt>
+    <dgm:pt modelId="{503EE9FA-6DC6-48D2-850E-1257DF4E810E}" type="pres">
+      <dgm:prSet presAssocID="{82B76CE7-267E-4C86-9DD1-D083C56A0CF3}" presName="rootComposite" presStyleCnt="0"/>
+      <dgm:spPr/>
+    </dgm:pt>
+    <dgm:pt modelId="{4E7DEB0B-CD36-460D-BF7D-E2D9CEF46EA5}" type="pres">
+      <dgm:prSet presAssocID="{82B76CE7-267E-4C86-9DD1-D083C56A0CF3}" presName="rootText" presStyleLbl="node2" presStyleIdx="4" presStyleCnt="5" custLinFactNeighborX="98652" custLinFactNeighborY="-2799">
+        <dgm:presLayoutVars>
+          <dgm:chPref val="3"/>
+        </dgm:presLayoutVars>
+      </dgm:prSet>
+      <dgm:spPr/>
+    </dgm:pt>
+    <dgm:pt modelId="{79852E92-6937-4B1B-A776-1126C8ADCCAC}" type="pres">
+      <dgm:prSet presAssocID="{82B76CE7-267E-4C86-9DD1-D083C56A0CF3}" presName="rootConnector" presStyleLbl="node2" presStyleIdx="4" presStyleCnt="5"/>
+      <dgm:spPr/>
+    </dgm:pt>
+    <dgm:pt modelId="{2AA3D07F-FACC-4B09-91A4-E808CCB4A1CC}" type="pres">
+      <dgm:prSet presAssocID="{82B76CE7-267E-4C86-9DD1-D083C56A0CF3}" presName="hierChild4" presStyleCnt="0"/>
+      <dgm:spPr/>
+    </dgm:pt>
+    <dgm:pt modelId="{10723AE9-7FCF-45E3-9CBA-9F761EC1B94D}" type="pres">
+      <dgm:prSet presAssocID="{0709EB14-A909-49EE-A1F6-B8ACCE8A6E47}" presName="Name37" presStyleLbl="parChTrans1D3" presStyleIdx="8" presStyleCnt="9"/>
+      <dgm:spPr/>
+    </dgm:pt>
+    <dgm:pt modelId="{5759C946-F49A-4DCD-9AAC-F88C3DD5CEB7}" type="pres">
+      <dgm:prSet presAssocID="{471E8A3D-0412-4888-BDDC-4650B60A0162}" presName="hierRoot2" presStyleCnt="0">
+        <dgm:presLayoutVars>
+          <dgm:hierBranch val="init"/>
+        </dgm:presLayoutVars>
+      </dgm:prSet>
+      <dgm:spPr/>
+    </dgm:pt>
+    <dgm:pt modelId="{3C062932-1FD2-4567-BEAB-6B7D2D635506}" type="pres">
+      <dgm:prSet presAssocID="{471E8A3D-0412-4888-BDDC-4650B60A0162}" presName="rootComposite" presStyleCnt="0"/>
+      <dgm:spPr/>
+    </dgm:pt>
+    <dgm:pt modelId="{945C9633-C9B5-406E-B1E5-AB7C6CEBD8BF}" type="pres">
+      <dgm:prSet presAssocID="{471E8A3D-0412-4888-BDDC-4650B60A0162}" presName="rootText" presStyleLbl="node3" presStyleIdx="8" presStyleCnt="9" custLinFactNeighborX="98652" custLinFactNeighborY="-2799">
+        <dgm:presLayoutVars>
+          <dgm:chPref val="3"/>
+        </dgm:presLayoutVars>
+      </dgm:prSet>
+      <dgm:spPr/>
+    </dgm:pt>
+    <dgm:pt modelId="{799A57CE-B0E7-44E1-8A7C-0FC040BABD60}" type="pres">
+      <dgm:prSet presAssocID="{471E8A3D-0412-4888-BDDC-4650B60A0162}" presName="rootConnector" presStyleLbl="node3" presStyleIdx="8" presStyleCnt="9"/>
+      <dgm:spPr/>
+    </dgm:pt>
+    <dgm:pt modelId="{9763DE75-AE00-49A1-8448-55F48E0C66CA}" type="pres">
+      <dgm:prSet presAssocID="{471E8A3D-0412-4888-BDDC-4650B60A0162}" presName="hierChild4" presStyleCnt="0"/>
+      <dgm:spPr/>
+    </dgm:pt>
+    <dgm:pt modelId="{3474DF8C-134F-41DC-84D7-6EB6910502F3}" type="pres">
+      <dgm:prSet presAssocID="{471E8A3D-0412-4888-BDDC-4650B60A0162}" presName="hierChild5" presStyleCnt="0"/>
+      <dgm:spPr/>
+    </dgm:pt>
+    <dgm:pt modelId="{B79453F7-7CF3-450D-AF1B-7CD80D67F752}" type="pres">
+      <dgm:prSet presAssocID="{82B76CE7-267E-4C86-9DD1-D083C56A0CF3}" presName="hierChild5" presStyleCnt="0"/>
+      <dgm:spPr/>
+    </dgm:pt>
+    <dgm:pt modelId="{B2B7E533-9A46-43E4-95C3-D46AD66363B7}" type="pres">
+      <dgm:prSet presAssocID="{89448955-38CC-44B4-9AE1-C2203D300AA9}" presName="hierChild3" presStyleCnt="0"/>
+      <dgm:spPr/>
+    </dgm:pt>
+  </dgm:ptLst>
+  <dgm:cxnLst>
+    <dgm:cxn modelId="{1E9A5904-2E97-4D10-8F88-CFFB68D26F44}" type="presOf" srcId="{B0860D4C-F5A2-4FE3-A038-3AE6739CB2F8}" destId="{49E54C8C-F3AB-4587-9714-9F87463F06FF}" srcOrd="0" destOrd="0" presId="urn:microsoft.com/office/officeart/2005/8/layout/orgChart1"/>
+    <dgm:cxn modelId="{C6707A05-1D74-4F93-A496-F286DF265388}" type="presOf" srcId="{9A89BBE0-C7CA-424F-B4CD-F8715AA66FEC}" destId="{A6C9AA09-511A-4B42-9DAF-4E44EB5CBF4E}" srcOrd="0" destOrd="0" presId="urn:microsoft.com/office/officeart/2005/8/layout/orgChart1"/>
+    <dgm:cxn modelId="{E7C0E207-BDEA-4BB3-9FB5-22874837897A}" srcId="{F23A4E3D-CF8F-4FFC-85E5-7BAF190C36D0}" destId="{89448955-38CC-44B4-9AE1-C2203D300AA9}" srcOrd="0" destOrd="0" parTransId="{6CDD0B7F-0B2C-4E6A-B0F7-EACF7AA80D1F}" sibTransId="{927F9015-BF08-4B15-B4BC-60AE7723CB75}"/>
+    <dgm:cxn modelId="{4D89FF13-B97F-450D-B49A-6B375BABB7A5}" type="presOf" srcId="{6EE4B883-E573-4421-97E5-D8AA25BC89AA}" destId="{2D56B674-C19A-4ABD-B9B3-F3B80163672B}" srcOrd="0" destOrd="0" presId="urn:microsoft.com/office/officeart/2005/8/layout/orgChart1"/>
+    <dgm:cxn modelId="{2FD0AE1A-D479-4F2A-A0AA-319E13575DF3}" type="presOf" srcId="{4B45BFDD-2DE5-4D86-B274-995552996976}" destId="{423FE704-C9D8-46BB-BBF4-3B7F823E94F2}" srcOrd="0" destOrd="0" presId="urn:microsoft.com/office/officeart/2005/8/layout/orgChart1"/>
+    <dgm:cxn modelId="{FB400B22-020B-4B8E-B7E3-45D73EC00514}" type="presOf" srcId="{1507D3AE-3CAC-40E2-94D3-D59A1ABCD94B}" destId="{933A7E87-600E-495C-9ED8-7B3FCD5BBE87}" srcOrd="1" destOrd="0" presId="urn:microsoft.com/office/officeart/2005/8/layout/orgChart1"/>
+    <dgm:cxn modelId="{EFC57B22-84A9-47C1-AFD8-DB2D26E6A02A}" type="presOf" srcId="{471E8A3D-0412-4888-BDDC-4650B60A0162}" destId="{945C9633-C9B5-406E-B1E5-AB7C6CEBD8BF}" srcOrd="0" destOrd="0" presId="urn:microsoft.com/office/officeart/2005/8/layout/orgChart1"/>
+    <dgm:cxn modelId="{1209D025-C97C-4FED-A83B-D31025CDA2E4}" type="presOf" srcId="{EA0E4BE8-44EE-4913-852B-AAA4DA845B3E}" destId="{0B59EDE4-D8CD-4D94-9A2D-8B3F893E5FE9}" srcOrd="0" destOrd="0" presId="urn:microsoft.com/office/officeart/2005/8/layout/orgChart1"/>
+    <dgm:cxn modelId="{FB116227-33D3-4E86-ADE6-95E9BB625E47}" srcId="{8F52081D-1F31-41EF-B85D-3BD0B9C73943}" destId="{2261E63F-1F71-48CB-84CF-571A9E2DF3C7}" srcOrd="3" destOrd="0" parTransId="{4B45BFDD-2DE5-4D86-B274-995552996976}" sibTransId="{AB0EA4CC-F551-47F8-A498-A39C059D7175}"/>
+    <dgm:cxn modelId="{D7007E27-B641-42B2-8F68-6C1D34D86117}" type="presOf" srcId="{8F52081D-1F31-41EF-B85D-3BD0B9C73943}" destId="{F1EAEC0C-011A-402C-BF1C-B79D18DA3015}" srcOrd="1" destOrd="0" presId="urn:microsoft.com/office/officeart/2005/8/layout/orgChart1"/>
+    <dgm:cxn modelId="{48A8C736-6018-4C21-8983-96351FEFF2ED}" srcId="{89448955-38CC-44B4-9AE1-C2203D300AA9}" destId="{8F52081D-1F31-41EF-B85D-3BD0B9C73943}" srcOrd="0" destOrd="0" parTransId="{6EE4B883-E573-4421-97E5-D8AA25BC89AA}" sibTransId="{CE13CF27-1F0D-4FF3-AAA4-CAC86B0652D9}"/>
+    <dgm:cxn modelId="{EE99C936-BB1E-4F6F-8305-9507C9116EE2}" type="presOf" srcId="{34967EF8-7953-475F-B501-826D1CB31E58}" destId="{52970560-E4A8-48B7-BFA7-FC8E4C509969}" srcOrd="0" destOrd="0" presId="urn:microsoft.com/office/officeart/2005/8/layout/orgChart1"/>
+    <dgm:cxn modelId="{F858EC37-4CE9-4F08-89D2-B18ADFCABDF4}" srcId="{89448955-38CC-44B4-9AE1-C2203D300AA9}" destId="{BEA0552F-7C77-4CDE-85D3-708AD1A14619}" srcOrd="1" destOrd="0" parTransId="{358044DA-B012-4215-9130-4442A22BCA33}" sibTransId="{682F9DF3-9396-4D53-91AB-3BD5D99CEF55}"/>
+    <dgm:cxn modelId="{B8472E3A-CFB7-4303-9D4F-C162DF988EF3}" type="presOf" srcId="{89448955-38CC-44B4-9AE1-C2203D300AA9}" destId="{733E7F8D-91A6-49D0-91D3-34EC11790FD6}" srcOrd="1" destOrd="0" presId="urn:microsoft.com/office/officeart/2005/8/layout/orgChart1"/>
+    <dgm:cxn modelId="{E3CA563C-8C01-4BAB-AB21-624D8FDE06B6}" srcId="{89448955-38CC-44B4-9AE1-C2203D300AA9}" destId="{1507D3AE-3CAC-40E2-94D3-D59A1ABCD94B}" srcOrd="3" destOrd="0" parTransId="{EA0E4BE8-44EE-4913-852B-AAA4DA845B3E}" sibTransId="{F080BCF2-8D9A-40EE-9C47-E35AF8B26DD4}"/>
+    <dgm:cxn modelId="{E114095B-1EDD-4927-B2C8-0E45B49DF5FB}" srcId="{89448955-38CC-44B4-9AE1-C2203D300AA9}" destId="{82B76CE7-267E-4C86-9DD1-D083C56A0CF3}" srcOrd="4" destOrd="0" parTransId="{0B3EF5B0-5AF0-4A5D-9129-21FEE5080755}" sibTransId="{226B15C2-A4B6-4A17-880B-0C2E180D5E3D}"/>
+    <dgm:cxn modelId="{3B3B8960-2452-4767-8C70-FE7C362FD39A}" type="presOf" srcId="{783F092E-61E2-4D45-B174-B67730C34FBE}" destId="{EC60AC49-AA5E-426F-A90A-8E4A7B5A721D}" srcOrd="0" destOrd="0" presId="urn:microsoft.com/office/officeart/2005/8/layout/orgChart1"/>
+    <dgm:cxn modelId="{22593162-A56E-4665-9B3B-E5DED46995CF}" type="presOf" srcId="{02415962-477A-465A-99B3-4A3540149C17}" destId="{413D91AD-4C30-4279-A6F9-F8962D1713BF}" srcOrd="0" destOrd="0" presId="urn:microsoft.com/office/officeart/2005/8/layout/orgChart1"/>
+    <dgm:cxn modelId="{ED4A7C47-EE1B-4D8D-B4F3-1A0521E0E2DC}" type="presOf" srcId="{8F52081D-1F31-41EF-B85D-3BD0B9C73943}" destId="{2C54278C-D6A4-49CC-AB46-B26EFEEAEAA1}" srcOrd="0" destOrd="0" presId="urn:microsoft.com/office/officeart/2005/8/layout/orgChart1"/>
+    <dgm:cxn modelId="{7377FB47-4526-4A62-8344-135FB0E4C20F}" type="presOf" srcId="{2261E63F-1F71-48CB-84CF-571A9E2DF3C7}" destId="{EA11CD3A-E2AE-49AE-A406-DA16ED0BBDB4}" srcOrd="0" destOrd="0" presId="urn:microsoft.com/office/officeart/2005/8/layout/orgChart1"/>
+    <dgm:cxn modelId="{53580D48-21F3-46D4-B31A-34050BCCDA33}" srcId="{8F52081D-1F31-41EF-B85D-3BD0B9C73943}" destId="{CBEF451C-002C-4F8A-B8B8-CE133B2DE466}" srcOrd="1" destOrd="0" parTransId="{4FACE287-6892-4366-8E3F-6DADBB0223D7}" sibTransId="{4BB53C82-2A42-4C50-B5F3-D64E646843B5}"/>
+    <dgm:cxn modelId="{7DC07F48-4DDF-4482-B261-F67C8745C18E}" type="presOf" srcId="{4FACE287-6892-4366-8E3F-6DADBB0223D7}" destId="{DF0D2AA3-77AB-419C-9D23-326F9D37C5D4}" srcOrd="0" destOrd="0" presId="urn:microsoft.com/office/officeart/2005/8/layout/orgChart1"/>
+    <dgm:cxn modelId="{DB1B3669-CC93-4D55-8820-BD7AA7F487FB}" srcId="{8F52081D-1F31-41EF-B85D-3BD0B9C73943}" destId="{02415962-477A-465A-99B3-4A3540149C17}" srcOrd="2" destOrd="0" parTransId="{783F092E-61E2-4D45-B174-B67730C34FBE}" sibTransId="{DFC88FEB-3B93-4A70-9394-5D1DD21B96DF}"/>
+    <dgm:cxn modelId="{BB23D44A-AD12-4B0B-879D-7DE781053EBB}" type="presOf" srcId="{D5EB77A5-BF1A-4944-ABC0-17CE1BD598F3}" destId="{C03B3E22-CC1E-4A03-8144-CEF62C9A0CF8}" srcOrd="0" destOrd="0" presId="urn:microsoft.com/office/officeart/2005/8/layout/orgChart1"/>
+    <dgm:cxn modelId="{5AD6FC4B-479D-407A-AC45-5E6E81587D95}" type="presOf" srcId="{02415962-477A-465A-99B3-4A3540149C17}" destId="{EFEC9B66-4E9F-42D5-8998-8D5F36A6917D}" srcOrd="1" destOrd="0" presId="urn:microsoft.com/office/officeart/2005/8/layout/orgChart1"/>
+    <dgm:cxn modelId="{D9A8D14D-9374-4EBA-B00E-265920486FFF}" type="presOf" srcId="{0709EB14-A909-49EE-A1F6-B8ACCE8A6E47}" destId="{10723AE9-7FCF-45E3-9CBA-9F761EC1B94D}" srcOrd="0" destOrd="0" presId="urn:microsoft.com/office/officeart/2005/8/layout/orgChart1"/>
+    <dgm:cxn modelId="{023A4770-61E6-437A-ACFA-EE3FE1C570D0}" type="presOf" srcId="{82B76CE7-267E-4C86-9DD1-D083C56A0CF3}" destId="{79852E92-6937-4B1B-A776-1126C8ADCCAC}" srcOrd="1" destOrd="0" presId="urn:microsoft.com/office/officeart/2005/8/layout/orgChart1"/>
+    <dgm:cxn modelId="{561F7E71-C7E3-49AB-8D28-07EA165EE92F}" srcId="{82B76CE7-267E-4C86-9DD1-D083C56A0CF3}" destId="{471E8A3D-0412-4888-BDDC-4650B60A0162}" srcOrd="0" destOrd="0" parTransId="{0709EB14-A909-49EE-A1F6-B8ACCE8A6E47}" sibTransId="{15359F1C-1B69-4E60-A475-AE8C100AF9AF}"/>
+    <dgm:cxn modelId="{F5B9D853-4E64-4849-9AD3-230A559D48C6}" srcId="{89448955-38CC-44B4-9AE1-C2203D300AA9}" destId="{B0860D4C-F5A2-4FE3-A038-3AE6739CB2F8}" srcOrd="2" destOrd="0" parTransId="{34967EF8-7953-475F-B501-826D1CB31E58}" sibTransId="{05A2C105-8E47-4D10-8A61-B0890089996D}"/>
+    <dgm:cxn modelId="{B796E954-031E-4E8D-8379-302661D007AE}" type="presOf" srcId="{BEA0552F-7C77-4CDE-85D3-708AD1A14619}" destId="{AA239643-97FC-4231-914A-EE09BB29876F}" srcOrd="1" destOrd="0" presId="urn:microsoft.com/office/officeart/2005/8/layout/orgChart1"/>
+    <dgm:cxn modelId="{BD5E7A76-E7D0-4D47-815A-DDBE51BE3B2D}" type="presOf" srcId="{89448955-38CC-44B4-9AE1-C2203D300AA9}" destId="{9BFD6066-5CF0-4E60-A687-521DCE7DDDF8}" srcOrd="0" destOrd="0" presId="urn:microsoft.com/office/officeart/2005/8/layout/orgChart1"/>
+    <dgm:cxn modelId="{6E64827A-5DFE-478E-AEC9-6BC633453E20}" type="presOf" srcId="{82B76CE7-267E-4C86-9DD1-D083C56A0CF3}" destId="{4E7DEB0B-CD36-460D-BF7D-E2D9CEF46EA5}" srcOrd="0" destOrd="0" presId="urn:microsoft.com/office/officeart/2005/8/layout/orgChart1"/>
+    <dgm:cxn modelId="{706C047B-8F82-46FE-A37A-46C554ADE4AE}" srcId="{1507D3AE-3CAC-40E2-94D3-D59A1ABCD94B}" destId="{B65984E6-4FB2-478C-B2DD-C276AF98699E}" srcOrd="1" destOrd="0" parTransId="{181C8E2B-E214-43B3-8B00-EFF5CA0CFE4A}" sibTransId="{8CCB7E6D-D8BF-4656-8DC7-3DFDBB443321}"/>
+    <dgm:cxn modelId="{45B77580-AB29-4429-AA25-4C1011A1B06D}" srcId="{BEA0552F-7C77-4CDE-85D3-708AD1A14619}" destId="{2FA36327-CA99-4F6A-B5DD-521D413B1B43}" srcOrd="1" destOrd="0" parTransId="{1C99B740-439E-4A96-87A0-C328AC45357E}" sibTransId="{50F07964-8CFB-46B0-A0F8-0BBAF159AF70}"/>
+    <dgm:cxn modelId="{CA53D889-1136-4AFA-B2D3-A09B9B8A0901}" type="presOf" srcId="{2FA36327-CA99-4F6A-B5DD-521D413B1B43}" destId="{14908242-A76A-48AE-A64E-DB25C8E90F4C}" srcOrd="1" destOrd="0" presId="urn:microsoft.com/office/officeart/2005/8/layout/orgChart1"/>
+    <dgm:cxn modelId="{00A89696-CBD1-4F44-91A2-70FE663560BD}" type="presOf" srcId="{CBEF451C-002C-4F8A-B8B8-CE133B2DE466}" destId="{E01CD6BE-EF90-436B-A4FE-B01AA9811E62}" srcOrd="1" destOrd="0" presId="urn:microsoft.com/office/officeart/2005/8/layout/orgChart1"/>
+    <dgm:cxn modelId="{9F145499-B4C8-4B6E-8B5F-0CC00FADECB2}" type="presOf" srcId="{2FA36327-CA99-4F6A-B5DD-521D413B1B43}" destId="{A8014437-CC62-4F5F-8DA8-5FEF458377F2}" srcOrd="0" destOrd="0" presId="urn:microsoft.com/office/officeart/2005/8/layout/orgChart1"/>
+    <dgm:cxn modelId="{5384969D-29CE-4F40-A041-AE0A5557C515}" srcId="{1507D3AE-3CAC-40E2-94D3-D59A1ABCD94B}" destId="{E44A941C-612F-4E92-924D-FFE0B5850B7F}" srcOrd="0" destOrd="0" parTransId="{D5EB77A5-BF1A-4944-ABC0-17CE1BD598F3}" sibTransId="{0DA389DA-4985-4B68-96B6-A2FD5944D1F1}"/>
+    <dgm:cxn modelId="{58B5809E-8285-407C-903E-152746A4262A}" type="presOf" srcId="{CBEF451C-002C-4F8A-B8B8-CE133B2DE466}" destId="{DC117704-7E65-4732-B80D-668AB7BE02E2}" srcOrd="0" destOrd="0" presId="urn:microsoft.com/office/officeart/2005/8/layout/orgChart1"/>
+    <dgm:cxn modelId="{97A446A3-6E18-4B90-861D-D50B67237036}" type="presOf" srcId="{358044DA-B012-4215-9130-4442A22BCA33}" destId="{AAEB0403-AD2A-47DD-8C8A-EE5DCEA14D79}" srcOrd="0" destOrd="0" presId="urn:microsoft.com/office/officeart/2005/8/layout/orgChart1"/>
+    <dgm:cxn modelId="{1DACEBA5-D8A7-498D-94BD-43E1497C1D20}" srcId="{8F52081D-1F31-41EF-B85D-3BD0B9C73943}" destId="{9A89BBE0-C7CA-424F-B4CD-F8715AA66FEC}" srcOrd="0" destOrd="0" parTransId="{6B1D037D-23E8-463A-8F4D-236990C4CB5D}" sibTransId="{675BEA08-768B-4BC3-82ED-3C43FD0FE5DE}"/>
+    <dgm:cxn modelId="{D167ADA8-DDC4-47FA-8864-2401C2B5B1DC}" srcId="{BEA0552F-7C77-4CDE-85D3-708AD1A14619}" destId="{918BAD50-96A9-4B34-AF09-B34997CA4C14}" srcOrd="0" destOrd="0" parTransId="{5FC43921-9CB9-438E-89B8-115B5C7332F0}" sibTransId="{D9428D81-0D1E-4E0C-A2D0-CC3983CAA96B}"/>
+    <dgm:cxn modelId="{4D8069A9-A0BE-43C9-B196-737497DAAE67}" type="presOf" srcId="{5FC43921-9CB9-438E-89B8-115B5C7332F0}" destId="{F72AC698-7D07-440D-B1B0-FEE8B5B70E8D}" srcOrd="0" destOrd="0" presId="urn:microsoft.com/office/officeart/2005/8/layout/orgChart1"/>
+    <dgm:cxn modelId="{469961AD-8EB4-4946-9B84-CA51F94996E1}" type="presOf" srcId="{E44A941C-612F-4E92-924D-FFE0B5850B7F}" destId="{64AF2521-CFB6-41D0-A330-9DD3E3A9D02C}" srcOrd="1" destOrd="0" presId="urn:microsoft.com/office/officeart/2005/8/layout/orgChart1"/>
+    <dgm:cxn modelId="{9EE689BF-14C5-4ED8-A48D-B5DDBF558474}" type="presOf" srcId="{9A89BBE0-C7CA-424F-B4CD-F8715AA66FEC}" destId="{F8FF4914-5333-4B79-9D93-D481E4977F57}" srcOrd="1" destOrd="0" presId="urn:microsoft.com/office/officeart/2005/8/layout/orgChart1"/>
+    <dgm:cxn modelId="{D38E35C7-CA4C-453A-A53D-0A494381EDD0}" type="presOf" srcId="{B65984E6-4FB2-478C-B2DD-C276AF98699E}" destId="{A92C7A02-1CFE-4030-8C4A-1DE39C7C9571}" srcOrd="0" destOrd="0" presId="urn:microsoft.com/office/officeart/2005/8/layout/orgChart1"/>
+    <dgm:cxn modelId="{2D68E5C7-446C-409B-B07E-9850556C810A}" type="presOf" srcId="{B65984E6-4FB2-478C-B2DD-C276AF98699E}" destId="{3C4BBB0D-526E-4D77-B7C7-E1C5797EDCB0}" srcOrd="1" destOrd="0" presId="urn:microsoft.com/office/officeart/2005/8/layout/orgChart1"/>
+    <dgm:cxn modelId="{8287B2D0-9B32-4BC4-8D10-2C4AE0DF4581}" type="presOf" srcId="{F23A4E3D-CF8F-4FFC-85E5-7BAF190C36D0}" destId="{A3FEA41B-5F13-42FE-969D-42376385971B}" srcOrd="0" destOrd="0" presId="urn:microsoft.com/office/officeart/2005/8/layout/orgChart1"/>
+    <dgm:cxn modelId="{056ECDD4-CFF7-4F1C-96C8-36659889B080}" type="presOf" srcId="{BEA0552F-7C77-4CDE-85D3-708AD1A14619}" destId="{8B9F627B-1E21-4E08-BCBE-B52C776231C1}" srcOrd="0" destOrd="0" presId="urn:microsoft.com/office/officeart/2005/8/layout/orgChart1"/>
+    <dgm:cxn modelId="{44AEF8E0-78D8-486A-8505-6E80678D0D39}" type="presOf" srcId="{181C8E2B-E214-43B3-8B00-EFF5CA0CFE4A}" destId="{677147A4-ED11-4D10-90FF-66F940FA324E}" srcOrd="0" destOrd="0" presId="urn:microsoft.com/office/officeart/2005/8/layout/orgChart1"/>
+    <dgm:cxn modelId="{A38AEFE1-8362-4FAF-B81A-899EDBB65A23}" type="presOf" srcId="{918BAD50-96A9-4B34-AF09-B34997CA4C14}" destId="{42668478-F7EA-42B0-8466-8D5B3E31351B}" srcOrd="0" destOrd="0" presId="urn:microsoft.com/office/officeart/2005/8/layout/orgChart1"/>
+    <dgm:cxn modelId="{AFE12AE3-C3BA-438C-83BA-3586791314C6}" type="presOf" srcId="{1507D3AE-3CAC-40E2-94D3-D59A1ABCD94B}" destId="{80FBB729-8602-4C96-B133-A412E1C7F799}" srcOrd="0" destOrd="0" presId="urn:microsoft.com/office/officeart/2005/8/layout/orgChart1"/>
+    <dgm:cxn modelId="{260841E3-8DF6-4997-92A9-DE907A271753}" type="presOf" srcId="{B0860D4C-F5A2-4FE3-A038-3AE6739CB2F8}" destId="{DA0D333D-0134-4B90-A57A-A9DA8AE0286F}" srcOrd="1" destOrd="0" presId="urn:microsoft.com/office/officeart/2005/8/layout/orgChart1"/>
+    <dgm:cxn modelId="{8E195EE6-4BB7-49C6-A4D5-068627991136}" type="presOf" srcId="{2261E63F-1F71-48CB-84CF-571A9E2DF3C7}" destId="{32D1FC56-D12D-4842-B9A6-A0E3318BD6FC}" srcOrd="1" destOrd="0" presId="urn:microsoft.com/office/officeart/2005/8/layout/orgChart1"/>
+    <dgm:cxn modelId="{7B84C8EF-10B0-4695-A94E-3F7F9C9B7AC0}" type="presOf" srcId="{918BAD50-96A9-4B34-AF09-B34997CA4C14}" destId="{077F8FD9-6148-4454-9408-71A8E8B6F5B7}" srcOrd="1" destOrd="0" presId="urn:microsoft.com/office/officeart/2005/8/layout/orgChart1"/>
+    <dgm:cxn modelId="{72D502F2-8079-4CA7-9F9A-636EDE0B34C5}" type="presOf" srcId="{0B3EF5B0-5AF0-4A5D-9129-21FEE5080755}" destId="{98112DBB-CB8C-4D6C-A5B9-9D2B021F3CFF}" srcOrd="0" destOrd="0" presId="urn:microsoft.com/office/officeart/2005/8/layout/orgChart1"/>
+    <dgm:cxn modelId="{81FC39F2-CB7E-4191-AF6E-126B4156B2C9}" type="presOf" srcId="{E44A941C-612F-4E92-924D-FFE0B5850B7F}" destId="{8936D5FF-BE5B-41B1-BCB0-C922C2AEF3A2}" srcOrd="0" destOrd="0" presId="urn:microsoft.com/office/officeart/2005/8/layout/orgChart1"/>
+    <dgm:cxn modelId="{8C1D24F6-0C9C-4193-8CDB-65299F1BE912}" type="presOf" srcId="{1C99B740-439E-4A96-87A0-C328AC45357E}" destId="{26BFFC41-91E7-4992-A301-EF2C7AEF7808}" srcOrd="0" destOrd="0" presId="urn:microsoft.com/office/officeart/2005/8/layout/orgChart1"/>
+    <dgm:cxn modelId="{BE540FFB-6E44-4FD7-9B43-5D47A3909740}" type="presOf" srcId="{6B1D037D-23E8-463A-8F4D-236990C4CB5D}" destId="{3758D57D-AB2C-422F-BDD6-2A9CFA8127BF}" srcOrd="0" destOrd="0" presId="urn:microsoft.com/office/officeart/2005/8/layout/orgChart1"/>
+    <dgm:cxn modelId="{253BD5FD-B001-48DB-A03F-18B41EB619F6}" type="presOf" srcId="{471E8A3D-0412-4888-BDDC-4650B60A0162}" destId="{799A57CE-B0E7-44E1-8A7C-0FC040BABD60}" srcOrd="1" destOrd="0" presId="urn:microsoft.com/office/officeart/2005/8/layout/orgChart1"/>
+    <dgm:cxn modelId="{66936217-FB89-4BCC-A41C-3395BB83407F}" type="presParOf" srcId="{A3FEA41B-5F13-42FE-969D-42376385971B}" destId="{B511E66D-F516-446A-BF9A-38B0DC02F5A5}" srcOrd="0" destOrd="0" presId="urn:microsoft.com/office/officeart/2005/8/layout/orgChart1"/>
+    <dgm:cxn modelId="{9C7580E2-2650-46D8-A8C8-F23EC01750DA}" type="presParOf" srcId="{B511E66D-F516-446A-BF9A-38B0DC02F5A5}" destId="{11D83D36-8801-499F-A284-C2CE5C9A1988}" srcOrd="0" destOrd="0" presId="urn:microsoft.com/office/officeart/2005/8/layout/orgChart1"/>
+    <dgm:cxn modelId="{196CA8E7-EBDF-4BBC-AA17-8CF3BD1DD9DD}" type="presParOf" srcId="{11D83D36-8801-499F-A284-C2CE5C9A1988}" destId="{9BFD6066-5CF0-4E60-A687-521DCE7DDDF8}" srcOrd="0" destOrd="0" presId="urn:microsoft.com/office/officeart/2005/8/layout/orgChart1"/>
+    <dgm:cxn modelId="{B0DF089F-2216-44E6-83F1-08156CF03420}" type="presParOf" srcId="{11D83D36-8801-499F-A284-C2CE5C9A1988}" destId="{733E7F8D-91A6-49D0-91D3-34EC11790FD6}" srcOrd="1" destOrd="0" presId="urn:microsoft.com/office/officeart/2005/8/layout/orgChart1"/>
+    <dgm:cxn modelId="{983DE842-3E85-4451-BD31-0E3FE78B6072}" type="presParOf" srcId="{B511E66D-F516-446A-BF9A-38B0DC02F5A5}" destId="{03C4FB5A-F466-4C13-846C-F1ABF63E6135}" srcOrd="1" destOrd="0" presId="urn:microsoft.com/office/officeart/2005/8/layout/orgChart1"/>
+    <dgm:cxn modelId="{D60B2EC6-8ABE-4CDE-A51B-0D3E7ADFB524}" type="presParOf" srcId="{03C4FB5A-F466-4C13-846C-F1ABF63E6135}" destId="{2D56B674-C19A-4ABD-B9B3-F3B80163672B}" srcOrd="0" destOrd="0" presId="urn:microsoft.com/office/officeart/2005/8/layout/orgChart1"/>
+    <dgm:cxn modelId="{6FE09EC4-A2D3-4436-B1BF-17F578403C83}" type="presParOf" srcId="{03C4FB5A-F466-4C13-846C-F1ABF63E6135}" destId="{8189F617-4662-47DC-A45D-177E7455F3C3}" srcOrd="1" destOrd="0" presId="urn:microsoft.com/office/officeart/2005/8/layout/orgChart1"/>
+    <dgm:cxn modelId="{9327F9B1-401D-400A-8503-DED838CA4C4B}" type="presParOf" srcId="{8189F617-4662-47DC-A45D-177E7455F3C3}" destId="{55D9871D-66F9-4CF6-B9BD-E6D0580D2F62}" srcOrd="0" destOrd="0" presId="urn:microsoft.com/office/officeart/2005/8/layout/orgChart1"/>
+    <dgm:cxn modelId="{2F03DCDF-9331-4B5A-8BE8-E13676604DC1}" type="presParOf" srcId="{55D9871D-66F9-4CF6-B9BD-E6D0580D2F62}" destId="{2C54278C-D6A4-49CC-AB46-B26EFEEAEAA1}" srcOrd="0" destOrd="0" presId="urn:microsoft.com/office/officeart/2005/8/layout/orgChart1"/>
+    <dgm:cxn modelId="{0A591DE0-9950-4CDF-AE64-DF1AC108CBF3}" type="presParOf" srcId="{55D9871D-66F9-4CF6-B9BD-E6D0580D2F62}" destId="{F1EAEC0C-011A-402C-BF1C-B79D18DA3015}" srcOrd="1" destOrd="0" presId="urn:microsoft.com/office/officeart/2005/8/layout/orgChart1"/>
+    <dgm:cxn modelId="{6A89526B-4F7D-4428-BCC0-D45D8F34E7B6}" type="presParOf" srcId="{8189F617-4662-47DC-A45D-177E7455F3C3}" destId="{86813D8A-2C6E-4532-B971-06CFBF5D08AB}" srcOrd="1" destOrd="0" presId="urn:microsoft.com/office/officeart/2005/8/layout/orgChart1"/>
+    <dgm:cxn modelId="{3499EEDD-1833-4BF5-83F6-20241D211876}" type="presParOf" srcId="{86813D8A-2C6E-4532-B971-06CFBF5D08AB}" destId="{3758D57D-AB2C-422F-BDD6-2A9CFA8127BF}" srcOrd="0" destOrd="0" presId="urn:microsoft.com/office/officeart/2005/8/layout/orgChart1"/>
+    <dgm:cxn modelId="{07BBCBE7-FEC7-4262-9A31-6EB9316A4143}" type="presParOf" srcId="{86813D8A-2C6E-4532-B971-06CFBF5D08AB}" destId="{7FA6B409-64F5-4AC5-9192-77A602AFC81C}" srcOrd="1" destOrd="0" presId="urn:microsoft.com/office/officeart/2005/8/layout/orgChart1"/>
+    <dgm:cxn modelId="{10171064-8B16-4949-95A7-1DF6276260FF}" type="presParOf" srcId="{7FA6B409-64F5-4AC5-9192-77A602AFC81C}" destId="{F89557D4-99C9-4E60-83E4-40DB493E68C3}" srcOrd="0" destOrd="0" presId="urn:microsoft.com/office/officeart/2005/8/layout/orgChart1"/>
+    <dgm:cxn modelId="{9047E6E3-F4A0-4A70-B6FA-A51798B7541D}" type="presParOf" srcId="{F89557D4-99C9-4E60-83E4-40DB493E68C3}" destId="{A6C9AA09-511A-4B42-9DAF-4E44EB5CBF4E}" srcOrd="0" destOrd="0" presId="urn:microsoft.com/office/officeart/2005/8/layout/orgChart1"/>
+    <dgm:cxn modelId="{3BAA430C-3486-4EB8-9E11-3802B9B4CDA1}" type="presParOf" srcId="{F89557D4-99C9-4E60-83E4-40DB493E68C3}" destId="{F8FF4914-5333-4B79-9D93-D481E4977F57}" srcOrd="1" destOrd="0" presId="urn:microsoft.com/office/officeart/2005/8/layout/orgChart1"/>
+    <dgm:cxn modelId="{1BC928F8-47B1-46EC-9EC6-415E6F2FCBF5}" type="presParOf" srcId="{7FA6B409-64F5-4AC5-9192-77A602AFC81C}" destId="{8BF67FF6-E030-4890-A3B5-D898CD2521B8}" srcOrd="1" destOrd="0" presId="urn:microsoft.com/office/officeart/2005/8/layout/orgChart1"/>
+    <dgm:cxn modelId="{5AAB0557-E204-44BF-A80B-89A4FFB896ED}" type="presParOf" srcId="{7FA6B409-64F5-4AC5-9192-77A602AFC81C}" destId="{199B1188-ED6E-4785-A7C1-DBA3C0DDC07E}" srcOrd="2" destOrd="0" presId="urn:microsoft.com/office/officeart/2005/8/layout/orgChart1"/>
+    <dgm:cxn modelId="{CAE7566C-E1CF-46D7-AEC4-ED2E8B937B16}" type="presParOf" srcId="{86813D8A-2C6E-4532-B971-06CFBF5D08AB}" destId="{DF0D2AA3-77AB-419C-9D23-326F9D37C5D4}" srcOrd="2" destOrd="0" presId="urn:microsoft.com/office/officeart/2005/8/layout/orgChart1"/>
+    <dgm:cxn modelId="{CA9E1F36-F294-44D3-B722-F957796E3802}" type="presParOf" srcId="{86813D8A-2C6E-4532-B971-06CFBF5D08AB}" destId="{DA732A07-4D4B-43D4-A862-68D540D83CE7}" srcOrd="3" destOrd="0" presId="urn:microsoft.com/office/officeart/2005/8/layout/orgChart1"/>
+    <dgm:cxn modelId="{E3F249EA-B8A9-4D54-9562-5F236D8757D5}" type="presParOf" srcId="{DA732A07-4D4B-43D4-A862-68D540D83CE7}" destId="{6F7ACB29-1FF5-4024-968D-5668765DEA71}" srcOrd="0" destOrd="0" presId="urn:microsoft.com/office/officeart/2005/8/layout/orgChart1"/>
+    <dgm:cxn modelId="{45D8350F-894B-4A1B-8BF3-8C99CACF3E73}" type="presParOf" srcId="{6F7ACB29-1FF5-4024-968D-5668765DEA71}" destId="{DC117704-7E65-4732-B80D-668AB7BE02E2}" srcOrd="0" destOrd="0" presId="urn:microsoft.com/office/officeart/2005/8/layout/orgChart1"/>
+    <dgm:cxn modelId="{B93D06F6-BFDD-437D-959B-4DA3FC294A78}" type="presParOf" srcId="{6F7ACB29-1FF5-4024-968D-5668765DEA71}" destId="{E01CD6BE-EF90-436B-A4FE-B01AA9811E62}" srcOrd="1" destOrd="0" presId="urn:microsoft.com/office/officeart/2005/8/layout/orgChart1"/>
+    <dgm:cxn modelId="{4623AB0D-B6D7-429C-85F5-5E835FFE2119}" type="presParOf" srcId="{DA732A07-4D4B-43D4-A862-68D540D83CE7}" destId="{6ED1C77B-30C8-4055-BDCB-77B926D16B3D}" srcOrd="1" destOrd="0" presId="urn:microsoft.com/office/officeart/2005/8/layout/orgChart1"/>
+    <dgm:cxn modelId="{EFD3B7A0-C668-40EF-9BC7-1B77870416E2}" type="presParOf" srcId="{DA732A07-4D4B-43D4-A862-68D540D83CE7}" destId="{372FEA24-2924-4841-BD30-B37A75E1FC55}" srcOrd="2" destOrd="0" presId="urn:microsoft.com/office/officeart/2005/8/layout/orgChart1"/>
+    <dgm:cxn modelId="{1944654D-86DE-4276-8989-5E53D0AD9F91}" type="presParOf" srcId="{86813D8A-2C6E-4532-B971-06CFBF5D08AB}" destId="{EC60AC49-AA5E-426F-A90A-8E4A7B5A721D}" srcOrd="4" destOrd="0" presId="urn:microsoft.com/office/officeart/2005/8/layout/orgChart1"/>
+    <dgm:cxn modelId="{624E4A3C-FD7F-45B8-9E52-2A11FBD9EFE0}" type="presParOf" srcId="{86813D8A-2C6E-4532-B971-06CFBF5D08AB}" destId="{F74D8415-F9B0-4F2D-84C6-1403FD07D64B}" srcOrd="5" destOrd="0" presId="urn:microsoft.com/office/officeart/2005/8/layout/orgChart1"/>
+    <dgm:cxn modelId="{A5E4A048-2E03-4241-8C98-CAADA0CE2DA3}" type="presParOf" srcId="{F74D8415-F9B0-4F2D-84C6-1403FD07D64B}" destId="{D45BD0BE-0546-4945-AAA0-8E0951F60CE2}" srcOrd="0" destOrd="0" presId="urn:microsoft.com/office/officeart/2005/8/layout/orgChart1"/>
+    <dgm:cxn modelId="{F8AEA46C-34B0-476D-827D-AF7896A4E46B}" type="presParOf" srcId="{D45BD0BE-0546-4945-AAA0-8E0951F60CE2}" destId="{413D91AD-4C30-4279-A6F9-F8962D1713BF}" srcOrd="0" destOrd="0" presId="urn:microsoft.com/office/officeart/2005/8/layout/orgChart1"/>
+    <dgm:cxn modelId="{EA9D10AB-6E64-4D9F-A214-6DEAC7FF5ED4}" type="presParOf" srcId="{D45BD0BE-0546-4945-AAA0-8E0951F60CE2}" destId="{EFEC9B66-4E9F-42D5-8998-8D5F36A6917D}" srcOrd="1" destOrd="0" presId="urn:microsoft.com/office/officeart/2005/8/layout/orgChart1"/>
+    <dgm:cxn modelId="{0C4213F1-B659-4AE2-A10F-1DF81F63AE02}" type="presParOf" srcId="{F74D8415-F9B0-4F2D-84C6-1403FD07D64B}" destId="{FBEE64C3-EEE8-4769-B7EF-486A918B4D15}" srcOrd="1" destOrd="0" presId="urn:microsoft.com/office/officeart/2005/8/layout/orgChart1"/>
+    <dgm:cxn modelId="{D68871CA-2D40-416A-9600-69DC9D86B5E1}" type="presParOf" srcId="{F74D8415-F9B0-4F2D-84C6-1403FD07D64B}" destId="{BBF36520-681B-496B-A561-7564A2098347}" srcOrd="2" destOrd="0" presId="urn:microsoft.com/office/officeart/2005/8/layout/orgChart1"/>
+    <dgm:cxn modelId="{18BC19AA-DC1F-4DC5-9EB3-233623EE741F}" type="presParOf" srcId="{86813D8A-2C6E-4532-B971-06CFBF5D08AB}" destId="{423FE704-C9D8-46BB-BBF4-3B7F823E94F2}" srcOrd="6" destOrd="0" presId="urn:microsoft.com/office/officeart/2005/8/layout/orgChart1"/>
+    <dgm:cxn modelId="{EF3A80D6-AD0E-4380-9ADA-6AF3558FA190}" type="presParOf" srcId="{86813D8A-2C6E-4532-B971-06CFBF5D08AB}" destId="{EF9C43A8-1740-4A72-8519-2F6BA8DAE211}" srcOrd="7" destOrd="0" presId="urn:microsoft.com/office/officeart/2005/8/layout/orgChart1"/>
+    <dgm:cxn modelId="{35EF551E-D46C-49F2-91A8-530FEE7D8DD9}" type="presParOf" srcId="{EF9C43A8-1740-4A72-8519-2F6BA8DAE211}" destId="{C07C539F-BC5C-4C8F-845C-E0FE5BC7CECC}" srcOrd="0" destOrd="0" presId="urn:microsoft.com/office/officeart/2005/8/layout/orgChart1"/>
+    <dgm:cxn modelId="{60BE6647-FF8C-43AB-95E6-2288A34CE7AB}" type="presParOf" srcId="{C07C539F-BC5C-4C8F-845C-E0FE5BC7CECC}" destId="{EA11CD3A-E2AE-49AE-A406-DA16ED0BBDB4}" srcOrd="0" destOrd="0" presId="urn:microsoft.com/office/officeart/2005/8/layout/orgChart1"/>
+    <dgm:cxn modelId="{85279071-B8C3-4C9C-818B-3212BE6008DD}" type="presParOf" srcId="{C07C539F-BC5C-4C8F-845C-E0FE5BC7CECC}" destId="{32D1FC56-D12D-4842-B9A6-A0E3318BD6FC}" srcOrd="1" destOrd="0" presId="urn:microsoft.com/office/officeart/2005/8/layout/orgChart1"/>
+    <dgm:cxn modelId="{39143AF0-7EBD-472E-8678-5FAFEA2C09C7}" type="presParOf" srcId="{EF9C43A8-1740-4A72-8519-2F6BA8DAE211}" destId="{09745FC5-558F-4E21-A455-85E305EF4682}" srcOrd="1" destOrd="0" presId="urn:microsoft.com/office/officeart/2005/8/layout/orgChart1"/>
+    <dgm:cxn modelId="{57015DC2-7A2F-4477-A149-63DA18422DF7}" type="presParOf" srcId="{EF9C43A8-1740-4A72-8519-2F6BA8DAE211}" destId="{DB15A204-FB13-47E8-A653-D2ACDD4F85FA}" srcOrd="2" destOrd="0" presId="urn:microsoft.com/office/officeart/2005/8/layout/orgChart1"/>
+    <dgm:cxn modelId="{0CA57258-74D9-4047-8084-AB2589310EAC}" type="presParOf" srcId="{8189F617-4662-47DC-A45D-177E7455F3C3}" destId="{698477A8-2928-4D6C-8525-31934334CC7F}" srcOrd="2" destOrd="0" presId="urn:microsoft.com/office/officeart/2005/8/layout/orgChart1"/>
+    <dgm:cxn modelId="{C349E992-C014-4321-AF04-9B3FC3710C52}" type="presParOf" srcId="{03C4FB5A-F466-4C13-846C-F1ABF63E6135}" destId="{AAEB0403-AD2A-47DD-8C8A-EE5DCEA14D79}" srcOrd="2" destOrd="0" presId="urn:microsoft.com/office/officeart/2005/8/layout/orgChart1"/>
+    <dgm:cxn modelId="{A163D918-FA93-4C17-8C0D-5D210B99E700}" type="presParOf" srcId="{03C4FB5A-F466-4C13-846C-F1ABF63E6135}" destId="{B069CD4E-470D-4802-8395-CF9D35033894}" srcOrd="3" destOrd="0" presId="urn:microsoft.com/office/officeart/2005/8/layout/orgChart1"/>
+    <dgm:cxn modelId="{1C03FB61-4DCA-42AA-ADE3-5168972698FB}" type="presParOf" srcId="{B069CD4E-470D-4802-8395-CF9D35033894}" destId="{D558757F-0201-49DA-83FE-B0205461BEA4}" srcOrd="0" destOrd="0" presId="urn:microsoft.com/office/officeart/2005/8/layout/orgChart1"/>
+    <dgm:cxn modelId="{39CDE6A1-B915-40A3-9BE4-208F6DEE512C}" type="presParOf" srcId="{D558757F-0201-49DA-83FE-B0205461BEA4}" destId="{8B9F627B-1E21-4E08-BCBE-B52C776231C1}" srcOrd="0" destOrd="0" presId="urn:microsoft.com/office/officeart/2005/8/layout/orgChart1"/>
+    <dgm:cxn modelId="{48E7A900-B248-402E-A8D3-F9A8861C4BEF}" type="presParOf" srcId="{D558757F-0201-49DA-83FE-B0205461BEA4}" destId="{AA239643-97FC-4231-914A-EE09BB29876F}" srcOrd="1" destOrd="0" presId="urn:microsoft.com/office/officeart/2005/8/layout/orgChart1"/>
+    <dgm:cxn modelId="{E1D06268-AB10-4B9C-A770-7C915A4C0C64}" type="presParOf" srcId="{B069CD4E-470D-4802-8395-CF9D35033894}" destId="{B4731A07-9368-4707-A151-4780BA014B1C}" srcOrd="1" destOrd="0" presId="urn:microsoft.com/office/officeart/2005/8/layout/orgChart1"/>
+    <dgm:cxn modelId="{4DE28770-6999-4D0A-A942-F28A3D8DF8ED}" type="presParOf" srcId="{B4731A07-9368-4707-A151-4780BA014B1C}" destId="{F72AC698-7D07-440D-B1B0-FEE8B5B70E8D}" srcOrd="0" destOrd="0" presId="urn:microsoft.com/office/officeart/2005/8/layout/orgChart1"/>
+    <dgm:cxn modelId="{EDE34874-E3CA-4595-9EE7-D630D396BB2F}" type="presParOf" srcId="{B4731A07-9368-4707-A151-4780BA014B1C}" destId="{127C4773-9E1F-416A-8D7B-3E42BB0283F8}" srcOrd="1" destOrd="0" presId="urn:microsoft.com/office/officeart/2005/8/layout/orgChart1"/>
+    <dgm:cxn modelId="{A6FA32B1-81D4-4F25-9FB2-E9E106036814}" type="presParOf" srcId="{127C4773-9E1F-416A-8D7B-3E42BB0283F8}" destId="{EBEFE014-74C5-4F42-A509-A399876E2106}" srcOrd="0" destOrd="0" presId="urn:microsoft.com/office/officeart/2005/8/layout/orgChart1"/>
+    <dgm:cxn modelId="{C978EE02-1EC0-4C63-9BB3-BF8CF7DE3AF9}" type="presParOf" srcId="{EBEFE014-74C5-4F42-A509-A399876E2106}" destId="{42668478-F7EA-42B0-8466-8D5B3E31351B}" srcOrd="0" destOrd="0" presId="urn:microsoft.com/office/officeart/2005/8/layout/orgChart1"/>
+    <dgm:cxn modelId="{3286AF7F-0E17-426F-87D9-8D540EB5B27B}" type="presParOf" srcId="{EBEFE014-74C5-4F42-A509-A399876E2106}" destId="{077F8FD9-6148-4454-9408-71A8E8B6F5B7}" srcOrd="1" destOrd="0" presId="urn:microsoft.com/office/officeart/2005/8/layout/orgChart1"/>
+    <dgm:cxn modelId="{DF059DBA-B874-4F5E-9A73-BD22590611C8}" type="presParOf" srcId="{127C4773-9E1F-416A-8D7B-3E42BB0283F8}" destId="{BEF735B6-074F-4CE3-81DA-5E21F458484A}" srcOrd="1" destOrd="0" presId="urn:microsoft.com/office/officeart/2005/8/layout/orgChart1"/>
+    <dgm:cxn modelId="{C2F7C92C-EF1D-4B70-947C-B5E651B6DA79}" type="presParOf" srcId="{127C4773-9E1F-416A-8D7B-3E42BB0283F8}" destId="{7D756025-0E7F-4F84-B6A0-317345CD6641}" srcOrd="2" destOrd="0" presId="urn:microsoft.com/office/officeart/2005/8/layout/orgChart1"/>
+    <dgm:cxn modelId="{1D697664-F816-4C36-B641-2DC84FA4FD85}" type="presParOf" srcId="{B4731A07-9368-4707-A151-4780BA014B1C}" destId="{26BFFC41-91E7-4992-A301-EF2C7AEF7808}" srcOrd="2" destOrd="0" presId="urn:microsoft.com/office/officeart/2005/8/layout/orgChart1"/>
+    <dgm:cxn modelId="{5D1C7807-9C79-4D9F-959B-868D8A846715}" type="presParOf" srcId="{B4731A07-9368-4707-A151-4780BA014B1C}" destId="{837AE238-14B9-42EA-8DF4-ACCA86F83B32}" srcOrd="3" destOrd="0" presId="urn:microsoft.com/office/officeart/2005/8/layout/orgChart1"/>
+    <dgm:cxn modelId="{B16F57D5-310A-4C0E-8BFE-E0FEB665966E}" type="presParOf" srcId="{837AE238-14B9-42EA-8DF4-ACCA86F83B32}" destId="{89673F01-9411-4172-99B7-7310B14F5383}" srcOrd="0" destOrd="0" presId="urn:microsoft.com/office/officeart/2005/8/layout/orgChart1"/>
+    <dgm:cxn modelId="{E61A9CCC-9CB8-40EA-B717-AF05FC5948B5}" type="presParOf" srcId="{89673F01-9411-4172-99B7-7310B14F5383}" destId="{A8014437-CC62-4F5F-8DA8-5FEF458377F2}" srcOrd="0" destOrd="0" presId="urn:microsoft.com/office/officeart/2005/8/layout/orgChart1"/>
+    <dgm:cxn modelId="{B6005F23-B4E7-4E85-9320-70E54E5A987F}" type="presParOf" srcId="{89673F01-9411-4172-99B7-7310B14F5383}" destId="{14908242-A76A-48AE-A64E-DB25C8E90F4C}" srcOrd="1" destOrd="0" presId="urn:microsoft.com/office/officeart/2005/8/layout/orgChart1"/>
+    <dgm:cxn modelId="{15C1F756-C132-4A2D-A3E6-4F2B3897D44F}" type="presParOf" srcId="{837AE238-14B9-42EA-8DF4-ACCA86F83B32}" destId="{D421A73E-8432-4278-824A-A9F35CBBB54A}" srcOrd="1" destOrd="0" presId="urn:microsoft.com/office/officeart/2005/8/layout/orgChart1"/>
+    <dgm:cxn modelId="{74718CD0-A175-4E2B-9DDB-13CDE95B1B8B}" type="presParOf" srcId="{837AE238-14B9-42EA-8DF4-ACCA86F83B32}" destId="{4F0413B8-BB13-4721-B816-89988E592AAA}" srcOrd="2" destOrd="0" presId="urn:microsoft.com/office/officeart/2005/8/layout/orgChart1"/>
+    <dgm:cxn modelId="{F7965DA4-2EB4-409E-8FD6-B86BEC617E45}" type="presParOf" srcId="{B069CD4E-470D-4802-8395-CF9D35033894}" destId="{4B8FAD81-8006-4BF1-9599-152A34855001}" srcOrd="2" destOrd="0" presId="urn:microsoft.com/office/officeart/2005/8/layout/orgChart1"/>
+    <dgm:cxn modelId="{FFB19939-40CD-4D98-B6B8-8D14B6EDA646}" type="presParOf" srcId="{03C4FB5A-F466-4C13-846C-F1ABF63E6135}" destId="{52970560-E4A8-48B7-BFA7-FC8E4C509969}" srcOrd="4" destOrd="0" presId="urn:microsoft.com/office/officeart/2005/8/layout/orgChart1"/>
+    <dgm:cxn modelId="{2F96A3E6-8308-4EA9-9E13-39A424F0220C}" type="presParOf" srcId="{03C4FB5A-F466-4C13-846C-F1ABF63E6135}" destId="{B74147BA-DF77-4794-82DA-1A617203570A}" srcOrd="5" destOrd="0" presId="urn:microsoft.com/office/officeart/2005/8/layout/orgChart1"/>
+    <dgm:cxn modelId="{4806B181-A289-48DE-B17B-4E09DDA3378B}" type="presParOf" srcId="{B74147BA-DF77-4794-82DA-1A617203570A}" destId="{3EC8E579-D573-48BE-9360-88A797858CAC}" srcOrd="0" destOrd="0" presId="urn:microsoft.com/office/officeart/2005/8/layout/orgChart1"/>
+    <dgm:cxn modelId="{44821424-BAB2-4B06-9E43-A93CAB5BADC1}" type="presParOf" srcId="{3EC8E579-D573-48BE-9360-88A797858CAC}" destId="{49E54C8C-F3AB-4587-9714-9F87463F06FF}" srcOrd="0" destOrd="0" presId="urn:microsoft.com/office/officeart/2005/8/layout/orgChart1"/>
+    <dgm:cxn modelId="{9B29FD91-B619-4CF5-BDAA-9B6BA5C2DD30}" type="presParOf" srcId="{3EC8E579-D573-48BE-9360-88A797858CAC}" destId="{DA0D333D-0134-4B90-A57A-A9DA8AE0286F}" srcOrd="1" destOrd="0" presId="urn:microsoft.com/office/officeart/2005/8/layout/orgChart1"/>
+    <dgm:cxn modelId="{0D514B9F-F974-4C44-B7CA-738379E4357D}" type="presParOf" srcId="{B74147BA-DF77-4794-82DA-1A617203570A}" destId="{1F44F630-7EC6-41EC-9A90-A461EB4967E6}" srcOrd="1" destOrd="0" presId="urn:microsoft.com/office/officeart/2005/8/layout/orgChart1"/>
+    <dgm:cxn modelId="{00C49757-7AD2-46BB-AD87-3DA177207540}" type="presParOf" srcId="{B74147BA-DF77-4794-82DA-1A617203570A}" destId="{7489B656-61F8-4846-9BAE-E87A75A31552}" srcOrd="2" destOrd="0" presId="urn:microsoft.com/office/officeart/2005/8/layout/orgChart1"/>
+    <dgm:cxn modelId="{5FB82F4D-3F3E-42E6-ABB2-ED0B69B6A0C3}" type="presParOf" srcId="{03C4FB5A-F466-4C13-846C-F1ABF63E6135}" destId="{0B59EDE4-D8CD-4D94-9A2D-8B3F893E5FE9}" srcOrd="6" destOrd="0" presId="urn:microsoft.com/office/officeart/2005/8/layout/orgChart1"/>
+    <dgm:cxn modelId="{F6E3469A-2C35-47D4-B550-BF0E639B3DF5}" type="presParOf" srcId="{03C4FB5A-F466-4C13-846C-F1ABF63E6135}" destId="{C1CACC16-C79A-4066-8FFD-D88649385A02}" srcOrd="7" destOrd="0" presId="urn:microsoft.com/office/officeart/2005/8/layout/orgChart1"/>
+    <dgm:cxn modelId="{2F95B7F2-F783-4EEF-AA5A-D72D5A18B13B}" type="presParOf" srcId="{C1CACC16-C79A-4066-8FFD-D88649385A02}" destId="{41220D07-EEAC-4663-BB65-A08CA3C1CC3E}" srcOrd="0" destOrd="0" presId="urn:microsoft.com/office/officeart/2005/8/layout/orgChart1"/>
+    <dgm:cxn modelId="{839AD3F1-8778-4514-83CD-C69E050E0D3F}" type="presParOf" srcId="{41220D07-EEAC-4663-BB65-A08CA3C1CC3E}" destId="{80FBB729-8602-4C96-B133-A412E1C7F799}" srcOrd="0" destOrd="0" presId="urn:microsoft.com/office/officeart/2005/8/layout/orgChart1"/>
+    <dgm:cxn modelId="{313946D5-3076-4271-BD58-4E9A3CE363BC}" type="presParOf" srcId="{41220D07-EEAC-4663-BB65-A08CA3C1CC3E}" destId="{933A7E87-600E-495C-9ED8-7B3FCD5BBE87}" srcOrd="1" destOrd="0" presId="urn:microsoft.com/office/officeart/2005/8/layout/orgChart1"/>
+    <dgm:cxn modelId="{E1F2A6F7-6249-4B50-9AAD-C074B462477C}" type="presParOf" srcId="{C1CACC16-C79A-4066-8FFD-D88649385A02}" destId="{3F9194C2-1DA3-4FF4-BF0C-48AB2DA347FA}" srcOrd="1" destOrd="0" presId="urn:microsoft.com/office/officeart/2005/8/layout/orgChart1"/>
+    <dgm:cxn modelId="{72A0A638-FA57-4F4A-BE5C-768288E0A0A3}" type="presParOf" srcId="{3F9194C2-1DA3-4FF4-BF0C-48AB2DA347FA}" destId="{C03B3E22-CC1E-4A03-8144-CEF62C9A0CF8}" srcOrd="0" destOrd="0" presId="urn:microsoft.com/office/officeart/2005/8/layout/orgChart1"/>
+    <dgm:cxn modelId="{887020F8-AE55-472B-9FF6-A6EBDD6C3116}" type="presParOf" srcId="{3F9194C2-1DA3-4FF4-BF0C-48AB2DA347FA}" destId="{7F90183D-C876-4B4C-B538-BF11639D05CF}" srcOrd="1" destOrd="0" presId="urn:microsoft.com/office/officeart/2005/8/layout/orgChart1"/>
+    <dgm:cxn modelId="{5F79341F-1131-4802-9F28-598767F1F7FA}" type="presParOf" srcId="{7F90183D-C876-4B4C-B538-BF11639D05CF}" destId="{AC894C0B-3122-489B-8612-FD7F20649F47}" srcOrd="0" destOrd="0" presId="urn:microsoft.com/office/officeart/2005/8/layout/orgChart1"/>
+    <dgm:cxn modelId="{CDA05473-30E3-4EE8-A0B5-64843E1B7687}" type="presParOf" srcId="{AC894C0B-3122-489B-8612-FD7F20649F47}" destId="{8936D5FF-BE5B-41B1-BCB0-C922C2AEF3A2}" srcOrd="0" destOrd="0" presId="urn:microsoft.com/office/officeart/2005/8/layout/orgChart1"/>
+    <dgm:cxn modelId="{A9B044A7-FBA3-48C5-AB01-8A78E7621A17}" type="presParOf" srcId="{AC894C0B-3122-489B-8612-FD7F20649F47}" destId="{64AF2521-CFB6-41D0-A330-9DD3E3A9D02C}" srcOrd="1" destOrd="0" presId="urn:microsoft.com/office/officeart/2005/8/layout/orgChart1"/>
+    <dgm:cxn modelId="{40B32B77-E69E-40D2-9501-F0C6828E4A17}" type="presParOf" srcId="{7F90183D-C876-4B4C-B538-BF11639D05CF}" destId="{D224BDA1-226D-4A06-8126-BC1C96D62781}" srcOrd="1" destOrd="0" presId="urn:microsoft.com/office/officeart/2005/8/layout/orgChart1"/>
+    <dgm:cxn modelId="{D3FCD9EB-82AD-45CA-8287-F1156D4B41D8}" type="presParOf" srcId="{7F90183D-C876-4B4C-B538-BF11639D05CF}" destId="{B6AE715A-D3E0-459D-AA54-2079C2BAC449}" srcOrd="2" destOrd="0" presId="urn:microsoft.com/office/officeart/2005/8/layout/orgChart1"/>
+    <dgm:cxn modelId="{5E394716-123E-4BC6-9823-15BEEE4DBF69}" type="presParOf" srcId="{3F9194C2-1DA3-4FF4-BF0C-48AB2DA347FA}" destId="{677147A4-ED11-4D10-90FF-66F940FA324E}" srcOrd="2" destOrd="0" presId="urn:microsoft.com/office/officeart/2005/8/layout/orgChart1"/>
+    <dgm:cxn modelId="{0891EF0E-892D-4A62-B620-2C6EFA9898F9}" type="presParOf" srcId="{3F9194C2-1DA3-4FF4-BF0C-48AB2DA347FA}" destId="{FB4AF609-606B-4B6B-9BAB-173659A4F87B}" srcOrd="3" destOrd="0" presId="urn:microsoft.com/office/officeart/2005/8/layout/orgChart1"/>
+    <dgm:cxn modelId="{AAE003A7-6A21-4C72-B8D8-2BA2786BC6F0}" type="presParOf" srcId="{FB4AF609-606B-4B6B-9BAB-173659A4F87B}" destId="{A13BE3E8-BE35-4DA4-96EB-5F89F897D044}" srcOrd="0" destOrd="0" presId="urn:microsoft.com/office/officeart/2005/8/layout/orgChart1"/>
+    <dgm:cxn modelId="{D9F984E0-D98D-4386-A3AC-7E0611D15B94}" type="presParOf" srcId="{A13BE3E8-BE35-4DA4-96EB-5F89F897D044}" destId="{A92C7A02-1CFE-4030-8C4A-1DE39C7C9571}" srcOrd="0" destOrd="0" presId="urn:microsoft.com/office/officeart/2005/8/layout/orgChart1"/>
+    <dgm:cxn modelId="{2E72BCAD-2DC6-47D8-8654-935204F23E7E}" type="presParOf" srcId="{A13BE3E8-BE35-4DA4-96EB-5F89F897D044}" destId="{3C4BBB0D-526E-4D77-B7C7-E1C5797EDCB0}" srcOrd="1" destOrd="0" presId="urn:microsoft.com/office/officeart/2005/8/layout/orgChart1"/>
+    <dgm:cxn modelId="{EF2E5AFB-E16A-444B-853E-B2977FE9BB66}" type="presParOf" srcId="{FB4AF609-606B-4B6B-9BAB-173659A4F87B}" destId="{B1567558-BD39-417E-8A07-A2F9FB1FC9EB}" srcOrd="1" destOrd="0" presId="urn:microsoft.com/office/officeart/2005/8/layout/orgChart1"/>
+    <dgm:cxn modelId="{4CF0C3F4-EDCD-41F5-9AF8-6DA8A2E2D54C}" type="presParOf" srcId="{FB4AF609-606B-4B6B-9BAB-173659A4F87B}" destId="{FBD46D89-AA2F-4A9F-87DA-5AE4270FE4E0}" srcOrd="2" destOrd="0" presId="urn:microsoft.com/office/officeart/2005/8/layout/orgChart1"/>
+    <dgm:cxn modelId="{C0B792A8-78E1-4AC7-9646-C2D689A89FE9}" type="presParOf" srcId="{C1CACC16-C79A-4066-8FFD-D88649385A02}" destId="{55F57422-D246-44F8-B56B-02B4A41870A1}" srcOrd="2" destOrd="0" presId="urn:microsoft.com/office/officeart/2005/8/layout/orgChart1"/>
+    <dgm:cxn modelId="{276D0E65-FAA8-46EE-ACC0-1C56D24CF103}" type="presParOf" srcId="{03C4FB5A-F466-4C13-846C-F1ABF63E6135}" destId="{98112DBB-CB8C-4D6C-A5B9-9D2B021F3CFF}" srcOrd="8" destOrd="0" presId="urn:microsoft.com/office/officeart/2005/8/layout/orgChart1"/>
+    <dgm:cxn modelId="{4CFF44F8-3ABD-4DA3-85FF-0DEA462A4922}" type="presParOf" srcId="{03C4FB5A-F466-4C13-846C-F1ABF63E6135}" destId="{6355F125-BABD-490D-9CD1-DDB9F4352D04}" srcOrd="9" destOrd="0" presId="urn:microsoft.com/office/officeart/2005/8/layout/orgChart1"/>
+    <dgm:cxn modelId="{A7651B70-39A4-4C1B-BA78-1FFEAEEA8E01}" type="presParOf" srcId="{6355F125-BABD-490D-9CD1-DDB9F4352D04}" destId="{503EE9FA-6DC6-48D2-850E-1257DF4E810E}" srcOrd="0" destOrd="0" presId="urn:microsoft.com/office/officeart/2005/8/layout/orgChart1"/>
+    <dgm:cxn modelId="{AE98E029-2170-4C59-A56F-54B17556E49E}" type="presParOf" srcId="{503EE9FA-6DC6-48D2-850E-1257DF4E810E}" destId="{4E7DEB0B-CD36-460D-BF7D-E2D9CEF46EA5}" srcOrd="0" destOrd="0" presId="urn:microsoft.com/office/officeart/2005/8/layout/orgChart1"/>
+    <dgm:cxn modelId="{804D795F-CE76-4FA4-A433-5F7163B6D255}" type="presParOf" srcId="{503EE9FA-6DC6-48D2-850E-1257DF4E810E}" destId="{79852E92-6937-4B1B-A776-1126C8ADCCAC}" srcOrd="1" destOrd="0" presId="urn:microsoft.com/office/officeart/2005/8/layout/orgChart1"/>
+    <dgm:cxn modelId="{CD7A917B-B06B-4807-A209-3F8AFC993C22}" type="presParOf" srcId="{6355F125-BABD-490D-9CD1-DDB9F4352D04}" destId="{2AA3D07F-FACC-4B09-91A4-E808CCB4A1CC}" srcOrd="1" destOrd="0" presId="urn:microsoft.com/office/officeart/2005/8/layout/orgChart1"/>
+    <dgm:cxn modelId="{E1B9B6A3-81FD-4773-9692-B44F041A2760}" type="presParOf" srcId="{2AA3D07F-FACC-4B09-91A4-E808CCB4A1CC}" destId="{10723AE9-7FCF-45E3-9CBA-9F761EC1B94D}" srcOrd="0" destOrd="0" presId="urn:microsoft.com/office/officeart/2005/8/layout/orgChart1"/>
+    <dgm:cxn modelId="{0ECC4307-7358-4AF8-B695-0F7047FA75C9}" type="presParOf" srcId="{2AA3D07F-FACC-4B09-91A4-E808CCB4A1CC}" destId="{5759C946-F49A-4DCD-9AAC-F88C3DD5CEB7}" srcOrd="1" destOrd="0" presId="urn:microsoft.com/office/officeart/2005/8/layout/orgChart1"/>
+    <dgm:cxn modelId="{7049ECEF-43D0-4758-9485-15BE7C018D54}" type="presParOf" srcId="{5759C946-F49A-4DCD-9AAC-F88C3DD5CEB7}" destId="{3C062932-1FD2-4567-BEAB-6B7D2D635506}" srcOrd="0" destOrd="0" presId="urn:microsoft.com/office/officeart/2005/8/layout/orgChart1"/>
+    <dgm:cxn modelId="{8DC24894-5F94-4F6E-B34B-AE0C086E41F7}" type="presParOf" srcId="{3C062932-1FD2-4567-BEAB-6B7D2D635506}" destId="{945C9633-C9B5-406E-B1E5-AB7C6CEBD8BF}" srcOrd="0" destOrd="0" presId="urn:microsoft.com/office/officeart/2005/8/layout/orgChart1"/>
+    <dgm:cxn modelId="{65855D4B-FE78-4BD5-A7E7-3F3410B98B32}" type="presParOf" srcId="{3C062932-1FD2-4567-BEAB-6B7D2D635506}" destId="{799A57CE-B0E7-44E1-8A7C-0FC040BABD60}" srcOrd="1" destOrd="0" presId="urn:microsoft.com/office/officeart/2005/8/layout/orgChart1"/>
+    <dgm:cxn modelId="{D0322321-EAC4-4DF7-B029-A1E2B5F85B5F}" type="presParOf" srcId="{5759C946-F49A-4DCD-9AAC-F88C3DD5CEB7}" destId="{9763DE75-AE00-49A1-8448-55F48E0C66CA}" srcOrd="1" destOrd="0" presId="urn:microsoft.com/office/officeart/2005/8/layout/orgChart1"/>
+    <dgm:cxn modelId="{532A4EFF-FFE0-4376-A00B-DB1B3F8EE6B6}" type="presParOf" srcId="{5759C946-F49A-4DCD-9AAC-F88C3DD5CEB7}" destId="{3474DF8C-134F-41DC-84D7-6EB6910502F3}" srcOrd="2" destOrd="0" presId="urn:microsoft.com/office/officeart/2005/8/layout/orgChart1"/>
+    <dgm:cxn modelId="{1A83E49F-0CAC-4CD3-924E-FD62F582202D}" type="presParOf" srcId="{6355F125-BABD-490D-9CD1-DDB9F4352D04}" destId="{B79453F7-7CF3-450D-AF1B-7CD80D67F752}" srcOrd="2" destOrd="0" presId="urn:microsoft.com/office/officeart/2005/8/layout/orgChart1"/>
+    <dgm:cxn modelId="{D401A536-07DD-4B1C-8F68-A9733597C5AC}" type="presParOf" srcId="{B511E66D-F516-446A-BF9A-38B0DC02F5A5}" destId="{B2B7E533-9A46-43E4-95C3-D46AD66363B7}" srcOrd="2" destOrd="0" presId="urn:microsoft.com/office/officeart/2005/8/layout/orgChart1"/>
+  </dgm:cxnLst>
+  <dgm:bg/>
+  <dgm:whole/>
+  <dgm:extLst>
+    <a:ext uri="http://schemas.microsoft.com/office/drawing/2008/diagram">
+      <dsp:dataModelExt xmlns:dsp="http://schemas.microsoft.com/office/drawing/2008/diagram" relId="rId6" minVer="http://schemas.openxmlformats.org/drawingml/2006/diagram"/>
+    </a:ext>
+  </dgm:extLst>
+</dgm:dataModel>
+</file>
+
+<file path=ppt/diagrams/drawing1.xml><?xml version="1.0" encoding="utf-8"?>
+<dsp:drawing xmlns:dgm="http://schemas.openxmlformats.org/drawingml/2006/diagram" xmlns:dsp="http://schemas.microsoft.com/office/drawing/2008/diagram" xmlns:a="http://schemas.openxmlformats.org/drawingml/2006/main">
+  <dsp:spTree>
+    <dsp:nvGrpSpPr>
+      <dsp:cNvPr id="0" name=""/>
+      <dsp:cNvGrpSpPr/>
+    </dsp:nvGrpSpPr>
+    <dsp:grpSpPr/>
+    <dsp:sp modelId="{10723AE9-7FCF-45E3-9CBA-9F761EC1B94D}">
+      <dsp:nvSpPr>
+        <dsp:cNvPr id="0" name=""/>
+        <dsp:cNvSpPr/>
+      </dsp:nvSpPr>
+      <dsp:spPr>
+        <a:xfrm>
+          <a:off x="9414945" y="1519859"/>
+          <a:ext cx="190328" cy="583673"/>
+        </a:xfrm>
+        <a:custGeom>
+          <a:avLst/>
+          <a:gdLst/>
+          <a:ahLst/>
+          <a:cxnLst/>
+          <a:rect l="0" t="0" r="0" b="0"/>
+          <a:pathLst>
+            <a:path>
+              <a:moveTo>
+                <a:pt x="0" y="0"/>
+              </a:moveTo>
+              <a:lnTo>
+                <a:pt x="0" y="583673"/>
+              </a:lnTo>
+              <a:lnTo>
+                <a:pt x="190328" y="583673"/>
+              </a:lnTo>
+            </a:path>
+          </a:pathLst>
+        </a:custGeom>
+        <a:noFill/>
+        <a:ln w="12700" cap="flat" cmpd="sng" algn="ctr">
+          <a:solidFill>
+            <a:schemeClr val="accent1">
+              <a:shade val="80000"/>
+              <a:hueOff val="0"/>
+              <a:satOff val="0"/>
+              <a:lumOff val="0"/>
+              <a:alphaOff val="0"/>
+            </a:schemeClr>
+          </a:solidFill>
+          <a:prstDash val="solid"/>
+          <a:miter lim="800000"/>
+        </a:ln>
+        <a:effectLst/>
+      </dsp:spPr>
+      <dsp:style>
+        <a:lnRef idx="2">
+          <a:scrgbClr r="0" g="0" b="0"/>
+        </a:lnRef>
+        <a:fillRef idx="0">
+          <a:scrgbClr r="0" g="0" b="0"/>
+        </a:fillRef>
+        <a:effectRef idx="0">
+          <a:scrgbClr r="0" g="0" b="0"/>
+        </a:effectRef>
+        <a:fontRef idx="minor"/>
+      </dsp:style>
+    </dsp:sp>
+    <dsp:sp modelId="{98112DBB-CB8C-4D6C-A5B9-9D2B021F3CFF}">
+      <dsp:nvSpPr>
+        <dsp:cNvPr id="0" name=""/>
+        <dsp:cNvSpPr/>
+      </dsp:nvSpPr>
+      <dsp:spPr>
+        <a:xfrm>
+          <a:off x="5600102" y="636729"/>
+          <a:ext cx="4322384" cy="248702"/>
+        </a:xfrm>
+        <a:custGeom>
+          <a:avLst/>
+          <a:gdLst/>
+          <a:ahLst/>
+          <a:cxnLst/>
+          <a:rect l="0" t="0" r="0" b="0"/>
+          <a:pathLst>
+            <a:path>
+              <a:moveTo>
+                <a:pt x="0" y="0"/>
+              </a:moveTo>
+              <a:lnTo>
+                <a:pt x="0" y="115472"/>
+              </a:lnTo>
+              <a:lnTo>
+                <a:pt x="4322384" y="115472"/>
+              </a:lnTo>
+              <a:lnTo>
+                <a:pt x="4322384" y="248702"/>
+              </a:lnTo>
+            </a:path>
+          </a:pathLst>
+        </a:custGeom>
+        <a:noFill/>
+        <a:ln w="12700" cap="flat" cmpd="sng" algn="ctr">
+          <a:solidFill>
+            <a:schemeClr val="accent1">
+              <a:shade val="60000"/>
+              <a:hueOff val="0"/>
+              <a:satOff val="0"/>
+              <a:lumOff val="0"/>
+              <a:alphaOff val="0"/>
+            </a:schemeClr>
+          </a:solidFill>
+          <a:prstDash val="solid"/>
+          <a:miter lim="800000"/>
+        </a:ln>
+        <a:effectLst/>
+      </dsp:spPr>
+      <dsp:style>
+        <a:lnRef idx="2">
+          <a:scrgbClr r="0" g="0" b="0"/>
+        </a:lnRef>
+        <a:fillRef idx="0">
+          <a:scrgbClr r="0" g="0" b="0"/>
+        </a:fillRef>
+        <a:effectRef idx="0">
+          <a:scrgbClr r="0" g="0" b="0"/>
+        </a:effectRef>
+        <a:fontRef idx="minor"/>
+      </dsp:style>
+    </dsp:sp>
+    <dsp:sp modelId="{677147A4-ED11-4D10-90FF-66F940FA324E}">
+      <dsp:nvSpPr>
+        <dsp:cNvPr id="0" name=""/>
+        <dsp:cNvSpPr/>
+      </dsp:nvSpPr>
+      <dsp:spPr>
+        <a:xfrm>
+          <a:off x="6645133" y="1562505"/>
+          <a:ext cx="190328" cy="1484561"/>
+        </a:xfrm>
+        <a:custGeom>
+          <a:avLst/>
+          <a:gdLst/>
+          <a:ahLst/>
+          <a:cxnLst/>
+          <a:rect l="0" t="0" r="0" b="0"/>
+          <a:pathLst>
+            <a:path>
+              <a:moveTo>
+                <a:pt x="0" y="0"/>
+              </a:moveTo>
+              <a:lnTo>
+                <a:pt x="0" y="1484561"/>
+              </a:lnTo>
+              <a:lnTo>
+                <a:pt x="190328" y="1484561"/>
+              </a:lnTo>
+            </a:path>
+          </a:pathLst>
+        </a:custGeom>
+        <a:noFill/>
+        <a:ln w="12700" cap="flat" cmpd="sng" algn="ctr">
+          <a:solidFill>
+            <a:schemeClr val="accent1">
+              <a:shade val="80000"/>
+              <a:hueOff val="0"/>
+              <a:satOff val="0"/>
+              <a:lumOff val="0"/>
+              <a:alphaOff val="0"/>
+            </a:schemeClr>
+          </a:solidFill>
+          <a:prstDash val="solid"/>
+          <a:miter lim="800000"/>
+        </a:ln>
+        <a:effectLst/>
+      </dsp:spPr>
+      <dsp:style>
+        <a:lnRef idx="2">
+          <a:scrgbClr r="0" g="0" b="0"/>
+        </a:lnRef>
+        <a:fillRef idx="0">
+          <a:scrgbClr r="0" g="0" b="0"/>
+        </a:fillRef>
+        <a:effectRef idx="0">
+          <a:scrgbClr r="0" g="0" b="0"/>
+        </a:effectRef>
+        <a:fontRef idx="minor"/>
+      </dsp:style>
+    </dsp:sp>
+    <dsp:sp modelId="{C03B3E22-CC1E-4A03-8144-CEF62C9A0CF8}">
+      <dsp:nvSpPr>
+        <dsp:cNvPr id="0" name=""/>
+        <dsp:cNvSpPr/>
+      </dsp:nvSpPr>
+      <dsp:spPr>
+        <a:xfrm>
+          <a:off x="6645133" y="1562505"/>
+          <a:ext cx="190328" cy="583673"/>
+        </a:xfrm>
+        <a:custGeom>
+          <a:avLst/>
+          <a:gdLst/>
+          <a:ahLst/>
+          <a:cxnLst/>
+          <a:rect l="0" t="0" r="0" b="0"/>
+          <a:pathLst>
+            <a:path>
+              <a:moveTo>
+                <a:pt x="0" y="0"/>
+              </a:moveTo>
+              <a:lnTo>
+                <a:pt x="0" y="583673"/>
+              </a:lnTo>
+              <a:lnTo>
+                <a:pt x="190328" y="583673"/>
+              </a:lnTo>
+            </a:path>
+          </a:pathLst>
+        </a:custGeom>
+        <a:noFill/>
+        <a:ln w="12700" cap="flat" cmpd="sng" algn="ctr">
+          <a:solidFill>
+            <a:schemeClr val="accent1">
+              <a:shade val="80000"/>
+              <a:hueOff val="0"/>
+              <a:satOff val="0"/>
+              <a:lumOff val="0"/>
+              <a:alphaOff val="0"/>
+            </a:schemeClr>
+          </a:solidFill>
+          <a:prstDash val="solid"/>
+          <a:miter lim="800000"/>
+        </a:ln>
+        <a:effectLst/>
+      </dsp:spPr>
+      <dsp:style>
+        <a:lnRef idx="2">
+          <a:scrgbClr r="0" g="0" b="0"/>
+        </a:lnRef>
+        <a:fillRef idx="0">
+          <a:scrgbClr r="0" g="0" b="0"/>
+        </a:fillRef>
+        <a:effectRef idx="0">
+          <a:scrgbClr r="0" g="0" b="0"/>
+        </a:effectRef>
+        <a:fontRef idx="minor"/>
+      </dsp:style>
+    </dsp:sp>
+    <dsp:sp modelId="{0B59EDE4-D8CD-4D94-9A2D-8B3F893E5FE9}">
+      <dsp:nvSpPr>
+        <dsp:cNvPr id="0" name=""/>
+        <dsp:cNvSpPr/>
+      </dsp:nvSpPr>
+      <dsp:spPr>
+        <a:xfrm>
+          <a:off x="5600102" y="636729"/>
+          <a:ext cx="1552572" cy="291348"/>
+        </a:xfrm>
+        <a:custGeom>
+          <a:avLst/>
+          <a:gdLst/>
+          <a:ahLst/>
+          <a:cxnLst/>
+          <a:rect l="0" t="0" r="0" b="0"/>
+          <a:pathLst>
+            <a:path>
+              <a:moveTo>
+                <a:pt x="0" y="0"/>
+              </a:moveTo>
+              <a:lnTo>
+                <a:pt x="0" y="158118"/>
+              </a:lnTo>
+              <a:lnTo>
+                <a:pt x="1552572" y="158118"/>
+              </a:lnTo>
+              <a:lnTo>
+                <a:pt x="1552572" y="291348"/>
+              </a:lnTo>
+            </a:path>
+          </a:pathLst>
+        </a:custGeom>
+        <a:noFill/>
+        <a:ln w="12700" cap="flat" cmpd="sng" algn="ctr">
+          <a:solidFill>
+            <a:schemeClr val="accent1">
+              <a:shade val="60000"/>
+              <a:hueOff val="0"/>
+              <a:satOff val="0"/>
+              <a:lumOff val="0"/>
+              <a:alphaOff val="0"/>
+            </a:schemeClr>
+          </a:solidFill>
+          <a:prstDash val="solid"/>
+          <a:miter lim="800000"/>
+        </a:ln>
+        <a:effectLst/>
+      </dsp:spPr>
+      <dsp:style>
+        <a:lnRef idx="2">
+          <a:scrgbClr r="0" g="0" b="0"/>
+        </a:lnRef>
+        <a:fillRef idx="0">
+          <a:scrgbClr r="0" g="0" b="0"/>
+        </a:fillRef>
+        <a:effectRef idx="0">
+          <a:scrgbClr r="0" g="0" b="0"/>
+        </a:effectRef>
+        <a:fontRef idx="minor"/>
+      </dsp:style>
+    </dsp:sp>
+    <dsp:sp modelId="{52970560-E4A8-48B7-BFA7-FC8E4C509969}">
+      <dsp:nvSpPr>
+        <dsp:cNvPr id="0" name=""/>
+        <dsp:cNvSpPr/>
+      </dsp:nvSpPr>
+      <dsp:spPr>
+        <a:xfrm>
+          <a:off x="5435151" y="636729"/>
+          <a:ext cx="164951" cy="287630"/>
+        </a:xfrm>
+        <a:custGeom>
+          <a:avLst/>
+          <a:gdLst/>
+          <a:ahLst/>
+          <a:cxnLst/>
+          <a:rect l="0" t="0" r="0" b="0"/>
+          <a:pathLst>
+            <a:path>
+              <a:moveTo>
+                <a:pt x="164951" y="0"/>
+              </a:moveTo>
+              <a:lnTo>
+                <a:pt x="164951" y="154400"/>
+              </a:lnTo>
+              <a:lnTo>
+                <a:pt x="0" y="154400"/>
+              </a:lnTo>
+              <a:lnTo>
+                <a:pt x="0" y="287630"/>
+              </a:lnTo>
+            </a:path>
+          </a:pathLst>
+        </a:custGeom>
+        <a:noFill/>
+        <a:ln w="12700" cap="flat" cmpd="sng" algn="ctr">
+          <a:solidFill>
+            <a:schemeClr val="accent1">
+              <a:shade val="60000"/>
+              <a:hueOff val="0"/>
+              <a:satOff val="0"/>
+              <a:lumOff val="0"/>
+              <a:alphaOff val="0"/>
+            </a:schemeClr>
+          </a:solidFill>
+          <a:prstDash val="solid"/>
+          <a:miter lim="800000"/>
+        </a:ln>
+        <a:effectLst/>
+      </dsp:spPr>
+      <dsp:style>
+        <a:lnRef idx="2">
+          <a:scrgbClr r="0" g="0" b="0"/>
+        </a:lnRef>
+        <a:fillRef idx="0">
+          <a:scrgbClr r="0" g="0" b="0"/>
+        </a:fillRef>
+        <a:effectRef idx="0">
+          <a:scrgbClr r="0" g="0" b="0"/>
+        </a:effectRef>
+        <a:fontRef idx="minor"/>
+      </dsp:style>
+    </dsp:sp>
+    <dsp:sp modelId="{26BFFC41-91E7-4992-A301-EF2C7AEF7808}">
+      <dsp:nvSpPr>
+        <dsp:cNvPr id="0" name=""/>
+        <dsp:cNvSpPr/>
+      </dsp:nvSpPr>
+      <dsp:spPr>
+        <a:xfrm>
+          <a:off x="2986893" y="1568532"/>
+          <a:ext cx="190328" cy="1484561"/>
+        </a:xfrm>
+        <a:custGeom>
+          <a:avLst/>
+          <a:gdLst/>
+          <a:ahLst/>
+          <a:cxnLst/>
+          <a:rect l="0" t="0" r="0" b="0"/>
+          <a:pathLst>
+            <a:path>
+              <a:moveTo>
+                <a:pt x="0" y="0"/>
+              </a:moveTo>
+              <a:lnTo>
+                <a:pt x="0" y="1484561"/>
+              </a:lnTo>
+              <a:lnTo>
+                <a:pt x="190328" y="1484561"/>
+              </a:lnTo>
+            </a:path>
+          </a:pathLst>
+        </a:custGeom>
+        <a:noFill/>
+        <a:ln w="12700" cap="flat" cmpd="sng" algn="ctr">
+          <a:solidFill>
+            <a:schemeClr val="accent1">
+              <a:shade val="80000"/>
+              <a:hueOff val="0"/>
+              <a:satOff val="0"/>
+              <a:lumOff val="0"/>
+              <a:alphaOff val="0"/>
+            </a:schemeClr>
+          </a:solidFill>
+          <a:prstDash val="solid"/>
+          <a:miter lim="800000"/>
+        </a:ln>
+        <a:effectLst/>
+      </dsp:spPr>
+      <dsp:style>
+        <a:lnRef idx="2">
+          <a:scrgbClr r="0" g="0" b="0"/>
+        </a:lnRef>
+        <a:fillRef idx="0">
+          <a:scrgbClr r="0" g="0" b="0"/>
+        </a:fillRef>
+        <a:effectRef idx="0">
+          <a:scrgbClr r="0" g="0" b="0"/>
+        </a:effectRef>
+        <a:fontRef idx="minor"/>
+      </dsp:style>
+    </dsp:sp>
+    <dsp:sp modelId="{F72AC698-7D07-440D-B1B0-FEE8B5B70E8D}">
+      <dsp:nvSpPr>
+        <dsp:cNvPr id="0" name=""/>
+        <dsp:cNvSpPr/>
+      </dsp:nvSpPr>
+      <dsp:spPr>
+        <a:xfrm>
+          <a:off x="2986893" y="1568532"/>
+          <a:ext cx="190328" cy="583673"/>
+        </a:xfrm>
+        <a:custGeom>
+          <a:avLst/>
+          <a:gdLst/>
+          <a:ahLst/>
+          <a:cxnLst/>
+          <a:rect l="0" t="0" r="0" b="0"/>
+          <a:pathLst>
+            <a:path>
+              <a:moveTo>
+                <a:pt x="0" y="0"/>
+              </a:moveTo>
+              <a:lnTo>
+                <a:pt x="0" y="583673"/>
+              </a:lnTo>
+              <a:lnTo>
+                <a:pt x="190328" y="583673"/>
+              </a:lnTo>
+            </a:path>
+          </a:pathLst>
+        </a:custGeom>
+        <a:noFill/>
+        <a:ln w="12700" cap="flat" cmpd="sng" algn="ctr">
+          <a:solidFill>
+            <a:schemeClr val="accent1">
+              <a:shade val="80000"/>
+              <a:hueOff val="0"/>
+              <a:satOff val="0"/>
+              <a:lumOff val="0"/>
+              <a:alphaOff val="0"/>
+            </a:schemeClr>
+          </a:solidFill>
+          <a:prstDash val="solid"/>
+          <a:miter lim="800000"/>
+        </a:ln>
+        <a:effectLst/>
+      </dsp:spPr>
+      <dsp:style>
+        <a:lnRef idx="2">
+          <a:scrgbClr r="0" g="0" b="0"/>
+        </a:lnRef>
+        <a:fillRef idx="0">
+          <a:scrgbClr r="0" g="0" b="0"/>
+        </a:fillRef>
+        <a:effectRef idx="0">
+          <a:scrgbClr r="0" g="0" b="0"/>
+        </a:effectRef>
+        <a:fontRef idx="minor"/>
+      </dsp:style>
+    </dsp:sp>
+    <dsp:sp modelId="{AAEB0403-AD2A-47DD-8C8A-EE5DCEA14D79}">
+      <dsp:nvSpPr>
+        <dsp:cNvPr id="0" name=""/>
+        <dsp:cNvSpPr/>
+      </dsp:nvSpPr>
+      <dsp:spPr>
+        <a:xfrm>
+          <a:off x="3494435" y="636729"/>
+          <a:ext cx="2105667" cy="297375"/>
+        </a:xfrm>
+        <a:custGeom>
+          <a:avLst/>
+          <a:gdLst/>
+          <a:ahLst/>
+          <a:cxnLst/>
+          <a:rect l="0" t="0" r="0" b="0"/>
+          <a:pathLst>
+            <a:path>
+              <a:moveTo>
+                <a:pt x="2105667" y="0"/>
+              </a:moveTo>
+              <a:lnTo>
+                <a:pt x="2105667" y="164145"/>
+              </a:lnTo>
+              <a:lnTo>
+                <a:pt x="0" y="164145"/>
+              </a:lnTo>
+              <a:lnTo>
+                <a:pt x="0" y="297375"/>
+              </a:lnTo>
+            </a:path>
+          </a:pathLst>
+        </a:custGeom>
+        <a:noFill/>
+        <a:ln w="12700" cap="flat" cmpd="sng" algn="ctr">
+          <a:solidFill>
+            <a:schemeClr val="accent1">
+              <a:shade val="60000"/>
+              <a:hueOff val="0"/>
+              <a:satOff val="0"/>
+              <a:lumOff val="0"/>
+              <a:alphaOff val="0"/>
+            </a:schemeClr>
+          </a:solidFill>
+          <a:prstDash val="solid"/>
+          <a:miter lim="800000"/>
+        </a:ln>
+        <a:effectLst/>
+      </dsp:spPr>
+      <dsp:style>
+        <a:lnRef idx="2">
+          <a:scrgbClr r="0" g="0" b="0"/>
+        </a:lnRef>
+        <a:fillRef idx="0">
+          <a:scrgbClr r="0" g="0" b="0"/>
+        </a:fillRef>
+        <a:effectRef idx="0">
+          <a:scrgbClr r="0" g="0" b="0"/>
+        </a:effectRef>
+        <a:fontRef idx="minor"/>
+      </dsp:style>
+    </dsp:sp>
+    <dsp:sp modelId="{423FE704-C9D8-46BB-BBF4-3B7F823E94F2}">
+      <dsp:nvSpPr>
+        <dsp:cNvPr id="0" name=""/>
+        <dsp:cNvSpPr/>
+      </dsp:nvSpPr>
+      <dsp:spPr>
+        <a:xfrm>
+          <a:off x="535259" y="1552373"/>
+          <a:ext cx="752000" cy="3273882"/>
+        </a:xfrm>
+        <a:custGeom>
+          <a:avLst/>
+          <a:gdLst/>
+          <a:ahLst/>
+          <a:cxnLst/>
+          <a:rect l="0" t="0" r="0" b="0"/>
+          <a:pathLst>
+            <a:path>
+              <a:moveTo>
+                <a:pt x="0" y="0"/>
+              </a:moveTo>
+              <a:lnTo>
+                <a:pt x="0" y="3273882"/>
+              </a:lnTo>
+              <a:lnTo>
+                <a:pt x="752000" y="3273882"/>
+              </a:lnTo>
+            </a:path>
+          </a:pathLst>
+        </a:custGeom>
+        <a:noFill/>
+        <a:ln w="12700" cap="flat" cmpd="sng" algn="ctr">
+          <a:solidFill>
+            <a:schemeClr val="accent1">
+              <a:shade val="80000"/>
+              <a:hueOff val="0"/>
+              <a:satOff val="0"/>
+              <a:lumOff val="0"/>
+              <a:alphaOff val="0"/>
+            </a:schemeClr>
+          </a:solidFill>
+          <a:prstDash val="solid"/>
+          <a:miter lim="800000"/>
+        </a:ln>
+        <a:effectLst/>
+      </dsp:spPr>
+      <dsp:style>
+        <a:lnRef idx="2">
+          <a:scrgbClr r="0" g="0" b="0"/>
+        </a:lnRef>
+        <a:fillRef idx="0">
+          <a:scrgbClr r="0" g="0" b="0"/>
+        </a:fillRef>
+        <a:effectRef idx="0">
+          <a:scrgbClr r="0" g="0" b="0"/>
+        </a:effectRef>
+        <a:fontRef idx="minor"/>
+      </dsp:style>
+    </dsp:sp>
+    <dsp:sp modelId="{EC60AC49-AA5E-426F-A90A-8E4A7B5A721D}">
+      <dsp:nvSpPr>
+        <dsp:cNvPr id="0" name=""/>
+        <dsp:cNvSpPr/>
+      </dsp:nvSpPr>
+      <dsp:spPr>
+        <a:xfrm>
+          <a:off x="535259" y="1552373"/>
+          <a:ext cx="752000" cy="2465349"/>
+        </a:xfrm>
+        <a:custGeom>
+          <a:avLst/>
+          <a:gdLst/>
+          <a:ahLst/>
+          <a:cxnLst/>
+          <a:rect l="0" t="0" r="0" b="0"/>
+          <a:pathLst>
+            <a:path>
+              <a:moveTo>
+                <a:pt x="0" y="0"/>
+              </a:moveTo>
+              <a:lnTo>
+                <a:pt x="0" y="2465349"/>
+              </a:lnTo>
+              <a:lnTo>
+                <a:pt x="752000" y="2465349"/>
+              </a:lnTo>
+            </a:path>
+          </a:pathLst>
+        </a:custGeom>
+        <a:noFill/>
+        <a:ln w="12700" cap="flat" cmpd="sng" algn="ctr">
+          <a:solidFill>
+            <a:schemeClr val="accent1">
+              <a:shade val="80000"/>
+              <a:hueOff val="0"/>
+              <a:satOff val="0"/>
+              <a:lumOff val="0"/>
+              <a:alphaOff val="0"/>
+            </a:schemeClr>
+          </a:solidFill>
+          <a:prstDash val="solid"/>
+          <a:miter lim="800000"/>
+        </a:ln>
+        <a:effectLst/>
+      </dsp:spPr>
+      <dsp:style>
+        <a:lnRef idx="2">
+          <a:scrgbClr r="0" g="0" b="0"/>
+        </a:lnRef>
+        <a:fillRef idx="0">
+          <a:scrgbClr r="0" g="0" b="0"/>
+        </a:fillRef>
+        <a:effectRef idx="0">
+          <a:scrgbClr r="0" g="0" b="0"/>
+        </a:effectRef>
+        <a:fontRef idx="minor"/>
+      </dsp:style>
+    </dsp:sp>
+    <dsp:sp modelId="{DF0D2AA3-77AB-419C-9D23-326F9D37C5D4}">
+      <dsp:nvSpPr>
+        <dsp:cNvPr id="0" name=""/>
+        <dsp:cNvSpPr/>
+      </dsp:nvSpPr>
+      <dsp:spPr>
+        <a:xfrm>
+          <a:off x="535259" y="1552373"/>
+          <a:ext cx="752000" cy="1564461"/>
+        </a:xfrm>
+        <a:custGeom>
+          <a:avLst/>
+          <a:gdLst/>
+          <a:ahLst/>
+          <a:cxnLst/>
+          <a:rect l="0" t="0" r="0" b="0"/>
+          <a:pathLst>
+            <a:path>
+              <a:moveTo>
+                <a:pt x="0" y="0"/>
+              </a:moveTo>
+              <a:lnTo>
+                <a:pt x="0" y="1564461"/>
+              </a:lnTo>
+              <a:lnTo>
+                <a:pt x="752000" y="1564461"/>
+              </a:lnTo>
+            </a:path>
+          </a:pathLst>
+        </a:custGeom>
+        <a:noFill/>
+        <a:ln w="12700" cap="flat" cmpd="sng" algn="ctr">
+          <a:solidFill>
+            <a:schemeClr val="accent1">
+              <a:shade val="80000"/>
+              <a:hueOff val="0"/>
+              <a:satOff val="0"/>
+              <a:lumOff val="0"/>
+              <a:alphaOff val="0"/>
+            </a:schemeClr>
+          </a:solidFill>
+          <a:prstDash val="solid"/>
+          <a:miter lim="800000"/>
+        </a:ln>
+        <a:effectLst/>
+      </dsp:spPr>
+      <dsp:style>
+        <a:lnRef idx="2">
+          <a:scrgbClr r="0" g="0" b="0"/>
+        </a:lnRef>
+        <a:fillRef idx="0">
+          <a:scrgbClr r="0" g="0" b="0"/>
+        </a:fillRef>
+        <a:effectRef idx="0">
+          <a:scrgbClr r="0" g="0" b="0"/>
+        </a:effectRef>
+        <a:fontRef idx="minor"/>
+      </dsp:style>
+    </dsp:sp>
+    <dsp:sp modelId="{3758D57D-AB2C-422F-BDD6-2A9CFA8127BF}">
+      <dsp:nvSpPr>
+        <dsp:cNvPr id="0" name=""/>
+        <dsp:cNvSpPr/>
+      </dsp:nvSpPr>
+      <dsp:spPr>
+        <a:xfrm>
+          <a:off x="535259" y="1552373"/>
+          <a:ext cx="752000" cy="663573"/>
+        </a:xfrm>
+        <a:custGeom>
+          <a:avLst/>
+          <a:gdLst/>
+          <a:ahLst/>
+          <a:cxnLst/>
+          <a:rect l="0" t="0" r="0" b="0"/>
+          <a:pathLst>
+            <a:path>
+              <a:moveTo>
+                <a:pt x="0" y="0"/>
+              </a:moveTo>
+              <a:lnTo>
+                <a:pt x="0" y="663573"/>
+              </a:lnTo>
+              <a:lnTo>
+                <a:pt x="752000" y="663573"/>
+              </a:lnTo>
+            </a:path>
+          </a:pathLst>
+        </a:custGeom>
+        <a:noFill/>
+        <a:ln w="12700" cap="flat" cmpd="sng" algn="ctr">
+          <a:solidFill>
+            <a:schemeClr val="accent1">
+              <a:shade val="80000"/>
+              <a:hueOff val="0"/>
+              <a:satOff val="0"/>
+              <a:lumOff val="0"/>
+              <a:alphaOff val="0"/>
+            </a:schemeClr>
+          </a:solidFill>
+          <a:prstDash val="solid"/>
+          <a:miter lim="800000"/>
+        </a:ln>
+        <a:effectLst/>
+      </dsp:spPr>
+      <dsp:style>
+        <a:lnRef idx="2">
+          <a:scrgbClr r="0" g="0" b="0"/>
+        </a:lnRef>
+        <a:fillRef idx="0">
+          <a:scrgbClr r="0" g="0" b="0"/>
+        </a:fillRef>
+        <a:effectRef idx="0">
+          <a:scrgbClr r="0" g="0" b="0"/>
+        </a:effectRef>
+        <a:fontRef idx="minor"/>
+      </dsp:style>
+    </dsp:sp>
+    <dsp:sp modelId="{2D56B674-C19A-4ABD-B9B3-F3B80163672B}">
+      <dsp:nvSpPr>
+        <dsp:cNvPr id="0" name=""/>
+        <dsp:cNvSpPr/>
+      </dsp:nvSpPr>
+      <dsp:spPr>
+        <a:xfrm>
+          <a:off x="1042802" y="636729"/>
+          <a:ext cx="4557300" cy="281216"/>
+        </a:xfrm>
+        <a:custGeom>
+          <a:avLst/>
+          <a:gdLst/>
+          <a:ahLst/>
+          <a:cxnLst/>
+          <a:rect l="0" t="0" r="0" b="0"/>
+          <a:pathLst>
+            <a:path>
+              <a:moveTo>
+                <a:pt x="4557300" y="0"/>
+              </a:moveTo>
+              <a:lnTo>
+                <a:pt x="4557300" y="147986"/>
+              </a:lnTo>
+              <a:lnTo>
+                <a:pt x="0" y="147986"/>
+              </a:lnTo>
+              <a:lnTo>
+                <a:pt x="0" y="281216"/>
+              </a:lnTo>
+            </a:path>
+          </a:pathLst>
+        </a:custGeom>
+        <a:noFill/>
+        <a:ln w="12700" cap="flat" cmpd="sng" algn="ctr">
+          <a:solidFill>
+            <a:schemeClr val="accent1">
+              <a:shade val="60000"/>
+              <a:hueOff val="0"/>
+              <a:satOff val="0"/>
+              <a:lumOff val="0"/>
+              <a:alphaOff val="0"/>
+            </a:schemeClr>
+          </a:solidFill>
+          <a:prstDash val="solid"/>
+          <a:miter lim="800000"/>
+        </a:ln>
+        <a:effectLst/>
+      </dsp:spPr>
+      <dsp:style>
+        <a:lnRef idx="2">
+          <a:scrgbClr r="0" g="0" b="0"/>
+        </a:lnRef>
+        <a:fillRef idx="0">
+          <a:scrgbClr r="0" g="0" b="0"/>
+        </a:fillRef>
+        <a:effectRef idx="0">
+          <a:scrgbClr r="0" g="0" b="0"/>
+        </a:effectRef>
+        <a:fontRef idx="minor"/>
+      </dsp:style>
+    </dsp:sp>
+    <dsp:sp modelId="{9BFD6066-5CF0-4E60-A687-521DCE7DDDF8}">
+      <dsp:nvSpPr>
+        <dsp:cNvPr id="0" name=""/>
+        <dsp:cNvSpPr/>
+      </dsp:nvSpPr>
+      <dsp:spPr>
+        <a:xfrm>
+          <a:off x="4965674" y="2300"/>
+          <a:ext cx="1268856" cy="634428"/>
+        </a:xfrm>
+        <a:prstGeom prst="rect">
+          <a:avLst/>
+        </a:prstGeom>
+        <a:solidFill>
+          <a:schemeClr val="accent6">
+            <a:lumMod val="75000"/>
+          </a:schemeClr>
+        </a:solidFill>
+        <a:ln w="12700" cap="flat" cmpd="sng" algn="ctr">
+          <a:solidFill>
+            <a:schemeClr val="lt1">
+              <a:hueOff val="0"/>
+              <a:satOff val="0"/>
+              <a:lumOff val="0"/>
+              <a:alphaOff val="0"/>
+            </a:schemeClr>
+          </a:solidFill>
+          <a:prstDash val="solid"/>
+          <a:miter lim="800000"/>
+        </a:ln>
+        <a:effectLst/>
+      </dsp:spPr>
+      <dsp:style>
+        <a:lnRef idx="2">
+          <a:scrgbClr r="0" g="0" b="0"/>
+        </a:lnRef>
+        <a:fillRef idx="1">
+          <a:scrgbClr r="0" g="0" b="0"/>
+        </a:fillRef>
+        <a:effectRef idx="0">
+          <a:scrgbClr r="0" g="0" b="0"/>
+        </a:effectRef>
+        <a:fontRef idx="minor">
+          <a:schemeClr val="lt1"/>
+        </a:fontRef>
+      </dsp:style>
+      <dsp:txBody>
+        <a:bodyPr spcFirstLastPara="0" vert="horz" wrap="square" lIns="12700" tIns="12700" rIns="12700" bIns="12700" numCol="1" spcCol="1270" anchor="ctr" anchorCtr="0">
+          <a:noAutofit/>
+        </a:bodyPr>
+        <a:lstStyle/>
+        <a:p>
+          <a:pPr marL="0" lvl="0" indent="0" algn="ctr" defTabSz="889000">
+            <a:lnSpc>
+              <a:spcPct val="90000"/>
+            </a:lnSpc>
+            <a:spcBef>
+              <a:spcPct val="0"/>
+            </a:spcBef>
+            <a:spcAft>
+              <a:spcPct val="35000"/>
+            </a:spcAft>
+            <a:buNone/>
+          </a:pPr>
+          <a:r>
+            <a:rPr lang="zh-TW" altLang="en-US" sz="2000" kern="1200" dirty="0">
+              <a:latin typeface="標楷體" panose="03000509000000000000" pitchFamily="65" charset="-120"/>
+              <a:ea typeface="標楷體" panose="03000509000000000000" pitchFamily="65" charset="-120"/>
+            </a:rPr>
+            <a:t>車牌辨識</a:t>
+          </a:r>
+        </a:p>
+      </dsp:txBody>
+      <dsp:txXfrm>
+        <a:off x="4965674" y="2300"/>
+        <a:ext cx="1268856" cy="634428"/>
+      </dsp:txXfrm>
+    </dsp:sp>
+    <dsp:sp modelId="{2C54278C-D6A4-49CC-AB46-B26EFEEAEAA1}">
+      <dsp:nvSpPr>
+        <dsp:cNvPr id="0" name=""/>
+        <dsp:cNvSpPr/>
+      </dsp:nvSpPr>
+      <dsp:spPr>
+        <a:xfrm>
+          <a:off x="408374" y="917945"/>
+          <a:ext cx="1268856" cy="634428"/>
+        </a:xfrm>
+        <a:prstGeom prst="rect">
+          <a:avLst/>
+        </a:prstGeom>
+        <a:solidFill>
+          <a:schemeClr val="accent2">
+            <a:lumMod val="75000"/>
+          </a:schemeClr>
+        </a:solidFill>
+        <a:ln w="12700" cap="flat" cmpd="sng" algn="ctr">
+          <a:solidFill>
+            <a:schemeClr val="lt1">
+              <a:hueOff val="0"/>
+              <a:satOff val="0"/>
+              <a:lumOff val="0"/>
+              <a:alphaOff val="0"/>
+            </a:schemeClr>
+          </a:solidFill>
+          <a:prstDash val="solid"/>
+          <a:miter lim="800000"/>
+        </a:ln>
+        <a:effectLst/>
+      </dsp:spPr>
+      <dsp:style>
+        <a:lnRef idx="2">
+          <a:scrgbClr r="0" g="0" b="0"/>
+        </a:lnRef>
+        <a:fillRef idx="1">
+          <a:scrgbClr r="0" g="0" b="0"/>
+        </a:fillRef>
+        <a:effectRef idx="0">
+          <a:scrgbClr r="0" g="0" b="0"/>
+        </a:effectRef>
+        <a:fontRef idx="minor">
+          <a:schemeClr val="lt1"/>
+        </a:fontRef>
+      </dsp:style>
+      <dsp:txBody>
+        <a:bodyPr spcFirstLastPara="0" vert="horz" wrap="square" lIns="12700" tIns="12700" rIns="12700" bIns="12700" numCol="1" spcCol="1270" anchor="ctr" anchorCtr="0">
+          <a:noAutofit/>
+        </a:bodyPr>
+        <a:lstStyle/>
+        <a:p>
+          <a:pPr marL="0" lvl="0" indent="0" algn="ctr" defTabSz="889000">
+            <a:lnSpc>
+              <a:spcPct val="90000"/>
+            </a:lnSpc>
+            <a:spcBef>
+              <a:spcPct val="0"/>
+            </a:spcBef>
+            <a:spcAft>
+              <a:spcPct val="35000"/>
+            </a:spcAft>
+            <a:buNone/>
+          </a:pPr>
+          <a:r>
+            <a:rPr lang="zh-TW" altLang="en-US" sz="2000" kern="1200" dirty="0">
+              <a:latin typeface="標楷體" panose="03000509000000000000" pitchFamily="65" charset="-120"/>
+              <a:ea typeface="標楷體" panose="03000509000000000000" pitchFamily="65" charset="-120"/>
+            </a:rPr>
+            <a:t>前處理</a:t>
+          </a:r>
+        </a:p>
+      </dsp:txBody>
+      <dsp:txXfrm>
+        <a:off x="408374" y="917945"/>
+        <a:ext cx="1268856" cy="634428"/>
+      </dsp:txXfrm>
+    </dsp:sp>
+    <dsp:sp modelId="{A6C9AA09-511A-4B42-9DAF-4E44EB5CBF4E}">
+      <dsp:nvSpPr>
+        <dsp:cNvPr id="0" name=""/>
+        <dsp:cNvSpPr/>
+      </dsp:nvSpPr>
+      <dsp:spPr>
+        <a:xfrm>
+          <a:off x="1287260" y="1898733"/>
+          <a:ext cx="1268856" cy="634428"/>
+        </a:xfrm>
+        <a:prstGeom prst="rect">
+          <a:avLst/>
+        </a:prstGeom>
+        <a:solidFill>
+          <a:schemeClr val="accent1">
+            <a:hueOff val="0"/>
+            <a:satOff val="0"/>
+            <a:lumOff val="0"/>
+            <a:alphaOff val="0"/>
+          </a:schemeClr>
+        </a:solidFill>
+        <a:ln w="12700" cap="flat" cmpd="sng" algn="ctr">
+          <a:solidFill>
+            <a:schemeClr val="lt1">
+              <a:hueOff val="0"/>
+              <a:satOff val="0"/>
+              <a:lumOff val="0"/>
+              <a:alphaOff val="0"/>
+            </a:schemeClr>
+          </a:solidFill>
+          <a:prstDash val="solid"/>
+          <a:miter lim="800000"/>
+        </a:ln>
+        <a:effectLst/>
+      </dsp:spPr>
+      <dsp:style>
+        <a:lnRef idx="2">
+          <a:scrgbClr r="0" g="0" b="0"/>
+        </a:lnRef>
+        <a:fillRef idx="1">
+          <a:scrgbClr r="0" g="0" b="0"/>
+        </a:fillRef>
+        <a:effectRef idx="0">
+          <a:scrgbClr r="0" g="0" b="0"/>
+        </a:effectRef>
+        <a:fontRef idx="minor">
+          <a:schemeClr val="lt1"/>
+        </a:fontRef>
+      </dsp:style>
+      <dsp:txBody>
+        <a:bodyPr spcFirstLastPara="0" vert="horz" wrap="square" lIns="12700" tIns="12700" rIns="12700" bIns="12700" numCol="1" spcCol="1270" anchor="ctr" anchorCtr="0">
+          <a:noAutofit/>
+        </a:bodyPr>
+        <a:lstStyle/>
+        <a:p>
+          <a:pPr marL="0" lvl="0" indent="0" algn="ctr" defTabSz="889000">
+            <a:lnSpc>
+              <a:spcPct val="90000"/>
+            </a:lnSpc>
+            <a:spcBef>
+              <a:spcPct val="0"/>
+            </a:spcBef>
+            <a:spcAft>
+              <a:spcPct val="35000"/>
+            </a:spcAft>
+            <a:buNone/>
+          </a:pPr>
+          <a:r>
+            <a:rPr lang="zh-TW" altLang="en-US" sz="2000" kern="1200" dirty="0">
+              <a:latin typeface="標楷體" panose="03000509000000000000" pitchFamily="65" charset="-120"/>
+              <a:ea typeface="標楷體" panose="03000509000000000000" pitchFamily="65" charset="-120"/>
+            </a:rPr>
+            <a:t>更改圖片大小</a:t>
+          </a:r>
+          <a:r>
+            <a:rPr lang="en-US" altLang="zh-TW" sz="2000" kern="1200" dirty="0">
+              <a:latin typeface="標楷體" panose="03000509000000000000" pitchFamily="65" charset="-120"/>
+              <a:ea typeface="標楷體" panose="03000509000000000000" pitchFamily="65" charset="-120"/>
+            </a:rPr>
+            <a:t>(360p)</a:t>
+          </a:r>
+          <a:endParaRPr lang="zh-TW" altLang="en-US" sz="2000" kern="1200" dirty="0">
+            <a:latin typeface="標楷體" panose="03000509000000000000" pitchFamily="65" charset="-120"/>
+            <a:ea typeface="標楷體" panose="03000509000000000000" pitchFamily="65" charset="-120"/>
+          </a:endParaRPr>
+        </a:p>
+      </dsp:txBody>
+      <dsp:txXfrm>
+        <a:off x="1287260" y="1898733"/>
+        <a:ext cx="1268856" cy="634428"/>
+      </dsp:txXfrm>
+    </dsp:sp>
+    <dsp:sp modelId="{DC117704-7E65-4732-B80D-668AB7BE02E2}">
+      <dsp:nvSpPr>
+        <dsp:cNvPr id="0" name=""/>
+        <dsp:cNvSpPr/>
+      </dsp:nvSpPr>
+      <dsp:spPr>
+        <a:xfrm>
+          <a:off x="1287260" y="2799621"/>
+          <a:ext cx="1268856" cy="634428"/>
+        </a:xfrm>
+        <a:prstGeom prst="rect">
+          <a:avLst/>
+        </a:prstGeom>
+        <a:solidFill>
+          <a:schemeClr val="accent1">
+            <a:hueOff val="0"/>
+            <a:satOff val="0"/>
+            <a:lumOff val="0"/>
+            <a:alphaOff val="0"/>
+          </a:schemeClr>
+        </a:solidFill>
+        <a:ln w="12700" cap="flat" cmpd="sng" algn="ctr">
+          <a:solidFill>
+            <a:schemeClr val="lt1">
+              <a:hueOff val="0"/>
+              <a:satOff val="0"/>
+              <a:lumOff val="0"/>
+              <a:alphaOff val="0"/>
+            </a:schemeClr>
+          </a:solidFill>
+          <a:prstDash val="solid"/>
+          <a:miter lim="800000"/>
+        </a:ln>
+        <a:effectLst/>
+      </dsp:spPr>
+      <dsp:style>
+        <a:lnRef idx="2">
+          <a:scrgbClr r="0" g="0" b="0"/>
+        </a:lnRef>
+        <a:fillRef idx="1">
+          <a:scrgbClr r="0" g="0" b="0"/>
+        </a:fillRef>
+        <a:effectRef idx="0">
+          <a:scrgbClr r="0" g="0" b="0"/>
+        </a:effectRef>
+        <a:fontRef idx="minor">
+          <a:schemeClr val="lt1"/>
+        </a:fontRef>
+      </dsp:style>
+      <dsp:txBody>
+        <a:bodyPr spcFirstLastPara="0" vert="horz" wrap="square" lIns="12700" tIns="12700" rIns="12700" bIns="12700" numCol="1" spcCol="1270" anchor="ctr" anchorCtr="0">
+          <a:noAutofit/>
+        </a:bodyPr>
+        <a:lstStyle/>
+        <a:p>
+          <a:pPr marL="0" lvl="0" indent="0" algn="ctr" defTabSz="889000">
+            <a:lnSpc>
+              <a:spcPct val="90000"/>
+            </a:lnSpc>
+            <a:spcBef>
+              <a:spcPct val="0"/>
+            </a:spcBef>
+            <a:spcAft>
+              <a:spcPct val="35000"/>
+            </a:spcAft>
+            <a:buNone/>
+          </a:pPr>
+          <a:r>
+            <a:rPr lang="zh-TW" altLang="en-US" sz="2000" kern="1200" dirty="0">
+              <a:latin typeface="標楷體" panose="03000509000000000000" pitchFamily="65" charset="-120"/>
+              <a:ea typeface="標楷體" panose="03000509000000000000" pitchFamily="65" charset="-120"/>
+            </a:rPr>
+            <a:t>灰階</a:t>
+          </a:r>
+        </a:p>
+      </dsp:txBody>
+      <dsp:txXfrm>
+        <a:off x="1287260" y="2799621"/>
+        <a:ext cx="1268856" cy="634428"/>
+      </dsp:txXfrm>
+    </dsp:sp>
+    <dsp:sp modelId="{413D91AD-4C30-4279-A6F9-F8962D1713BF}">
+      <dsp:nvSpPr>
+        <dsp:cNvPr id="0" name=""/>
+        <dsp:cNvSpPr/>
+      </dsp:nvSpPr>
+      <dsp:spPr>
+        <a:xfrm>
+          <a:off x="1287260" y="3700509"/>
+          <a:ext cx="1268856" cy="634428"/>
+        </a:xfrm>
+        <a:prstGeom prst="rect">
+          <a:avLst/>
+        </a:prstGeom>
+        <a:solidFill>
+          <a:schemeClr val="accent1">
+            <a:hueOff val="0"/>
+            <a:satOff val="0"/>
+            <a:lumOff val="0"/>
+            <a:alphaOff val="0"/>
+          </a:schemeClr>
+        </a:solidFill>
+        <a:ln w="12700" cap="flat" cmpd="sng" algn="ctr">
+          <a:solidFill>
+            <a:schemeClr val="lt1">
+              <a:hueOff val="0"/>
+              <a:satOff val="0"/>
+              <a:lumOff val="0"/>
+              <a:alphaOff val="0"/>
+            </a:schemeClr>
+          </a:solidFill>
+          <a:prstDash val="solid"/>
+          <a:miter lim="800000"/>
+        </a:ln>
+        <a:effectLst/>
+      </dsp:spPr>
+      <dsp:style>
+        <a:lnRef idx="2">
+          <a:scrgbClr r="0" g="0" b="0"/>
+        </a:lnRef>
+        <a:fillRef idx="1">
+          <a:scrgbClr r="0" g="0" b="0"/>
+        </a:fillRef>
+        <a:effectRef idx="0">
+          <a:scrgbClr r="0" g="0" b="0"/>
+        </a:effectRef>
+        <a:fontRef idx="minor">
+          <a:schemeClr val="lt1"/>
+        </a:fontRef>
+      </dsp:style>
+      <dsp:txBody>
+        <a:bodyPr spcFirstLastPara="0" vert="horz" wrap="square" lIns="12700" tIns="12700" rIns="12700" bIns="12700" numCol="1" spcCol="1270" anchor="ctr" anchorCtr="0">
+          <a:noAutofit/>
+        </a:bodyPr>
+        <a:lstStyle/>
+        <a:p>
+          <a:pPr marL="0" lvl="0" indent="0" algn="ctr" defTabSz="889000">
+            <a:lnSpc>
+              <a:spcPct val="90000"/>
+            </a:lnSpc>
+            <a:spcBef>
+              <a:spcPct val="0"/>
+            </a:spcBef>
+            <a:spcAft>
+              <a:spcPct val="35000"/>
+            </a:spcAft>
+            <a:buNone/>
+          </a:pPr>
+          <a:r>
+            <a:rPr lang="zh-TW" altLang="en-US" sz="2000" kern="1200" dirty="0">
+              <a:latin typeface="標楷體" panose="03000509000000000000" pitchFamily="65" charset="-120"/>
+              <a:ea typeface="標楷體" panose="03000509000000000000" pitchFamily="65" charset="-120"/>
+            </a:rPr>
+            <a:t>高斯模糊</a:t>
+          </a:r>
+        </a:p>
+      </dsp:txBody>
+      <dsp:txXfrm>
+        <a:off x="1287260" y="3700509"/>
+        <a:ext cx="1268856" cy="634428"/>
+      </dsp:txXfrm>
+    </dsp:sp>
+    <dsp:sp modelId="{EA11CD3A-E2AE-49AE-A406-DA16ED0BBDB4}">
+      <dsp:nvSpPr>
+        <dsp:cNvPr id="0" name=""/>
+        <dsp:cNvSpPr/>
+      </dsp:nvSpPr>
+      <dsp:spPr>
+        <a:xfrm>
+          <a:off x="1287260" y="4509041"/>
+          <a:ext cx="1268856" cy="634428"/>
+        </a:xfrm>
+        <a:prstGeom prst="rect">
+          <a:avLst/>
+        </a:prstGeom>
+        <a:solidFill>
+          <a:schemeClr val="accent1">
+            <a:hueOff val="0"/>
+            <a:satOff val="0"/>
+            <a:lumOff val="0"/>
+            <a:alphaOff val="0"/>
+          </a:schemeClr>
+        </a:solidFill>
+        <a:ln w="12700" cap="flat" cmpd="sng" algn="ctr">
+          <a:solidFill>
+            <a:schemeClr val="lt1">
+              <a:hueOff val="0"/>
+              <a:satOff val="0"/>
+              <a:lumOff val="0"/>
+              <a:alphaOff val="0"/>
+            </a:schemeClr>
+          </a:solidFill>
+          <a:prstDash val="solid"/>
+          <a:miter lim="800000"/>
+        </a:ln>
+        <a:effectLst/>
+      </dsp:spPr>
+      <dsp:style>
+        <a:lnRef idx="2">
+          <a:scrgbClr r="0" g="0" b="0"/>
+        </a:lnRef>
+        <a:fillRef idx="1">
+          <a:scrgbClr r="0" g="0" b="0"/>
+        </a:fillRef>
+        <a:effectRef idx="0">
+          <a:scrgbClr r="0" g="0" b="0"/>
+        </a:effectRef>
+        <a:fontRef idx="minor">
+          <a:schemeClr val="lt1"/>
+        </a:fontRef>
+      </dsp:style>
+      <dsp:txBody>
+        <a:bodyPr spcFirstLastPara="0" vert="horz" wrap="square" lIns="12700" tIns="12700" rIns="12700" bIns="12700" numCol="1" spcCol="1270" anchor="ctr" anchorCtr="0">
+          <a:noAutofit/>
+        </a:bodyPr>
+        <a:lstStyle/>
+        <a:p>
+          <a:pPr marL="0" lvl="0" indent="0" algn="ctr" defTabSz="889000">
+            <a:lnSpc>
+              <a:spcPct val="90000"/>
+            </a:lnSpc>
+            <a:spcBef>
+              <a:spcPct val="0"/>
+            </a:spcBef>
+            <a:spcAft>
+              <a:spcPct val="35000"/>
+            </a:spcAft>
+            <a:buNone/>
+          </a:pPr>
+          <a:r>
+            <a:rPr lang="en-US" altLang="zh-TW" sz="2000" kern="1200" dirty="0">
+              <a:latin typeface="標楷體" panose="03000509000000000000" pitchFamily="65" charset="-120"/>
+              <a:ea typeface="標楷體" panose="03000509000000000000" pitchFamily="65" charset="-120"/>
+            </a:rPr>
+            <a:t>Canny</a:t>
+          </a:r>
+          <a:endParaRPr lang="zh-TW" altLang="en-US" sz="2000" kern="1200" dirty="0">
+            <a:latin typeface="標楷體" panose="03000509000000000000" pitchFamily="65" charset="-120"/>
+            <a:ea typeface="標楷體" panose="03000509000000000000" pitchFamily="65" charset="-120"/>
+          </a:endParaRPr>
+        </a:p>
+      </dsp:txBody>
+      <dsp:txXfrm>
+        <a:off x="1287260" y="4509041"/>
+        <a:ext cx="1268856" cy="634428"/>
+      </dsp:txXfrm>
+    </dsp:sp>
+    <dsp:sp modelId="{8B9F627B-1E21-4E08-BCBE-B52C776231C1}">
+      <dsp:nvSpPr>
+        <dsp:cNvPr id="0" name=""/>
+        <dsp:cNvSpPr/>
+      </dsp:nvSpPr>
+      <dsp:spPr>
+        <a:xfrm>
+          <a:off x="2860007" y="934104"/>
+          <a:ext cx="1268856" cy="634428"/>
+        </a:xfrm>
+        <a:prstGeom prst="rect">
+          <a:avLst/>
+        </a:prstGeom>
+        <a:solidFill>
+          <a:schemeClr val="accent2">
+            <a:lumMod val="75000"/>
+          </a:schemeClr>
+        </a:solidFill>
+        <a:ln w="12700" cap="flat" cmpd="sng" algn="ctr">
+          <a:solidFill>
+            <a:schemeClr val="lt1">
+              <a:hueOff val="0"/>
+              <a:satOff val="0"/>
+              <a:lumOff val="0"/>
+              <a:alphaOff val="0"/>
+            </a:schemeClr>
+          </a:solidFill>
+          <a:prstDash val="solid"/>
+          <a:miter lim="800000"/>
+        </a:ln>
+        <a:effectLst/>
+      </dsp:spPr>
+      <dsp:style>
+        <a:lnRef idx="2">
+          <a:scrgbClr r="0" g="0" b="0"/>
+        </a:lnRef>
+        <a:fillRef idx="1">
+          <a:scrgbClr r="0" g="0" b="0"/>
+        </a:fillRef>
+        <a:effectRef idx="0">
+          <a:scrgbClr r="0" g="0" b="0"/>
+        </a:effectRef>
+        <a:fontRef idx="minor">
+          <a:schemeClr val="lt1"/>
+        </a:fontRef>
+      </dsp:style>
+      <dsp:txBody>
+        <a:bodyPr spcFirstLastPara="0" vert="horz" wrap="square" lIns="12700" tIns="12700" rIns="12700" bIns="12700" numCol="1" spcCol="1270" anchor="ctr" anchorCtr="0">
+          <a:noAutofit/>
+        </a:bodyPr>
+        <a:lstStyle/>
+        <a:p>
+          <a:pPr marL="0" lvl="0" indent="0" algn="ctr" defTabSz="889000">
+            <a:lnSpc>
+              <a:spcPct val="90000"/>
+            </a:lnSpc>
+            <a:spcBef>
+              <a:spcPct val="0"/>
+            </a:spcBef>
+            <a:spcAft>
+              <a:spcPct val="35000"/>
+            </a:spcAft>
+            <a:buNone/>
+          </a:pPr>
+          <a:r>
+            <a:rPr lang="zh-TW" altLang="en-US" sz="2000" kern="1200" dirty="0">
+              <a:latin typeface="標楷體" panose="03000509000000000000" pitchFamily="65" charset="-120"/>
+              <a:ea typeface="標楷體" panose="03000509000000000000" pitchFamily="65" charset="-120"/>
+            </a:rPr>
+            <a:t>提取車牌輪廓</a:t>
+          </a:r>
+        </a:p>
+      </dsp:txBody>
+      <dsp:txXfrm>
+        <a:off x="2860007" y="934104"/>
+        <a:ext cx="1268856" cy="634428"/>
+      </dsp:txXfrm>
+    </dsp:sp>
+    <dsp:sp modelId="{42668478-F7EA-42B0-8466-8D5B3E31351B}">
+      <dsp:nvSpPr>
+        <dsp:cNvPr id="0" name=""/>
+        <dsp:cNvSpPr/>
+      </dsp:nvSpPr>
+      <dsp:spPr>
+        <a:xfrm>
+          <a:off x="3177221" y="1834992"/>
+          <a:ext cx="1268856" cy="634428"/>
+        </a:xfrm>
+        <a:prstGeom prst="rect">
+          <a:avLst/>
+        </a:prstGeom>
+        <a:solidFill>
+          <a:schemeClr val="accent1">
+            <a:hueOff val="0"/>
+            <a:satOff val="0"/>
+            <a:lumOff val="0"/>
+            <a:alphaOff val="0"/>
+          </a:schemeClr>
+        </a:solidFill>
+        <a:ln w="12700" cap="flat" cmpd="sng" algn="ctr">
+          <a:solidFill>
+            <a:schemeClr val="lt1">
+              <a:hueOff val="0"/>
+              <a:satOff val="0"/>
+              <a:lumOff val="0"/>
+              <a:alphaOff val="0"/>
+            </a:schemeClr>
+          </a:solidFill>
+          <a:prstDash val="solid"/>
+          <a:miter lim="800000"/>
+        </a:ln>
+        <a:effectLst/>
+      </dsp:spPr>
+      <dsp:style>
+        <a:lnRef idx="2">
+          <a:scrgbClr r="0" g="0" b="0"/>
+        </a:lnRef>
+        <a:fillRef idx="1">
+          <a:scrgbClr r="0" g="0" b="0"/>
+        </a:fillRef>
+        <a:effectRef idx="0">
+          <a:scrgbClr r="0" g="0" b="0"/>
+        </a:effectRef>
+        <a:fontRef idx="minor">
+          <a:schemeClr val="lt1"/>
+        </a:fontRef>
+      </dsp:style>
+      <dsp:txBody>
+        <a:bodyPr spcFirstLastPara="0" vert="horz" wrap="square" lIns="12700" tIns="12700" rIns="12700" bIns="12700" numCol="1" spcCol="1270" anchor="ctr" anchorCtr="0">
+          <a:noAutofit/>
+        </a:bodyPr>
+        <a:lstStyle/>
+        <a:p>
+          <a:pPr marL="0" lvl="0" indent="0" algn="ctr" defTabSz="889000">
+            <a:lnSpc>
+              <a:spcPct val="90000"/>
+            </a:lnSpc>
+            <a:spcBef>
+              <a:spcPct val="0"/>
+            </a:spcBef>
+            <a:spcAft>
+              <a:spcPct val="35000"/>
+            </a:spcAft>
+            <a:buNone/>
+          </a:pPr>
+          <a:r>
+            <a:rPr lang="zh-TW" altLang="en-US" sz="2000" kern="1200" dirty="0">
+              <a:latin typeface="標楷體" panose="03000509000000000000" pitchFamily="65" charset="-120"/>
+              <a:ea typeface="標楷體" panose="03000509000000000000" pitchFamily="65" charset="-120"/>
+            </a:rPr>
+            <a:t>創建遮罩</a:t>
+          </a:r>
+        </a:p>
+      </dsp:txBody>
+      <dsp:txXfrm>
+        <a:off x="3177221" y="1834992"/>
+        <a:ext cx="1268856" cy="634428"/>
+      </dsp:txXfrm>
+    </dsp:sp>
+    <dsp:sp modelId="{A8014437-CC62-4F5F-8DA8-5FEF458377F2}">
+      <dsp:nvSpPr>
+        <dsp:cNvPr id="0" name=""/>
+        <dsp:cNvSpPr/>
+      </dsp:nvSpPr>
+      <dsp:spPr>
+        <a:xfrm>
+          <a:off x="3177221" y="2735880"/>
+          <a:ext cx="1268856" cy="634428"/>
+        </a:xfrm>
+        <a:prstGeom prst="rect">
+          <a:avLst/>
+        </a:prstGeom>
+        <a:solidFill>
+          <a:schemeClr val="accent1">
+            <a:hueOff val="0"/>
+            <a:satOff val="0"/>
+            <a:lumOff val="0"/>
+            <a:alphaOff val="0"/>
+          </a:schemeClr>
+        </a:solidFill>
+        <a:ln w="12700" cap="flat" cmpd="sng" algn="ctr">
+          <a:solidFill>
+            <a:schemeClr val="lt1">
+              <a:hueOff val="0"/>
+              <a:satOff val="0"/>
+              <a:lumOff val="0"/>
+              <a:alphaOff val="0"/>
+            </a:schemeClr>
+          </a:solidFill>
+          <a:prstDash val="solid"/>
+          <a:miter lim="800000"/>
+        </a:ln>
+        <a:effectLst/>
+      </dsp:spPr>
+      <dsp:style>
+        <a:lnRef idx="2">
+          <a:scrgbClr r="0" g="0" b="0"/>
+        </a:lnRef>
+        <a:fillRef idx="1">
+          <a:scrgbClr r="0" g="0" b="0"/>
+        </a:fillRef>
+        <a:effectRef idx="0">
+          <a:scrgbClr r="0" g="0" b="0"/>
+        </a:effectRef>
+        <a:fontRef idx="minor">
+          <a:schemeClr val="lt1"/>
+        </a:fontRef>
+      </dsp:style>
+      <dsp:txBody>
+        <a:bodyPr spcFirstLastPara="0" vert="horz" wrap="square" lIns="12700" tIns="12700" rIns="12700" bIns="12700" numCol="1" spcCol="1270" anchor="ctr" anchorCtr="0">
+          <a:noAutofit/>
+        </a:bodyPr>
+        <a:lstStyle/>
+        <a:p>
+          <a:pPr marL="0" lvl="0" indent="0" algn="ctr" defTabSz="889000">
+            <a:lnSpc>
+              <a:spcPct val="90000"/>
+            </a:lnSpc>
+            <a:spcBef>
+              <a:spcPct val="0"/>
+            </a:spcBef>
+            <a:spcAft>
+              <a:spcPct val="35000"/>
+            </a:spcAft>
+            <a:buNone/>
+          </a:pPr>
+          <a:r>
+            <a:rPr lang="zh-TW" altLang="en-US" sz="2000" kern="1200" dirty="0">
+              <a:latin typeface="標楷體" panose="03000509000000000000" pitchFamily="65" charset="-120"/>
+              <a:ea typeface="標楷體" panose="03000509000000000000" pitchFamily="65" charset="-120"/>
+            </a:rPr>
+            <a:t>刪除多於區域</a:t>
+          </a:r>
+        </a:p>
+      </dsp:txBody>
+      <dsp:txXfrm>
+        <a:off x="3177221" y="2735880"/>
+        <a:ext cx="1268856" cy="634428"/>
+      </dsp:txXfrm>
+    </dsp:sp>
+    <dsp:sp modelId="{49E54C8C-F3AB-4587-9714-9F87463F06FF}">
+      <dsp:nvSpPr>
+        <dsp:cNvPr id="0" name=""/>
+        <dsp:cNvSpPr/>
+      </dsp:nvSpPr>
+      <dsp:spPr>
+        <a:xfrm>
+          <a:off x="4800723" y="924359"/>
+          <a:ext cx="1268856" cy="634428"/>
+        </a:xfrm>
+        <a:prstGeom prst="rect">
+          <a:avLst/>
+        </a:prstGeom>
+        <a:solidFill>
+          <a:schemeClr val="accent2">
+            <a:lumMod val="75000"/>
+          </a:schemeClr>
+        </a:solidFill>
+        <a:ln w="12700" cap="flat" cmpd="sng" algn="ctr">
+          <a:solidFill>
+            <a:schemeClr val="lt1">
+              <a:hueOff val="0"/>
+              <a:satOff val="0"/>
+              <a:lumOff val="0"/>
+              <a:alphaOff val="0"/>
+            </a:schemeClr>
+          </a:solidFill>
+          <a:prstDash val="solid"/>
+          <a:miter lim="800000"/>
+        </a:ln>
+        <a:effectLst/>
+      </dsp:spPr>
+      <dsp:style>
+        <a:lnRef idx="2">
+          <a:scrgbClr r="0" g="0" b="0"/>
+        </a:lnRef>
+        <a:fillRef idx="1">
+          <a:scrgbClr r="0" g="0" b="0"/>
+        </a:fillRef>
+        <a:effectRef idx="0">
+          <a:scrgbClr r="0" g="0" b="0"/>
+        </a:effectRef>
+        <a:fontRef idx="minor">
+          <a:schemeClr val="lt1"/>
+        </a:fontRef>
+      </dsp:style>
+      <dsp:txBody>
+        <a:bodyPr spcFirstLastPara="0" vert="horz" wrap="square" lIns="12700" tIns="12700" rIns="12700" bIns="12700" numCol="1" spcCol="1270" anchor="ctr" anchorCtr="0">
+          <a:noAutofit/>
+        </a:bodyPr>
+        <a:lstStyle/>
+        <a:p>
+          <a:pPr marL="0" lvl="0" indent="0" algn="ctr" defTabSz="889000">
+            <a:lnSpc>
+              <a:spcPct val="90000"/>
+            </a:lnSpc>
+            <a:spcBef>
+              <a:spcPct val="0"/>
+            </a:spcBef>
+            <a:spcAft>
+              <a:spcPct val="35000"/>
+            </a:spcAft>
+            <a:buNone/>
+          </a:pPr>
+          <a:r>
+            <a:rPr lang="zh-TW" altLang="en-US" sz="2000" kern="1200" dirty="0">
+              <a:latin typeface="標楷體" panose="03000509000000000000" pitchFamily="65" charset="-120"/>
+              <a:ea typeface="標楷體" panose="03000509000000000000" pitchFamily="65" charset="-120"/>
+            </a:rPr>
+            <a:t>辨識車牌</a:t>
+          </a:r>
+        </a:p>
+      </dsp:txBody>
+      <dsp:txXfrm>
+        <a:off x="4800723" y="924359"/>
+        <a:ext cx="1268856" cy="634428"/>
+      </dsp:txXfrm>
+    </dsp:sp>
+    <dsp:sp modelId="{80FBB729-8602-4C96-B133-A412E1C7F799}">
+      <dsp:nvSpPr>
+        <dsp:cNvPr id="0" name=""/>
+        <dsp:cNvSpPr/>
+      </dsp:nvSpPr>
+      <dsp:spPr>
+        <a:xfrm>
+          <a:off x="6518247" y="928077"/>
+          <a:ext cx="1268856" cy="634428"/>
+        </a:xfrm>
+        <a:prstGeom prst="rect">
+          <a:avLst/>
+        </a:prstGeom>
+        <a:solidFill>
+          <a:schemeClr val="accent2">
+            <a:lumMod val="75000"/>
+          </a:schemeClr>
+        </a:solidFill>
+        <a:ln w="12700" cap="flat" cmpd="sng" algn="ctr">
+          <a:solidFill>
+            <a:schemeClr val="lt1">
+              <a:hueOff val="0"/>
+              <a:satOff val="0"/>
+              <a:lumOff val="0"/>
+              <a:alphaOff val="0"/>
+            </a:schemeClr>
+          </a:solidFill>
+          <a:prstDash val="solid"/>
+          <a:miter lim="800000"/>
+        </a:ln>
+        <a:effectLst/>
+      </dsp:spPr>
+      <dsp:style>
+        <a:lnRef idx="2">
+          <a:scrgbClr r="0" g="0" b="0"/>
+        </a:lnRef>
+        <a:fillRef idx="1">
+          <a:scrgbClr r="0" g="0" b="0"/>
+        </a:fillRef>
+        <a:effectRef idx="0">
+          <a:scrgbClr r="0" g="0" b="0"/>
+        </a:effectRef>
+        <a:fontRef idx="minor">
+          <a:schemeClr val="lt1"/>
+        </a:fontRef>
+      </dsp:style>
+      <dsp:txBody>
+        <a:bodyPr spcFirstLastPara="0" vert="horz" wrap="square" lIns="12700" tIns="12700" rIns="12700" bIns="12700" numCol="1" spcCol="1270" anchor="ctr" anchorCtr="0">
+          <a:noAutofit/>
+        </a:bodyPr>
+        <a:lstStyle/>
+        <a:p>
+          <a:pPr marL="0" lvl="0" indent="0" algn="ctr" defTabSz="889000">
+            <a:lnSpc>
+              <a:spcPct val="90000"/>
+            </a:lnSpc>
+            <a:spcBef>
+              <a:spcPct val="0"/>
+            </a:spcBef>
+            <a:spcAft>
+              <a:spcPct val="35000"/>
+            </a:spcAft>
+            <a:buNone/>
+          </a:pPr>
+          <a:r>
+            <a:rPr lang="zh-TW" altLang="en-US" sz="2000" kern="1200" dirty="0">
+              <a:latin typeface="標楷體" panose="03000509000000000000" pitchFamily="65" charset="-120"/>
+              <a:ea typeface="標楷體" panose="03000509000000000000" pitchFamily="65" charset="-120"/>
+            </a:rPr>
+            <a:t>內部存儲</a:t>
+          </a:r>
+        </a:p>
+      </dsp:txBody>
+      <dsp:txXfrm>
+        <a:off x="6518247" y="928077"/>
+        <a:ext cx="1268856" cy="634428"/>
+      </dsp:txXfrm>
+    </dsp:sp>
+    <dsp:sp modelId="{8936D5FF-BE5B-41B1-BCB0-C922C2AEF3A2}">
+      <dsp:nvSpPr>
+        <dsp:cNvPr id="0" name=""/>
+        <dsp:cNvSpPr/>
+      </dsp:nvSpPr>
+      <dsp:spPr>
+        <a:xfrm>
+          <a:off x="6835461" y="1828965"/>
+          <a:ext cx="1268856" cy="634428"/>
+        </a:xfrm>
+        <a:prstGeom prst="rect">
+          <a:avLst/>
+        </a:prstGeom>
+        <a:solidFill>
+          <a:schemeClr val="accent1">
+            <a:hueOff val="0"/>
+            <a:satOff val="0"/>
+            <a:lumOff val="0"/>
+            <a:alphaOff val="0"/>
+          </a:schemeClr>
+        </a:solidFill>
+        <a:ln w="12700" cap="flat" cmpd="sng" algn="ctr">
+          <a:solidFill>
+            <a:schemeClr val="lt1">
+              <a:hueOff val="0"/>
+              <a:satOff val="0"/>
+              <a:lumOff val="0"/>
+              <a:alphaOff val="0"/>
+            </a:schemeClr>
+          </a:solidFill>
+          <a:prstDash val="solid"/>
+          <a:miter lim="800000"/>
+        </a:ln>
+        <a:effectLst/>
+      </dsp:spPr>
+      <dsp:style>
+        <a:lnRef idx="2">
+          <a:scrgbClr r="0" g="0" b="0"/>
+        </a:lnRef>
+        <a:fillRef idx="1">
+          <a:scrgbClr r="0" g="0" b="0"/>
+        </a:fillRef>
+        <a:effectRef idx="0">
+          <a:scrgbClr r="0" g="0" b="0"/>
+        </a:effectRef>
+        <a:fontRef idx="minor">
+          <a:schemeClr val="lt1"/>
+        </a:fontRef>
+      </dsp:style>
+      <dsp:txBody>
+        <a:bodyPr spcFirstLastPara="0" vert="horz" wrap="square" lIns="12700" tIns="12700" rIns="12700" bIns="12700" numCol="1" spcCol="1270" anchor="ctr" anchorCtr="0">
+          <a:noAutofit/>
+        </a:bodyPr>
+        <a:lstStyle/>
+        <a:p>
+          <a:pPr marL="0" lvl="0" indent="0" algn="ctr" defTabSz="889000">
+            <a:lnSpc>
+              <a:spcPct val="90000"/>
+            </a:lnSpc>
+            <a:spcBef>
+              <a:spcPct val="0"/>
+            </a:spcBef>
+            <a:spcAft>
+              <a:spcPct val="35000"/>
+            </a:spcAft>
+            <a:buNone/>
+          </a:pPr>
+          <a:r>
+            <a:rPr lang="zh-TW" altLang="en-US" sz="2000" kern="1200" dirty="0">
+              <a:latin typeface="標楷體" panose="03000509000000000000" pitchFamily="65" charset="-120"/>
+              <a:ea typeface="標楷體" panose="03000509000000000000" pitchFamily="65" charset="-120"/>
+            </a:rPr>
+            <a:t>儲存車牌</a:t>
+          </a:r>
+        </a:p>
+      </dsp:txBody>
+      <dsp:txXfrm>
+        <a:off x="6835461" y="1828965"/>
+        <a:ext cx="1268856" cy="634428"/>
+      </dsp:txXfrm>
+    </dsp:sp>
+    <dsp:sp modelId="{A92C7A02-1CFE-4030-8C4A-1DE39C7C9571}">
+      <dsp:nvSpPr>
+        <dsp:cNvPr id="0" name=""/>
+        <dsp:cNvSpPr/>
+      </dsp:nvSpPr>
+      <dsp:spPr>
+        <a:xfrm>
+          <a:off x="6835461" y="2729853"/>
+          <a:ext cx="1268856" cy="634428"/>
+        </a:xfrm>
+        <a:prstGeom prst="rect">
+          <a:avLst/>
+        </a:prstGeom>
+        <a:solidFill>
+          <a:schemeClr val="accent1">
+            <a:hueOff val="0"/>
+            <a:satOff val="0"/>
+            <a:lumOff val="0"/>
+            <a:alphaOff val="0"/>
+          </a:schemeClr>
+        </a:solidFill>
+        <a:ln w="12700" cap="flat" cmpd="sng" algn="ctr">
+          <a:solidFill>
+            <a:schemeClr val="lt1">
+              <a:hueOff val="0"/>
+              <a:satOff val="0"/>
+              <a:lumOff val="0"/>
+              <a:alphaOff val="0"/>
+            </a:schemeClr>
+          </a:solidFill>
+          <a:prstDash val="solid"/>
+          <a:miter lim="800000"/>
+        </a:ln>
+        <a:effectLst/>
+      </dsp:spPr>
+      <dsp:style>
+        <a:lnRef idx="2">
+          <a:scrgbClr r="0" g="0" b="0"/>
+        </a:lnRef>
+        <a:fillRef idx="1">
+          <a:scrgbClr r="0" g="0" b="0"/>
+        </a:fillRef>
+        <a:effectRef idx="0">
+          <a:scrgbClr r="0" g="0" b="0"/>
+        </a:effectRef>
+        <a:fontRef idx="minor">
+          <a:schemeClr val="lt1"/>
+        </a:fontRef>
+      </dsp:style>
+      <dsp:txBody>
+        <a:bodyPr spcFirstLastPara="0" vert="horz" wrap="square" lIns="12700" tIns="12700" rIns="12700" bIns="12700" numCol="1" spcCol="1270" anchor="ctr" anchorCtr="0">
+          <a:noAutofit/>
+        </a:bodyPr>
+        <a:lstStyle/>
+        <a:p>
+          <a:pPr marL="0" lvl="0" indent="0" algn="ctr" defTabSz="889000">
+            <a:lnSpc>
+              <a:spcPct val="90000"/>
+            </a:lnSpc>
+            <a:spcBef>
+              <a:spcPct val="0"/>
+            </a:spcBef>
+            <a:spcAft>
+              <a:spcPct val="35000"/>
+            </a:spcAft>
+            <a:buNone/>
+          </a:pPr>
+          <a:r>
+            <a:rPr lang="zh-TW" altLang="en-US" sz="2000" kern="1200" dirty="0">
+              <a:latin typeface="標楷體" panose="03000509000000000000" pitchFamily="65" charset="-120"/>
+              <a:ea typeface="標楷體" panose="03000509000000000000" pitchFamily="65" charset="-120"/>
+            </a:rPr>
+            <a:t>刪除車牌</a:t>
+          </a:r>
+        </a:p>
+      </dsp:txBody>
+      <dsp:txXfrm>
+        <a:off x="6835461" y="2729853"/>
+        <a:ext cx="1268856" cy="634428"/>
+      </dsp:txXfrm>
+    </dsp:sp>
+    <dsp:sp modelId="{4E7DEB0B-CD36-460D-BF7D-E2D9CEF46EA5}">
+      <dsp:nvSpPr>
+        <dsp:cNvPr id="0" name=""/>
+        <dsp:cNvSpPr/>
+      </dsp:nvSpPr>
+      <dsp:spPr>
+        <a:xfrm>
+          <a:off x="9288059" y="885431"/>
+          <a:ext cx="1268856" cy="634428"/>
+        </a:xfrm>
+        <a:prstGeom prst="rect">
+          <a:avLst/>
+        </a:prstGeom>
+        <a:solidFill>
+          <a:schemeClr val="accent2">
+            <a:lumMod val="75000"/>
+          </a:schemeClr>
+        </a:solidFill>
+        <a:ln w="12700" cap="flat" cmpd="sng" algn="ctr">
+          <a:solidFill>
+            <a:schemeClr val="lt1">
+              <a:hueOff val="0"/>
+              <a:satOff val="0"/>
+              <a:lumOff val="0"/>
+              <a:alphaOff val="0"/>
+            </a:schemeClr>
+          </a:solidFill>
+          <a:prstDash val="solid"/>
+          <a:miter lim="800000"/>
+        </a:ln>
+        <a:effectLst/>
+      </dsp:spPr>
+      <dsp:style>
+        <a:lnRef idx="2">
+          <a:scrgbClr r="0" g="0" b="0"/>
+        </a:lnRef>
+        <a:fillRef idx="1">
+          <a:scrgbClr r="0" g="0" b="0"/>
+        </a:fillRef>
+        <a:effectRef idx="0">
+          <a:scrgbClr r="0" g="0" b="0"/>
+        </a:effectRef>
+        <a:fontRef idx="minor">
+          <a:schemeClr val="lt1"/>
+        </a:fontRef>
+      </dsp:style>
+      <dsp:txBody>
+        <a:bodyPr spcFirstLastPara="0" vert="horz" wrap="square" lIns="12700" tIns="12700" rIns="12700" bIns="12700" numCol="1" spcCol="1270" anchor="ctr" anchorCtr="0">
+          <a:noAutofit/>
+        </a:bodyPr>
+        <a:lstStyle/>
+        <a:p>
+          <a:pPr marL="0" lvl="0" indent="0" algn="ctr" defTabSz="889000">
+            <a:lnSpc>
+              <a:spcPct val="90000"/>
+            </a:lnSpc>
+            <a:spcBef>
+              <a:spcPct val="0"/>
+            </a:spcBef>
+            <a:spcAft>
+              <a:spcPct val="35000"/>
+            </a:spcAft>
+            <a:buNone/>
+          </a:pPr>
+          <a:r>
+            <a:rPr lang="en-US" altLang="zh-TW" sz="2000" kern="1200" dirty="0">
+              <a:latin typeface="標楷體" panose="03000509000000000000" pitchFamily="65" charset="-120"/>
+              <a:ea typeface="標楷體" panose="03000509000000000000" pitchFamily="65" charset="-120"/>
+            </a:rPr>
+            <a:t>UI</a:t>
+          </a:r>
+          <a:r>
+            <a:rPr lang="zh-TW" altLang="en-US" sz="2000" kern="1200" dirty="0">
+              <a:latin typeface="標楷體" panose="03000509000000000000" pitchFamily="65" charset="-120"/>
+              <a:ea typeface="標楷體" panose="03000509000000000000" pitchFamily="65" charset="-120"/>
+            </a:rPr>
+            <a:t>介面</a:t>
+          </a:r>
+        </a:p>
+      </dsp:txBody>
+      <dsp:txXfrm>
+        <a:off x="9288059" y="885431"/>
+        <a:ext cx="1268856" cy="634428"/>
+      </dsp:txXfrm>
+    </dsp:sp>
+    <dsp:sp modelId="{945C9633-C9B5-406E-B1E5-AB7C6CEBD8BF}">
+      <dsp:nvSpPr>
+        <dsp:cNvPr id="0" name=""/>
+        <dsp:cNvSpPr/>
+      </dsp:nvSpPr>
+      <dsp:spPr>
+        <a:xfrm>
+          <a:off x="9605273" y="1786319"/>
+          <a:ext cx="1268856" cy="634428"/>
+        </a:xfrm>
+        <a:prstGeom prst="rect">
+          <a:avLst/>
+        </a:prstGeom>
+        <a:solidFill>
+          <a:schemeClr val="accent1">
+            <a:hueOff val="0"/>
+            <a:satOff val="0"/>
+            <a:lumOff val="0"/>
+            <a:alphaOff val="0"/>
+          </a:schemeClr>
+        </a:solidFill>
+        <a:ln w="12700" cap="flat" cmpd="sng" algn="ctr">
+          <a:solidFill>
+            <a:schemeClr val="lt1">
+              <a:hueOff val="0"/>
+              <a:satOff val="0"/>
+              <a:lumOff val="0"/>
+              <a:alphaOff val="0"/>
+            </a:schemeClr>
+          </a:solidFill>
+          <a:prstDash val="solid"/>
+          <a:miter lim="800000"/>
+        </a:ln>
+        <a:effectLst/>
+      </dsp:spPr>
+      <dsp:style>
+        <a:lnRef idx="2">
+          <a:scrgbClr r="0" g="0" b="0"/>
+        </a:lnRef>
+        <a:fillRef idx="1">
+          <a:scrgbClr r="0" g="0" b="0"/>
+        </a:fillRef>
+        <a:effectRef idx="0">
+          <a:scrgbClr r="0" g="0" b="0"/>
+        </a:effectRef>
+        <a:fontRef idx="minor">
+          <a:schemeClr val="lt1"/>
+        </a:fontRef>
+      </dsp:style>
+      <dsp:txBody>
+        <a:bodyPr spcFirstLastPara="0" vert="horz" wrap="square" lIns="12700" tIns="12700" rIns="12700" bIns="12700" numCol="1" spcCol="1270" anchor="ctr" anchorCtr="0">
+          <a:noAutofit/>
+        </a:bodyPr>
+        <a:lstStyle/>
+        <a:p>
+          <a:pPr marL="0" lvl="0" indent="0" algn="ctr" defTabSz="889000">
+            <a:lnSpc>
+              <a:spcPct val="90000"/>
+            </a:lnSpc>
+            <a:spcBef>
+              <a:spcPct val="0"/>
+            </a:spcBef>
+            <a:spcAft>
+              <a:spcPct val="35000"/>
+            </a:spcAft>
+            <a:buNone/>
+          </a:pPr>
+          <a:r>
+            <a:rPr lang="en-US" altLang="zh-TW" sz="2000" kern="1200" dirty="0" err="1">
+              <a:latin typeface="標楷體" panose="03000509000000000000" pitchFamily="65" charset="-120"/>
+              <a:ea typeface="標楷體" panose="03000509000000000000" pitchFamily="65" charset="-120"/>
+            </a:rPr>
+            <a:t>Tkinter</a:t>
+          </a:r>
+          <a:endParaRPr lang="zh-TW" altLang="en-US" sz="2000" kern="1200" dirty="0">
+            <a:latin typeface="標楷體" panose="03000509000000000000" pitchFamily="65" charset="-120"/>
+            <a:ea typeface="標楷體" panose="03000509000000000000" pitchFamily="65" charset="-120"/>
+          </a:endParaRPr>
+        </a:p>
+      </dsp:txBody>
+      <dsp:txXfrm>
+        <a:off x="9605273" y="1786319"/>
+        <a:ext cx="1268856" cy="634428"/>
+      </dsp:txXfrm>
+    </dsp:sp>
+  </dsp:spTree>
+</dsp:drawing>
+</file>
+
+<file path=ppt/diagrams/layout1.xml><?xml version="1.0" encoding="utf-8"?>
+<dgm:layoutDef xmlns:dgm="http://schemas.openxmlformats.org/drawingml/2006/diagram" xmlns:a="http://schemas.openxmlformats.org/drawingml/2006/main" uniqueId="urn:microsoft.com/office/officeart/2005/8/layout/orgChart1">
+  <dgm:title val=""/>
+  <dgm:desc val=""/>
+  <dgm:catLst>
+    <dgm:cat type="hierarchy" pri="1000"/>
+    <dgm:cat type="convert" pri="6000"/>
+  </dgm:catLst>
+  <dgm:sampData>
+    <dgm:dataModel>
+      <dgm:ptLst>
+        <dgm:pt modelId="0" type="doc"/>
+        <dgm:pt modelId="1">
+          <dgm:prSet phldr="1"/>
+        </dgm:pt>
+        <dgm:pt modelId="2" type="asst">
+          <dgm:prSet phldr="1"/>
+        </dgm:pt>
+        <dgm:pt modelId="3">
+          <dgm:prSet phldr="1"/>
+        </dgm:pt>
+        <dgm:pt modelId="4">
+          <dgm:prSet phldr="1"/>
+        </dgm:pt>
+        <dgm:pt modelId="5">
+          <dgm:prSet phldr="1"/>
+        </dgm:pt>
+      </dgm:ptLst>
+      <dgm:cxnLst>
+        <dgm:cxn modelId="5" srcId="0" destId="1" srcOrd="0" destOrd="0"/>
+        <dgm:cxn modelId="6" srcId="1" destId="2" srcOrd="0" destOrd="0"/>
+        <dgm:cxn modelId="7" srcId="1" destId="3" srcOrd="1" destOrd="0"/>
+        <dgm:cxn modelId="8" srcId="1" destId="4" srcOrd="2" destOrd="0"/>
+        <dgm:cxn modelId="9" srcId="1" destId="5" srcOrd="3" destOrd="0"/>
+      </dgm:cxnLst>
+      <dgm:bg/>
+      <dgm:whole/>
+    </dgm:dataModel>
+  </dgm:sampData>
+  <dgm:styleData>
+    <dgm:dataModel>
+      <dgm:ptLst>
+        <dgm:pt modelId="0" type="doc"/>
+        <dgm:pt modelId="1"/>
+        <dgm:pt modelId="12"/>
+        <dgm:pt modelId="13"/>
+      </dgm:ptLst>
+      <dgm:cxnLst>
+        <dgm:cxn modelId="2" srcId="0" destId="1" srcOrd="0" destOrd="0"/>
+        <dgm:cxn modelId="16" srcId="1" destId="12" srcOrd="1" destOrd="0"/>
+        <dgm:cxn modelId="17" srcId="1" destId="13" srcOrd="2" destOrd="0"/>
+      </dgm:cxnLst>
+      <dgm:bg/>
+      <dgm:whole/>
+    </dgm:dataModel>
+  </dgm:styleData>
+  <dgm:clrData>
+    <dgm:dataModel>
+      <dgm:ptLst>
+        <dgm:pt modelId="0" type="doc"/>
+        <dgm:pt modelId="1"/>
+        <dgm:pt modelId="11" type="asst"/>
+        <dgm:pt modelId="12"/>
+        <dgm:pt modelId="13"/>
+        <dgm:pt modelId="14"/>
+      </dgm:ptLst>
+      <dgm:cxnLst>
+        <dgm:cxn modelId="2" srcId="0" destId="1" srcOrd="0" destOrd="0"/>
+        <dgm:cxn modelId="15" srcId="1" destId="11" srcOrd="0" destOrd="0"/>
+        <dgm:cxn modelId="16" srcId="1" destId="12" srcOrd="1" destOrd="0"/>
+        <dgm:cxn modelId="17" srcId="1" destId="13" srcOrd="2" destOrd="0"/>
+        <dgm:cxn modelId="18" srcId="1" destId="14" srcOrd="2" destOrd="0"/>
+      </dgm:cxnLst>
+      <dgm:bg/>
+      <dgm:whole/>
+    </dgm:dataModel>
+  </dgm:clrData>
+  <dgm:layoutNode name="hierChild1">
+    <dgm:varLst>
+      <dgm:orgChart val="1"/>
+      <dgm:chPref val="1"/>
+      <dgm:dir/>
+      <dgm:animOne val="branch"/>
+      <dgm:animLvl val="lvl"/>
+      <dgm:resizeHandles/>
+    </dgm:varLst>
+    <dgm:choose name="Name0">
+      <dgm:if name="Name1" func="var" arg="dir" op="equ" val="norm">
+        <dgm:alg type="hierChild">
+          <dgm:param type="linDir" val="fromL"/>
+        </dgm:alg>
+      </dgm:if>
+      <dgm:else name="Name2">
+        <dgm:alg type="hierChild">
+          <dgm:param type="linDir" val="fromR"/>
+        </dgm:alg>
+      </dgm:else>
+    </dgm:choose>
+    <dgm:shape xmlns:r="http://schemas.openxmlformats.org/officeDocument/2006/relationships" r:blip="">
+      <dgm:adjLst/>
+    </dgm:shape>
+    <dgm:presOf/>
+    <dgm:constrLst>
+      <dgm:constr type="w" for="des" forName="rootComposite1" refType="w" fact="10"/>
+      <dgm:constr type="h" for="des" forName="rootComposite1" refType="w" refFor="des" refForName="rootComposite1" fact="0.5"/>
+      <dgm:constr type="w" for="des" forName="rootComposite" refType="w" fact="10"/>
+      <dgm:constr type="h" for="des" forName="rootComposite" refType="w" refFor="des" refForName="rootComposite1" fact="0.5"/>
+      <dgm:constr type="w" for="des" forName="rootComposite3" refType="w" fact="10"/>
+      <dgm:constr type="h" for="des" forName="rootComposite3" refType="w" refFor="des" refForName="rootComposite1" fact="0.5"/>
+      <dgm:constr type="primFontSz" for="des" ptType="node" op="equ"/>
+      <dgm:constr type="sp" for="des" op="equ"/>
+      <dgm:constr type="sp" for="des" forName="hierRoot1" refType="w" refFor="des" refForName="rootComposite1" fact="0.21"/>
+      <dgm:constr type="sp" for="des" forName="hierRoot2" refType="sp" refFor="des" refForName="hierRoot1"/>
+      <dgm:constr type="sp" for="des" forName="hierRoot3" refType="sp" refFor="des" refForName="hierRoot1"/>
+      <dgm:constr type="sibSp" refType="w" refFor="des" refForName="rootComposite1" fact="0.21"/>
+      <dgm:constr type="sibSp" for="des" forName="hierChild2" refType="sibSp"/>
+      <dgm:constr type="sibSp" for="des" forName="hierChild3" refType="sibSp"/>
+      <dgm:constr type="sibSp" for="des" forName="hierChild4" refType="sibSp"/>
+      <dgm:constr type="sibSp" for="des" forName="hierChild5" refType="sibSp"/>
+      <dgm:constr type="sibSp" for="des" forName="hierChild6" refType="sibSp"/>
+      <dgm:constr type="sibSp" for="des" forName="hierChild7" refType="sibSp"/>
+      <dgm:constr type="secSibSp" refType="w" refFor="des" refForName="rootComposite1" fact="0.21"/>
+      <dgm:constr type="secSibSp" for="des" forName="hierChild2" refType="secSibSp"/>
+      <dgm:constr type="secSibSp" for="des" forName="hierChild3" refType="secSibSp"/>
+      <dgm:constr type="secSibSp" for="des" forName="hierChild4" refType="secSibSp"/>
+      <dgm:constr type="secSibSp" for="des" forName="hierChild5" refType="secSibSp"/>
+      <dgm:constr type="secSibSp" for="des" forName="hierChild6" refType="secSibSp"/>
+      <dgm:constr type="secSibSp" for="des" forName="hierChild7" refType="secSibSp"/>
+    </dgm:constrLst>
+    <dgm:ruleLst/>
+    <dgm:forEach name="Name3" axis="ch">
+      <dgm:forEach name="Name4" axis="self" ptType="node">
+        <dgm:layoutNode name="hierRoot1">
+          <dgm:varLst>
+            <dgm:hierBranch val="init"/>
+          </dgm:varLst>
+          <dgm:choose name="Name5">
+            <dgm:if name="Name6" func="var" arg="hierBranch" op="equ" val="l">
+              <dgm:choose name="Name7">
+                <dgm:if name="Name8" axis="ch" ptType="asst" func="cnt" op="gte" val="1">
+                  <dgm:alg type="hierRoot">
+                    <dgm:param type="hierAlign" val="tR"/>
+                  </dgm:alg>
+                  <dgm:constrLst>
+                    <dgm:constr type="alignOff" val="0.65"/>
+                  </dgm:constrLst>
+                </dgm:if>
+                <dgm:else name="Name9">
+                  <dgm:alg type="hierRoot">
+                    <dgm:param type="hierAlign" val="tR"/>
+                  </dgm:alg>
+                  <dgm:constrLst>
+                    <dgm:constr type="alignOff" val="0.25"/>
+                  </dgm:constrLst>
+                </dgm:else>
+              </dgm:choose>
+            </dgm:if>
+            <dgm:if name="Name10" func="var" arg="hierBranch" op="equ" val="r">
+              <dgm:choose name="Name11">
+                <dgm:if name="Name12" axis="ch" ptType="asst" func="cnt" op="gte" val="1">
+                  <dgm:alg type="hierRoot">
+                    <dgm:param type="hierAlign" val="tL"/>
+                  </dgm:alg>
+                  <dgm:constrLst>
+                    <dgm:constr type="alignOff" val="0.65"/>
+                  </dgm:constrLst>
+                </dgm:if>
+                <dgm:else name="Name13">
+                  <dgm:alg type="hierRoot">
+                    <dgm:param type="hierAlign" val="tL"/>
+                  </dgm:alg>
+                  <dgm:constrLst>
+                    <dgm:constr type="alignOff" val="0.25"/>
+                  </dgm:constrLst>
+                </dgm:else>
+              </dgm:choose>
+            </dgm:if>
+            <dgm:if name="Name14" func="var" arg="hierBranch" op="equ" val="hang">
+              <dgm:alg type="hierRoot"/>
+              <dgm:constrLst>
+                <dgm:constr type="alignOff" val="0.65"/>
+              </dgm:constrLst>
+            </dgm:if>
+            <dgm:else name="Name15">
+              <dgm:alg type="hierRoot"/>
+              <dgm:constrLst>
+                <dgm:constr type="alignOff"/>
+                <dgm:constr type="bendDist" for="des" ptType="parTrans" refType="sp" fact="0.5"/>
+              </dgm:constrLst>
+            </dgm:else>
+          </dgm:choose>
+          <dgm:shape xmlns:r="http://schemas.openxmlformats.org/officeDocument/2006/relationships" r:blip="">
+            <dgm:adjLst/>
+          </dgm:shape>
+          <dgm:presOf/>
+          <dgm:ruleLst/>
+          <dgm:layoutNode name="rootComposite1">
+            <dgm:alg type="composite"/>
+            <dgm:shape xmlns:r="http://schemas.openxmlformats.org/officeDocument/2006/relationships" r:blip="">
+              <dgm:adjLst/>
+            </dgm:shape>
+            <dgm:presOf axis="self" ptType="node" cnt="1"/>
+            <dgm:choose name="Name16">
+              <dgm:if name="Name17" func="var" arg="hierBranch" op="equ" val="init">
+                <dgm:constrLst>
+                  <dgm:constr type="l" for="ch" forName="rootText1"/>
+                  <dgm:constr type="t" for="ch" forName="rootText1"/>
+                  <dgm:constr type="w" for="ch" forName="rootText1" refType="w"/>
+                  <dgm:constr type="h" for="ch" forName="rootText1" refType="h"/>
+                  <dgm:constr type="l" for="ch" forName="rootConnector1"/>
+                  <dgm:constr type="t" for="ch" forName="rootConnector1"/>
+                  <dgm:constr type="w" for="ch" forName="rootConnector1" refType="w" refFor="ch" refForName="rootText1" fact="0.2"/>
+                  <dgm:constr type="h" for="ch" forName="rootConnector1" refType="h" refFor="ch" refForName="rootText1"/>
+                </dgm:constrLst>
+              </dgm:if>
+              <dgm:if name="Name18" func="var" arg="hierBranch" op="equ" val="l">
+                <dgm:constrLst>
+                  <dgm:constr type="l" for="ch" forName="rootText1"/>
+                  <dgm:constr type="t" for="ch" forName="rootText1"/>
+                  <dgm:constr type="w" for="ch" forName="rootText1" refType="w"/>
+                  <dgm:constr type="h" for="ch" forName="rootText1" refType="h"/>
+                  <dgm:constr type="r" for="ch" forName="rootConnector1" refType="w"/>
+                  <dgm:constr type="t" for="ch" forName="rootConnector1"/>
+                  <dgm:constr type="w" for="ch" forName="rootConnector1" refType="w" refFor="ch" refForName="rootText1" fact="0.2"/>
+                  <dgm:constr type="h" for="ch" forName="rootConnector1" refType="h" refFor="ch" refForName="rootText1"/>
+                </dgm:constrLst>
+              </dgm:if>
+              <dgm:if name="Name19" func="var" arg="hierBranch" op="equ" val="r">
+                <dgm:constrLst>
+                  <dgm:constr type="l" for="ch" forName="rootText1"/>
+                  <dgm:constr type="t" for="ch" forName="rootText1"/>
+                  <dgm:constr type="w" for="ch" forName="rootText1" refType="w"/>
+                  <dgm:constr type="h" for="ch" forName="rootText1" refType="h"/>
+                  <dgm:constr type="l" for="ch" forName="rootConnector1"/>
+                  <dgm:constr type="t" for="ch" forName="rootConnector1"/>
+                  <dgm:constr type="w" for="ch" forName="rootConnector1" refType="w" refFor="ch" refForName="rootText1" fact="0.2"/>
+                  <dgm:constr type="h" for="ch" forName="rootConnector1" refType="h" refFor="ch" refForName="rootText1"/>
+                </dgm:constrLst>
+              </dgm:if>
+              <dgm:else name="Name20">
+                <dgm:constrLst>
+                  <dgm:constr type="l" for="ch" forName="rootText1"/>
+                  <dgm:constr type="t" for="ch" forName="rootText1"/>
+                  <dgm:constr type="w" for="ch" forName="rootText1" refType="w"/>
+                  <dgm:constr type="h" for="ch" forName="rootText1" refType="h"/>
+                  <dgm:constr type="r" for="ch" forName="rootConnector1" refType="w"/>
+                  <dgm:constr type="t" for="ch" forName="rootConnector1"/>
+                  <dgm:constr type="w" for="ch" forName="rootConnector1" refType="w" refFor="ch" refForName="rootText1" fact="0.2"/>
+                  <dgm:constr type="h" for="ch" forName="rootConnector1" refType="h" refFor="ch" refForName="rootText1"/>
+                </dgm:constrLst>
+              </dgm:else>
+            </dgm:choose>
+            <dgm:ruleLst/>
+            <dgm:layoutNode name="rootText1" styleLbl="node0">
+              <dgm:varLst>
+                <dgm:chPref val="3"/>
+              </dgm:varLst>
+              <dgm:alg type="tx"/>
+              <dgm:shape xmlns:r="http://schemas.openxmlformats.org/officeDocument/2006/relationships" type="rect" r:blip="">
+                <dgm:adjLst/>
+              </dgm:shape>
+              <dgm:presOf axis="self" ptType="node" cnt="1"/>
+              <dgm:constrLst>
+                <dgm:constr type="primFontSz" val="65"/>
+                <dgm:constr type="lMarg" refType="primFontSz" fact="0.05"/>
+                <dgm:constr type="rMarg" refType="primFontSz" fact="0.05"/>
+                <dgm:constr type="tMarg" refType="primFontSz" fact="0.05"/>
+                <dgm:constr type="bMarg" refType="primFontSz" fact="0.05"/>
+              </dgm:constrLst>
+              <dgm:ruleLst>
+                <dgm:rule type="primFontSz" val="5" fact="NaN" max="NaN"/>
+              </dgm:ruleLst>
+            </dgm:layoutNode>
+            <dgm:layoutNode name="rootConnector1" moveWith="rootText1">
+              <dgm:alg type="sp"/>
+              <dgm:shape xmlns:r="http://schemas.openxmlformats.org/officeDocument/2006/relationships" type="rect" r:blip="" hideGeom="1">
+                <dgm:adjLst/>
+              </dgm:shape>
+              <dgm:presOf axis="self" ptType="node" cnt="1"/>
+              <dgm:constrLst/>
+              <dgm:ruleLst/>
+            </dgm:layoutNode>
+          </dgm:layoutNode>
+          <dgm:layoutNode name="hierChild2">
+            <dgm:choose name="Name21">
+              <dgm:if name="Name22" func="var" arg="hierBranch" op="equ" val="l">
+                <dgm:alg type="hierChild">
+                  <dgm:param type="chAlign" val="r"/>
+                  <dgm:param type="linDir" val="fromT"/>
+                </dgm:alg>
+              </dgm:if>
+              <dgm:if name="Name23" func="var" arg="hierBranch" op="equ" val="r">
+                <dgm:alg type="hierChild">
+                  <dgm:param type="chAlign" val="l"/>
+                  <dgm:param type="linDir" val="fromT"/>
+                </dgm:alg>
+              </dgm:if>
+              <dgm:if name="Name24" func="var" arg="hierBranch" op="equ" val="hang">
+                <dgm:choose name="Name25">
+                  <dgm:if name="Name26" func="var" arg="dir" op="equ" val="norm">
+                    <dgm:alg type="hierChild">
+                      <dgm:param type="chAlign" val="l"/>
+                      <dgm:param type="linDir" val="fromL"/>
+                      <dgm:param type="secChAlign" val="t"/>
+                      <dgm:param type="secLinDir" val="fromT"/>
+                    </dgm:alg>
+                  </dgm:if>
+                  <dgm:else name="Name27">
+                    <dgm:alg type="hierChild">
+                      <dgm:param type="chAlign" val="l"/>
+                      <dgm:param type="linDir" val="fromR"/>
+                      <dgm:param type="secChAlign" val="t"/>
+                      <dgm:param type="secLinDir" val="fromT"/>
+                    </dgm:alg>
+                  </dgm:else>
+                </dgm:choose>
+              </dgm:if>
+              <dgm:else name="Name28">
+                <dgm:choose name="Name29">
+                  <dgm:if name="Name30" func="var" arg="dir" op="equ" val="norm">
+                    <dgm:alg type="hierChild"/>
+                  </dgm:if>
+                  <dgm:else name="Name31">
+                    <dgm:alg type="hierChild">
+                      <dgm:param type="linDir" val="fromR"/>
+                    </dgm:alg>
+                  </dgm:else>
+                </dgm:choose>
+              </dgm:else>
+            </dgm:choose>
+            <dgm:shape xmlns:r="http://schemas.openxmlformats.org/officeDocument/2006/relationships" r:blip="">
+              <dgm:adjLst/>
+            </dgm:shape>
+            <dgm:presOf/>
+            <dgm:constrLst/>
+            <dgm:ruleLst/>
+            <dgm:forEach name="rep2a" axis="ch" ptType="nonAsst">
+              <dgm:forEach name="Name32" axis="precedSib" ptType="parTrans" st="-1" cnt="1">
+                <dgm:choose name="Name33">
+                  <dgm:if name="Name34" func="var" arg="hierBranch" op="equ" val="std">
+                    <dgm:layoutNode name="Name35">
+                      <dgm:alg type="conn">
+                        <dgm:param type="connRout" val="bend"/>
+                        <dgm:param type="dim" val="1D"/>
+                        <dgm:param type="endSty" val="noArr"/>
+                        <dgm:param type="begPts" val="bCtr"/>
+                        <dgm:param type="endPts" val="tCtr"/>
+                        <dgm:param type="bendPt" val="end"/>
+                      </dgm:alg>
+                      <dgm:shape xmlns:r="http://schemas.openxmlformats.org/officeDocument/2006/relationships" type="conn" r:blip="" zOrderOff="-99999">
+                        <dgm:adjLst/>
+                      </dgm:shape>
+                      <dgm:presOf axis="self"/>
+                      <dgm:constrLst>
+                        <dgm:constr type="begPad"/>
+                        <dgm:constr type="endPad"/>
+                      </dgm:constrLst>
+                      <dgm:ruleLst/>
+                    </dgm:layoutNode>
+                  </dgm:if>
+                  <dgm:if name="Name36" func="var" arg="hierBranch" op="equ" val="init">
+                    <dgm:layoutNode name="Name37">
+                      <dgm:choose name="Name38">
+                        <dgm:if name="Name39" axis="self" func="depth" op="lte" val="2">
+                          <dgm:alg type="conn">
+                            <dgm:param type="connRout" val="bend"/>
+                            <dgm:param type="dim" val="1D"/>
+                            <dgm:param type="endSty" val="noArr"/>
+                            <dgm:param type="begPts" val="bCtr"/>
+                            <dgm:param type="endPts" val="tCtr"/>
+                            <dgm:param type="bendPt" val="end"/>
+                          </dgm:alg>
+                        </dgm:if>
+                        <dgm:else name="Name40">
+                          <dgm:choose name="Name41">
+                            <dgm:if name="Name42" axis="par des" func="maxDepth" op="lte" val="1">
+                              <dgm:choose name="Name43">
+                                <dgm:if name="Name44" axis="par ch" ptType="node asst" func="cnt" op="gte" val="1">
+                                  <dgm:alg type="conn">
+                                    <dgm:param type="connRout" val="bend"/>
+                                    <dgm:param type="dim" val="1D"/>
+                                    <dgm:param type="endSty" val="noArr"/>
+                                    <dgm:param type="begPts" val="bCtr"/>
+                                    <dgm:param type="endPts" val="midL midR"/>
+                                  </dgm:alg>
+                                </dgm:if>
+                                <dgm:else name="Name45">
+                                  <dgm:alg type="conn">
+                                    <dgm:param type="connRout" val="bend"/>
+                                    <dgm:param type="dim" val="1D"/>
+                                    <dgm:param type="endSty" val="noArr"/>
+                                    <dgm:param type="begPts" val="bCtr"/>
+                                    <dgm:param type="endPts" val="midL midR"/>
+                                    <dgm:param type="srcNode" val="rootConnector"/>
+                                  </dgm:alg>
+                                </dgm:else>
+                              </dgm:choose>
+                            </dgm:if>
+                            <dgm:else name="Name46">
+                              <dgm:alg type="conn">
+                                <dgm:param type="connRout" val="bend"/>
+                                <dgm:param type="dim" val="1D"/>
+                                <dgm:param type="endSty" val="noArr"/>
+                                <dgm:param type="begPts" val="bCtr"/>
+                                <dgm:param type="endPts" val="tCtr"/>
+                                <dgm:param type="bendPt" val="end"/>
+                              </dgm:alg>
+                            </dgm:else>
+                          </dgm:choose>
+                        </dgm:else>
+                      </dgm:choose>
+                      <dgm:shape xmlns:r="http://schemas.openxmlformats.org/officeDocument/2006/relationships" type="conn" r:blip="" zOrderOff="-99999">
+                        <dgm:adjLst/>
+                      </dgm:shape>
+                      <dgm:presOf axis="self"/>
+                      <dgm:constrLst>
+                        <dgm:constr type="begPad"/>
+                        <dgm:constr type="endPad"/>
+                      </dgm:constrLst>
+                      <dgm:ruleLst/>
+                    </dgm:layoutNode>
+                  </dgm:if>
+                  <dgm:if name="Name47" func="var" arg="hierBranch" op="equ" val="hang">
+                    <dgm:layoutNode name="Name48">
+                      <dgm:alg type="conn">
+                        <dgm:param type="connRout" val="bend"/>
+                        <dgm:param type="dim" val="1D"/>
+                        <dgm:param type="endSty" val="noArr"/>
+                        <dgm:param type="begPts" val="bCtr"/>
+                        <dgm:param type="endPts" val="midL midR"/>
+                      </dgm:alg>
+                      <dgm:shape xmlns:r="http://schemas.openxmlformats.org/officeDocument/2006/relationships" type="conn" r:blip="" zOrderOff="-99999">
+                        <dgm:adjLst/>
+                      </dgm:shape>
+                      <dgm:presOf axis="self"/>
+                      <dgm:constrLst>
+                        <dgm:constr type="begPad"/>
+                        <dgm:constr type="endPad"/>
+                      </dgm:constrLst>
+                      <dgm:ruleLst/>
+                    </dgm:layoutNode>
+                  </dgm:if>
+                  <dgm:else name="Name49">
+                    <dgm:layoutNode name="Name50">
+                      <dgm:choose name="Name51">
+                        <dgm:if name="Name52" axis="self" func="depth" op="lte" val="2">
+                          <dgm:choose name="Name53">
+                            <dgm:if name="Name54" axis="par ch" ptType="node asst" func="cnt" op="gte" val="1">
+                              <dgm:alg type="conn">
+                                <dgm:param type="connRout" val="bend"/>
+                                <dgm:param type="dim" val="1D"/>
+                                <dgm:param type="endSty" val="noArr"/>
+                                <dgm:param type="begPts" val="bCtr"/>
+                                <dgm:param type="endPts" val="midL midR"/>
+                              </dgm:alg>
+                            </dgm:if>
+                            <dgm:else name="Name55">
+                              <dgm:alg type="conn">
+                                <dgm:param type="connRout" val="bend"/>
+                                <dgm:param type="dim" val="1D"/>
+                                <dgm:param type="endSty" val="noArr"/>
+                                <dgm:param type="begPts" val="bCtr"/>
+                                <dgm:param type="endPts" val="midL midR"/>
+                                <dgm:param type="srcNode" val="rootConnector1"/>
+                              </dgm:alg>
+                            </dgm:else>
+                          </dgm:choose>
+                        </dgm:if>
+                        <dgm:else name="Name56">
+                          <dgm:choose name="Name57">
+                            <dgm:if name="Name58" axis="par ch" ptType="node asst" func="cnt" op="gte" val="1">
+                              <dgm:alg type="conn">
+                                <dgm:param type="connRout" val="bend"/>
+                                <dgm:param type="dim" val="1D"/>
+                                <dgm:param type="endSty" val="noArr"/>
+                                <dgm:param type="begPts" val="bCtr"/>
+                                <dgm:param type="endPts" val="midL midR"/>
+                              </dgm:alg>
+                            </dgm:if>
+                            <dgm:else name="Name59">
+                              <dgm:alg type="conn">
+                                <dgm:param type="connRout" val="bend"/>
+                                <dgm:param type="dim" val="1D"/>
+                                <dgm:param type="endSty" val="noArr"/>
+                                <dgm:param type="begPts" val="bCtr"/>
+                                <dgm:param type="endPts" val="midL midR"/>
+                                <dgm:param type="srcNode" val="rootConnector"/>
+                              </dgm:alg>
+                            </dgm:else>
+                          </dgm:choose>
+                        </dgm:else>
+                      </dgm:choose>
+                      <dgm:shape xmlns:r="http://schemas.openxmlformats.org/officeDocument/2006/relationships" type="conn" r:blip="" zOrderOff="-99999">
+                        <dgm:adjLst/>
+                      </dgm:shape>
+                      <dgm:presOf axis="self"/>
+                      <dgm:constrLst>
+                        <dgm:constr type="begPad"/>
+                        <dgm:constr type="endPad"/>
+                      </dgm:constrLst>
+                      <dgm:ruleLst/>
+                    </dgm:layoutNode>
+                  </dgm:else>
+                </dgm:choose>
+              </dgm:forEach>
+              <dgm:layoutNode name="hierRoot2">
+                <dgm:varLst>
+                  <dgm:hierBranch val="init"/>
+                </dgm:varLst>
+                <dgm:choose name="Name60">
+                  <dgm:if name="Name61" func="var" arg="hierBranch" op="equ" val="l">
+                    <dgm:choose name="Name62">
+                      <dgm:if name="Name63" axis="ch" ptType="asst" func="cnt" op="gte" val="1">
+                        <dgm:alg type="hierRoot">
+                          <dgm:param type="hierAlign" val="tR"/>
+                        </dgm:alg>
+                        <dgm:shape xmlns:r="http://schemas.openxmlformats.org/officeDocument/2006/relationships" r:blip="">
+                          <dgm:adjLst/>
+                        </dgm:shape>
+                        <dgm:presOf/>
+                        <dgm:constrLst>
+                          <dgm:constr type="alignOff" val="0.65"/>
+                        </dgm:constrLst>
+                      </dgm:if>
+                      <dgm:else name="Name64">
+                        <dgm:alg type="hierRoot">
+                          <dgm:param type="hierAlign" val="tR"/>
+                        </dgm:alg>
+                        <dgm:shape xmlns:r="http://schemas.openxmlformats.org/officeDocument/2006/relationships" r:blip="">
+                          <dgm:adjLst/>
+                        </dgm:shape>
+                        <dgm:presOf/>
+                        <dgm:constrLst>
+                          <dgm:constr type="alignOff" val="0.25"/>
+                        </dgm:constrLst>
+                      </dgm:else>
+                    </dgm:choose>
+                  </dgm:if>
+                  <dgm:if name="Name65" func="var" arg="hierBranch" op="equ" val="r">
+                    <dgm:choose name="Name66">
+                      <dgm:if name="Name67" axis="ch" ptType="asst" func="cnt" op="gte" val="1">
+                        <dgm:alg type="hierRoot">
+                          <dgm:param type="hierAlign" val="tL"/>
+                        </dgm:alg>
+                        <dgm:shape xmlns:r="http://schemas.openxmlformats.org/officeDocument/2006/relationships" r:blip="">
+                          <dgm:adjLst/>
+                        </dgm:shape>
+                        <dgm:presOf/>
+                        <dgm:constrLst>
+                          <dgm:constr type="alignOff" val="0.65"/>
+                        </dgm:constrLst>
+                      </dgm:if>
+                      <dgm:else name="Name68">
+                        <dgm:alg type="hierRoot">
+                          <dgm:param type="hierAlign" val="tL"/>
+                        </dgm:alg>
+                        <dgm:shape xmlns:r="http://schemas.openxmlformats.org/officeDocument/2006/relationships" r:blip="">
+                          <dgm:adjLst/>
+                        </dgm:shape>
+                        <dgm:presOf/>
+                        <dgm:constrLst>
+                          <dgm:constr type="alignOff" val="0.25"/>
+                        </dgm:constrLst>
+                      </dgm:else>
+                    </dgm:choose>
+                  </dgm:if>
+                  <dgm:if name="Name69" func="var" arg="hierBranch" op="equ" val="std">
+                    <dgm:alg type="hierRoot"/>
+                    <dgm:shape xmlns:r="http://schemas.openxmlformats.org/officeDocument/2006/relationships" r:blip="">
+                      <dgm:adjLst/>
+                    </dgm:shape>
+                    <dgm:presOf/>
+                    <dgm:constrLst>
+                      <dgm:constr type="alignOff"/>
+                      <dgm:constr type="bendDist" for="des" ptType="parTrans" refType="sp" fact="0.5"/>
+                    </dgm:constrLst>
+                  </dgm:if>
+                  <dgm:if name="Name70" func="var" arg="hierBranch" op="equ" val="init">
+                    <dgm:choose name="Name71">
+                      <dgm:if name="Name72" axis="des" func="maxDepth" op="lte" val="1">
+                        <dgm:choose name="Name73">
+                          <dgm:if name="Name74" axis="ch" ptType="asst" func="cnt" op="gte" val="1">
+                            <dgm:alg type="hierRoot">
+                              <dgm:param type="hierAlign" val="tL"/>
+                            </dgm:alg>
+                            <dgm:shape xmlns:r="http://schemas.openxmlformats.org/officeDocument/2006/relationships" r:blip="">
+                              <dgm:adjLst/>
+                            </dgm:shape>
+                            <dgm:presOf/>
+                            <dgm:constrLst>
+                              <dgm:constr type="alignOff" val="0.65"/>
+                            </dgm:constrLst>
+                          </dgm:if>
+                          <dgm:else name="Name75">
+                            <dgm:alg type="hierRoot">
+                              <dgm:param type="hierAlign" val="tL"/>
+                            </dgm:alg>
+                            <dgm:shape xmlns:r="http://schemas.openxmlformats.org/officeDocument/2006/relationships" r:blip="">
+                              <dgm:adjLst/>
+                            </dgm:shape>
+                            <dgm:presOf/>
+                            <dgm:constrLst>
+                              <dgm:constr type="alignOff" val="0.25"/>
+                            </dgm:constrLst>
+                          </dgm:else>
+                        </dgm:choose>
+                      </dgm:if>
+                      <dgm:else name="Name76">
+                        <dgm:alg type="hierRoot"/>
+                        <dgm:shape xmlns:r="http://schemas.openxmlformats.org/officeDocument/2006/relationships" r:blip="">
+                          <dgm:adjLst/>
+                        </dgm:shape>
+                        <dgm:presOf/>
+                        <dgm:constrLst>
+                          <dgm:constr type="alignOff"/>
+                          <dgm:constr type="bendDist" for="des" ptType="parTrans" refType="sp" fact="0.5"/>
+                        </dgm:constrLst>
+                      </dgm:else>
+                    </dgm:choose>
+                  </dgm:if>
+                  <dgm:else name="Name77">
+                    <dgm:alg type="hierRoot"/>
+                    <dgm:shape xmlns:r="http://schemas.openxmlformats.org/officeDocument/2006/relationships" r:blip="">
+                      <dgm:adjLst/>
+                    </dgm:shape>
+                    <dgm:presOf/>
+                    <dgm:constrLst>
+                      <dgm:constr type="alignOff" val="0.65"/>
+                    </dgm:constrLst>
+                  </dgm:else>
+                </dgm:choose>
+                <dgm:ruleLst/>
+                <dgm:layoutNode name="rootComposite">
+                  <dgm:alg type="composite"/>
+                  <dgm:shape xmlns:r="http://schemas.openxmlformats.org/officeDocument/2006/relationships" r:blip="">
+                    <dgm:adjLst/>
+                  </dgm:shape>
+                  <dgm:presOf axis="self" ptType="node" cnt="1"/>
+                  <dgm:choose name="Name78">
+                    <dgm:if name="Name79" func="var" arg="hierBranch" op="equ" val="init">
+                      <dgm:constrLst>
+                        <dgm:constr type="l" for="ch" forName="rootText"/>
+                        <dgm:constr type="t" for="ch" forName="rootText"/>
+                        <dgm:constr type="w" for="ch" forName="rootText" refType="w"/>
+                        <dgm:constr type="h" for="ch" forName="rootText" refType="h"/>
+                        <dgm:constr type="l" for="ch" forName="rootConnector"/>
+                        <dgm:constr type="t" for="ch" forName="rootConnector"/>
+                        <dgm:constr type="w" for="ch" forName="rootConnector" refType="w" refFor="ch" refForName="rootText" fact="0.2"/>
+                        <dgm:constr type="h" for="ch" forName="rootConnector" refType="h" refFor="ch" refForName="rootText"/>
+                      </dgm:constrLst>
+                    </dgm:if>
+                    <dgm:if name="Name80" func="var" arg="hierBranch" op="equ" val="l">
+                      <dgm:constrLst>
+                        <dgm:constr type="l" for="ch" forName="rootText"/>
+                        <dgm:constr type="t" for="ch" forName="rootText"/>
+                        <dgm:constr type="w" for="ch" forName="rootText" refType="w"/>
+                        <dgm:constr type="h" for="ch" forName="rootText" refType="h"/>
+                        <dgm:constr type="r" for="ch" forName="rootConnector" refType="w"/>
+                        <dgm:constr type="t" for="ch" forName="rootConnector"/>
+                        <dgm:constr type="w" for="ch" forName="rootConnector" refType="w" refFor="ch" refForName="rootText" fact="0.2"/>
+                        <dgm:constr type="h" for="ch" forName="rootConnector" refType="h" refFor="ch" refForName="rootText"/>
+                      </dgm:constrLst>
+                    </dgm:if>
+                    <dgm:if name="Name81" func="var" arg="hierBranch" op="equ" val="r">
+                      <dgm:constrLst>
+                        <dgm:constr type="l" for="ch" forName="rootText"/>
+                        <dgm:constr type="t" for="ch" forName="rootText"/>
+                        <dgm:constr type="w" for="ch" forName="rootText" refType="w"/>
+                        <dgm:constr type="h" for="ch" forName="rootText" refType="h"/>
+                        <dgm:constr type="l" for="ch" forName="rootConnector"/>
+                        <dgm:constr type="t" for="ch" forName="rootConnector"/>
+                        <dgm:constr type="w" for="ch" forName="rootConnector" refType="w" refFor="ch" refForName="rootText" fact="0.2"/>
+                        <dgm:constr type="h" for="ch" forName="rootConnector" refType="h" refFor="ch" refForName="rootText"/>
+                      </dgm:constrLst>
+                    </dgm:if>
+                    <dgm:else name="Name82">
+                      <dgm:constrLst>
+                        <dgm:constr type="l" for="ch" forName="rootText"/>
+                        <dgm:constr type="t" for="ch" forName="rootText"/>
+                        <dgm:constr type="w" for="ch" forName="rootText" refType="w"/>
+                        <dgm:constr type="h" for="ch" forName="rootText" refType="h"/>
+                        <dgm:constr type="r" for="ch" forName="rootConnector" refType="w"/>
+                        <dgm:constr type="t" for="ch" forName="rootConnector"/>
+                        <dgm:constr type="w" for="ch" forName="rootConnector" refType="w" refFor="ch" refForName="rootText" fact="0.2"/>
+                        <dgm:constr type="h" for="ch" forName="rootConnector" refType="h" refFor="ch" refForName="rootText"/>
+                      </dgm:constrLst>
+                    </dgm:else>
+                  </dgm:choose>
+                  <dgm:ruleLst/>
+                  <dgm:layoutNode name="rootText">
+                    <dgm:varLst>
+                      <dgm:chPref val="3"/>
+                    </dgm:varLst>
+                    <dgm:alg type="tx"/>
+                    <dgm:shape xmlns:r="http://schemas.openxmlformats.org/officeDocument/2006/relationships" type="rect" r:blip="">
+                      <dgm:adjLst/>
+                    </dgm:shape>
+                    <dgm:presOf axis="self" ptType="node" cnt="1"/>
+                    <dgm:constrLst>
+                      <dgm:constr type="primFontSz" val="65"/>
+                      <dgm:constr type="lMarg" refType="primFontSz" fact="0.05"/>
+                      <dgm:constr type="rMarg" refType="primFontSz" fact="0.05"/>
+                      <dgm:constr type="tMarg" refType="primFontSz" fact="0.05"/>
+                      <dgm:constr type="bMarg" refType="primFontSz" fact="0.05"/>
+                    </dgm:constrLst>
+                    <dgm:ruleLst>
+                      <dgm:rule type="primFontSz" val="5" fact="NaN" max="NaN"/>
+                    </dgm:ruleLst>
+                  </dgm:layoutNode>
+                  <dgm:layoutNode name="rootConnector" moveWith="rootText">
+                    <dgm:alg type="sp"/>
+                    <dgm:shape xmlns:r="http://schemas.openxmlformats.org/officeDocument/2006/relationships" type="rect" r:blip="" hideGeom="1">
+                      <dgm:adjLst/>
+                    </dgm:shape>
+                    <dgm:presOf axis="self" ptType="node" cnt="1"/>
+                    <dgm:constrLst/>
+                    <dgm:ruleLst/>
+                  </dgm:layoutNode>
+                </dgm:layoutNode>
+                <dgm:layoutNode name="hierChild4">
+                  <dgm:choose name="Name83">
+                    <dgm:if name="Name84" func="var" arg="hierBranch" op="equ" val="l">
+                      <dgm:alg type="hierChild">
+                        <dgm:param type="chAlign" val="r"/>
+                        <dgm:param type="linDir" val="fromT"/>
+                      </dgm:alg>
+                    </dgm:if>
+                    <dgm:if name="Name85" func="var" arg="hierBranch" op="equ" val="r">
+                      <dgm:alg type="hierChild">
+                        <dgm:param type="chAlign" val="l"/>
+                        <dgm:param type="linDir" val="fromT"/>
+                      </dgm:alg>
+                    </dgm:if>
+                    <dgm:if name="Name86" func="var" arg="hierBranch" op="equ" val="hang">
+                      <dgm:choose name="Name87">
+                        <dgm:if name="Name88" func="var" arg="dir" op="equ" val="norm">
+                          <dgm:alg type="hierChild">
+                            <dgm:param type="chAlign" val="l"/>
+                            <dgm:param type="linDir" val="fromL"/>
+                            <dgm:param type="secChAlign" val="t"/>
+                            <dgm:param type="secLinDir" val="fromT"/>
+                          </dgm:alg>
+                        </dgm:if>
+                        <dgm:else name="Name89">
+                          <dgm:alg type="hierChild">
+                            <dgm:param type="chAlign" val="l"/>
+                            <dgm:param type="linDir" val="fromR"/>
+                            <dgm:param type="secChAlign" val="t"/>
+                            <dgm:param type="secLinDir" val="fromT"/>
+                          </dgm:alg>
+                        </dgm:else>
+                      </dgm:choose>
+                    </dgm:if>
+                    <dgm:if name="Name90" func="var" arg="hierBranch" op="equ" val="std">
+                      <dgm:choose name="Name91">
+                        <dgm:if name="Name92" func="var" arg="dir" op="equ" val="norm">
+                          <dgm:alg type="hierChild"/>
+                        </dgm:if>
+                        <dgm:else name="Name93">
+                          <dgm:alg type="hierChild">
+                            <dgm:param type="linDir" val="fromR"/>
+                          </dgm:alg>
+                        </dgm:else>
+                      </dgm:choose>
+                    </dgm:if>
+                    <dgm:if name="Name94" func="var" arg="hierBranch" op="equ" val="init">
+                      <dgm:choose name="Name95">
+                        <dgm:if name="Name96" axis="des" func="maxDepth" op="lte" val="1">
+                          <dgm:alg type="hierChild">
+                            <dgm:param type="chAlign" val="l"/>
+                            <dgm:param type="linDir" val="fromT"/>
+                          </dgm:alg>
+                        </dgm:if>
+                        <dgm:else name="Name97">
+                          <dgm:choose name="Name98">
+                            <dgm:if name="Name99" func="var" arg="dir" op="equ" val="norm">
+                              <dgm:alg type="hierChild"/>
+                            </dgm:if>
+                            <dgm:else name="Name100">
+                              <dgm:alg type="hierChild">
+                                <dgm:param type="linDir" val="fromR"/>
+                              </dgm:alg>
+                            </dgm:else>
+                          </dgm:choose>
+                        </dgm:else>
+                      </dgm:choose>
+                    </dgm:if>
+                    <dgm:else name="Name101"/>
+                  </dgm:choose>
+                  <dgm:shape xmlns:r="http://schemas.openxmlformats.org/officeDocument/2006/relationships" r:blip="">
+                    <dgm:adjLst/>
+                  </dgm:shape>
+                  <dgm:presOf/>
+                  <dgm:constrLst/>
+                  <dgm:ruleLst/>
+                  <dgm:forEach name="Name102" ref="rep2a"/>
+                </dgm:layoutNode>
+                <dgm:layoutNode name="hierChild5">
+                  <dgm:choose name="Name103">
+                    <dgm:if name="Name104" func="var" arg="dir" op="equ" val="norm">
+                      <dgm:alg type="hierChild">
+                        <dgm:param type="chAlign" val="l"/>
+                        <dgm:param type="linDir" val="fromL"/>
+                        <dgm:param type="secChAlign" val="t"/>
+                        <dgm:param type="secLinDir" val="fromT"/>
+                      </dgm:alg>
+                    </dgm:if>
+                    <dgm:else name="Name105">
+                      <dgm:alg type="hierChild">
+                        <dgm:param type="chAlign" val="l"/>
+                        <dgm:param type="linDir" val="fromR"/>
+                        <dgm:param type="secChAlign" val="t"/>
+                        <dgm:param type="secLinDir" val="fromT"/>
+                      </dgm:alg>
+                    </dgm:else>
+                  </dgm:choose>
+                  <dgm:shape xmlns:r="http://schemas.openxmlformats.org/officeDocument/2006/relationships" r:blip="">
+                    <dgm:adjLst/>
+                  </dgm:shape>
+                  <dgm:presOf/>
+                  <dgm:constrLst/>
+                  <dgm:ruleLst/>
+                  <dgm:forEach name="Name106" ref="rep2b"/>
+                </dgm:layoutNode>
+              </dgm:layoutNode>
+            </dgm:forEach>
+          </dgm:layoutNode>
+          <dgm:layoutNode name="hierChild3">
+            <dgm:choose name="Name107">
+              <dgm:if name="Name108" func="var" arg="dir" op="equ" val="norm">
+                <dgm:alg type="hierChild">
+                  <dgm:param type="chAlign" val="l"/>
+                  <dgm:param type="linDir" val="fromL"/>
+                  <dgm:param type="secChAlign" val="t"/>
+                  <dgm:param type="secLinDir" val="fromT"/>
+                </dgm:alg>
+              </dgm:if>
+              <dgm:else name="Name109">
+                <dgm:alg type="hierChild">
+                  <dgm:param type="chAlign" val="l"/>
+                  <dgm:param type="linDir" val="fromR"/>
+                  <dgm:param type="secChAlign" val="t"/>
+                  <dgm:param type="secLinDir" val="fromT"/>
+                </dgm:alg>
+              </dgm:else>
+            </dgm:choose>
+            <dgm:shape xmlns:r="http://schemas.openxmlformats.org/officeDocument/2006/relationships" r:blip="">
+              <dgm:adjLst/>
+            </dgm:shape>
+            <dgm:presOf/>
+            <dgm:constrLst/>
+            <dgm:ruleLst/>
+            <dgm:forEach name="rep2b" axis="ch" ptType="asst">
+              <dgm:forEach name="Name110" axis="precedSib" ptType="parTrans" st="-1" cnt="1">
+                <dgm:layoutNode name="Name111">
+                  <dgm:alg type="conn">
+                    <dgm:param type="connRout" val="bend"/>
+                    <dgm:param type="dim" val="1D"/>
+                    <dgm:param type="endSty" val="noArr"/>
+                    <dgm:param type="begPts" val="bCtr"/>
+                    <dgm:param type="endPts" val="midL midR"/>
+                  </dgm:alg>
+                  <dgm:shape xmlns:r="http://schemas.openxmlformats.org/officeDocument/2006/relationships" type="conn" r:blip="" zOrderOff="-99999">
+                    <dgm:adjLst/>
+                  </dgm:shape>
+                  <dgm:presOf axis="self"/>
+                  <dgm:constrLst>
+                    <dgm:constr type="begPad"/>
+                    <dgm:constr type="endPad"/>
+                  </dgm:constrLst>
+                  <dgm:ruleLst/>
+                </dgm:layoutNode>
+              </dgm:forEach>
+              <dgm:layoutNode name="hierRoot3">
+                <dgm:varLst>
+                  <dgm:hierBranch val="init"/>
+                </dgm:varLst>
+                <dgm:choose name="Name112">
+                  <dgm:if name="Name113" func="var" arg="hierBranch" op="equ" val="l">
+                    <dgm:alg type="hierRoot">
+                      <dgm:param type="hierAlign" val="tR"/>
+                    </dgm:alg>
+                    <dgm:shape xmlns:r="http://schemas.openxmlformats.org/officeDocument/2006/relationships" r:blip="">
+                      <dgm:adjLst/>
+                    </dgm:shape>
+                    <dgm:presOf/>
+                    <dgm:constrLst>
+                      <dgm:constr type="alignOff" val="0.65"/>
+                    </dgm:constrLst>
+                  </dgm:if>
+                  <dgm:if name="Name114" func="var" arg="hierBranch" op="equ" val="r">
+                    <dgm:alg type="hierRoot">
+                      <dgm:param type="hierAlign" val="tL"/>
+                    </dgm:alg>
+                    <dgm:shape xmlns:r="http://schemas.openxmlformats.org/officeDocument/2006/relationships" r:blip="">
+                      <dgm:adjLst/>
+                    </dgm:shape>
+                    <dgm:presOf/>
+                    <dgm:constrLst>
+                      <dgm:constr type="alignOff" val="0.65"/>
+                    </dgm:constrLst>
+                  </dgm:if>
+                  <dgm:if name="Name115" func="var" arg="hierBranch" op="equ" val="hang">
+                    <dgm:alg type="hierRoot"/>
+                    <dgm:shape xmlns:r="http://schemas.openxmlformats.org/officeDocument/2006/relationships" r:blip="">
+                      <dgm:adjLst/>
+                    </dgm:shape>
+                    <dgm:presOf/>
+                    <dgm:constrLst>
+                      <dgm:constr type="alignOff" val="0.65"/>
+                    </dgm:constrLst>
+                  </dgm:if>
+                  <dgm:if name="Name116" func="var" arg="hierBranch" op="equ" val="std">
+                    <dgm:alg type="hierRoot"/>
+                    <dgm:shape xmlns:r="http://schemas.openxmlformats.org/officeDocument/2006/relationships" r:blip="">
+                      <dgm:adjLst/>
+                    </dgm:shape>
+                    <dgm:presOf/>
+                    <dgm:constrLst>
+                      <dgm:constr type="alignOff"/>
+                      <dgm:constr type="bendDist" for="des" ptType="parTrans" refType="sp" fact="0.5"/>
+                    </dgm:constrLst>
+                  </dgm:if>
+                  <dgm:if name="Name117" func="var" arg="hierBranch" op="equ" val="init">
+                    <dgm:choose name="Name118">
+                      <dgm:if name="Name119" axis="des" func="maxDepth" op="lte" val="1">
+                        <dgm:alg type="hierRoot">
+                          <dgm:param type="hierAlign" val="tL"/>
+                        </dgm:alg>
+                        <dgm:shape xmlns:r="http://schemas.openxmlformats.org/officeDocument/2006/relationships" r:blip="">
+                          <dgm:adjLst/>
+                        </dgm:shape>
+                        <dgm:presOf/>
+                        <dgm:constrLst>
+                          <dgm:constr type="alignOff" val="0.65"/>
+                        </dgm:constrLst>
+                      </dgm:if>
+                      <dgm:else name="Name120">
+                        <dgm:alg type="hierRoot"/>
+                        <dgm:shape xmlns:r="http://schemas.openxmlformats.org/officeDocument/2006/relationships" r:blip="">
+                          <dgm:adjLst/>
+                        </dgm:shape>
+                        <dgm:presOf/>
+                        <dgm:constrLst>
+                          <dgm:constr type="alignOff"/>
+                          <dgm:constr type="bendDist" for="des" ptType="parTrans" refType="sp" fact="0.5"/>
+                        </dgm:constrLst>
+                      </dgm:else>
+                    </dgm:choose>
+                  </dgm:if>
+                  <dgm:else name="Name121"/>
+                </dgm:choose>
+                <dgm:ruleLst/>
+                <dgm:layoutNode name="rootComposite3">
+                  <dgm:alg type="composite"/>
+                  <dgm:shape xmlns:r="http://schemas.openxmlformats.org/officeDocument/2006/relationships" r:blip="">
+                    <dgm:adjLst/>
+                  </dgm:shape>
+                  <dgm:presOf axis="self" ptType="node" cnt="1"/>
+                  <dgm:choose name="Name122">
+                    <dgm:if name="Name123" func="var" arg="hierBranch" op="equ" val="init">
+                      <dgm:constrLst>
+                        <dgm:constr type="l" for="ch" forName="rootText3"/>
+                        <dgm:constr type="t" for="ch" forName="rootText3"/>
+                        <dgm:constr type="w" for="ch" forName="rootText3" refType="w"/>
+                        <dgm:constr type="h" for="ch" forName="rootText3" refType="h"/>
+                        <dgm:constr type="l" for="ch" forName="rootConnector3"/>
+                        <dgm:constr type="t" for="ch" forName="rootConnector3"/>
+                        <dgm:constr type="w" for="ch" forName="rootConnector3" refType="w" refFor="ch" refForName="rootText3" fact="0.2"/>
+                        <dgm:constr type="h" for="ch" forName="rootConnector3" refType="h" refFor="ch" refForName="rootText3"/>
+                      </dgm:constrLst>
+                    </dgm:if>
+                    <dgm:if name="Name124" func="var" arg="hierBranch" op="equ" val="l">
+                      <dgm:constrLst>
+                        <dgm:constr type="l" for="ch" forName="rootText3"/>
+                        <dgm:constr type="t" for="ch" forName="rootText3"/>
+                        <dgm:constr type="w" for="ch" forName="rootText3" refType="w"/>
+                        <dgm:constr type="h" for="ch" forName="rootText3" refType="h"/>
+                        <dgm:constr type="r" for="ch" forName="rootConnector3" refType="w"/>
+                        <dgm:constr type="t" for="ch" forName="rootConnector3"/>
+                        <dgm:constr type="w" for="ch" forName="rootConnector3" refType="w" refFor="ch" refForName="rootText3" fact="0.2"/>
+                        <dgm:constr type="h" for="ch" forName="rootConnector3" refType="h" refFor="ch" refForName="rootText3"/>
+                      </dgm:constrLst>
+                    </dgm:if>
+                    <dgm:if name="Name125" func="var" arg="hierBranch" op="equ" val="r">
+                      <dgm:constrLst>
+                        <dgm:constr type="l" for="ch" forName="rootText3"/>
+                        <dgm:constr type="t" for="ch" forName="rootText3"/>
+                        <dgm:constr type="w" for="ch" forName="rootText3" refType="w"/>
+                        <dgm:constr type="h" for="ch" forName="rootText3" refType="h"/>
+                        <dgm:constr type="l" for="ch" forName="rootConnector3"/>
+                        <dgm:constr type="t" for="ch" forName="rootConnector3"/>
+                        <dgm:constr type="w" for="ch" forName="rootConnector3" refType="w" refFor="ch" refForName="rootText3" fact="0.2"/>
+                        <dgm:constr type="h" for="ch" forName="rootConnector3" refType="h" refFor="ch" refForName="rootText3"/>
+                      </dgm:constrLst>
+                    </dgm:if>
+                    <dgm:else name="Name126">
+                      <dgm:constrLst>
+                        <dgm:constr type="l" for="ch" forName="rootText3"/>
+                        <dgm:constr type="t" for="ch" forName="rootText3"/>
+                        <dgm:constr type="w" for="ch" forName="rootText3" refType="w"/>
+                        <dgm:constr type="h" for="ch" forName="rootText3" refType="h"/>
+                        <dgm:constr type="r" for="ch" forName="rootConnector3" refType="w"/>
+                        <dgm:constr type="t" for="ch" forName="rootConnector3"/>
+                        <dgm:constr type="w" for="ch" forName="rootConnector3" refType="w" refFor="ch" refForName="rootText3" fact="0.2"/>
+                        <dgm:constr type="h" for="ch" forName="rootConnector3" refType="h" refFor="ch" refForName="rootText3"/>
+                      </dgm:constrLst>
+                    </dgm:else>
+                  </dgm:choose>
+                  <dgm:ruleLst/>
+                  <dgm:layoutNode name="rootText3">
+                    <dgm:varLst>
+                      <dgm:chPref val="3"/>
+                    </dgm:varLst>
+                    <dgm:alg type="tx"/>
+                    <dgm:shape xmlns:r="http://schemas.openxmlformats.org/officeDocument/2006/relationships" type="rect" r:blip="">
+                      <dgm:adjLst/>
+                    </dgm:shape>
+                    <dgm:presOf axis="self" ptType="node" cnt="1"/>
+                    <dgm:constrLst>
+                      <dgm:constr type="primFontSz" val="65"/>
+                      <dgm:constr type="lMarg" refType="primFontSz" fact="0.05"/>
+                      <dgm:constr type="rMarg" refType="primFontSz" fact="0.05"/>
+                      <dgm:constr type="tMarg" refType="primFontSz" fact="0.05"/>
+                      <dgm:constr type="bMarg" refType="primFontSz" fact="0.05"/>
+                    </dgm:constrLst>
+                    <dgm:ruleLst>
+                      <dgm:rule type="primFontSz" val="5" fact="NaN" max="NaN"/>
+                    </dgm:ruleLst>
+                  </dgm:layoutNode>
+                  <dgm:layoutNode name="rootConnector3" moveWith="rootText1">
+                    <dgm:alg type="sp"/>
+                    <dgm:shape xmlns:r="http://schemas.openxmlformats.org/officeDocument/2006/relationships" type="rect" r:blip="" hideGeom="1">
+                      <dgm:adjLst/>
+                    </dgm:shape>
+                    <dgm:presOf axis="self" ptType="node" cnt="1"/>
+                    <dgm:constrLst/>
+                    <dgm:ruleLst/>
+                  </dgm:layoutNode>
+                </dgm:layoutNode>
+                <dgm:layoutNode name="hierChild6">
+                  <dgm:choose name="Name127">
+                    <dgm:if name="Name128" func="var" arg="hierBranch" op="equ" val="l">
+                      <dgm:alg type="hierChild">
+                        <dgm:param type="chAlign" val="r"/>
+                        <dgm:param type="linDir" val="fromT"/>
+                      </dgm:alg>
+                    </dgm:if>
+                    <dgm:if name="Name129" func="var" arg="hierBranch" op="equ" val="r">
+                      <dgm:alg type="hierChild">
+                        <dgm:param type="chAlign" val="l"/>
+                        <dgm:param type="linDir" val="fromT"/>
+                      </dgm:alg>
+                    </dgm:if>
+                    <dgm:if name="Name130" func="var" arg="hierBranch" op="equ" val="hang">
+                      <dgm:choose name="Name131">
+                        <dgm:if name="Name132" func="var" arg="dir" op="equ" val="norm">
+                          <dgm:alg type="hierChild">
+                            <dgm:param type="chAlign" val="l"/>
+                            <dgm:param type="linDir" val="fromL"/>
+                            <dgm:param type="secChAlign" val="t"/>
+                            <dgm:param type="secLinDir" val="fromT"/>
+                          </dgm:alg>
+                        </dgm:if>
+                        <dgm:else name="Name133">
+                          <dgm:alg type="hierChild">
+                            <dgm:param type="chAlign" val="l"/>
+                            <dgm:param type="linDir" val="fromR"/>
+                            <dgm:param type="secChAlign" val="t"/>
+                            <dgm:param type="secLinDir" val="fromT"/>
+                          </dgm:alg>
+                        </dgm:else>
+                      </dgm:choose>
+                    </dgm:if>
+                    <dgm:if name="Name134" func="var" arg="hierBranch" op="equ" val="std">
+                      <dgm:choose name="Name135">
+                        <dgm:if name="Name136" func="var" arg="dir" op="equ" val="norm">
+                          <dgm:alg type="hierChild"/>
+                        </dgm:if>
+                        <dgm:else name="Name137">
+                          <dgm:alg type="hierChild">
+                            <dgm:param type="linDir" val="fromR"/>
+                          </dgm:alg>
+                        </dgm:else>
+                      </dgm:choose>
+                    </dgm:if>
+                    <dgm:if name="Name138" func="var" arg="hierBranch" op="equ" val="init">
+                      <dgm:choose name="Name139">
+                        <dgm:if name="Name140" axis="des" func="maxDepth" op="lte" val="1">
+                          <dgm:alg type="hierChild">
+                            <dgm:param type="chAlign" val="l"/>
+                            <dgm:param type="linDir" val="fromT"/>
+                          </dgm:alg>
+                        </dgm:if>
+                        <dgm:else name="Name141">
+                          <dgm:alg type="hierChild"/>
+                        </dgm:else>
+                      </dgm:choose>
+                    </dgm:if>
+                    <dgm:else name="Name142"/>
+                  </dgm:choose>
+                  <dgm:shape xmlns:r="http://schemas.openxmlformats.org/officeDocument/2006/relationships" r:blip="">
+                    <dgm:adjLst/>
+                  </dgm:shape>
+                  <dgm:presOf/>
+                  <dgm:constrLst/>
+                  <dgm:ruleLst/>
+                  <dgm:forEach name="Name143" ref="rep2a"/>
+                </dgm:layoutNode>
+                <dgm:layoutNode name="hierChild7">
+                  <dgm:choose name="Name144">
+                    <dgm:if name="Name145" func="var" arg="dir" op="equ" val="norm">
+                      <dgm:alg type="hierChild">
+                        <dgm:param type="chAlign" val="l"/>
+                        <dgm:param type="linDir" val="fromL"/>
+                        <dgm:param type="secChAlign" val="t"/>
+                        <dgm:param type="secLinDir" val="fromT"/>
+                      </dgm:alg>
+                    </dgm:if>
+                    <dgm:else name="Name146">
+                      <dgm:alg type="hierChild">
+                        <dgm:param type="chAlign" val="l"/>
+                        <dgm:param type="linDir" val="fromR"/>
+                        <dgm:param type="secChAlign" val="t"/>
+                        <dgm:param type="secLinDir" val="fromT"/>
+                      </dgm:alg>
+                    </dgm:else>
+                  </dgm:choose>
+                  <dgm:shape xmlns:r="http://schemas.openxmlformats.org/officeDocument/2006/relationships" r:blip="">
+                    <dgm:adjLst/>
+                  </dgm:shape>
+                  <dgm:presOf/>
+                  <dgm:constrLst/>
+                  <dgm:ruleLst/>
+                  <dgm:forEach name="Name147" ref="rep2b"/>
+                </dgm:layoutNode>
+              </dgm:layoutNode>
+            </dgm:forEach>
+          </dgm:layoutNode>
+        </dgm:layoutNode>
+      </dgm:forEach>
+    </dgm:forEach>
+  </dgm:layoutNode>
+</dgm:layoutDef>
+</file>
+
+<file path=ppt/diagrams/quickStyle1.xml><?xml version="1.0" encoding="utf-8"?>
+<dgm:styleDef xmlns:dgm="http://schemas.openxmlformats.org/drawingml/2006/diagram" xmlns:a="http://schemas.openxmlformats.org/drawingml/2006/main" uniqueId="urn:microsoft.com/office/officeart/2005/8/quickstyle/simple1">
+  <dgm:title val=""/>
+  <dgm:desc val=""/>
+  <dgm:catLst>
+    <dgm:cat type="simple" pri="10100"/>
+  </dgm:catLst>
+  <dgm:scene3d>
+    <a:camera prst="orthographicFront"/>
+    <a:lightRig rig="threePt" dir="t"/>
+  </dgm:scene3d>
+  <dgm:styleLbl name="node0">
+    <dgm:scene3d>
+      <a:camera prst="orthographicFront"/>
+      <a:lightRig rig="threePt" dir="t"/>
+    </dgm:scene3d>
+    <dgm:sp3d/>
+    <dgm:txPr/>
+    <dgm:style>
+      <a:lnRef idx="2">
+        <a:scrgbClr r="0" g="0" b="0"/>
+      </a:lnRef>
+      <a:fillRef idx="1">
+        <a:scrgbClr r="0" g="0" b="0"/>
+      </a:fillRef>
+      <a:effectRef idx="0">
+        <a:scrgbClr r="0" g="0" b="0"/>
+      </a:effectRef>
+      <a:fontRef idx="minor">
+        <a:schemeClr val="lt1"/>
+      </a:fontRef>
+    </dgm:style>
+  </dgm:styleLbl>
+  <dgm:styleLbl name="lnNode1">
+    <dgm:scene3d>
+      <a:camera prst="orthographicFront"/>
+      <a:lightRig rig="threePt" dir="t"/>
+    </dgm:scene3d>
+    <dgm:sp3d/>
+    <dgm:txPr/>
+    <dgm:style>
+      <a:lnRef idx="2">
+        <a:scrgbClr r="0" g="0" b="0"/>
+      </a:lnRef>
+      <a:fillRef idx="1">
+        <a:scrgbClr r="0" g="0" b="0"/>
+      </a:fillRef>
+      <a:effectRef idx="0">
+        <a:scrgbClr r="0" g="0" b="0"/>
+      </a:effectRef>
+      <a:fontRef idx="minor">
+        <a:schemeClr val="lt1"/>
+      </a:fontRef>
+    </dgm:style>
+  </dgm:styleLbl>
+  <dgm:styleLbl name="vennNode1">
+    <dgm:scene3d>
+      <a:camera prst="orthographicFront"/>
+      <a:lightRig rig="threePt" dir="t"/>
+    </dgm:scene3d>
+    <dgm:sp3d/>
+    <dgm:txPr/>
+    <dgm:style>
+      <a:lnRef idx="2">
+        <a:scrgbClr r="0" g="0" b="0"/>
+      </a:lnRef>
+      <a:fillRef idx="1">
+        <a:scrgbClr r="0" g="0" b="0"/>
+      </a:fillRef>
+      <a:effectRef idx="0">
+        <a:scrgbClr r="0" g="0" b="0"/>
+      </a:effectRef>
+      <a:fontRef idx="minor">
+        <a:schemeClr val="tx1"/>
+      </a:fontRef>
+    </dgm:style>
+  </dgm:styleLbl>
+  <dgm:styleLbl name="alignNode1">
+    <dgm:scene3d>
+      <a:camera prst="orthographicFront"/>
+      <a:lightRig rig="threePt" dir="t"/>
+    </dgm:scene3d>
+    <dgm:sp3d/>
+    <dgm:txPr/>
+    <dgm:style>
+      <a:lnRef idx="2">
+        <a:scrgbClr r="0" g="0" b="0"/>
+      </a:lnRef>
+      <a:fillRef idx="1">
+        <a:scrgbClr r="0" g="0" b="0"/>
+      </a:fillRef>
+      <a:effectRef idx="0">
+        <a:scrgbClr r="0" g="0" b="0"/>
+      </a:effectRef>
+      <a:fontRef idx="minor">
+        <a:schemeClr val="lt1"/>
+      </a:fontRef>
+    </dgm:style>
+  </dgm:styleLbl>
+  <dgm:styleLbl name="node1">
+    <dgm:scene3d>
+      <a:camera prst="orthographicFront"/>
+      <a:lightRig rig="threePt" dir="t"/>
+    </dgm:scene3d>
+    <dgm:sp3d/>
+    <dgm:txPr/>
+    <dgm:style>
+      <a:lnRef idx="2">
+        <a:scrgbClr r="0" g="0" b="0"/>
+      </a:lnRef>
+      <a:fillRef idx="1">
+        <a:scrgbClr r="0" g="0" b="0"/>
+      </a:fillRef>
+      <a:effectRef idx="0">
+        <a:scrgbClr r="0" g="0" b="0"/>
+      </a:effectRef>
+      <a:fontRef idx="minor">
+        <a:schemeClr val="lt1"/>
+      </a:fontRef>
+    </dgm:style>
+  </dgm:styleLbl>
+  <dgm:styleLbl name="node2">
+    <dgm:scene3d>
+      <a:camera prst="orthographicFront"/>
+      <a:lightRig rig="threePt" dir="t"/>
+    </dgm:scene3d>
+    <dgm:sp3d/>
+    <dgm:txPr/>
+    <dgm:style>
+      <a:lnRef idx="2">
+        <a:scrgbClr r="0" g="0" b="0"/>
+      </a:lnRef>
+      <a:fillRef idx="1">
+        <a:scrgbClr r="0" g="0" b="0"/>
+      </a:fillRef>
+      <a:effectRef idx="0">
+        <a:scrgbClr r="0" g="0" b="0"/>
+      </a:effectRef>
+      <a:fontRef idx="minor">
+        <a:schemeClr val="lt1"/>
+      </a:fontRef>
+    </dgm:style>
+  </dgm:styleLbl>
+  <dgm:styleLbl name="node3">
+    <dgm:scene3d>
+      <a:camera prst="orthographicFront"/>
+      <a:lightRig rig="threePt" dir="t"/>
+    </dgm:scene3d>
+    <dgm:sp3d/>
+    <dgm:txPr/>
+    <dgm:style>
+      <a:lnRef idx="2">
+        <a:scrgbClr r="0" g="0" b="0"/>
+      </a:lnRef>
+      <a:fillRef idx="1">
+        <a:scrgbClr r="0" g="0" b="0"/>
+      </a:fillRef>
+      <a:effectRef idx="0">
+        <a:scrgbClr r="0" g="0" b="0"/>
+      </a:effectRef>
+      <a:fontRef idx="minor">
+        <a:schemeClr val="lt1"/>
+      </a:fontRef>
+    </dgm:style>
+  </dgm:styleLbl>
+  <dgm:styleLbl name="node4">
+    <dgm:scene3d>
+      <a:camera prst="orthographicFront"/>
+      <a:lightRig rig="threePt" dir="t"/>
+    </dgm:scene3d>
+    <dgm:sp3d/>
+    <dgm:txPr/>
+    <dgm:style>
+      <a:lnRef idx="2">
+        <a:scrgbClr r="0" g="0" b="0"/>
+      </a:lnRef>
+      <a:fillRef idx="1">
+        <a:scrgbClr r="0" g="0" b="0"/>
+      </a:fillRef>
+      <a:effectRef idx="0">
+        <a:scrgbClr r="0" g="0" b="0"/>
+      </a:effectRef>
+      <a:fontRef idx="minor">
+        <a:schemeClr val="lt1"/>
+      </a:fontRef>
+    </dgm:style>
+  </dgm:styleLbl>
+  <dgm:styleLbl name="fgImgPlace1">
+    <dgm:scene3d>
+      <a:camera prst="orthographicFront"/>
+      <a:lightRig rig="threePt" dir="t"/>
+    </dgm:scene3d>
+    <dgm:sp3d/>
+    <dgm:txPr/>
+    <dgm:style>
+      <a:lnRef idx="2">
+        <a:scrgbClr r="0" g="0" b="0"/>
+      </a:lnRef>
+      <a:fillRef idx="1">
+        <a:scrgbClr r="0" g="0" b="0"/>
+      </a:fillRef>
+      <a:effectRef idx="0">
+        <a:scrgbClr r="0" g="0" b="0"/>
+      </a:effectRef>
+      <a:fontRef idx="minor"/>
+    </dgm:style>
+  </dgm:styleLbl>
+  <dgm:styleLbl name="alignImgPlace1">
+    <dgm:scene3d>
+      <a:camera prst="orthographicFront"/>
+      <a:lightRig rig="threePt" dir="t"/>
+    </dgm:scene3d>
+    <dgm:sp3d/>
+    <dgm:txPr/>
+    <dgm:style>
+      <a:lnRef idx="2">
+        <a:scrgbClr r="0" g="0" b="0"/>
+      </a:lnRef>
+      <a:fillRef idx="1">
+        <a:scrgbClr r="0" g="0" b="0"/>
+      </a:fillRef>
+      <a:effectRef idx="0">
+        <a:scrgbClr r="0" g="0" b="0"/>
+      </a:effectRef>
+      <a:fontRef idx="minor"/>
+    </dgm:style>
+  </dgm:styleLbl>
+  <dgm:styleLbl name="bgImgPlace1">
+    <dgm:scene3d>
+      <a:camera prst="orthographicFront"/>
+      <a:lightRig rig="threePt" dir="t"/>
+    </dgm:scene3d>
+    <dgm:sp3d/>
+    <dgm:txPr/>
+    <dgm:style>
+      <a:lnRef idx="2">
+        <a:scrgbClr r="0" g="0" b="0"/>
+      </a:lnRef>
+      <a:fillRef idx="1">
+        <a:scrgbClr r="0" g="0" b="0"/>
+      </a:fillRef>
+      <a:effectRef idx="0">
+        <a:scrgbClr r="0" g="0" b="0"/>
+      </a:effectRef>
+      <a:fontRef idx="minor"/>
+    </dgm:style>
+  </dgm:styleLbl>
+  <dgm:styleLbl name="sibTrans2D1">
+    <dgm:scene3d>
+      <a:camera prst="orthographicFront"/>
+      <a:lightRig rig="threePt" dir="t"/>
+    </dgm:scene3d>
+    <dgm:sp3d/>
+    <dgm:txPr/>
+    <dgm:style>
+      <a:lnRef idx="0">
+        <a:scrgbClr r="0" g="0" b="0"/>
+      </a:lnRef>
+      <a:fillRef idx="1">
+        <a:scrgbClr r="0" g="0" b="0"/>
+      </a:fillRef>
+      <a:effectRef idx="0">
+        <a:scrgbClr r="0" g="0" b="0"/>
+      </a:effectRef>
+      <a:fontRef idx="minor">
+        <a:schemeClr val="lt1"/>
+      </a:fontRef>
+    </dgm:style>
+  </dgm:styleLbl>
+  <dgm:styleLbl name="fgSibTrans2D1">
+    <dgm:scene3d>
+      <a:camera prst="orthographicFront"/>
+      <a:lightRig rig="threePt" dir="t"/>
+    </dgm:scene3d>
+    <dgm:sp3d/>
+    <dgm:txPr/>
+    <dgm:style>
+      <a:lnRef idx="0">
+        <a:scrgbClr r="0" g="0" b="0"/>
+      </a:lnRef>
+      <a:fillRef idx="1">
+        <a:scrgbClr r="0" g="0" b="0"/>
+      </a:fillRef>
+      <a:effectRef idx="0">
+        <a:scrgbClr r="0" g="0" b="0"/>
+      </a:effectRef>
+      <a:fontRef idx="minor">
+        <a:schemeClr val="lt1"/>
+      </a:fontRef>
+    </dgm:style>
+  </dgm:styleLbl>
+  <dgm:styleLbl name="bgSibTrans2D1">
+    <dgm:scene3d>
+      <a:camera prst="orthographicFront"/>
+      <a:lightRig rig="threePt" dir="t"/>
+    </dgm:scene3d>
+    <dgm:sp3d/>
+    <dgm:txPr/>
+    <dgm:style>
+      <a:lnRef idx="0">
+        <a:scrgbClr r="0" g="0" b="0"/>
+      </a:lnRef>
+      <a:fillRef idx="1">
+        <a:scrgbClr r="0" g="0" b="0"/>
+      </a:fillRef>
+      <a:effectRef idx="0">
+        <a:scrgbClr r="0" g="0" b="0"/>
+      </a:effectRef>
+      <a:fontRef idx="minor">
+        <a:schemeClr val="lt1"/>
+      </a:fontRef>
+    </dgm:style>
+  </dgm:styleLbl>
+  <dgm:styleLbl name="sibTrans1D1">
+    <dgm:scene3d>
+      <a:camera prst="orthographicFront"/>
+      <a:lightRig rig="threePt" dir="t"/>
+    </dgm:scene3d>
+    <dgm:sp3d/>
+    <dgm:txPr/>
+    <dgm:style>
+      <a:lnRef idx="1">
+        <a:scrgbClr r="0" g="0" b="0"/>
+      </a:lnRef>
+      <a:fillRef idx="0">
+        <a:scrgbClr r="0" g="0" b="0"/>
+      </a:fillRef>
+      <a:effectRef idx="0">
+        <a:scrgbClr r="0" g="0" b="0"/>
+      </a:effectRef>
+      <a:fontRef idx="minor"/>
+    </dgm:style>
+  </dgm:styleLbl>
+  <dgm:styleLbl name="callout">
+    <dgm:scene3d>
+      <a:camera prst="orthographicFront"/>
+      <a:lightRig rig="threePt" dir="t"/>
+    </dgm:scene3d>
+    <dgm:sp3d/>
+    <dgm:txPr/>
+    <dgm:style>
+      <a:lnRef idx="2">
+        <a:scrgbClr r="0" g="0" b="0"/>
+      </a:lnRef>
+      <a:fillRef idx="1">
+        <a:scrgbClr r="0" g="0" b="0"/>
+      </a:fillRef>
+      <a:effectRef idx="0">
+        <a:scrgbClr r="0" g="0" b="0"/>
+      </a:effectRef>
+      <a:fontRef idx="minor"/>
+    </dgm:style>
+  </dgm:styleLbl>
+  <dgm:styleLbl name="asst0">
+    <dgm:scene3d>
+      <a:camera prst="orthographicFront"/>
+      <a:lightRig rig="threePt" dir="t"/>
+    </dgm:scene3d>
+    <dgm:sp3d/>
+    <dgm:txPr/>
+    <dgm:style>
+      <a:lnRef idx="2">
+        <a:scrgbClr r="0" g="0" b="0"/>
+      </a:lnRef>
+      <a:fillRef idx="1">
+        <a:scrgbClr r="0" g="0" b="0"/>
+      </a:fillRef>
+      <a:effectRef idx="0">
+        <a:scrgbClr r="0" g="0" b="0"/>
+      </a:effectRef>
+      <a:fontRef idx="minor">
+        <a:schemeClr val="lt1"/>
+      </a:fontRef>
+    </dgm:style>
+  </dgm:styleLbl>
+  <dgm:styleLbl name="asst1">
+    <dgm:scene3d>
+      <a:camera prst="orthographicFront"/>
+      <a:lightRig rig="threePt" dir="t"/>
+    </dgm:scene3d>
+    <dgm:sp3d/>
+    <dgm:txPr/>
+    <dgm:style>
+      <a:lnRef idx="2">
+        <a:scrgbClr r="0" g="0" b="0"/>
+      </a:lnRef>
+      <a:fillRef idx="1">
+        <a:scrgbClr r="0" g="0" b="0"/>
+      </a:fillRef>
+      <a:effectRef idx="0">
+        <a:scrgbClr r="0" g="0" b="0"/>
+      </a:effectRef>
+      <a:fontRef idx="minor">
+        <a:schemeClr val="lt1"/>
+      </a:fontRef>
+    </dgm:style>
+  </dgm:styleLbl>
+  <dgm:styleLbl name="asst2">
+    <dgm:scene3d>
+      <a:camera prst="orthographicFront"/>
+      <a:lightRig rig="threePt" dir="t"/>
+    </dgm:scene3d>
+    <dgm:sp3d/>
+    <dgm:txPr/>
+    <dgm:style>
+      <a:lnRef idx="2">
+        <a:scrgbClr r="0" g="0" b="0"/>
+      </a:lnRef>
+      <a:fillRef idx="1">
+        <a:scrgbClr r="0" g="0" b="0"/>
+      </a:fillRef>
+      <a:effectRef idx="0">
+        <a:scrgbClr r="0" g="0" b="0"/>
+      </a:effectRef>
+      <a:fontRef idx="minor">
+        <a:schemeClr val="lt1"/>
+      </a:fontRef>
+    </dgm:style>
+  </dgm:styleLbl>
+  <dgm:styleLbl name="asst3">
+    <dgm:scene3d>
+      <a:camera prst="orthographicFront"/>
+      <a:lightRig rig="threePt" dir="t"/>
+    </dgm:scene3d>
+    <dgm:sp3d/>
+    <dgm:txPr/>
+    <dgm:style>
+      <a:lnRef idx="2">
+        <a:scrgbClr r="0" g="0" b="0"/>
+      </a:lnRef>
+      <a:fillRef idx="1">
+        <a:scrgbClr r="0" g="0" b="0"/>
+      </a:fillRef>
+      <a:effectRef idx="0">
+        <a:scrgbClr r="0" g="0" b="0"/>
+      </a:effectRef>
+      <a:fontRef idx="minor">
+        <a:schemeClr val="lt1"/>
+      </a:fontRef>
+    </dgm:style>
+  </dgm:styleLbl>
+  <dgm:styleLbl name="asst4">
+    <dgm:scene3d>
+      <a:camera prst="orthographicFront"/>
+      <a:lightRig rig="threePt" dir="t"/>
+    </dgm:scene3d>
+    <dgm:sp3d/>
+    <dgm:txPr/>
+    <dgm:style>
+      <a:lnRef idx="2">
+        <a:scrgbClr r="0" g="0" b="0"/>
+      </a:lnRef>
+      <a:fillRef idx="1">
+        <a:scrgbClr r="0" g="0" b="0"/>
+      </a:fillRef>
+      <a:effectRef idx="0">
+        <a:scrgbClr r="0" g="0" b="0"/>
+      </a:effectRef>
+      <a:fontRef idx="minor">
+        <a:schemeClr val="lt1"/>
+      </a:fontRef>
+    </dgm:style>
+  </dgm:styleLbl>
+  <dgm:styleLbl name="parChTrans2D1">
+    <dgm:scene3d>
+      <a:camera prst="orthographicFront"/>
+      <a:lightRig rig="threePt" dir="t"/>
+    </dgm:scene3d>
+    <dgm:sp3d/>
+    <dgm:txPr/>
+    <dgm:style>
+      <a:lnRef idx="2">
+        <a:scrgbClr r="0" g="0" b="0"/>
+      </a:lnRef>
+      <a:fillRef idx="1">
+        <a:scrgbClr r="0" g="0" b="0"/>
+      </a:fillRef>
+      <a:effectRef idx="0">
+        <a:scrgbClr r="0" g="0" b="0"/>
+      </a:effectRef>
+      <a:fontRef idx="minor">
+        <a:schemeClr val="lt1"/>
+      </a:fontRef>
+    </dgm:style>
+  </dgm:styleLbl>
+  <dgm:styleLbl name="parChTrans2D2">
+    <dgm:scene3d>
+      <a:camera prst="orthographicFront"/>
+      <a:lightRig rig="threePt" dir="t"/>
+    </dgm:scene3d>
+    <dgm:sp3d/>
+    <dgm:txPr/>
+    <dgm:style>
+      <a:lnRef idx="2">
+        <a:scrgbClr r="0" g="0" b="0"/>
+      </a:lnRef>
+      <a:fillRef idx="1">
+        <a:scrgbClr r="0" g="0" b="0"/>
+      </a:fillRef>
+      <a:effectRef idx="0">
+        <a:scrgbClr r="0" g="0" b="0"/>
+      </a:effectRef>
+      <a:fontRef idx="minor">
+        <a:schemeClr val="lt1"/>
+      </a:fontRef>
+    </dgm:style>
+  </dgm:styleLbl>
+  <dgm:styleLbl name="parChTrans2D3">
+    <dgm:scene3d>
+      <a:camera prst="orthographicFront"/>
+      <a:lightRig rig="threePt" dir="t"/>
+    </dgm:scene3d>
+    <dgm:sp3d/>
+    <dgm:txPr/>
+    <dgm:style>
+      <a:lnRef idx="2">
+        <a:scrgbClr r="0" g="0" b="0"/>
+      </a:lnRef>
+      <a:fillRef idx="1">
+        <a:scrgbClr r="0" g="0" b="0"/>
+      </a:fillRef>
+      <a:effectRef idx="0">
+        <a:scrgbClr r="0" g="0" b="0"/>
+      </a:effectRef>
+      <a:fontRef idx="minor">
+        <a:schemeClr val="lt1"/>
+      </a:fontRef>
+    </dgm:style>
+  </dgm:styleLbl>
+  <dgm:styleLbl name="parChTrans2D4">
+    <dgm:scene3d>
+      <a:camera prst="orthographicFront"/>
+      <a:lightRig rig="threePt" dir="t"/>
+    </dgm:scene3d>
+    <dgm:sp3d/>
+    <dgm:txPr/>
+    <dgm:style>
+      <a:lnRef idx="2">
+        <a:scrgbClr r="0" g="0" b="0"/>
+      </a:lnRef>
+      <a:fillRef idx="1">
+        <a:scrgbClr r="0" g="0" b="0"/>
+      </a:fillRef>
+      <a:effectRef idx="0">
+        <a:scrgbClr r="0" g="0" b="0"/>
+      </a:effectRef>
+      <a:fontRef idx="minor">
+        <a:schemeClr val="lt1"/>
+      </a:fontRef>
+    </dgm:style>
+  </dgm:styleLbl>
+  <dgm:styleLbl name="parChTrans1D1">
+    <dgm:scene3d>
+      <a:camera prst="orthographicFront"/>
+      <a:lightRig rig="threePt" dir="t"/>
+    </dgm:scene3d>
+    <dgm:sp3d/>
+    <dgm:txPr/>
+    <dgm:style>
+      <a:lnRef idx="2">
+        <a:scrgbClr r="0" g="0" b="0"/>
+      </a:lnRef>
+      <a:fillRef idx="0">
+        <a:scrgbClr r="0" g="0" b="0"/>
+      </a:fillRef>
+      <a:effectRef idx="0">
+        <a:scrgbClr r="0" g="0" b="0"/>
+      </a:effectRef>
+      <a:fontRef idx="minor"/>
+    </dgm:style>
+  </dgm:styleLbl>
+  <dgm:styleLbl name="parChTrans1D2">
+    <dgm:scene3d>
+      <a:camera prst="orthographicFront"/>
+      <a:lightRig rig="threePt" dir="t"/>
+    </dgm:scene3d>
+    <dgm:sp3d/>
+    <dgm:txPr/>
+    <dgm:style>
+      <a:lnRef idx="2">
+        <a:scrgbClr r="0" g="0" b="0"/>
+      </a:lnRef>
+      <a:fillRef idx="0">
+        <a:scrgbClr r="0" g="0" b="0"/>
+      </a:fillRef>
+      <a:effectRef idx="0">
+        <a:scrgbClr r="0" g="0" b="0"/>
+      </a:effectRef>
+      <a:fontRef idx="minor"/>
+    </dgm:style>
+  </dgm:styleLbl>
+  <dgm:styleLbl name="parChTrans1D3">
+    <dgm:scene3d>
+      <a:camera prst="orthographicFront"/>
+      <a:lightRig rig="threePt" dir="t"/>
+    </dgm:scene3d>
+    <dgm:sp3d/>
+    <dgm:txPr/>
+    <dgm:style>
+      <a:lnRef idx="2">
+        <a:scrgbClr r="0" g="0" b="0"/>
+      </a:lnRef>
+      <a:fillRef idx="0">
+        <a:scrgbClr r="0" g="0" b="0"/>
+      </a:fillRef>
+      <a:effectRef idx="0">
+        <a:scrgbClr r="0" g="0" b="0"/>
+      </a:effectRef>
+      <a:fontRef idx="minor"/>
+    </dgm:style>
+  </dgm:styleLbl>
+  <dgm:styleLbl name="parChTrans1D4">
+    <dgm:scene3d>
+      <a:camera prst="orthographicFront"/>
+      <a:lightRig rig="threePt" dir="t"/>
+    </dgm:scene3d>
+    <dgm:sp3d/>
+    <dgm:txPr/>
+    <dgm:style>
+      <a:lnRef idx="2">
+        <a:scrgbClr r="0" g="0" b="0"/>
+      </a:lnRef>
+      <a:fillRef idx="0">
+        <a:scrgbClr r="0" g="0" b="0"/>
+      </a:fillRef>
+      <a:effectRef idx="0">
+        <a:scrgbClr r="0" g="0" b="0"/>
+      </a:effectRef>
+      <a:fontRef idx="minor"/>
+    </dgm:style>
+  </dgm:styleLbl>
+  <dgm:styleLbl name="fgAcc1">
+    <dgm:scene3d>
+      <a:camera prst="orthographicFront"/>
+      <a:lightRig rig="threePt" dir="t"/>
+    </dgm:scene3d>
+    <dgm:sp3d/>
+    <dgm:txPr/>
+    <dgm:style>
+      <a:lnRef idx="2">
+        <a:scrgbClr r="0" g="0" b="0"/>
+      </a:lnRef>
+      <a:fillRef idx="1">
+        <a:scrgbClr r="0" g="0" b="0"/>
+      </a:fillRef>
+      <a:effectRef idx="0">
+        <a:scrgbClr r="0" g="0" b="0"/>
+      </a:effectRef>
+      <a:fontRef idx="minor"/>
+    </dgm:style>
+  </dgm:styleLbl>
+  <dgm:styleLbl name="conFgAcc1">
+    <dgm:scene3d>
+      <a:camera prst="orthographicFront"/>
+      <a:lightRig rig="threePt" dir="t"/>
+    </dgm:scene3d>
+    <dgm:sp3d/>
+    <dgm:txPr/>
+    <dgm:style>
+      <a:lnRef idx="2">
+        <a:scrgbClr r="0" g="0" b="0"/>
+      </a:lnRef>
+      <a:fillRef idx="1">
+        <a:scrgbClr r="0" g="0" b="0"/>
+      </a:fillRef>
+      <a:effectRef idx="0">
+        <a:scrgbClr r="0" g="0" b="0"/>
+      </a:effectRef>
+      <a:fontRef idx="minor"/>
+    </dgm:style>
+  </dgm:styleLbl>
+  <dgm:styleLbl name="alignAcc1">
+    <dgm:scene3d>
+      <a:camera prst="orthographicFront"/>
+      <a:lightRig rig="threePt" dir="t"/>
+    </dgm:scene3d>
+    <dgm:sp3d/>
+    <dgm:txPr/>
+    <dgm:style>
+      <a:lnRef idx="2">
+        <a:scrgbClr r="0" g="0" b="0"/>
+      </a:lnRef>
+      <a:fillRef idx="1">
+        <a:scrgbClr r="0" g="0" b="0"/>
+      </a:fillRef>
+      <a:effectRef idx="0">
+        <a:scrgbClr r="0" g="0" b="0"/>
+      </a:effectRef>
+      <a:fontRef idx="minor"/>
+    </dgm:style>
+  </dgm:styleLbl>
+  <dgm:styleLbl name="trAlignAcc1">
+    <dgm:scene3d>
+      <a:camera prst="orthographicFront"/>
+      <a:lightRig rig="threePt" dir="t"/>
+    </dgm:scene3d>
+    <dgm:sp3d/>
+    <dgm:txPr/>
+    <dgm:style>
+      <a:lnRef idx="1">
+        <a:scrgbClr r="0" g="0" b="0"/>
+      </a:lnRef>
+      <a:fillRef idx="1">
+        <a:scrgbClr r="0" g="0" b="0"/>
+      </a:fillRef>
+      <a:effectRef idx="0">
+        <a:scrgbClr r="0" g="0" b="0"/>
+      </a:effectRef>
+      <a:fontRef idx="minor"/>
+    </dgm:style>
+  </dgm:styleLbl>
+  <dgm:styleLbl name="bgAcc1">
+    <dgm:scene3d>
+      <a:camera prst="orthographicFront"/>
+      <a:lightRig rig="threePt" dir="t"/>
+    </dgm:scene3d>
+    <dgm:sp3d/>
+    <dgm:txPr/>
+    <dgm:style>
+      <a:lnRef idx="2">
+        <a:scrgbClr r="0" g="0" b="0"/>
+      </a:lnRef>
+      <a:fillRef idx="1">
+        <a:scrgbClr r="0" g="0" b="0"/>
+      </a:fillRef>
+      <a:effectRef idx="0">
+        <a:scrgbClr r="0" g="0" b="0"/>
+      </a:effectRef>
+      <a:fontRef idx="minor"/>
+    </dgm:style>
+  </dgm:styleLbl>
+  <dgm:styleLbl name="solidFgAcc1">
+    <dgm:scene3d>
+      <a:camera prst="orthographicFront"/>
+      <a:lightRig rig="threePt" dir="t"/>
+    </dgm:scene3d>
+    <dgm:sp3d/>
+    <dgm:txPr/>
+    <dgm:style>
+      <a:lnRef idx="2">
+        <a:scrgbClr r="0" g="0" b="0"/>
+      </a:lnRef>
+      <a:fillRef idx="1">
+        <a:scrgbClr r="0" g="0" b="0"/>
+      </a:fillRef>
+      <a:effectRef idx="0">
+        <a:scrgbClr r="0" g="0" b="0"/>
+      </a:effectRef>
+      <a:fontRef idx="minor"/>
+    </dgm:style>
+  </dgm:styleLbl>
+  <dgm:styleLbl name="solidAlignAcc1">
+    <dgm:scene3d>
+      <a:camera prst="orthographicFront"/>
+      <a:lightRig rig="threePt" dir="t"/>
+    </dgm:scene3d>
+    <dgm:sp3d/>
+    <dgm:txPr/>
+    <dgm:style>
+      <a:lnRef idx="2">
+        <a:scrgbClr r="0" g="0" b="0"/>
+      </a:lnRef>
+      <a:fillRef idx="1">
+        <a:scrgbClr r="0" g="0" b="0"/>
+      </a:fillRef>
+      <a:effectRef idx="0">
+        <a:scrgbClr r="0" g="0" b="0"/>
+      </a:effectRef>
+      <a:fontRef idx="minor"/>
+    </dgm:style>
+  </dgm:styleLbl>
+  <dgm:styleLbl name="solidBgAcc1">
+    <dgm:scene3d>
+      <a:camera prst="orthographicFront"/>
+      <a:lightRig rig="threePt" dir="t"/>
+    </dgm:scene3d>
+    <dgm:sp3d/>
+    <dgm:txPr/>
+    <dgm:style>
+      <a:lnRef idx="2">
+        <a:scrgbClr r="0" g="0" b="0"/>
+      </a:lnRef>
+      <a:fillRef idx="1">
+        <a:scrgbClr r="0" g="0" b="0"/>
+      </a:fillRef>
+      <a:effectRef idx="0">
+        <a:scrgbClr r="0" g="0" b="0"/>
+      </a:effectRef>
+      <a:fontRef idx="minor"/>
+    </dgm:style>
+  </dgm:styleLbl>
+  <dgm:styleLbl name="fgAccFollowNode1">
+    <dgm:scene3d>
+      <a:camera prst="orthographicFront"/>
+      <a:lightRig rig="threePt" dir="t"/>
+    </dgm:scene3d>
+    <dgm:sp3d/>
+    <dgm:txPr/>
+    <dgm:style>
+      <a:lnRef idx="2">
+        <a:scrgbClr r="0" g="0" b="0"/>
+      </a:lnRef>
+      <a:fillRef idx="1">
+        <a:scrgbClr r="0" g="0" b="0"/>
+      </a:fillRef>
+      <a:effectRef idx="0">
+        <a:scrgbClr r="0" g="0" b="0"/>
+      </a:effectRef>
+      <a:fontRef idx="minor"/>
+    </dgm:style>
+  </dgm:styleLbl>
+  <dgm:styleLbl name="alignAccFollowNode1">
+    <dgm:scene3d>
+      <a:camera prst="orthographicFront"/>
+      <a:lightRig rig="threePt" dir="t"/>
+    </dgm:scene3d>
+    <dgm:sp3d/>
+    <dgm:txPr/>
+    <dgm:style>
+      <a:lnRef idx="2">
+        <a:scrgbClr r="0" g="0" b="0"/>
+      </a:lnRef>
+      <a:fillRef idx="1">
+        <a:scrgbClr r="0" g="0" b="0"/>
+      </a:fillRef>
+      <a:effectRef idx="0">
+        <a:scrgbClr r="0" g="0" b="0"/>
+      </a:effectRef>
+      <a:fontRef idx="minor"/>
+    </dgm:style>
+  </dgm:styleLbl>
+  <dgm:styleLbl name="bgAccFollowNode1">
+    <dgm:scene3d>
+      <a:camera prst="orthographicFront"/>
+      <a:lightRig rig="threePt" dir="t"/>
+    </dgm:scene3d>
+    <dgm:sp3d/>
+    <dgm:txPr/>
+    <dgm:style>
+      <a:lnRef idx="2">
+        <a:scrgbClr r="0" g="0" b="0"/>
+      </a:lnRef>
+      <a:fillRef idx="1">
+        <a:scrgbClr r="0" g="0" b="0"/>
+      </a:fillRef>
+      <a:effectRef idx="0">
+        <a:scrgbClr r="0" g="0" b="0"/>
+      </a:effectRef>
+      <a:fontRef idx="minor"/>
+    </dgm:style>
+  </dgm:styleLbl>
+  <dgm:styleLbl name="fgAcc0">
+    <dgm:scene3d>
+      <a:camera prst="orthographicFront"/>
+      <a:lightRig rig="threePt" dir="t"/>
+    </dgm:scene3d>
+    <dgm:sp3d/>
+    <dgm:txPr/>
+    <dgm:style>
+      <a:lnRef idx="2">
+        <a:scrgbClr r="0" g="0" b="0"/>
+      </a:lnRef>
+      <a:fillRef idx="1">
+        <a:scrgbClr r="0" g="0" b="0"/>
+      </a:fillRef>
+      <a:effectRef idx="0">
+        <a:scrgbClr r="0" g="0" b="0"/>
+      </a:effectRef>
+      <a:fontRef idx="minor"/>
+    </dgm:style>
+  </dgm:styleLbl>
+  <dgm:styleLbl name="fgAcc2">
+    <dgm:scene3d>
+      <a:camera prst="orthographicFront"/>
+      <a:lightRig rig="threePt" dir="t"/>
+    </dgm:scene3d>
+    <dgm:sp3d/>
+    <dgm:txPr/>
+    <dgm:style>
+      <a:lnRef idx="2">
+        <a:scrgbClr r="0" g="0" b="0"/>
+      </a:lnRef>
+      <a:fillRef idx="1">
+        <a:scrgbClr r="0" g="0" b="0"/>
+      </a:fillRef>
+      <a:effectRef idx="0">
+        <a:scrgbClr r="0" g="0" b="0"/>
+      </a:effectRef>
+      <a:fontRef idx="minor"/>
+    </dgm:style>
+  </dgm:styleLbl>
+  <dgm:styleLbl name="fgAcc3">
+    <dgm:scene3d>
+      <a:camera prst="orthographicFront"/>
+      <a:lightRig rig="threePt" dir="t"/>
+    </dgm:scene3d>
+    <dgm:sp3d/>
+    <dgm:txPr/>
+    <dgm:style>
+      <a:lnRef idx="2">
+        <a:scrgbClr r="0" g="0" b="0"/>
+      </a:lnRef>
+      <a:fillRef idx="1">
+        <a:scrgbClr r="0" g="0" b="0"/>
+      </a:fillRef>
+      <a:effectRef idx="0">
+        <a:scrgbClr r="0" g="0" b="0"/>
+      </a:effectRef>
+      <a:fontRef idx="minor"/>
+    </dgm:style>
+  </dgm:styleLbl>
+  <dgm:styleLbl name="fgAcc4">
+    <dgm:scene3d>
+      <a:camera prst="orthographicFront"/>
+      <a:lightRig rig="threePt" dir="t"/>
+    </dgm:scene3d>
+    <dgm:sp3d/>
+    <dgm:txPr/>
+    <dgm:style>
+      <a:lnRef idx="2">
+        <a:scrgbClr r="0" g="0" b="0"/>
+      </a:lnRef>
+      <a:fillRef idx="1">
+        <a:scrgbClr r="0" g="0" b="0"/>
+      </a:fillRef>
+      <a:effectRef idx="0">
+        <a:scrgbClr r="0" g="0" b="0"/>
+      </a:effectRef>
+      <a:fontRef idx="minor"/>
+    </dgm:style>
+  </dgm:styleLbl>
+  <dgm:styleLbl name="bgShp">
+    <dgm:scene3d>
+      <a:camera prst="orthographicFront"/>
+      <a:lightRig rig="threePt" dir="t"/>
+    </dgm:scene3d>
+    <dgm:sp3d/>
+    <dgm:txPr/>
+    <dgm:style>
+      <a:lnRef idx="0">
+        <a:scrgbClr r="0" g="0" b="0"/>
+      </a:lnRef>
+      <a:fillRef idx="1">
+        <a:scrgbClr r="0" g="0" b="0"/>
+      </a:fillRef>
+      <a:effectRef idx="0">
+        <a:scrgbClr r="0" g="0" b="0"/>
+      </a:effectRef>
+      <a:fontRef idx="minor"/>
+    </dgm:style>
+  </dgm:styleLbl>
+  <dgm:styleLbl name="dkBgShp">
+    <dgm:scene3d>
+      <a:camera prst="orthographicFront"/>
+      <a:lightRig rig="threePt" dir="t"/>
+    </dgm:scene3d>
+    <dgm:sp3d/>
+    <dgm:txPr/>
+    <dgm:style>
+      <a:lnRef idx="0">
+        <a:scrgbClr r="0" g="0" b="0"/>
+      </a:lnRef>
+      <a:fillRef idx="1">
+        <a:scrgbClr r="0" g="0" b="0"/>
+      </a:fillRef>
+      <a:effectRef idx="0">
+        <a:scrgbClr r="0" g="0" b="0"/>
+      </a:effectRef>
+      <a:fontRef idx="minor"/>
+    </dgm:style>
+  </dgm:styleLbl>
+  <dgm:styleLbl name="trBgShp">
+    <dgm:scene3d>
+      <a:camera prst="orthographicFront"/>
+      <a:lightRig rig="threePt" dir="t"/>
+    </dgm:scene3d>
+    <dgm:sp3d/>
+    <dgm:txPr/>
+    <dgm:style>
+      <a:lnRef idx="0">
+        <a:scrgbClr r="0" g="0" b="0"/>
+      </a:lnRef>
+      <a:fillRef idx="1">
+        <a:scrgbClr r="0" g="0" b="0"/>
+      </a:fillRef>
+      <a:effectRef idx="0">
+        <a:scrgbClr r="0" g="0" b="0"/>
+      </a:effectRef>
+      <a:fontRef idx="minor"/>
+    </dgm:style>
+  </dgm:styleLbl>
+  <dgm:styleLbl name="fgShp">
+    <dgm:scene3d>
+      <a:camera prst="orthographicFront"/>
+      <a:lightRig rig="threePt" dir="t"/>
+    </dgm:scene3d>
+    <dgm:sp3d/>
+    <dgm:txPr/>
+    <dgm:style>
+      <a:lnRef idx="2">
+        <a:scrgbClr r="0" g="0" b="0"/>
+      </a:lnRef>
+      <a:fillRef idx="1">
+        <a:scrgbClr r="0" g="0" b="0"/>
+      </a:fillRef>
+      <a:effectRef idx="0">
+        <a:scrgbClr r="0" g="0" b="0"/>
+      </a:effectRef>
+      <a:fontRef idx="minor"/>
+    </dgm:style>
+  </dgm:styleLbl>
+  <dgm:styleLbl name="revTx">
+    <dgm:scene3d>
+      <a:camera prst="orthographicFront"/>
+      <a:lightRig rig="threePt" dir="t"/>
+    </dgm:scene3d>
+    <dgm:sp3d/>
+    <dgm:txPr/>
+    <dgm:style>
+      <a:lnRef idx="0">
+        <a:scrgbClr r="0" g="0" b="0"/>
+      </a:lnRef>
+      <a:fillRef idx="0">
+        <a:scrgbClr r="0" g="0" b="0"/>
+      </a:fillRef>
+      <a:effectRef idx="0">
+        <a:scrgbClr r="0" g="0" b="0"/>
+      </a:effectRef>
+      <a:fontRef idx="minor"/>
+    </dgm:style>
+  </dgm:styleLbl>
+</dgm:styleDef>
 </file>
 
 <file path=ppt/slideLayouts/slideLayout1.xml><?xml version="1.0" encoding="utf-8"?>
@@ -256,7 +6651,7 @@
           <a:p>
             <a:fld id="{F0848124-C527-44AF-84C3-713872965C5D}" type="datetimeFigureOut">
               <a:rPr lang="zh-TW" altLang="en-US" smtClean="0"/>
-              <a:t>2024/12/4</a:t>
+              <a:t>2024/12/5</a:t>
             </a:fld>
             <a:endParaRPr lang="zh-TW" altLang="en-US"/>
           </a:p>
@@ -454,7 +6849,7 @@
           <a:p>
             <a:fld id="{F0848124-C527-44AF-84C3-713872965C5D}" type="datetimeFigureOut">
               <a:rPr lang="zh-TW" altLang="en-US" smtClean="0"/>
-              <a:t>2024/12/4</a:t>
+              <a:t>2024/12/5</a:t>
             </a:fld>
             <a:endParaRPr lang="zh-TW" altLang="en-US"/>
           </a:p>
@@ -662,7 +7057,7 @@
           <a:p>
             <a:fld id="{F0848124-C527-44AF-84C3-713872965C5D}" type="datetimeFigureOut">
               <a:rPr lang="zh-TW" altLang="en-US" smtClean="0"/>
-              <a:t>2024/12/4</a:t>
+              <a:t>2024/12/5</a:t>
             </a:fld>
             <a:endParaRPr lang="zh-TW" altLang="en-US"/>
           </a:p>
@@ -860,7 +7255,7 @@
           <a:p>
             <a:fld id="{F0848124-C527-44AF-84C3-713872965C5D}" type="datetimeFigureOut">
               <a:rPr lang="zh-TW" altLang="en-US" smtClean="0"/>
-              <a:t>2024/12/4</a:t>
+              <a:t>2024/12/5</a:t>
             </a:fld>
             <a:endParaRPr lang="zh-TW" altLang="en-US"/>
           </a:p>
@@ -1135,7 +7530,7 @@
           <a:p>
             <a:fld id="{F0848124-C527-44AF-84C3-713872965C5D}" type="datetimeFigureOut">
               <a:rPr lang="zh-TW" altLang="en-US" smtClean="0"/>
-              <a:t>2024/12/4</a:t>
+              <a:t>2024/12/5</a:t>
             </a:fld>
             <a:endParaRPr lang="zh-TW" altLang="en-US"/>
           </a:p>
@@ -1400,7 +7795,7 @@
           <a:p>
             <a:fld id="{F0848124-C527-44AF-84C3-713872965C5D}" type="datetimeFigureOut">
               <a:rPr lang="zh-TW" altLang="en-US" smtClean="0"/>
-              <a:t>2024/12/4</a:t>
+              <a:t>2024/12/5</a:t>
             </a:fld>
             <a:endParaRPr lang="zh-TW" altLang="en-US"/>
           </a:p>
@@ -1812,7 +8207,7 @@
           <a:p>
             <a:fld id="{F0848124-C527-44AF-84C3-713872965C5D}" type="datetimeFigureOut">
               <a:rPr lang="zh-TW" altLang="en-US" smtClean="0"/>
-              <a:t>2024/12/4</a:t>
+              <a:t>2024/12/5</a:t>
             </a:fld>
             <a:endParaRPr lang="zh-TW" altLang="en-US"/>
           </a:p>
@@ -1953,7 +8348,7 @@
           <a:p>
             <a:fld id="{F0848124-C527-44AF-84C3-713872965C5D}" type="datetimeFigureOut">
               <a:rPr lang="zh-TW" altLang="en-US" smtClean="0"/>
-              <a:t>2024/12/4</a:t>
+              <a:t>2024/12/5</a:t>
             </a:fld>
             <a:endParaRPr lang="zh-TW" altLang="en-US"/>
           </a:p>
@@ -2066,7 +8461,7 @@
           <a:p>
             <a:fld id="{F0848124-C527-44AF-84C3-713872965C5D}" type="datetimeFigureOut">
               <a:rPr lang="zh-TW" altLang="en-US" smtClean="0"/>
-              <a:t>2024/12/4</a:t>
+              <a:t>2024/12/5</a:t>
             </a:fld>
             <a:endParaRPr lang="zh-TW" altLang="en-US"/>
           </a:p>
@@ -2377,7 +8772,7 @@
           <a:p>
             <a:fld id="{F0848124-C527-44AF-84C3-713872965C5D}" type="datetimeFigureOut">
               <a:rPr lang="zh-TW" altLang="en-US" smtClean="0"/>
-              <a:t>2024/12/4</a:t>
+              <a:t>2024/12/5</a:t>
             </a:fld>
             <a:endParaRPr lang="zh-TW" altLang="en-US"/>
           </a:p>
@@ -2665,7 +9060,7 @@
           <a:p>
             <a:fld id="{F0848124-C527-44AF-84C3-713872965C5D}" type="datetimeFigureOut">
               <a:rPr lang="zh-TW" altLang="en-US" smtClean="0"/>
-              <a:t>2024/12/4</a:t>
+              <a:t>2024/12/5</a:t>
             </a:fld>
             <a:endParaRPr lang="zh-TW" altLang="en-US"/>
           </a:p>
@@ -2906,7 +9301,7 @@
           <a:p>
             <a:fld id="{F0848124-C527-44AF-84C3-713872965C5D}" type="datetimeFigureOut">
               <a:rPr lang="zh-TW" altLang="en-US" smtClean="0"/>
-              <a:t>2024/12/4</a:t>
+              <a:t>2024/12/5</a:t>
             </a:fld>
             <a:endParaRPr lang="zh-TW" altLang="en-US"/>
           </a:p>
@@ -3339,13 +9734,20 @@
             <p:ph type="ctrTitle"/>
           </p:nvPr>
         </p:nvSpPr>
-        <p:spPr/>
+        <p:spPr>
+          <a:xfrm>
+            <a:off x="4287914" y="3429000"/>
+            <a:ext cx="3616171" cy="905348"/>
+          </a:xfrm>
+        </p:spPr>
         <p:txBody>
-          <a:bodyPr/>
+          <a:bodyPr>
+            <a:normAutofit/>
+          </a:bodyPr>
           <a:lstStyle/>
           <a:p>
             <a:r>
-              <a:rPr lang="zh-TW" altLang="en-US" dirty="0">
+              <a:rPr lang="zh-TW" altLang="en-US" sz="4800" dirty="0">
                 <a:latin typeface="標楷體" panose="03000509000000000000" pitchFamily="65" charset="-120"/>
                 <a:ea typeface="標楷體" panose="03000509000000000000" pitchFamily="65" charset="-120"/>
               </a:rPr>
@@ -3406,6 +9808,63 @@
             <a:r>
               <a:rPr lang="zh-TW" altLang="en-US" dirty="0"/>
               <a:t> 胡家豪</a:t>
+            </a:r>
+          </a:p>
+        </p:txBody>
+      </p:sp>
+      <p:sp>
+        <p:nvSpPr>
+          <p:cNvPr id="4" name="標題 1">
+            <a:extLst>
+              <a:ext uri="{FF2B5EF4-FFF2-40B4-BE49-F238E27FC236}">
+                <a16:creationId xmlns:a16="http://schemas.microsoft.com/office/drawing/2014/main" id="{B444DD35-68E2-4630-BB22-49139B024963}"/>
+              </a:ext>
+            </a:extLst>
+          </p:cNvPr>
+          <p:cNvSpPr txBox="1">
+            <a:spLocks/>
+          </p:cNvSpPr>
+          <p:nvPr/>
+        </p:nvSpPr>
+        <p:spPr>
+          <a:xfrm>
+            <a:off x="3534791" y="1566169"/>
+            <a:ext cx="5122416" cy="905348"/>
+          </a:xfrm>
+          <a:prstGeom prst="rect">
+            <a:avLst/>
+          </a:prstGeom>
+        </p:spPr>
+        <p:txBody>
+          <a:bodyPr vert="horz" lIns="91440" tIns="45720" rIns="91440" bIns="45720" rtlCol="0" anchor="b">
+            <a:normAutofit fontScale="90000"/>
+          </a:bodyPr>
+          <a:lstStyle>
+            <a:lvl1pPr algn="ctr" defTabSz="914400" rtl="0" eaLnBrk="1" latinLnBrk="0" hangingPunct="1">
+              <a:lnSpc>
+                <a:spcPct val="90000"/>
+              </a:lnSpc>
+              <a:spcBef>
+                <a:spcPct val="0"/>
+              </a:spcBef>
+              <a:buNone/>
+              <a:defRPr sz="6000" kern="1200">
+                <a:solidFill>
+                  <a:schemeClr val="tx1"/>
+                </a:solidFill>
+                <a:latin typeface="+mj-lt"/>
+                <a:ea typeface="+mj-ea"/>
+                <a:cs typeface="+mj-cs"/>
+              </a:defRPr>
+            </a:lvl1pPr>
+          </a:lstStyle>
+          <a:p>
+            <a:r>
+              <a:rPr lang="zh-TW" altLang="en-US" dirty="0">
+                <a:latin typeface="標楷體" panose="03000509000000000000" pitchFamily="65" charset="-120"/>
+                <a:ea typeface="標楷體" panose="03000509000000000000" pitchFamily="65" charset="-120"/>
+              </a:rPr>
+              <a:t>嵌入式影像處理</a:t>
             </a:r>
           </a:p>
         </p:txBody>
@@ -3579,7 +10038,7 @@
                 <a:latin typeface="標楷體" panose="03000509000000000000" pitchFamily="65" charset="-120"/>
                 <a:ea typeface="標楷體" panose="03000509000000000000" pitchFamily="65" charset="-120"/>
               </a:rPr>
-              <a:t>640</a:t>
+              <a:t>480</a:t>
             </a:r>
             <a:r>
               <a:rPr lang="zh-TW" altLang="en-US" dirty="0">
@@ -3990,6 +10449,13 @@
           </a:p>
           <a:p>
             <a:pPr lvl="1"/>
+            <a:r>
+              <a:rPr lang="zh-TW" altLang="en-US" dirty="0">
+                <a:latin typeface="標楷體" panose="03000509000000000000" pitchFamily="65" charset="-120"/>
+                <a:ea typeface="標楷體" panose="03000509000000000000" pitchFamily="65" charset="-120"/>
+              </a:rPr>
+              <a:t>中華民國車牌</a:t>
+            </a:r>
             <a:endParaRPr lang="en-US" altLang="zh-TW" dirty="0">
               <a:latin typeface="標楷體" panose="03000509000000000000" pitchFamily="65" charset="-120"/>
               <a:ea typeface="標楷體" panose="03000509000000000000" pitchFamily="65" charset="-120"/>
@@ -4062,7 +10528,12 @@
             <p:ph type="title"/>
           </p:nvPr>
         </p:nvSpPr>
-        <p:spPr/>
+        <p:spPr>
+          <a:xfrm>
+            <a:off x="4825322" y="18897"/>
+            <a:ext cx="2854911" cy="1325563"/>
+          </a:xfrm>
+        </p:spPr>
         <p:txBody>
           <a:bodyPr/>
           <a:lstStyle/>
@@ -4081,1576 +10552,34 @@
           </a:p>
         </p:txBody>
       </p:sp>
-      <p:sp>
-        <p:nvSpPr>
-          <p:cNvPr id="5" name="矩形: 圓角 4">
+      <p:graphicFrame>
+        <p:nvGraphicFramePr>
+          <p:cNvPr id="40" name="資料庫圖表 39">
             <a:extLst>
               <a:ext uri="{FF2B5EF4-FFF2-40B4-BE49-F238E27FC236}">
-                <a16:creationId xmlns:a16="http://schemas.microsoft.com/office/drawing/2014/main" id="{4B11F3C4-7205-4275-B90C-A1F45FE61C6F}"/>
+                <a16:creationId xmlns:a16="http://schemas.microsoft.com/office/drawing/2014/main" id="{621587D3-C8D4-4A36-AB7F-C5058D3F94DA}"/>
               </a:ext>
             </a:extLst>
           </p:cNvPr>
-          <p:cNvSpPr/>
-          <p:nvPr/>
-        </p:nvSpPr>
-        <p:spPr>
-          <a:xfrm>
-            <a:off x="685083" y="3180944"/>
-            <a:ext cx="1714049" cy="496111"/>
-          </a:xfrm>
-          <a:prstGeom prst="roundRect">
-            <a:avLst/>
-          </a:prstGeom>
-          <a:ln>
-            <a:solidFill>
-              <a:schemeClr val="tx1">
-                <a:lumMod val="95000"/>
-                <a:lumOff val="5000"/>
-              </a:schemeClr>
-            </a:solidFill>
-          </a:ln>
-        </p:spPr>
-        <p:style>
-          <a:lnRef idx="2">
-            <a:schemeClr val="accent6"/>
-          </a:lnRef>
-          <a:fillRef idx="1">
-            <a:schemeClr val="lt1"/>
-          </a:fillRef>
-          <a:effectRef idx="0">
-            <a:schemeClr val="accent6"/>
-          </a:effectRef>
-          <a:fontRef idx="minor">
-            <a:schemeClr val="dk1"/>
-          </a:fontRef>
-        </p:style>
-        <p:txBody>
-          <a:bodyPr rtlCol="0" anchor="ctr"/>
-          <a:lstStyle>
-            <a:defPPr>
-              <a:defRPr lang="zh-TW"/>
-            </a:defPPr>
-            <a:lvl1pPr marL="0" algn="l" defTabSz="914400" rtl="0" eaLnBrk="1" latinLnBrk="0" hangingPunct="1">
-              <a:defRPr sz="1800" kern="1200">
-                <a:solidFill>
-                  <a:schemeClr val="dk1"/>
-                </a:solidFill>
-                <a:latin typeface="+mn-lt"/>
-                <a:ea typeface="+mn-ea"/>
-                <a:cs typeface="+mn-cs"/>
-              </a:defRPr>
-            </a:lvl1pPr>
-            <a:lvl2pPr marL="457200" algn="l" defTabSz="914400" rtl="0" eaLnBrk="1" latinLnBrk="0" hangingPunct="1">
-              <a:defRPr sz="1800" kern="1200">
-                <a:solidFill>
-                  <a:schemeClr val="dk1"/>
-                </a:solidFill>
-                <a:latin typeface="+mn-lt"/>
-                <a:ea typeface="+mn-ea"/>
-                <a:cs typeface="+mn-cs"/>
-              </a:defRPr>
-            </a:lvl2pPr>
-            <a:lvl3pPr marL="914400" algn="l" defTabSz="914400" rtl="0" eaLnBrk="1" latinLnBrk="0" hangingPunct="1">
-              <a:defRPr sz="1800" kern="1200">
-                <a:solidFill>
-                  <a:schemeClr val="dk1"/>
-                </a:solidFill>
-                <a:latin typeface="+mn-lt"/>
-                <a:ea typeface="+mn-ea"/>
-                <a:cs typeface="+mn-cs"/>
-              </a:defRPr>
-            </a:lvl3pPr>
-            <a:lvl4pPr marL="1371600" algn="l" defTabSz="914400" rtl="0" eaLnBrk="1" latinLnBrk="0" hangingPunct="1">
-              <a:defRPr sz="1800" kern="1200">
-                <a:solidFill>
-                  <a:schemeClr val="dk1"/>
-                </a:solidFill>
-                <a:latin typeface="+mn-lt"/>
-                <a:ea typeface="+mn-ea"/>
-                <a:cs typeface="+mn-cs"/>
-              </a:defRPr>
-            </a:lvl4pPr>
-            <a:lvl5pPr marL="1828800" algn="l" defTabSz="914400" rtl="0" eaLnBrk="1" latinLnBrk="0" hangingPunct="1">
-              <a:defRPr sz="1800" kern="1200">
-                <a:solidFill>
-                  <a:schemeClr val="dk1"/>
-                </a:solidFill>
-                <a:latin typeface="+mn-lt"/>
-                <a:ea typeface="+mn-ea"/>
-                <a:cs typeface="+mn-cs"/>
-              </a:defRPr>
-            </a:lvl5pPr>
-            <a:lvl6pPr marL="2286000" algn="l" defTabSz="914400" rtl="0" eaLnBrk="1" latinLnBrk="0" hangingPunct="1">
-              <a:defRPr sz="1800" kern="1200">
-                <a:solidFill>
-                  <a:schemeClr val="dk1"/>
-                </a:solidFill>
-                <a:latin typeface="+mn-lt"/>
-                <a:ea typeface="+mn-ea"/>
-                <a:cs typeface="+mn-cs"/>
-              </a:defRPr>
-            </a:lvl6pPr>
-            <a:lvl7pPr marL="2743200" algn="l" defTabSz="914400" rtl="0" eaLnBrk="1" latinLnBrk="0" hangingPunct="1">
-              <a:defRPr sz="1800" kern="1200">
-                <a:solidFill>
-                  <a:schemeClr val="dk1"/>
-                </a:solidFill>
-                <a:latin typeface="+mn-lt"/>
-                <a:ea typeface="+mn-ea"/>
-                <a:cs typeface="+mn-cs"/>
-              </a:defRPr>
-            </a:lvl7pPr>
-            <a:lvl8pPr marL="3200400" algn="l" defTabSz="914400" rtl="0" eaLnBrk="1" latinLnBrk="0" hangingPunct="1">
-              <a:defRPr sz="1800" kern="1200">
-                <a:solidFill>
-                  <a:schemeClr val="dk1"/>
-                </a:solidFill>
-                <a:latin typeface="+mn-lt"/>
-                <a:ea typeface="+mn-ea"/>
-                <a:cs typeface="+mn-cs"/>
-              </a:defRPr>
-            </a:lvl8pPr>
-            <a:lvl9pPr marL="3657600" algn="l" defTabSz="914400" rtl="0" eaLnBrk="1" latinLnBrk="0" hangingPunct="1">
-              <a:defRPr sz="1800" kern="1200">
-                <a:solidFill>
-                  <a:schemeClr val="dk1"/>
-                </a:solidFill>
-                <a:latin typeface="+mn-lt"/>
-                <a:ea typeface="+mn-ea"/>
-                <a:cs typeface="+mn-cs"/>
-              </a:defRPr>
-            </a:lvl9pPr>
-          </a:lstStyle>
-          <a:p>
-            <a:pPr algn="ctr"/>
-            <a:r>
-              <a:rPr lang="zh-TW" altLang="en-US" dirty="0">
-                <a:ea typeface="標楷體" panose="03000509000000000000" pitchFamily="65" charset="-120"/>
-              </a:rPr>
-              <a:t>車牌辨識</a:t>
-            </a:r>
-          </a:p>
-        </p:txBody>
-      </p:sp>
-      <p:sp>
-        <p:nvSpPr>
-          <p:cNvPr id="6" name="矩形: 圓角 5">
-            <a:extLst>
-              <a:ext uri="{FF2B5EF4-FFF2-40B4-BE49-F238E27FC236}">
-                <a16:creationId xmlns:a16="http://schemas.microsoft.com/office/drawing/2014/main" id="{D7F26586-A8FC-DFCB-9D61-3A133151BCE8}"/>
-              </a:ext>
-            </a:extLst>
-          </p:cNvPr>
-          <p:cNvSpPr/>
-          <p:nvPr/>
-        </p:nvSpPr>
-        <p:spPr>
-          <a:xfrm>
-            <a:off x="4693768" y="1615782"/>
-            <a:ext cx="2343301" cy="496111"/>
-          </a:xfrm>
-          <a:prstGeom prst="roundRect">
-            <a:avLst/>
-          </a:prstGeom>
-          <a:ln>
-            <a:solidFill>
-              <a:schemeClr val="tx1">
-                <a:lumMod val="95000"/>
-                <a:lumOff val="5000"/>
-              </a:schemeClr>
-            </a:solidFill>
-          </a:ln>
-        </p:spPr>
-        <p:style>
-          <a:lnRef idx="2">
-            <a:schemeClr val="accent6"/>
-          </a:lnRef>
-          <a:fillRef idx="1">
-            <a:schemeClr val="lt1"/>
-          </a:fillRef>
-          <a:effectRef idx="0">
-            <a:schemeClr val="accent6"/>
-          </a:effectRef>
-          <a:fontRef idx="minor">
-            <a:schemeClr val="dk1"/>
-          </a:fontRef>
-        </p:style>
-        <p:txBody>
-          <a:bodyPr rtlCol="0" anchor="ctr"/>
-          <a:lstStyle>
-            <a:defPPr>
-              <a:defRPr lang="zh-TW"/>
-            </a:defPPr>
-            <a:lvl1pPr marL="0" algn="l" defTabSz="914400" rtl="0" eaLnBrk="1" latinLnBrk="0" hangingPunct="1">
-              <a:defRPr sz="1800" kern="1200">
-                <a:solidFill>
-                  <a:schemeClr val="dk1"/>
-                </a:solidFill>
-                <a:latin typeface="+mn-lt"/>
-                <a:ea typeface="+mn-ea"/>
-                <a:cs typeface="+mn-cs"/>
-              </a:defRPr>
-            </a:lvl1pPr>
-            <a:lvl2pPr marL="457200" algn="l" defTabSz="914400" rtl="0" eaLnBrk="1" latinLnBrk="0" hangingPunct="1">
-              <a:defRPr sz="1800" kern="1200">
-                <a:solidFill>
-                  <a:schemeClr val="dk1"/>
-                </a:solidFill>
-                <a:latin typeface="+mn-lt"/>
-                <a:ea typeface="+mn-ea"/>
-                <a:cs typeface="+mn-cs"/>
-              </a:defRPr>
-            </a:lvl2pPr>
-            <a:lvl3pPr marL="914400" algn="l" defTabSz="914400" rtl="0" eaLnBrk="1" latinLnBrk="0" hangingPunct="1">
-              <a:defRPr sz="1800" kern="1200">
-                <a:solidFill>
-                  <a:schemeClr val="dk1"/>
-                </a:solidFill>
-                <a:latin typeface="+mn-lt"/>
-                <a:ea typeface="+mn-ea"/>
-                <a:cs typeface="+mn-cs"/>
-              </a:defRPr>
-            </a:lvl3pPr>
-            <a:lvl4pPr marL="1371600" algn="l" defTabSz="914400" rtl="0" eaLnBrk="1" latinLnBrk="0" hangingPunct="1">
-              <a:defRPr sz="1800" kern="1200">
-                <a:solidFill>
-                  <a:schemeClr val="dk1"/>
-                </a:solidFill>
-                <a:latin typeface="+mn-lt"/>
-                <a:ea typeface="+mn-ea"/>
-                <a:cs typeface="+mn-cs"/>
-              </a:defRPr>
-            </a:lvl4pPr>
-            <a:lvl5pPr marL="1828800" algn="l" defTabSz="914400" rtl="0" eaLnBrk="1" latinLnBrk="0" hangingPunct="1">
-              <a:defRPr sz="1800" kern="1200">
-                <a:solidFill>
-                  <a:schemeClr val="dk1"/>
-                </a:solidFill>
-                <a:latin typeface="+mn-lt"/>
-                <a:ea typeface="+mn-ea"/>
-                <a:cs typeface="+mn-cs"/>
-              </a:defRPr>
-            </a:lvl5pPr>
-            <a:lvl6pPr marL="2286000" algn="l" defTabSz="914400" rtl="0" eaLnBrk="1" latinLnBrk="0" hangingPunct="1">
-              <a:defRPr sz="1800" kern="1200">
-                <a:solidFill>
-                  <a:schemeClr val="dk1"/>
-                </a:solidFill>
-                <a:latin typeface="+mn-lt"/>
-                <a:ea typeface="+mn-ea"/>
-                <a:cs typeface="+mn-cs"/>
-              </a:defRPr>
-            </a:lvl6pPr>
-            <a:lvl7pPr marL="2743200" algn="l" defTabSz="914400" rtl="0" eaLnBrk="1" latinLnBrk="0" hangingPunct="1">
-              <a:defRPr sz="1800" kern="1200">
-                <a:solidFill>
-                  <a:schemeClr val="dk1"/>
-                </a:solidFill>
-                <a:latin typeface="+mn-lt"/>
-                <a:ea typeface="+mn-ea"/>
-                <a:cs typeface="+mn-cs"/>
-              </a:defRPr>
-            </a:lvl7pPr>
-            <a:lvl8pPr marL="3200400" algn="l" defTabSz="914400" rtl="0" eaLnBrk="1" latinLnBrk="0" hangingPunct="1">
-              <a:defRPr sz="1800" kern="1200">
-                <a:solidFill>
-                  <a:schemeClr val="dk1"/>
-                </a:solidFill>
-                <a:latin typeface="+mn-lt"/>
-                <a:ea typeface="+mn-ea"/>
-                <a:cs typeface="+mn-cs"/>
-              </a:defRPr>
-            </a:lvl8pPr>
-            <a:lvl9pPr marL="3657600" algn="l" defTabSz="914400" rtl="0" eaLnBrk="1" latinLnBrk="0" hangingPunct="1">
-              <a:defRPr sz="1800" kern="1200">
-                <a:solidFill>
-                  <a:schemeClr val="dk1"/>
-                </a:solidFill>
-                <a:latin typeface="+mn-lt"/>
-                <a:ea typeface="+mn-ea"/>
-                <a:cs typeface="+mn-cs"/>
-              </a:defRPr>
-            </a:lvl9pPr>
-          </a:lstStyle>
-          <a:p>
-            <a:pPr algn="ctr"/>
-            <a:r>
-              <a:rPr lang="zh-TW" altLang="en-US" dirty="0">
-                <a:ea typeface="標楷體" panose="03000509000000000000" pitchFamily="65" charset="-120"/>
-              </a:rPr>
-              <a:t>更改圖片大小成</a:t>
-            </a:r>
-            <a:r>
-              <a:rPr lang="en-US" altLang="zh-TW" dirty="0">
-                <a:ea typeface="標楷體" panose="03000509000000000000" pitchFamily="65" charset="-120"/>
-              </a:rPr>
-              <a:t>360p</a:t>
-            </a:r>
-            <a:endParaRPr lang="zh-TW" altLang="en-US" dirty="0">
-              <a:ea typeface="標楷體" panose="03000509000000000000" pitchFamily="65" charset="-120"/>
-            </a:endParaRPr>
-          </a:p>
-        </p:txBody>
-      </p:sp>
-      <p:cxnSp>
-        <p:nvCxnSpPr>
-          <p:cNvPr id="13" name="接點: 肘形 12">
-            <a:extLst>
-              <a:ext uri="{FF2B5EF4-FFF2-40B4-BE49-F238E27FC236}">
-                <a16:creationId xmlns:a16="http://schemas.microsoft.com/office/drawing/2014/main" id="{1DE71B91-433F-6807-70B7-E3757A07601E}"/>
-              </a:ext>
-            </a:extLst>
-          </p:cNvPr>
-          <p:cNvCxnSpPr>
-            <a:cxnSpLocks/>
-            <a:stCxn id="5" idx="3"/>
-            <a:endCxn id="6" idx="1"/>
-          </p:cNvCxnSpPr>
-          <p:nvPr/>
-        </p:nvCxnSpPr>
-        <p:spPr>
-          <a:xfrm flipV="1">
-            <a:off x="2399132" y="1863838"/>
-            <a:ext cx="2294636" cy="1565162"/>
-          </a:xfrm>
-          <a:prstGeom prst="bentConnector3">
-            <a:avLst>
-              <a:gd name="adj1" fmla="val 50000"/>
-            </a:avLst>
-          </a:prstGeom>
-          <a:ln>
-            <a:tailEnd type="triangle"/>
-          </a:ln>
-        </p:spPr>
-        <p:style>
-          <a:lnRef idx="1">
-            <a:schemeClr val="accent1"/>
-          </a:lnRef>
-          <a:fillRef idx="0">
-            <a:schemeClr val="accent1"/>
-          </a:fillRef>
-          <a:effectRef idx="0">
-            <a:schemeClr val="accent1"/>
-          </a:effectRef>
-          <a:fontRef idx="minor">
-            <a:schemeClr val="tx1"/>
-          </a:fontRef>
-        </p:style>
-      </p:cxnSp>
-      <p:sp>
-        <p:nvSpPr>
-          <p:cNvPr id="20" name="矩形: 圓角 19">
-            <a:extLst>
-              <a:ext uri="{FF2B5EF4-FFF2-40B4-BE49-F238E27FC236}">
-                <a16:creationId xmlns:a16="http://schemas.microsoft.com/office/drawing/2014/main" id="{8E7122FD-07E5-3D62-F38C-8993B42D4C6C}"/>
-              </a:ext>
-            </a:extLst>
-          </p:cNvPr>
-          <p:cNvSpPr/>
-          <p:nvPr/>
-        </p:nvSpPr>
-        <p:spPr>
-          <a:xfrm>
-            <a:off x="8388092" y="1615782"/>
-            <a:ext cx="2857840" cy="496111"/>
-          </a:xfrm>
-          <a:prstGeom prst="roundRect">
-            <a:avLst/>
-          </a:prstGeom>
-          <a:ln>
-            <a:solidFill>
-              <a:schemeClr val="tx1">
-                <a:lumMod val="95000"/>
-                <a:lumOff val="5000"/>
-              </a:schemeClr>
-            </a:solidFill>
-          </a:ln>
-        </p:spPr>
-        <p:style>
-          <a:lnRef idx="2">
-            <a:schemeClr val="accent6"/>
-          </a:lnRef>
-          <a:fillRef idx="1">
-            <a:schemeClr val="lt1"/>
-          </a:fillRef>
-          <a:effectRef idx="0">
-            <a:schemeClr val="accent6"/>
-          </a:effectRef>
-          <a:fontRef idx="minor">
-            <a:schemeClr val="dk1"/>
-          </a:fontRef>
-        </p:style>
-        <p:txBody>
-          <a:bodyPr rtlCol="0" anchor="ctr"/>
-          <a:lstStyle>
-            <a:defPPr>
-              <a:defRPr lang="zh-TW"/>
-            </a:defPPr>
-            <a:lvl1pPr marL="0" algn="l" defTabSz="914400" rtl="0" eaLnBrk="1" latinLnBrk="0" hangingPunct="1">
-              <a:defRPr sz="1800" kern="1200">
-                <a:solidFill>
-                  <a:schemeClr val="dk1"/>
-                </a:solidFill>
-                <a:latin typeface="+mn-lt"/>
-                <a:ea typeface="+mn-ea"/>
-                <a:cs typeface="+mn-cs"/>
-              </a:defRPr>
-            </a:lvl1pPr>
-            <a:lvl2pPr marL="457200" algn="l" defTabSz="914400" rtl="0" eaLnBrk="1" latinLnBrk="0" hangingPunct="1">
-              <a:defRPr sz="1800" kern="1200">
-                <a:solidFill>
-                  <a:schemeClr val="dk1"/>
-                </a:solidFill>
-                <a:latin typeface="+mn-lt"/>
-                <a:ea typeface="+mn-ea"/>
-                <a:cs typeface="+mn-cs"/>
-              </a:defRPr>
-            </a:lvl2pPr>
-            <a:lvl3pPr marL="914400" algn="l" defTabSz="914400" rtl="0" eaLnBrk="1" latinLnBrk="0" hangingPunct="1">
-              <a:defRPr sz="1800" kern="1200">
-                <a:solidFill>
-                  <a:schemeClr val="dk1"/>
-                </a:solidFill>
-                <a:latin typeface="+mn-lt"/>
-                <a:ea typeface="+mn-ea"/>
-                <a:cs typeface="+mn-cs"/>
-              </a:defRPr>
-            </a:lvl3pPr>
-            <a:lvl4pPr marL="1371600" algn="l" defTabSz="914400" rtl="0" eaLnBrk="1" latinLnBrk="0" hangingPunct="1">
-              <a:defRPr sz="1800" kern="1200">
-                <a:solidFill>
-                  <a:schemeClr val="dk1"/>
-                </a:solidFill>
-                <a:latin typeface="+mn-lt"/>
-                <a:ea typeface="+mn-ea"/>
-                <a:cs typeface="+mn-cs"/>
-              </a:defRPr>
-            </a:lvl4pPr>
-            <a:lvl5pPr marL="1828800" algn="l" defTabSz="914400" rtl="0" eaLnBrk="1" latinLnBrk="0" hangingPunct="1">
-              <a:defRPr sz="1800" kern="1200">
-                <a:solidFill>
-                  <a:schemeClr val="dk1"/>
-                </a:solidFill>
-                <a:latin typeface="+mn-lt"/>
-                <a:ea typeface="+mn-ea"/>
-                <a:cs typeface="+mn-cs"/>
-              </a:defRPr>
-            </a:lvl5pPr>
-            <a:lvl6pPr marL="2286000" algn="l" defTabSz="914400" rtl="0" eaLnBrk="1" latinLnBrk="0" hangingPunct="1">
-              <a:defRPr sz="1800" kern="1200">
-                <a:solidFill>
-                  <a:schemeClr val="dk1"/>
-                </a:solidFill>
-                <a:latin typeface="+mn-lt"/>
-                <a:ea typeface="+mn-ea"/>
-                <a:cs typeface="+mn-cs"/>
-              </a:defRPr>
-            </a:lvl6pPr>
-            <a:lvl7pPr marL="2743200" algn="l" defTabSz="914400" rtl="0" eaLnBrk="1" latinLnBrk="0" hangingPunct="1">
-              <a:defRPr sz="1800" kern="1200">
-                <a:solidFill>
-                  <a:schemeClr val="dk1"/>
-                </a:solidFill>
-                <a:latin typeface="+mn-lt"/>
-                <a:ea typeface="+mn-ea"/>
-                <a:cs typeface="+mn-cs"/>
-              </a:defRPr>
-            </a:lvl7pPr>
-            <a:lvl8pPr marL="3200400" algn="l" defTabSz="914400" rtl="0" eaLnBrk="1" latinLnBrk="0" hangingPunct="1">
-              <a:defRPr sz="1800" kern="1200">
-                <a:solidFill>
-                  <a:schemeClr val="dk1"/>
-                </a:solidFill>
-                <a:latin typeface="+mn-lt"/>
-                <a:ea typeface="+mn-ea"/>
-                <a:cs typeface="+mn-cs"/>
-              </a:defRPr>
-            </a:lvl8pPr>
-            <a:lvl9pPr marL="3657600" algn="l" defTabSz="914400" rtl="0" eaLnBrk="1" latinLnBrk="0" hangingPunct="1">
-              <a:defRPr sz="1800" kern="1200">
-                <a:solidFill>
-                  <a:schemeClr val="dk1"/>
-                </a:solidFill>
-                <a:latin typeface="+mn-lt"/>
-                <a:ea typeface="+mn-ea"/>
-                <a:cs typeface="+mn-cs"/>
-              </a:defRPr>
-            </a:lvl9pPr>
-          </a:lstStyle>
-          <a:p>
-            <a:pPr algn="ctr"/>
-            <a:r>
-              <a:rPr lang="zh-TW" altLang="en-US" dirty="0">
-                <a:ea typeface="標楷體" panose="03000509000000000000" pitchFamily="65" charset="-120"/>
-              </a:rPr>
-              <a:t>灰階 高斯模糊 </a:t>
-            </a:r>
-            <a:r>
-              <a:rPr lang="en-US" altLang="zh-TW" dirty="0">
-                <a:ea typeface="標楷體" panose="03000509000000000000" pitchFamily="65" charset="-120"/>
-              </a:rPr>
-              <a:t>Canny</a:t>
-            </a:r>
-            <a:r>
-              <a:rPr lang="zh-TW" altLang="en-US" dirty="0">
-                <a:ea typeface="標楷體" panose="03000509000000000000" pitchFamily="65" charset="-120"/>
-              </a:rPr>
-              <a:t>檢測</a:t>
-            </a:r>
-          </a:p>
-        </p:txBody>
-      </p:sp>
-      <p:cxnSp>
-        <p:nvCxnSpPr>
-          <p:cNvPr id="22" name="直線單箭頭接點 21">
-            <a:extLst>
-              <a:ext uri="{FF2B5EF4-FFF2-40B4-BE49-F238E27FC236}">
-                <a16:creationId xmlns:a16="http://schemas.microsoft.com/office/drawing/2014/main" id="{74E710AB-C2C9-64A7-A0B0-6AF23548FDA7}"/>
-              </a:ext>
-            </a:extLst>
-          </p:cNvPr>
-          <p:cNvCxnSpPr>
-            <a:cxnSpLocks/>
-            <a:stCxn id="6" idx="3"/>
-            <a:endCxn id="20" idx="1"/>
-          </p:cNvCxnSpPr>
-          <p:nvPr/>
-        </p:nvCxnSpPr>
-        <p:spPr>
-          <a:xfrm>
-            <a:off x="7037069" y="1863838"/>
-            <a:ext cx="1351023" cy="0"/>
-          </a:xfrm>
-          <a:prstGeom prst="straightConnector1">
-            <a:avLst/>
-          </a:prstGeom>
-          <a:ln>
-            <a:tailEnd type="triangle"/>
-          </a:ln>
-        </p:spPr>
-        <p:style>
-          <a:lnRef idx="1">
-            <a:schemeClr val="accent1"/>
-          </a:lnRef>
-          <a:fillRef idx="0">
-            <a:schemeClr val="accent1"/>
-          </a:fillRef>
-          <a:effectRef idx="0">
-            <a:schemeClr val="accent1"/>
-          </a:effectRef>
-          <a:fontRef idx="minor">
-            <a:schemeClr val="tx1"/>
-          </a:fontRef>
-        </p:style>
-      </p:cxnSp>
-      <p:sp>
-        <p:nvSpPr>
-          <p:cNvPr id="25" name="文字方塊 24">
-            <a:extLst>
-              <a:ext uri="{FF2B5EF4-FFF2-40B4-BE49-F238E27FC236}">
-                <a16:creationId xmlns:a16="http://schemas.microsoft.com/office/drawing/2014/main" id="{334B98B9-58EA-FFA9-D7BF-E8F501613C19}"/>
-              </a:ext>
-            </a:extLst>
-          </p:cNvPr>
-          <p:cNvSpPr txBox="1"/>
-          <p:nvPr/>
-        </p:nvSpPr>
-        <p:spPr>
-          <a:xfrm>
-            <a:off x="3546696" y="1319550"/>
-            <a:ext cx="877163" cy="369332"/>
-          </a:xfrm>
-          <a:prstGeom prst="rect">
-            <a:avLst/>
-          </a:prstGeom>
-          <a:noFill/>
-        </p:spPr>
-        <p:txBody>
-          <a:bodyPr wrap="none" rtlCol="0">
-            <a:spAutoFit/>
-          </a:bodyPr>
-          <a:lstStyle/>
-          <a:p>
-            <a:r>
-              <a:rPr lang="zh-TW" altLang="en-US" dirty="0">
-                <a:latin typeface="標楷體" panose="03000509000000000000" pitchFamily="65" charset="-120"/>
-                <a:ea typeface="標楷體" panose="03000509000000000000" pitchFamily="65" charset="-120"/>
-              </a:rPr>
-              <a:t>前處理</a:t>
-            </a:r>
-          </a:p>
-        </p:txBody>
-      </p:sp>
-      <p:sp>
-        <p:nvSpPr>
-          <p:cNvPr id="26" name="矩形: 圓角 25">
-            <a:extLst>
-              <a:ext uri="{FF2B5EF4-FFF2-40B4-BE49-F238E27FC236}">
-                <a16:creationId xmlns:a16="http://schemas.microsoft.com/office/drawing/2014/main" id="{C8D57FC5-E709-0610-DFF2-9CA77413D215}"/>
-              </a:ext>
-            </a:extLst>
-          </p:cNvPr>
-          <p:cNvSpPr/>
-          <p:nvPr/>
-        </p:nvSpPr>
-        <p:spPr>
-          <a:xfrm>
-            <a:off x="4693768" y="2521572"/>
-            <a:ext cx="2343301" cy="496111"/>
-          </a:xfrm>
-          <a:prstGeom prst="roundRect">
-            <a:avLst/>
-          </a:prstGeom>
-          <a:ln>
-            <a:solidFill>
-              <a:schemeClr val="tx1">
-                <a:lumMod val="95000"/>
-                <a:lumOff val="5000"/>
-              </a:schemeClr>
-            </a:solidFill>
-          </a:ln>
-        </p:spPr>
-        <p:style>
-          <a:lnRef idx="2">
-            <a:schemeClr val="accent6"/>
-          </a:lnRef>
-          <a:fillRef idx="1">
-            <a:schemeClr val="lt1"/>
-          </a:fillRef>
-          <a:effectRef idx="0">
-            <a:schemeClr val="accent6"/>
-          </a:effectRef>
-          <a:fontRef idx="minor">
-            <a:schemeClr val="dk1"/>
-          </a:fontRef>
-        </p:style>
-        <p:txBody>
-          <a:bodyPr rtlCol="0" anchor="ctr"/>
-          <a:lstStyle>
-            <a:defPPr>
-              <a:defRPr lang="zh-TW"/>
-            </a:defPPr>
-            <a:lvl1pPr marL="0" algn="l" defTabSz="914400" rtl="0" eaLnBrk="1" latinLnBrk="0" hangingPunct="1">
-              <a:defRPr sz="1800" kern="1200">
-                <a:solidFill>
-                  <a:schemeClr val="dk1"/>
-                </a:solidFill>
-                <a:latin typeface="+mn-lt"/>
-                <a:ea typeface="+mn-ea"/>
-                <a:cs typeface="+mn-cs"/>
-              </a:defRPr>
-            </a:lvl1pPr>
-            <a:lvl2pPr marL="457200" algn="l" defTabSz="914400" rtl="0" eaLnBrk="1" latinLnBrk="0" hangingPunct="1">
-              <a:defRPr sz="1800" kern="1200">
-                <a:solidFill>
-                  <a:schemeClr val="dk1"/>
-                </a:solidFill>
-                <a:latin typeface="+mn-lt"/>
-                <a:ea typeface="+mn-ea"/>
-                <a:cs typeface="+mn-cs"/>
-              </a:defRPr>
-            </a:lvl2pPr>
-            <a:lvl3pPr marL="914400" algn="l" defTabSz="914400" rtl="0" eaLnBrk="1" latinLnBrk="0" hangingPunct="1">
-              <a:defRPr sz="1800" kern="1200">
-                <a:solidFill>
-                  <a:schemeClr val="dk1"/>
-                </a:solidFill>
-                <a:latin typeface="+mn-lt"/>
-                <a:ea typeface="+mn-ea"/>
-                <a:cs typeface="+mn-cs"/>
-              </a:defRPr>
-            </a:lvl3pPr>
-            <a:lvl4pPr marL="1371600" algn="l" defTabSz="914400" rtl="0" eaLnBrk="1" latinLnBrk="0" hangingPunct="1">
-              <a:defRPr sz="1800" kern="1200">
-                <a:solidFill>
-                  <a:schemeClr val="dk1"/>
-                </a:solidFill>
-                <a:latin typeface="+mn-lt"/>
-                <a:ea typeface="+mn-ea"/>
-                <a:cs typeface="+mn-cs"/>
-              </a:defRPr>
-            </a:lvl4pPr>
-            <a:lvl5pPr marL="1828800" algn="l" defTabSz="914400" rtl="0" eaLnBrk="1" latinLnBrk="0" hangingPunct="1">
-              <a:defRPr sz="1800" kern="1200">
-                <a:solidFill>
-                  <a:schemeClr val="dk1"/>
-                </a:solidFill>
-                <a:latin typeface="+mn-lt"/>
-                <a:ea typeface="+mn-ea"/>
-                <a:cs typeface="+mn-cs"/>
-              </a:defRPr>
-            </a:lvl5pPr>
-            <a:lvl6pPr marL="2286000" algn="l" defTabSz="914400" rtl="0" eaLnBrk="1" latinLnBrk="0" hangingPunct="1">
-              <a:defRPr sz="1800" kern="1200">
-                <a:solidFill>
-                  <a:schemeClr val="dk1"/>
-                </a:solidFill>
-                <a:latin typeface="+mn-lt"/>
-                <a:ea typeface="+mn-ea"/>
-                <a:cs typeface="+mn-cs"/>
-              </a:defRPr>
-            </a:lvl6pPr>
-            <a:lvl7pPr marL="2743200" algn="l" defTabSz="914400" rtl="0" eaLnBrk="1" latinLnBrk="0" hangingPunct="1">
-              <a:defRPr sz="1800" kern="1200">
-                <a:solidFill>
-                  <a:schemeClr val="dk1"/>
-                </a:solidFill>
-                <a:latin typeface="+mn-lt"/>
-                <a:ea typeface="+mn-ea"/>
-                <a:cs typeface="+mn-cs"/>
-              </a:defRPr>
-            </a:lvl7pPr>
-            <a:lvl8pPr marL="3200400" algn="l" defTabSz="914400" rtl="0" eaLnBrk="1" latinLnBrk="0" hangingPunct="1">
-              <a:defRPr sz="1800" kern="1200">
-                <a:solidFill>
-                  <a:schemeClr val="dk1"/>
-                </a:solidFill>
-                <a:latin typeface="+mn-lt"/>
-                <a:ea typeface="+mn-ea"/>
-                <a:cs typeface="+mn-cs"/>
-              </a:defRPr>
-            </a:lvl8pPr>
-            <a:lvl9pPr marL="3657600" algn="l" defTabSz="914400" rtl="0" eaLnBrk="1" latinLnBrk="0" hangingPunct="1">
-              <a:defRPr sz="1800" kern="1200">
-                <a:solidFill>
-                  <a:schemeClr val="dk1"/>
-                </a:solidFill>
-                <a:latin typeface="+mn-lt"/>
-                <a:ea typeface="+mn-ea"/>
-                <a:cs typeface="+mn-cs"/>
-              </a:defRPr>
-            </a:lvl9pPr>
-          </a:lstStyle>
-          <a:p>
-            <a:pPr algn="ctr"/>
-            <a:r>
-              <a:rPr lang="zh-TW" altLang="en-US" dirty="0">
-                <a:ea typeface="標楷體" panose="03000509000000000000" pitchFamily="65" charset="-120"/>
-              </a:rPr>
-              <a:t>將車牌輪廓選取</a:t>
-            </a:r>
-          </a:p>
-        </p:txBody>
-      </p:sp>
-      <p:cxnSp>
-        <p:nvCxnSpPr>
-          <p:cNvPr id="31" name="接點: 肘形 30">
-            <a:extLst>
-              <a:ext uri="{FF2B5EF4-FFF2-40B4-BE49-F238E27FC236}">
-                <a16:creationId xmlns:a16="http://schemas.microsoft.com/office/drawing/2014/main" id="{6B5306DE-22A0-54FD-1687-CD879A66D9F4}"/>
-              </a:ext>
-            </a:extLst>
-          </p:cNvPr>
-          <p:cNvCxnSpPr>
-            <a:cxnSpLocks/>
-            <a:stCxn id="5" idx="3"/>
-            <a:endCxn id="26" idx="1"/>
-          </p:cNvCxnSpPr>
-          <p:nvPr/>
-        </p:nvCxnSpPr>
-        <p:spPr>
-          <a:xfrm flipV="1">
-            <a:off x="2399132" y="2769628"/>
-            <a:ext cx="2294636" cy="659372"/>
-          </a:xfrm>
-          <a:prstGeom prst="bentConnector3">
-            <a:avLst/>
-          </a:prstGeom>
-          <a:ln>
-            <a:tailEnd type="triangle"/>
-          </a:ln>
-        </p:spPr>
-        <p:style>
-          <a:lnRef idx="1">
-            <a:schemeClr val="accent1"/>
-          </a:lnRef>
-          <a:fillRef idx="0">
-            <a:schemeClr val="accent1"/>
-          </a:fillRef>
-          <a:effectRef idx="0">
-            <a:schemeClr val="accent1"/>
-          </a:effectRef>
-          <a:fontRef idx="minor">
-            <a:schemeClr val="tx1"/>
-          </a:fontRef>
-        </p:style>
-      </p:cxnSp>
-      <p:sp>
-        <p:nvSpPr>
-          <p:cNvPr id="33" name="矩形: 圓角 32">
-            <a:extLst>
-              <a:ext uri="{FF2B5EF4-FFF2-40B4-BE49-F238E27FC236}">
-                <a16:creationId xmlns:a16="http://schemas.microsoft.com/office/drawing/2014/main" id="{FB31688F-09F3-6F8C-65C7-E64FF86BE5A9}"/>
-              </a:ext>
-            </a:extLst>
-          </p:cNvPr>
-          <p:cNvSpPr/>
-          <p:nvPr/>
-        </p:nvSpPr>
-        <p:spPr>
-          <a:xfrm>
-            <a:off x="8388092" y="2521572"/>
-            <a:ext cx="2857840" cy="496111"/>
-          </a:xfrm>
-          <a:prstGeom prst="roundRect">
-            <a:avLst/>
-          </a:prstGeom>
-          <a:ln>
-            <a:solidFill>
-              <a:schemeClr val="tx1">
-                <a:lumMod val="95000"/>
-                <a:lumOff val="5000"/>
-              </a:schemeClr>
-            </a:solidFill>
-          </a:ln>
-        </p:spPr>
-        <p:style>
-          <a:lnRef idx="2">
-            <a:schemeClr val="accent6"/>
-          </a:lnRef>
-          <a:fillRef idx="1">
-            <a:schemeClr val="lt1"/>
-          </a:fillRef>
-          <a:effectRef idx="0">
-            <a:schemeClr val="accent6"/>
-          </a:effectRef>
-          <a:fontRef idx="minor">
-            <a:schemeClr val="dk1"/>
-          </a:fontRef>
-        </p:style>
-        <p:txBody>
-          <a:bodyPr rtlCol="0" anchor="ctr"/>
-          <a:lstStyle>
-            <a:defPPr>
-              <a:defRPr lang="zh-TW"/>
-            </a:defPPr>
-            <a:lvl1pPr marL="0" algn="l" defTabSz="914400" rtl="0" eaLnBrk="1" latinLnBrk="0" hangingPunct="1">
-              <a:defRPr sz="1800" kern="1200">
-                <a:solidFill>
-                  <a:schemeClr val="dk1"/>
-                </a:solidFill>
-                <a:latin typeface="+mn-lt"/>
-                <a:ea typeface="+mn-ea"/>
-                <a:cs typeface="+mn-cs"/>
-              </a:defRPr>
-            </a:lvl1pPr>
-            <a:lvl2pPr marL="457200" algn="l" defTabSz="914400" rtl="0" eaLnBrk="1" latinLnBrk="0" hangingPunct="1">
-              <a:defRPr sz="1800" kern="1200">
-                <a:solidFill>
-                  <a:schemeClr val="dk1"/>
-                </a:solidFill>
-                <a:latin typeface="+mn-lt"/>
-                <a:ea typeface="+mn-ea"/>
-                <a:cs typeface="+mn-cs"/>
-              </a:defRPr>
-            </a:lvl2pPr>
-            <a:lvl3pPr marL="914400" algn="l" defTabSz="914400" rtl="0" eaLnBrk="1" latinLnBrk="0" hangingPunct="1">
-              <a:defRPr sz="1800" kern="1200">
-                <a:solidFill>
-                  <a:schemeClr val="dk1"/>
-                </a:solidFill>
-                <a:latin typeface="+mn-lt"/>
-                <a:ea typeface="+mn-ea"/>
-                <a:cs typeface="+mn-cs"/>
-              </a:defRPr>
-            </a:lvl3pPr>
-            <a:lvl4pPr marL="1371600" algn="l" defTabSz="914400" rtl="0" eaLnBrk="1" latinLnBrk="0" hangingPunct="1">
-              <a:defRPr sz="1800" kern="1200">
-                <a:solidFill>
-                  <a:schemeClr val="dk1"/>
-                </a:solidFill>
-                <a:latin typeface="+mn-lt"/>
-                <a:ea typeface="+mn-ea"/>
-                <a:cs typeface="+mn-cs"/>
-              </a:defRPr>
-            </a:lvl4pPr>
-            <a:lvl5pPr marL="1828800" algn="l" defTabSz="914400" rtl="0" eaLnBrk="1" latinLnBrk="0" hangingPunct="1">
-              <a:defRPr sz="1800" kern="1200">
-                <a:solidFill>
-                  <a:schemeClr val="dk1"/>
-                </a:solidFill>
-                <a:latin typeface="+mn-lt"/>
-                <a:ea typeface="+mn-ea"/>
-                <a:cs typeface="+mn-cs"/>
-              </a:defRPr>
-            </a:lvl5pPr>
-            <a:lvl6pPr marL="2286000" algn="l" defTabSz="914400" rtl="0" eaLnBrk="1" latinLnBrk="0" hangingPunct="1">
-              <a:defRPr sz="1800" kern="1200">
-                <a:solidFill>
-                  <a:schemeClr val="dk1"/>
-                </a:solidFill>
-                <a:latin typeface="+mn-lt"/>
-                <a:ea typeface="+mn-ea"/>
-                <a:cs typeface="+mn-cs"/>
-              </a:defRPr>
-            </a:lvl6pPr>
-            <a:lvl7pPr marL="2743200" algn="l" defTabSz="914400" rtl="0" eaLnBrk="1" latinLnBrk="0" hangingPunct="1">
-              <a:defRPr sz="1800" kern="1200">
-                <a:solidFill>
-                  <a:schemeClr val="dk1"/>
-                </a:solidFill>
-                <a:latin typeface="+mn-lt"/>
-                <a:ea typeface="+mn-ea"/>
-                <a:cs typeface="+mn-cs"/>
-              </a:defRPr>
-            </a:lvl7pPr>
-            <a:lvl8pPr marL="3200400" algn="l" defTabSz="914400" rtl="0" eaLnBrk="1" latinLnBrk="0" hangingPunct="1">
-              <a:defRPr sz="1800" kern="1200">
-                <a:solidFill>
-                  <a:schemeClr val="dk1"/>
-                </a:solidFill>
-                <a:latin typeface="+mn-lt"/>
-                <a:ea typeface="+mn-ea"/>
-                <a:cs typeface="+mn-cs"/>
-              </a:defRPr>
-            </a:lvl8pPr>
-            <a:lvl9pPr marL="3657600" algn="l" defTabSz="914400" rtl="0" eaLnBrk="1" latinLnBrk="0" hangingPunct="1">
-              <a:defRPr sz="1800" kern="1200">
-                <a:solidFill>
-                  <a:schemeClr val="dk1"/>
-                </a:solidFill>
-                <a:latin typeface="+mn-lt"/>
-                <a:ea typeface="+mn-ea"/>
-                <a:cs typeface="+mn-cs"/>
-              </a:defRPr>
-            </a:lvl9pPr>
-          </a:lstStyle>
-          <a:p>
-            <a:pPr algn="ctr"/>
-            <a:r>
-              <a:rPr lang="zh-TW" altLang="en-US" dirty="0">
-                <a:ea typeface="標楷體" panose="03000509000000000000" pitchFamily="65" charset="-120"/>
-              </a:rPr>
-              <a:t>刪除多餘區域</a:t>
-            </a:r>
-          </a:p>
-        </p:txBody>
-      </p:sp>
-      <p:cxnSp>
-        <p:nvCxnSpPr>
-          <p:cNvPr id="36" name="直線單箭頭接點 35">
-            <a:extLst>
-              <a:ext uri="{FF2B5EF4-FFF2-40B4-BE49-F238E27FC236}">
-                <a16:creationId xmlns:a16="http://schemas.microsoft.com/office/drawing/2014/main" id="{E8EF9390-0F25-B151-8EBB-E05552DA3057}"/>
-              </a:ext>
-            </a:extLst>
-          </p:cNvPr>
-          <p:cNvCxnSpPr>
-            <a:cxnSpLocks/>
-            <a:stCxn id="26" idx="3"/>
-            <a:endCxn id="33" idx="1"/>
-          </p:cNvCxnSpPr>
-          <p:nvPr/>
-        </p:nvCxnSpPr>
-        <p:spPr>
-          <a:xfrm>
-            <a:off x="7037069" y="2769628"/>
-            <a:ext cx="1351023" cy="0"/>
-          </a:xfrm>
-          <a:prstGeom prst="straightConnector1">
-            <a:avLst/>
-          </a:prstGeom>
-          <a:ln>
-            <a:tailEnd type="triangle"/>
-          </a:ln>
-        </p:spPr>
-        <p:style>
-          <a:lnRef idx="1">
-            <a:schemeClr val="accent1"/>
-          </a:lnRef>
-          <a:fillRef idx="0">
-            <a:schemeClr val="accent1"/>
-          </a:fillRef>
-          <a:effectRef idx="0">
-            <a:schemeClr val="accent1"/>
-          </a:effectRef>
-          <a:fontRef idx="minor">
-            <a:schemeClr val="tx1"/>
-          </a:fontRef>
-        </p:style>
-      </p:cxnSp>
-      <p:sp>
-        <p:nvSpPr>
-          <p:cNvPr id="38" name="矩形: 圓角 37">
-            <a:extLst>
-              <a:ext uri="{FF2B5EF4-FFF2-40B4-BE49-F238E27FC236}">
-                <a16:creationId xmlns:a16="http://schemas.microsoft.com/office/drawing/2014/main" id="{8F61A0FE-AB22-36CC-9755-16FEC02F9E5C}"/>
-              </a:ext>
-            </a:extLst>
-          </p:cNvPr>
-          <p:cNvSpPr/>
-          <p:nvPr/>
-        </p:nvSpPr>
-        <p:spPr>
-          <a:xfrm>
-            <a:off x="4693767" y="3771297"/>
-            <a:ext cx="2343301" cy="496111"/>
-          </a:xfrm>
-          <a:prstGeom prst="roundRect">
-            <a:avLst/>
-          </a:prstGeom>
-          <a:ln>
-            <a:solidFill>
-              <a:schemeClr val="tx1">
-                <a:lumMod val="95000"/>
-                <a:lumOff val="5000"/>
-              </a:schemeClr>
-            </a:solidFill>
-          </a:ln>
-        </p:spPr>
-        <p:style>
-          <a:lnRef idx="2">
-            <a:schemeClr val="accent6"/>
-          </a:lnRef>
-          <a:fillRef idx="1">
-            <a:schemeClr val="lt1"/>
-          </a:fillRef>
-          <a:effectRef idx="0">
-            <a:schemeClr val="accent6"/>
-          </a:effectRef>
-          <a:fontRef idx="minor">
-            <a:schemeClr val="dk1"/>
-          </a:fontRef>
-        </p:style>
-        <p:txBody>
-          <a:bodyPr rtlCol="0" anchor="ctr"/>
-          <a:lstStyle>
-            <a:defPPr>
-              <a:defRPr lang="zh-TW"/>
-            </a:defPPr>
-            <a:lvl1pPr marL="0" algn="l" defTabSz="914400" rtl="0" eaLnBrk="1" latinLnBrk="0" hangingPunct="1">
-              <a:defRPr sz="1800" kern="1200">
-                <a:solidFill>
-                  <a:schemeClr val="dk1"/>
-                </a:solidFill>
-                <a:latin typeface="+mn-lt"/>
-                <a:ea typeface="+mn-ea"/>
-                <a:cs typeface="+mn-cs"/>
-              </a:defRPr>
-            </a:lvl1pPr>
-            <a:lvl2pPr marL="457200" algn="l" defTabSz="914400" rtl="0" eaLnBrk="1" latinLnBrk="0" hangingPunct="1">
-              <a:defRPr sz="1800" kern="1200">
-                <a:solidFill>
-                  <a:schemeClr val="dk1"/>
-                </a:solidFill>
-                <a:latin typeface="+mn-lt"/>
-                <a:ea typeface="+mn-ea"/>
-                <a:cs typeface="+mn-cs"/>
-              </a:defRPr>
-            </a:lvl2pPr>
-            <a:lvl3pPr marL="914400" algn="l" defTabSz="914400" rtl="0" eaLnBrk="1" latinLnBrk="0" hangingPunct="1">
-              <a:defRPr sz="1800" kern="1200">
-                <a:solidFill>
-                  <a:schemeClr val="dk1"/>
-                </a:solidFill>
-                <a:latin typeface="+mn-lt"/>
-                <a:ea typeface="+mn-ea"/>
-                <a:cs typeface="+mn-cs"/>
-              </a:defRPr>
-            </a:lvl3pPr>
-            <a:lvl4pPr marL="1371600" algn="l" defTabSz="914400" rtl="0" eaLnBrk="1" latinLnBrk="0" hangingPunct="1">
-              <a:defRPr sz="1800" kern="1200">
-                <a:solidFill>
-                  <a:schemeClr val="dk1"/>
-                </a:solidFill>
-                <a:latin typeface="+mn-lt"/>
-                <a:ea typeface="+mn-ea"/>
-                <a:cs typeface="+mn-cs"/>
-              </a:defRPr>
-            </a:lvl4pPr>
-            <a:lvl5pPr marL="1828800" algn="l" defTabSz="914400" rtl="0" eaLnBrk="1" latinLnBrk="0" hangingPunct="1">
-              <a:defRPr sz="1800" kern="1200">
-                <a:solidFill>
-                  <a:schemeClr val="dk1"/>
-                </a:solidFill>
-                <a:latin typeface="+mn-lt"/>
-                <a:ea typeface="+mn-ea"/>
-                <a:cs typeface="+mn-cs"/>
-              </a:defRPr>
-            </a:lvl5pPr>
-            <a:lvl6pPr marL="2286000" algn="l" defTabSz="914400" rtl="0" eaLnBrk="1" latinLnBrk="0" hangingPunct="1">
-              <a:defRPr sz="1800" kern="1200">
-                <a:solidFill>
-                  <a:schemeClr val="dk1"/>
-                </a:solidFill>
-                <a:latin typeface="+mn-lt"/>
-                <a:ea typeface="+mn-ea"/>
-                <a:cs typeface="+mn-cs"/>
-              </a:defRPr>
-            </a:lvl6pPr>
-            <a:lvl7pPr marL="2743200" algn="l" defTabSz="914400" rtl="0" eaLnBrk="1" latinLnBrk="0" hangingPunct="1">
-              <a:defRPr sz="1800" kern="1200">
-                <a:solidFill>
-                  <a:schemeClr val="dk1"/>
-                </a:solidFill>
-                <a:latin typeface="+mn-lt"/>
-                <a:ea typeface="+mn-ea"/>
-                <a:cs typeface="+mn-cs"/>
-              </a:defRPr>
-            </a:lvl7pPr>
-            <a:lvl8pPr marL="3200400" algn="l" defTabSz="914400" rtl="0" eaLnBrk="1" latinLnBrk="0" hangingPunct="1">
-              <a:defRPr sz="1800" kern="1200">
-                <a:solidFill>
-                  <a:schemeClr val="dk1"/>
-                </a:solidFill>
-                <a:latin typeface="+mn-lt"/>
-                <a:ea typeface="+mn-ea"/>
-                <a:cs typeface="+mn-cs"/>
-              </a:defRPr>
-            </a:lvl8pPr>
-            <a:lvl9pPr marL="3657600" algn="l" defTabSz="914400" rtl="0" eaLnBrk="1" latinLnBrk="0" hangingPunct="1">
-              <a:defRPr sz="1800" kern="1200">
-                <a:solidFill>
-                  <a:schemeClr val="dk1"/>
-                </a:solidFill>
-                <a:latin typeface="+mn-lt"/>
-                <a:ea typeface="+mn-ea"/>
-                <a:cs typeface="+mn-cs"/>
-              </a:defRPr>
-            </a:lvl9pPr>
-          </a:lstStyle>
-          <a:p>
-            <a:pPr algn="ctr"/>
-            <a:r>
-              <a:rPr lang="zh-TW" altLang="en-US" dirty="0">
-                <a:ea typeface="標楷體" panose="03000509000000000000" pitchFamily="65" charset="-120"/>
-              </a:rPr>
-              <a:t>辨識車牌</a:t>
-            </a:r>
-          </a:p>
-        </p:txBody>
-      </p:sp>
-      <p:sp>
-        <p:nvSpPr>
-          <p:cNvPr id="45" name="矩形: 圓角 44">
-            <a:extLst>
-              <a:ext uri="{FF2B5EF4-FFF2-40B4-BE49-F238E27FC236}">
-                <a16:creationId xmlns:a16="http://schemas.microsoft.com/office/drawing/2014/main" id="{B5CC71D6-2F71-DF53-85A6-B51F67E04809}"/>
-              </a:ext>
-            </a:extLst>
-          </p:cNvPr>
-          <p:cNvSpPr/>
-          <p:nvPr/>
-        </p:nvSpPr>
-        <p:spPr>
-          <a:xfrm>
-            <a:off x="4693766" y="4746107"/>
-            <a:ext cx="2343301" cy="496111"/>
-          </a:xfrm>
-          <a:prstGeom prst="roundRect">
-            <a:avLst/>
-          </a:prstGeom>
-          <a:ln>
-            <a:solidFill>
-              <a:schemeClr val="tx1">
-                <a:lumMod val="95000"/>
-                <a:lumOff val="5000"/>
-              </a:schemeClr>
-            </a:solidFill>
-          </a:ln>
-        </p:spPr>
-        <p:style>
-          <a:lnRef idx="2">
-            <a:schemeClr val="accent6"/>
-          </a:lnRef>
-          <a:fillRef idx="1">
-            <a:schemeClr val="lt1"/>
-          </a:fillRef>
-          <a:effectRef idx="0">
-            <a:schemeClr val="accent6"/>
-          </a:effectRef>
-          <a:fontRef idx="minor">
-            <a:schemeClr val="dk1"/>
-          </a:fontRef>
-        </p:style>
-        <p:txBody>
-          <a:bodyPr rtlCol="0" anchor="ctr"/>
-          <a:lstStyle>
-            <a:defPPr>
-              <a:defRPr lang="zh-TW"/>
-            </a:defPPr>
-            <a:lvl1pPr marL="0" algn="l" defTabSz="914400" rtl="0" eaLnBrk="1" latinLnBrk="0" hangingPunct="1">
-              <a:defRPr sz="1800" kern="1200">
-                <a:solidFill>
-                  <a:schemeClr val="dk1"/>
-                </a:solidFill>
-                <a:latin typeface="+mn-lt"/>
-                <a:ea typeface="+mn-ea"/>
-                <a:cs typeface="+mn-cs"/>
-              </a:defRPr>
-            </a:lvl1pPr>
-            <a:lvl2pPr marL="457200" algn="l" defTabSz="914400" rtl="0" eaLnBrk="1" latinLnBrk="0" hangingPunct="1">
-              <a:defRPr sz="1800" kern="1200">
-                <a:solidFill>
-                  <a:schemeClr val="dk1"/>
-                </a:solidFill>
-                <a:latin typeface="+mn-lt"/>
-                <a:ea typeface="+mn-ea"/>
-                <a:cs typeface="+mn-cs"/>
-              </a:defRPr>
-            </a:lvl2pPr>
-            <a:lvl3pPr marL="914400" algn="l" defTabSz="914400" rtl="0" eaLnBrk="1" latinLnBrk="0" hangingPunct="1">
-              <a:defRPr sz="1800" kern="1200">
-                <a:solidFill>
-                  <a:schemeClr val="dk1"/>
-                </a:solidFill>
-                <a:latin typeface="+mn-lt"/>
-                <a:ea typeface="+mn-ea"/>
-                <a:cs typeface="+mn-cs"/>
-              </a:defRPr>
-            </a:lvl3pPr>
-            <a:lvl4pPr marL="1371600" algn="l" defTabSz="914400" rtl="0" eaLnBrk="1" latinLnBrk="0" hangingPunct="1">
-              <a:defRPr sz="1800" kern="1200">
-                <a:solidFill>
-                  <a:schemeClr val="dk1"/>
-                </a:solidFill>
-                <a:latin typeface="+mn-lt"/>
-                <a:ea typeface="+mn-ea"/>
-                <a:cs typeface="+mn-cs"/>
-              </a:defRPr>
-            </a:lvl4pPr>
-            <a:lvl5pPr marL="1828800" algn="l" defTabSz="914400" rtl="0" eaLnBrk="1" latinLnBrk="0" hangingPunct="1">
-              <a:defRPr sz="1800" kern="1200">
-                <a:solidFill>
-                  <a:schemeClr val="dk1"/>
-                </a:solidFill>
-                <a:latin typeface="+mn-lt"/>
-                <a:ea typeface="+mn-ea"/>
-                <a:cs typeface="+mn-cs"/>
-              </a:defRPr>
-            </a:lvl5pPr>
-            <a:lvl6pPr marL="2286000" algn="l" defTabSz="914400" rtl="0" eaLnBrk="1" latinLnBrk="0" hangingPunct="1">
-              <a:defRPr sz="1800" kern="1200">
-                <a:solidFill>
-                  <a:schemeClr val="dk1"/>
-                </a:solidFill>
-                <a:latin typeface="+mn-lt"/>
-                <a:ea typeface="+mn-ea"/>
-                <a:cs typeface="+mn-cs"/>
-              </a:defRPr>
-            </a:lvl6pPr>
-            <a:lvl7pPr marL="2743200" algn="l" defTabSz="914400" rtl="0" eaLnBrk="1" latinLnBrk="0" hangingPunct="1">
-              <a:defRPr sz="1800" kern="1200">
-                <a:solidFill>
-                  <a:schemeClr val="dk1"/>
-                </a:solidFill>
-                <a:latin typeface="+mn-lt"/>
-                <a:ea typeface="+mn-ea"/>
-                <a:cs typeface="+mn-cs"/>
-              </a:defRPr>
-            </a:lvl7pPr>
-            <a:lvl8pPr marL="3200400" algn="l" defTabSz="914400" rtl="0" eaLnBrk="1" latinLnBrk="0" hangingPunct="1">
-              <a:defRPr sz="1800" kern="1200">
-                <a:solidFill>
-                  <a:schemeClr val="dk1"/>
-                </a:solidFill>
-                <a:latin typeface="+mn-lt"/>
-                <a:ea typeface="+mn-ea"/>
-                <a:cs typeface="+mn-cs"/>
-              </a:defRPr>
-            </a:lvl8pPr>
-            <a:lvl9pPr marL="3657600" algn="l" defTabSz="914400" rtl="0" eaLnBrk="1" latinLnBrk="0" hangingPunct="1">
-              <a:defRPr sz="1800" kern="1200">
-                <a:solidFill>
-                  <a:schemeClr val="dk1"/>
-                </a:solidFill>
-                <a:latin typeface="+mn-lt"/>
-                <a:ea typeface="+mn-ea"/>
-                <a:cs typeface="+mn-cs"/>
-              </a:defRPr>
-            </a:lvl9pPr>
-          </a:lstStyle>
-          <a:p>
-            <a:pPr algn="ctr"/>
-            <a:r>
-              <a:rPr lang="zh-TW" altLang="en-US" dirty="0">
-                <a:ea typeface="標楷體" panose="03000509000000000000" pitchFamily="65" charset="-120"/>
-              </a:rPr>
-              <a:t>儲存車牌</a:t>
-            </a:r>
-          </a:p>
-        </p:txBody>
-      </p:sp>
-      <p:sp>
-        <p:nvSpPr>
-          <p:cNvPr id="46" name="矩形: 圓角 45">
-            <a:extLst>
-              <a:ext uri="{FF2B5EF4-FFF2-40B4-BE49-F238E27FC236}">
-                <a16:creationId xmlns:a16="http://schemas.microsoft.com/office/drawing/2014/main" id="{AE317D1F-76EE-5F5F-1D63-0955E2FBFD63}"/>
-              </a:ext>
-            </a:extLst>
-          </p:cNvPr>
-          <p:cNvSpPr/>
-          <p:nvPr/>
-        </p:nvSpPr>
-        <p:spPr>
-          <a:xfrm>
-            <a:off x="8388092" y="4746106"/>
-            <a:ext cx="2857840" cy="496111"/>
-          </a:xfrm>
-          <a:prstGeom prst="roundRect">
-            <a:avLst/>
-          </a:prstGeom>
-          <a:ln>
-            <a:solidFill>
-              <a:schemeClr val="tx1">
-                <a:lumMod val="95000"/>
-                <a:lumOff val="5000"/>
-              </a:schemeClr>
-            </a:solidFill>
-          </a:ln>
-        </p:spPr>
-        <p:style>
-          <a:lnRef idx="2">
-            <a:schemeClr val="accent6"/>
-          </a:lnRef>
-          <a:fillRef idx="1">
-            <a:schemeClr val="lt1"/>
-          </a:fillRef>
-          <a:effectRef idx="0">
-            <a:schemeClr val="accent6"/>
-          </a:effectRef>
-          <a:fontRef idx="minor">
-            <a:schemeClr val="dk1"/>
-          </a:fontRef>
-        </p:style>
-        <p:txBody>
-          <a:bodyPr rtlCol="0" anchor="ctr"/>
-          <a:lstStyle>
-            <a:defPPr>
-              <a:defRPr lang="zh-TW"/>
-            </a:defPPr>
-            <a:lvl1pPr marL="0" algn="l" defTabSz="914400" rtl="0" eaLnBrk="1" latinLnBrk="0" hangingPunct="1">
-              <a:defRPr sz="1800" kern="1200">
-                <a:solidFill>
-                  <a:schemeClr val="dk1"/>
-                </a:solidFill>
-                <a:latin typeface="+mn-lt"/>
-                <a:ea typeface="+mn-ea"/>
-                <a:cs typeface="+mn-cs"/>
-              </a:defRPr>
-            </a:lvl1pPr>
-            <a:lvl2pPr marL="457200" algn="l" defTabSz="914400" rtl="0" eaLnBrk="1" latinLnBrk="0" hangingPunct="1">
-              <a:defRPr sz="1800" kern="1200">
-                <a:solidFill>
-                  <a:schemeClr val="dk1"/>
-                </a:solidFill>
-                <a:latin typeface="+mn-lt"/>
-                <a:ea typeface="+mn-ea"/>
-                <a:cs typeface="+mn-cs"/>
-              </a:defRPr>
-            </a:lvl2pPr>
-            <a:lvl3pPr marL="914400" algn="l" defTabSz="914400" rtl="0" eaLnBrk="1" latinLnBrk="0" hangingPunct="1">
-              <a:defRPr sz="1800" kern="1200">
-                <a:solidFill>
-                  <a:schemeClr val="dk1"/>
-                </a:solidFill>
-                <a:latin typeface="+mn-lt"/>
-                <a:ea typeface="+mn-ea"/>
-                <a:cs typeface="+mn-cs"/>
-              </a:defRPr>
-            </a:lvl3pPr>
-            <a:lvl4pPr marL="1371600" algn="l" defTabSz="914400" rtl="0" eaLnBrk="1" latinLnBrk="0" hangingPunct="1">
-              <a:defRPr sz="1800" kern="1200">
-                <a:solidFill>
-                  <a:schemeClr val="dk1"/>
-                </a:solidFill>
-                <a:latin typeface="+mn-lt"/>
-                <a:ea typeface="+mn-ea"/>
-                <a:cs typeface="+mn-cs"/>
-              </a:defRPr>
-            </a:lvl4pPr>
-            <a:lvl5pPr marL="1828800" algn="l" defTabSz="914400" rtl="0" eaLnBrk="1" latinLnBrk="0" hangingPunct="1">
-              <a:defRPr sz="1800" kern="1200">
-                <a:solidFill>
-                  <a:schemeClr val="dk1"/>
-                </a:solidFill>
-                <a:latin typeface="+mn-lt"/>
-                <a:ea typeface="+mn-ea"/>
-                <a:cs typeface="+mn-cs"/>
-              </a:defRPr>
-            </a:lvl5pPr>
-            <a:lvl6pPr marL="2286000" algn="l" defTabSz="914400" rtl="0" eaLnBrk="1" latinLnBrk="0" hangingPunct="1">
-              <a:defRPr sz="1800" kern="1200">
-                <a:solidFill>
-                  <a:schemeClr val="dk1"/>
-                </a:solidFill>
-                <a:latin typeface="+mn-lt"/>
-                <a:ea typeface="+mn-ea"/>
-                <a:cs typeface="+mn-cs"/>
-              </a:defRPr>
-            </a:lvl6pPr>
-            <a:lvl7pPr marL="2743200" algn="l" defTabSz="914400" rtl="0" eaLnBrk="1" latinLnBrk="0" hangingPunct="1">
-              <a:defRPr sz="1800" kern="1200">
-                <a:solidFill>
-                  <a:schemeClr val="dk1"/>
-                </a:solidFill>
-                <a:latin typeface="+mn-lt"/>
-                <a:ea typeface="+mn-ea"/>
-                <a:cs typeface="+mn-cs"/>
-              </a:defRPr>
-            </a:lvl7pPr>
-            <a:lvl8pPr marL="3200400" algn="l" defTabSz="914400" rtl="0" eaLnBrk="1" latinLnBrk="0" hangingPunct="1">
-              <a:defRPr sz="1800" kern="1200">
-                <a:solidFill>
-                  <a:schemeClr val="dk1"/>
-                </a:solidFill>
-                <a:latin typeface="+mn-lt"/>
-                <a:ea typeface="+mn-ea"/>
-                <a:cs typeface="+mn-cs"/>
-              </a:defRPr>
-            </a:lvl8pPr>
-            <a:lvl9pPr marL="3657600" algn="l" defTabSz="914400" rtl="0" eaLnBrk="1" latinLnBrk="0" hangingPunct="1">
-              <a:defRPr sz="1800" kern="1200">
-                <a:solidFill>
-                  <a:schemeClr val="dk1"/>
-                </a:solidFill>
-                <a:latin typeface="+mn-lt"/>
-                <a:ea typeface="+mn-ea"/>
-                <a:cs typeface="+mn-cs"/>
-              </a:defRPr>
-            </a:lvl9pPr>
-          </a:lstStyle>
-          <a:p>
-            <a:pPr algn="ctr"/>
-            <a:r>
-              <a:rPr lang="zh-TW" altLang="en-US" dirty="0">
-                <a:ea typeface="標楷體" panose="03000509000000000000" pitchFamily="65" charset="-120"/>
-              </a:rPr>
-              <a:t>刪除車牌</a:t>
-            </a:r>
-          </a:p>
-        </p:txBody>
-      </p:sp>
-      <p:cxnSp>
-        <p:nvCxnSpPr>
-          <p:cNvPr id="48" name="接點: 肘形 47">
-            <a:extLst>
-              <a:ext uri="{FF2B5EF4-FFF2-40B4-BE49-F238E27FC236}">
-                <a16:creationId xmlns:a16="http://schemas.microsoft.com/office/drawing/2014/main" id="{16A74B2D-3650-31B2-0773-2B5C40D8E1AB}"/>
-              </a:ext>
-            </a:extLst>
-          </p:cNvPr>
-          <p:cNvCxnSpPr>
-            <a:cxnSpLocks/>
-            <a:stCxn id="5" idx="3"/>
-            <a:endCxn id="45" idx="1"/>
-          </p:cNvCxnSpPr>
-          <p:nvPr/>
-        </p:nvCxnSpPr>
-        <p:spPr>
-          <a:xfrm>
-            <a:off x="2399132" y="3429000"/>
-            <a:ext cx="2294634" cy="1565163"/>
-          </a:xfrm>
-          <a:prstGeom prst="bentConnector3">
-            <a:avLst>
-              <a:gd name="adj1" fmla="val 50000"/>
-            </a:avLst>
-          </a:prstGeom>
-          <a:ln>
-            <a:tailEnd type="triangle"/>
-          </a:ln>
-        </p:spPr>
-        <p:style>
-          <a:lnRef idx="1">
-            <a:schemeClr val="accent1"/>
-          </a:lnRef>
-          <a:fillRef idx="0">
-            <a:schemeClr val="accent1"/>
-          </a:fillRef>
-          <a:effectRef idx="0">
-            <a:schemeClr val="accent1"/>
-          </a:effectRef>
-          <a:fontRef idx="minor">
-            <a:schemeClr val="tx1"/>
-          </a:fontRef>
-        </p:style>
-      </p:cxnSp>
-      <p:cxnSp>
-        <p:nvCxnSpPr>
-          <p:cNvPr id="51" name="直線單箭頭接點 50">
-            <a:extLst>
-              <a:ext uri="{FF2B5EF4-FFF2-40B4-BE49-F238E27FC236}">
-                <a16:creationId xmlns:a16="http://schemas.microsoft.com/office/drawing/2014/main" id="{76E184B5-1A65-B00B-9C39-8F7DA01387CA}"/>
-              </a:ext>
-            </a:extLst>
-          </p:cNvPr>
-          <p:cNvCxnSpPr>
-            <a:stCxn id="45" idx="3"/>
-            <a:endCxn id="46" idx="1"/>
-          </p:cNvCxnSpPr>
-          <p:nvPr/>
-        </p:nvCxnSpPr>
-        <p:spPr>
-          <a:xfrm flipV="1">
-            <a:off x="7037067" y="4994162"/>
-            <a:ext cx="1351025" cy="1"/>
-          </a:xfrm>
-          <a:prstGeom prst="straightConnector1">
-            <a:avLst/>
-          </a:prstGeom>
-          <a:ln>
-            <a:tailEnd type="triangle"/>
-          </a:ln>
-        </p:spPr>
-        <p:style>
-          <a:lnRef idx="1">
-            <a:schemeClr val="accent1"/>
-          </a:lnRef>
-          <a:fillRef idx="0">
-            <a:schemeClr val="accent1"/>
-          </a:fillRef>
-          <a:effectRef idx="0">
-            <a:schemeClr val="accent1"/>
-          </a:effectRef>
-          <a:fontRef idx="minor">
-            <a:schemeClr val="tx1"/>
-          </a:fontRef>
-        </p:style>
-      </p:cxnSp>
-      <p:cxnSp>
-        <p:nvCxnSpPr>
-          <p:cNvPr id="57" name="接點: 肘形 56">
-            <a:extLst>
-              <a:ext uri="{FF2B5EF4-FFF2-40B4-BE49-F238E27FC236}">
-                <a16:creationId xmlns:a16="http://schemas.microsoft.com/office/drawing/2014/main" id="{DC85FE50-6E40-6475-93A6-D0EAC117B66C}"/>
-              </a:ext>
-            </a:extLst>
-          </p:cNvPr>
-          <p:cNvCxnSpPr>
-            <a:stCxn id="5" idx="3"/>
-            <a:endCxn id="38" idx="1"/>
-          </p:cNvCxnSpPr>
-          <p:nvPr/>
-        </p:nvCxnSpPr>
-        <p:spPr>
-          <a:xfrm>
-            <a:off x="2399132" y="3429000"/>
-            <a:ext cx="2294635" cy="590353"/>
-          </a:xfrm>
-          <a:prstGeom prst="bentConnector3">
-            <a:avLst/>
-          </a:prstGeom>
-          <a:ln>
-            <a:tailEnd type="triangle"/>
-          </a:ln>
-        </p:spPr>
-        <p:style>
-          <a:lnRef idx="1">
-            <a:schemeClr val="accent1"/>
-          </a:lnRef>
-          <a:fillRef idx="0">
-            <a:schemeClr val="accent1"/>
-          </a:fillRef>
-          <a:effectRef idx="0">
-            <a:schemeClr val="accent1"/>
-          </a:effectRef>
-          <a:fontRef idx="minor">
-            <a:schemeClr val="tx1"/>
-          </a:fontRef>
-        </p:style>
-      </p:cxnSp>
+          <p:cNvGraphicFramePr/>
+          <p:nvPr>
+            <p:extLst>
+              <p:ext uri="{D42A27DB-BD31-4B8C-83A1-F6EECF244321}">
+                <p14:modId xmlns:p14="http://schemas.microsoft.com/office/powerpoint/2010/main" val="1576364043"/>
+              </p:ext>
+            </p:extLst>
+          </p:nvPr>
+        </p:nvGraphicFramePr>
+        <p:xfrm>
+          <a:off x="494068" y="1269507"/>
+          <a:ext cx="11517420" cy="5143470"/>
+        </p:xfrm>
+        <a:graphic>
+          <a:graphicData uri="http://schemas.openxmlformats.org/drawingml/2006/diagram">
+            <dgm:relIds xmlns:dgm="http://schemas.openxmlformats.org/drawingml/2006/diagram" xmlns:r="http://schemas.openxmlformats.org/officeDocument/2006/relationships" r:dm="rId2" r:lo="rId3" r:qs="rId4" r:cs="rId5"/>
+          </a:graphicData>
+        </a:graphic>
+      </p:graphicFrame>
     </p:spTree>
     <p:extLst>
       <p:ext uri="{BB962C8B-B14F-4D97-AF65-F5344CB8AC3E}">

--- a/車牌辨識.pptx
+++ b/車牌辨識.pptx
@@ -10078,7 +10078,7 @@
                 <a:latin typeface="標楷體" panose="03000509000000000000" pitchFamily="65" charset="-120"/>
                 <a:ea typeface="標楷體" panose="03000509000000000000" pitchFamily="65" charset="-120"/>
               </a:rPr>
-              <a:t>每次一張圖片</a:t>
+              <a:t>每次一張圖片  </a:t>
             </a:r>
             <a:endParaRPr lang="en-US" altLang="zh-TW" dirty="0">
               <a:latin typeface="標楷體" panose="03000509000000000000" pitchFamily="65" charset="-120"/>
@@ -10088,11 +10088,18 @@
           <a:p>
             <a:pPr lvl="1"/>
             <a:r>
+              <a:rPr lang="en-US" altLang="zh-TW" dirty="0">
+                <a:latin typeface="標楷體" panose="03000509000000000000" pitchFamily="65" charset="-120"/>
+                <a:ea typeface="標楷體" panose="03000509000000000000" pitchFamily="65" charset="-120"/>
+              </a:rPr>
+              <a:t>30FPS</a:t>
+            </a:r>
+            <a:r>
               <a:rPr lang="zh-TW" altLang="en-US" dirty="0">
                 <a:latin typeface="標楷體" panose="03000509000000000000" pitchFamily="65" charset="-120"/>
                 <a:ea typeface="標楷體" panose="03000509000000000000" pitchFamily="65" charset="-120"/>
               </a:rPr>
-              <a:t>總共取五張圖片</a:t>
+              <a:t>取五張圖片</a:t>
             </a:r>
             <a:endParaRPr lang="en-US" altLang="zh-TW" dirty="0">
               <a:latin typeface="標楷體" panose="03000509000000000000" pitchFamily="65" charset="-120"/>
@@ -10348,8 +10355,19 @@
                 <a:latin typeface="標楷體" panose="03000509000000000000" pitchFamily="65" charset="-120"/>
                 <a:ea typeface="標楷體" panose="03000509000000000000" pitchFamily="65" charset="-120"/>
               </a:rPr>
-              <a:t>:</a:t>
+              <a:t>(Python </a:t>
             </a:r>
+            <a:r>
+              <a:rPr lang="en-US" altLang="zh-TW">
+                <a:latin typeface="標楷體" panose="03000509000000000000" pitchFamily="65" charset="-120"/>
+                <a:ea typeface="標楷體" panose="03000509000000000000" pitchFamily="65" charset="-120"/>
+              </a:rPr>
+              <a:t>Tkinter):</a:t>
+            </a:r>
+            <a:endParaRPr lang="en-US" altLang="zh-TW" dirty="0">
+              <a:latin typeface="標楷體" panose="03000509000000000000" pitchFamily="65" charset="-120"/>
+              <a:ea typeface="標楷體" panose="03000509000000000000" pitchFamily="65" charset="-120"/>
+            </a:endParaRPr>
           </a:p>
           <a:p>
             <a:pPr lvl="2"/>
@@ -10378,23 +10396,6 @@
               <a:latin typeface="標楷體" panose="03000509000000000000" pitchFamily="65" charset="-120"/>
               <a:ea typeface="標楷體" panose="03000509000000000000" pitchFamily="65" charset="-120"/>
             </a:endParaRPr>
-          </a:p>
-          <a:p>
-            <a:pPr lvl="1"/>
-            <a:r>
-              <a:rPr lang="zh-TW" altLang="en-US" dirty="0">
-                <a:latin typeface="標楷體" panose="03000509000000000000" pitchFamily="65" charset="-120"/>
-                <a:ea typeface="標楷體" panose="03000509000000000000" pitchFamily="65" charset="-120"/>
-              </a:rPr>
-              <a:t>內部</a:t>
-            </a:r>
-            <a:r>
-              <a:rPr lang="en-US" altLang="zh-TW" dirty="0">
-                <a:latin typeface="標楷體" panose="03000509000000000000" pitchFamily="65" charset="-120"/>
-                <a:ea typeface="標楷體" panose="03000509000000000000" pitchFamily="65" charset="-120"/>
-              </a:rPr>
-              <a:t>:</a:t>
-            </a:r>
           </a:p>
           <a:p>
             <a:pPr lvl="2"/>

--- a/車牌辨識.pptx
+++ b/車牌辨識.pptx
@@ -1522,6 +1522,60 @@
         </a:p>
       </dgm:t>
     </dgm:pt>
+    <dgm:pt modelId="{54CEC939-277C-4048-B728-19C476DAB1BD}">
+      <dgm:prSet phldrT="[文字]"/>
+      <dgm:spPr>
+        <a:solidFill>
+          <a:schemeClr val="accent1"/>
+        </a:solidFill>
+      </dgm:spPr>
+      <dgm:t>
+        <a:bodyPr/>
+        <a:lstStyle/>
+        <a:p>
+          <a:r>
+            <a:rPr lang="en-US" altLang="zh-TW" dirty="0" err="1">
+              <a:latin typeface="標楷體" panose="03000509000000000000" pitchFamily="65" charset="-120"/>
+              <a:ea typeface="標楷體" panose="03000509000000000000" pitchFamily="65" charset="-120"/>
+            </a:rPr>
+            <a:t>P</a:t>
+          </a:r>
+          <a:r>
+            <a:rPr lang="en-US" altLang="en-US" dirty="0" err="1">
+              <a:latin typeface="標楷體" panose="03000509000000000000" pitchFamily="65" charset="-120"/>
+              <a:ea typeface="標楷體" panose="03000509000000000000" pitchFamily="65" charset="-120"/>
+            </a:rPr>
+            <a:t>addleocr</a:t>
+          </a:r>
+          <a:endParaRPr lang="zh-TW" altLang="en-US" dirty="0">
+            <a:latin typeface="標楷體" panose="03000509000000000000" pitchFamily="65" charset="-120"/>
+            <a:ea typeface="標楷體" panose="03000509000000000000" pitchFamily="65" charset="-120"/>
+          </a:endParaRPr>
+        </a:p>
+      </dgm:t>
+    </dgm:pt>
+    <dgm:pt modelId="{B659153B-63BE-46CE-AB23-2033A37DCD8F}" type="parTrans" cxnId="{7E493C0C-2F96-4C80-BE99-54524DD480F8}">
+      <dgm:prSet/>
+      <dgm:spPr/>
+      <dgm:t>
+        <a:bodyPr/>
+        <a:lstStyle/>
+        <a:p>
+          <a:endParaRPr lang="zh-TW" altLang="en-US"/>
+        </a:p>
+      </dgm:t>
+    </dgm:pt>
+    <dgm:pt modelId="{E44ECD72-FDEB-4693-9552-E3B7BD1ED1F1}" type="sibTrans" cxnId="{7E493C0C-2F96-4C80-BE99-54524DD480F8}">
+      <dgm:prSet/>
+      <dgm:spPr/>
+      <dgm:t>
+        <a:bodyPr/>
+        <a:lstStyle/>
+        <a:p>
+          <a:endParaRPr lang="zh-TW" altLang="en-US"/>
+        </a:p>
+      </dgm:t>
+    </dgm:pt>
     <dgm:pt modelId="{A3FEA41B-5F13-42FE-969D-42376385971B}" type="pres">
       <dgm:prSet presAssocID="{F23A4E3D-CF8F-4FFC-85E5-7BAF190C36D0}" presName="hierChild1" presStyleCnt="0">
         <dgm:presLayoutVars>
@@ -1596,7 +1650,7 @@
       <dgm:spPr/>
     </dgm:pt>
     <dgm:pt modelId="{3758D57D-AB2C-422F-BDD6-2A9CFA8127BF}" type="pres">
-      <dgm:prSet presAssocID="{6B1D037D-23E8-463A-8F4D-236990C4CB5D}" presName="Name37" presStyleLbl="parChTrans1D3" presStyleIdx="0" presStyleCnt="9"/>
+      <dgm:prSet presAssocID="{6B1D037D-23E8-463A-8F4D-236990C4CB5D}" presName="Name37" presStyleLbl="parChTrans1D3" presStyleIdx="0" presStyleCnt="10"/>
       <dgm:spPr/>
     </dgm:pt>
     <dgm:pt modelId="{7FA6B409-64F5-4AC5-9192-77A602AFC81C}" type="pres">
@@ -1612,7 +1666,7 @@
       <dgm:spPr/>
     </dgm:pt>
     <dgm:pt modelId="{A6C9AA09-511A-4B42-9DAF-4E44EB5CBF4E}" type="pres">
-      <dgm:prSet presAssocID="{9A89BBE0-C7CA-424F-B4CD-F8715AA66FEC}" presName="rootText" presStyleLbl="node3" presStyleIdx="0" presStyleCnt="9" custLinFactNeighborX="-72900" custLinFactNeighborY="14920">
+      <dgm:prSet presAssocID="{9A89BBE0-C7CA-424F-B4CD-F8715AA66FEC}" presName="rootText" presStyleLbl="node3" presStyleIdx="0" presStyleCnt="10" custLinFactNeighborX="-72900" custLinFactNeighborY="14920">
         <dgm:presLayoutVars>
           <dgm:chPref val="3"/>
         </dgm:presLayoutVars>
@@ -1620,7 +1674,7 @@
       <dgm:spPr/>
     </dgm:pt>
     <dgm:pt modelId="{F8FF4914-5333-4B79-9D93-D481E4977F57}" type="pres">
-      <dgm:prSet presAssocID="{9A89BBE0-C7CA-424F-B4CD-F8715AA66FEC}" presName="rootConnector" presStyleLbl="node3" presStyleIdx="0" presStyleCnt="9"/>
+      <dgm:prSet presAssocID="{9A89BBE0-C7CA-424F-B4CD-F8715AA66FEC}" presName="rootConnector" presStyleLbl="node3" presStyleIdx="0" presStyleCnt="10"/>
       <dgm:spPr/>
     </dgm:pt>
     <dgm:pt modelId="{8BF67FF6-E030-4890-A3B5-D898CD2521B8}" type="pres">
@@ -1632,7 +1686,7 @@
       <dgm:spPr/>
     </dgm:pt>
     <dgm:pt modelId="{DF0D2AA3-77AB-419C-9D23-326F9D37C5D4}" type="pres">
-      <dgm:prSet presAssocID="{4FACE287-6892-4366-8E3F-6DADBB0223D7}" presName="Name37" presStyleLbl="parChTrans1D3" presStyleIdx="1" presStyleCnt="9"/>
+      <dgm:prSet presAssocID="{4FACE287-6892-4366-8E3F-6DADBB0223D7}" presName="Name37" presStyleLbl="parChTrans1D3" presStyleIdx="1" presStyleCnt="10"/>
       <dgm:spPr/>
     </dgm:pt>
     <dgm:pt modelId="{DA732A07-4D4B-43D4-A862-68D540D83CE7}" type="pres">
@@ -1648,7 +1702,7 @@
       <dgm:spPr/>
     </dgm:pt>
     <dgm:pt modelId="{DC117704-7E65-4732-B80D-668AB7BE02E2}" type="pres">
-      <dgm:prSet presAssocID="{CBEF451C-002C-4F8A-B8B8-CE133B2DE466}" presName="rootText" presStyleLbl="node3" presStyleIdx="1" presStyleCnt="9" custLinFactNeighborX="-72900" custLinFactNeighborY="14920">
+      <dgm:prSet presAssocID="{CBEF451C-002C-4F8A-B8B8-CE133B2DE466}" presName="rootText" presStyleLbl="node3" presStyleIdx="1" presStyleCnt="10" custLinFactNeighborX="-72900" custLinFactNeighborY="14920">
         <dgm:presLayoutVars>
           <dgm:chPref val="3"/>
         </dgm:presLayoutVars>
@@ -1656,7 +1710,7 @@
       <dgm:spPr/>
     </dgm:pt>
     <dgm:pt modelId="{E01CD6BE-EF90-436B-A4FE-B01AA9811E62}" type="pres">
-      <dgm:prSet presAssocID="{CBEF451C-002C-4F8A-B8B8-CE133B2DE466}" presName="rootConnector" presStyleLbl="node3" presStyleIdx="1" presStyleCnt="9"/>
+      <dgm:prSet presAssocID="{CBEF451C-002C-4F8A-B8B8-CE133B2DE466}" presName="rootConnector" presStyleLbl="node3" presStyleIdx="1" presStyleCnt="10"/>
       <dgm:spPr/>
     </dgm:pt>
     <dgm:pt modelId="{6ED1C77B-30C8-4055-BDCB-77B926D16B3D}" type="pres">
@@ -1668,7 +1722,7 @@
       <dgm:spPr/>
     </dgm:pt>
     <dgm:pt modelId="{EC60AC49-AA5E-426F-A90A-8E4A7B5A721D}" type="pres">
-      <dgm:prSet presAssocID="{783F092E-61E2-4D45-B174-B67730C34FBE}" presName="Name37" presStyleLbl="parChTrans1D3" presStyleIdx="2" presStyleCnt="9"/>
+      <dgm:prSet presAssocID="{783F092E-61E2-4D45-B174-B67730C34FBE}" presName="Name37" presStyleLbl="parChTrans1D3" presStyleIdx="2" presStyleCnt="10"/>
       <dgm:spPr/>
     </dgm:pt>
     <dgm:pt modelId="{F74D8415-F9B0-4F2D-84C6-1403FD07D64B}" type="pres">
@@ -1684,7 +1738,7 @@
       <dgm:spPr/>
     </dgm:pt>
     <dgm:pt modelId="{413D91AD-4C30-4279-A6F9-F8962D1713BF}" type="pres">
-      <dgm:prSet presAssocID="{02415962-477A-465A-99B3-4A3540149C17}" presName="rootText" presStyleLbl="node3" presStyleIdx="2" presStyleCnt="9" custLinFactNeighborX="-72900" custLinFactNeighborY="14920">
+      <dgm:prSet presAssocID="{02415962-477A-465A-99B3-4A3540149C17}" presName="rootText" presStyleLbl="node3" presStyleIdx="2" presStyleCnt="10" custLinFactNeighborX="-72900" custLinFactNeighborY="14920">
         <dgm:presLayoutVars>
           <dgm:chPref val="3"/>
         </dgm:presLayoutVars>
@@ -1692,7 +1746,7 @@
       <dgm:spPr/>
     </dgm:pt>
     <dgm:pt modelId="{EFEC9B66-4E9F-42D5-8998-8D5F36A6917D}" type="pres">
-      <dgm:prSet presAssocID="{02415962-477A-465A-99B3-4A3540149C17}" presName="rootConnector" presStyleLbl="node3" presStyleIdx="2" presStyleCnt="9"/>
+      <dgm:prSet presAssocID="{02415962-477A-465A-99B3-4A3540149C17}" presName="rootConnector" presStyleLbl="node3" presStyleIdx="2" presStyleCnt="10"/>
       <dgm:spPr/>
     </dgm:pt>
     <dgm:pt modelId="{FBEE64C3-EEE8-4769-B7EF-486A918B4D15}" type="pres">
@@ -1704,7 +1758,7 @@
       <dgm:spPr/>
     </dgm:pt>
     <dgm:pt modelId="{423FE704-C9D8-46BB-BBF4-3B7F823E94F2}" type="pres">
-      <dgm:prSet presAssocID="{4B45BFDD-2DE5-4D86-B274-995552996976}" presName="Name37" presStyleLbl="parChTrans1D3" presStyleIdx="3" presStyleCnt="9"/>
+      <dgm:prSet presAssocID="{4B45BFDD-2DE5-4D86-B274-995552996976}" presName="Name37" presStyleLbl="parChTrans1D3" presStyleIdx="3" presStyleCnt="10"/>
       <dgm:spPr/>
     </dgm:pt>
     <dgm:pt modelId="{EF9C43A8-1740-4A72-8519-2F6BA8DAE211}" type="pres">
@@ -1720,7 +1774,7 @@
       <dgm:spPr/>
     </dgm:pt>
     <dgm:pt modelId="{EA11CD3A-E2AE-49AE-A406-DA16ED0BBDB4}" type="pres">
-      <dgm:prSet presAssocID="{2261E63F-1F71-48CB-84CF-571A9E2DF3C7}" presName="rootText" presStyleLbl="node3" presStyleIdx="3" presStyleCnt="9" custLinFactNeighborX="-72900" custLinFactNeighborY="7359">
+      <dgm:prSet presAssocID="{2261E63F-1F71-48CB-84CF-571A9E2DF3C7}" presName="rootText" presStyleLbl="node3" presStyleIdx="3" presStyleCnt="10" custLinFactNeighborX="-72900" custLinFactNeighborY="7359">
         <dgm:presLayoutVars>
           <dgm:chPref val="3"/>
         </dgm:presLayoutVars>
@@ -1728,7 +1782,7 @@
       <dgm:spPr/>
     </dgm:pt>
     <dgm:pt modelId="{32D1FC56-D12D-4842-B9A6-A0E3318BD6FC}" type="pres">
-      <dgm:prSet presAssocID="{2261E63F-1F71-48CB-84CF-571A9E2DF3C7}" presName="rootConnector" presStyleLbl="node3" presStyleIdx="3" presStyleCnt="9"/>
+      <dgm:prSet presAssocID="{2261E63F-1F71-48CB-84CF-571A9E2DF3C7}" presName="rootConnector" presStyleLbl="node3" presStyleIdx="3" presStyleCnt="10"/>
       <dgm:spPr/>
     </dgm:pt>
     <dgm:pt modelId="{09745FC5-558F-4E21-A455-85E305EF4682}" type="pres">
@@ -1776,7 +1830,7 @@
       <dgm:spPr/>
     </dgm:pt>
     <dgm:pt modelId="{F72AC698-7D07-440D-B1B0-FEE8B5B70E8D}" type="pres">
-      <dgm:prSet presAssocID="{5FC43921-9CB9-438E-89B8-115B5C7332F0}" presName="Name37" presStyleLbl="parChTrans1D3" presStyleIdx="4" presStyleCnt="9"/>
+      <dgm:prSet presAssocID="{5FC43921-9CB9-438E-89B8-115B5C7332F0}" presName="Name37" presStyleLbl="parChTrans1D3" presStyleIdx="4" presStyleCnt="10"/>
       <dgm:spPr/>
     </dgm:pt>
     <dgm:pt modelId="{127C4773-9E1F-416A-8D7B-3E42BB0283F8}" type="pres">
@@ -1792,7 +1846,7 @@
       <dgm:spPr/>
     </dgm:pt>
     <dgm:pt modelId="{42668478-F7EA-42B0-8466-8D5B3E31351B}" type="pres">
-      <dgm:prSet presAssocID="{918BAD50-96A9-4B34-AF09-B34997CA4C14}" presName="rootText" presStyleLbl="node3" presStyleIdx="4" presStyleCnt="9" custLinFactNeighborX="-44950" custLinFactNeighborY="4873">
+      <dgm:prSet presAssocID="{918BAD50-96A9-4B34-AF09-B34997CA4C14}" presName="rootText" presStyleLbl="node3" presStyleIdx="4" presStyleCnt="10" custLinFactNeighborX="-44950" custLinFactNeighborY="4873">
         <dgm:presLayoutVars>
           <dgm:chPref val="3"/>
         </dgm:presLayoutVars>
@@ -1800,7 +1854,7 @@
       <dgm:spPr/>
     </dgm:pt>
     <dgm:pt modelId="{077F8FD9-6148-4454-9408-71A8E8B6F5B7}" type="pres">
-      <dgm:prSet presAssocID="{918BAD50-96A9-4B34-AF09-B34997CA4C14}" presName="rootConnector" presStyleLbl="node3" presStyleIdx="4" presStyleCnt="9"/>
+      <dgm:prSet presAssocID="{918BAD50-96A9-4B34-AF09-B34997CA4C14}" presName="rootConnector" presStyleLbl="node3" presStyleIdx="4" presStyleCnt="10"/>
       <dgm:spPr/>
     </dgm:pt>
     <dgm:pt modelId="{BEF735B6-074F-4CE3-81DA-5E21F458484A}" type="pres">
@@ -1812,7 +1866,7 @@
       <dgm:spPr/>
     </dgm:pt>
     <dgm:pt modelId="{26BFFC41-91E7-4992-A301-EF2C7AEF7808}" type="pres">
-      <dgm:prSet presAssocID="{1C99B740-439E-4A96-87A0-C328AC45357E}" presName="Name37" presStyleLbl="parChTrans1D3" presStyleIdx="5" presStyleCnt="9"/>
+      <dgm:prSet presAssocID="{1C99B740-439E-4A96-87A0-C328AC45357E}" presName="Name37" presStyleLbl="parChTrans1D3" presStyleIdx="5" presStyleCnt="10"/>
       <dgm:spPr/>
     </dgm:pt>
     <dgm:pt modelId="{837AE238-14B9-42EA-8DF4-ACCA86F83B32}" type="pres">
@@ -1828,7 +1882,7 @@
       <dgm:spPr/>
     </dgm:pt>
     <dgm:pt modelId="{A8014437-CC62-4F5F-8DA8-5FEF458377F2}" type="pres">
-      <dgm:prSet presAssocID="{2FA36327-CA99-4F6A-B5DD-521D413B1B43}" presName="rootText" presStyleLbl="node3" presStyleIdx="5" presStyleCnt="9" custLinFactNeighborX="-44950" custLinFactNeighborY="4873">
+      <dgm:prSet presAssocID="{2FA36327-CA99-4F6A-B5DD-521D413B1B43}" presName="rootText" presStyleLbl="node3" presStyleIdx="5" presStyleCnt="10" custLinFactNeighborX="-44950" custLinFactNeighborY="4873">
         <dgm:presLayoutVars>
           <dgm:chPref val="3"/>
         </dgm:presLayoutVars>
@@ -1836,7 +1890,7 @@
       <dgm:spPr/>
     </dgm:pt>
     <dgm:pt modelId="{14908242-A76A-48AE-A64E-DB25C8E90F4C}" type="pres">
-      <dgm:prSet presAssocID="{2FA36327-CA99-4F6A-B5DD-521D413B1B43}" presName="rootConnector" presStyleLbl="node3" presStyleIdx="5" presStyleCnt="9"/>
+      <dgm:prSet presAssocID="{2FA36327-CA99-4F6A-B5DD-521D413B1B43}" presName="rootConnector" presStyleLbl="node3" presStyleIdx="5" presStyleCnt="10"/>
       <dgm:spPr/>
     </dgm:pt>
     <dgm:pt modelId="{D421A73E-8432-4278-824A-A9F35CBBB54A}" type="pres">
@@ -1883,6 +1937,42 @@
       <dgm:prSet presAssocID="{B0860D4C-F5A2-4FE3-A038-3AE6739CB2F8}" presName="hierChild4" presStyleCnt="0"/>
       <dgm:spPr/>
     </dgm:pt>
+    <dgm:pt modelId="{2C1B65B8-CDA7-4851-A1F5-48D7ADA089D3}" type="pres">
+      <dgm:prSet presAssocID="{B659153B-63BE-46CE-AB23-2033A37DCD8F}" presName="Name37" presStyleLbl="parChTrans1D3" presStyleIdx="6" presStyleCnt="10"/>
+      <dgm:spPr/>
+    </dgm:pt>
+    <dgm:pt modelId="{B6ABE7FB-89AD-48DC-868B-70741061E625}" type="pres">
+      <dgm:prSet presAssocID="{54CEC939-277C-4048-B728-19C476DAB1BD}" presName="hierRoot2" presStyleCnt="0">
+        <dgm:presLayoutVars>
+          <dgm:hierBranch val="init"/>
+        </dgm:presLayoutVars>
+      </dgm:prSet>
+      <dgm:spPr/>
+    </dgm:pt>
+    <dgm:pt modelId="{C0F3405C-D309-4381-BC52-C5310855070C}" type="pres">
+      <dgm:prSet presAssocID="{54CEC939-277C-4048-B728-19C476DAB1BD}" presName="rootComposite" presStyleCnt="0"/>
+      <dgm:spPr/>
+    </dgm:pt>
+    <dgm:pt modelId="{AC803F9E-52EA-4D48-B82B-6E5E58823777}" type="pres">
+      <dgm:prSet presAssocID="{54CEC939-277C-4048-B728-19C476DAB1BD}" presName="rootText" presStyleLbl="node3" presStyleIdx="6" presStyleCnt="10">
+        <dgm:presLayoutVars>
+          <dgm:chPref val="3"/>
+        </dgm:presLayoutVars>
+      </dgm:prSet>
+      <dgm:spPr/>
+    </dgm:pt>
+    <dgm:pt modelId="{AFE7DCEF-11E9-40CC-8ACB-6B9B6EBDA626}" type="pres">
+      <dgm:prSet presAssocID="{54CEC939-277C-4048-B728-19C476DAB1BD}" presName="rootConnector" presStyleLbl="node3" presStyleIdx="6" presStyleCnt="10"/>
+      <dgm:spPr/>
+    </dgm:pt>
+    <dgm:pt modelId="{26D01FCB-5FD7-4A07-A871-C8D827D8431F}" type="pres">
+      <dgm:prSet presAssocID="{54CEC939-277C-4048-B728-19C476DAB1BD}" presName="hierChild4" presStyleCnt="0"/>
+      <dgm:spPr/>
+    </dgm:pt>
+    <dgm:pt modelId="{B672CE2A-E399-412C-8AB1-0902994DADE4}" type="pres">
+      <dgm:prSet presAssocID="{54CEC939-277C-4048-B728-19C476DAB1BD}" presName="hierChild5" presStyleCnt="0"/>
+      <dgm:spPr/>
+    </dgm:pt>
     <dgm:pt modelId="{7489B656-61F8-4846-9BAE-E87A75A31552}" type="pres">
       <dgm:prSet presAssocID="{B0860D4C-F5A2-4FE3-A038-3AE6739CB2F8}" presName="hierChild5" presStyleCnt="0"/>
       <dgm:spPr/>
@@ -1920,7 +2010,7 @@
       <dgm:spPr/>
     </dgm:pt>
     <dgm:pt modelId="{C03B3E22-CC1E-4A03-8144-CEF62C9A0CF8}" type="pres">
-      <dgm:prSet presAssocID="{D5EB77A5-BF1A-4944-ABC0-17CE1BD598F3}" presName="Name37" presStyleLbl="parChTrans1D3" presStyleIdx="6" presStyleCnt="9"/>
+      <dgm:prSet presAssocID="{D5EB77A5-BF1A-4944-ABC0-17CE1BD598F3}" presName="Name37" presStyleLbl="parChTrans1D3" presStyleIdx="7" presStyleCnt="10"/>
       <dgm:spPr/>
     </dgm:pt>
     <dgm:pt modelId="{7F90183D-C876-4B4C-B538-BF11639D05CF}" type="pres">
@@ -1936,7 +2026,7 @@
       <dgm:spPr/>
     </dgm:pt>
     <dgm:pt modelId="{8936D5FF-BE5B-41B1-BCB0-C922C2AEF3A2}" type="pres">
-      <dgm:prSet presAssocID="{E44A941C-612F-4E92-924D-FFE0B5850B7F}" presName="rootText" presStyleLbl="node3" presStyleIdx="6" presStyleCnt="9" custLinFactNeighborX="1360" custLinFactNeighborY="3923">
+      <dgm:prSet presAssocID="{E44A941C-612F-4E92-924D-FFE0B5850B7F}" presName="rootText" presStyleLbl="node3" presStyleIdx="7" presStyleCnt="10" custLinFactNeighborX="1360" custLinFactNeighborY="3923">
         <dgm:presLayoutVars>
           <dgm:chPref val="3"/>
         </dgm:presLayoutVars>
@@ -1944,7 +2034,7 @@
       <dgm:spPr/>
     </dgm:pt>
     <dgm:pt modelId="{64AF2521-CFB6-41D0-A330-9DD3E3A9D02C}" type="pres">
-      <dgm:prSet presAssocID="{E44A941C-612F-4E92-924D-FFE0B5850B7F}" presName="rootConnector" presStyleLbl="node3" presStyleIdx="6" presStyleCnt="9"/>
+      <dgm:prSet presAssocID="{E44A941C-612F-4E92-924D-FFE0B5850B7F}" presName="rootConnector" presStyleLbl="node3" presStyleIdx="7" presStyleCnt="10"/>
       <dgm:spPr/>
     </dgm:pt>
     <dgm:pt modelId="{D224BDA1-226D-4A06-8126-BC1C96D62781}" type="pres">
@@ -1956,7 +2046,7 @@
       <dgm:spPr/>
     </dgm:pt>
     <dgm:pt modelId="{677147A4-ED11-4D10-90FF-66F940FA324E}" type="pres">
-      <dgm:prSet presAssocID="{181C8E2B-E214-43B3-8B00-EFF5CA0CFE4A}" presName="Name37" presStyleLbl="parChTrans1D3" presStyleIdx="7" presStyleCnt="9"/>
+      <dgm:prSet presAssocID="{181C8E2B-E214-43B3-8B00-EFF5CA0CFE4A}" presName="Name37" presStyleLbl="parChTrans1D3" presStyleIdx="8" presStyleCnt="10"/>
       <dgm:spPr/>
     </dgm:pt>
     <dgm:pt modelId="{FB4AF609-606B-4B6B-9BAB-173659A4F87B}" type="pres">
@@ -1972,7 +2062,7 @@
       <dgm:spPr/>
     </dgm:pt>
     <dgm:pt modelId="{A92C7A02-1CFE-4030-8C4A-1DE39C7C9571}" type="pres">
-      <dgm:prSet presAssocID="{B65984E6-4FB2-478C-B2DD-C276AF98699E}" presName="rootText" presStyleLbl="node3" presStyleIdx="7" presStyleCnt="9" custLinFactNeighborX="1360" custLinFactNeighborY="3923">
+      <dgm:prSet presAssocID="{B65984E6-4FB2-478C-B2DD-C276AF98699E}" presName="rootText" presStyleLbl="node3" presStyleIdx="8" presStyleCnt="10" custLinFactNeighborX="1360" custLinFactNeighborY="3923">
         <dgm:presLayoutVars>
           <dgm:chPref val="3"/>
         </dgm:presLayoutVars>
@@ -1980,7 +2070,7 @@
       <dgm:spPr/>
     </dgm:pt>
     <dgm:pt modelId="{3C4BBB0D-526E-4D77-B7C7-E1C5797EDCB0}" type="pres">
-      <dgm:prSet presAssocID="{B65984E6-4FB2-478C-B2DD-C276AF98699E}" presName="rootConnector" presStyleLbl="node3" presStyleIdx="7" presStyleCnt="9"/>
+      <dgm:prSet presAssocID="{B65984E6-4FB2-478C-B2DD-C276AF98699E}" presName="rootConnector" presStyleLbl="node3" presStyleIdx="8" presStyleCnt="10"/>
       <dgm:spPr/>
     </dgm:pt>
     <dgm:pt modelId="{B1567558-BD39-417E-8A07-A2F9FB1FC9EB}" type="pres">
@@ -2028,7 +2118,7 @@
       <dgm:spPr/>
     </dgm:pt>
     <dgm:pt modelId="{10723AE9-7FCF-45E3-9CBA-9F761EC1B94D}" type="pres">
-      <dgm:prSet presAssocID="{0709EB14-A909-49EE-A1F6-B8ACCE8A6E47}" presName="Name37" presStyleLbl="parChTrans1D3" presStyleIdx="8" presStyleCnt="9"/>
+      <dgm:prSet presAssocID="{0709EB14-A909-49EE-A1F6-B8ACCE8A6E47}" presName="Name37" presStyleLbl="parChTrans1D3" presStyleIdx="9" presStyleCnt="10"/>
       <dgm:spPr/>
     </dgm:pt>
     <dgm:pt modelId="{5759C946-F49A-4DCD-9AAC-F88C3DD5CEB7}" type="pres">
@@ -2044,7 +2134,7 @@
       <dgm:spPr/>
     </dgm:pt>
     <dgm:pt modelId="{945C9633-C9B5-406E-B1E5-AB7C6CEBD8BF}" type="pres">
-      <dgm:prSet presAssocID="{471E8A3D-0412-4888-BDDC-4650B60A0162}" presName="rootText" presStyleLbl="node3" presStyleIdx="8" presStyleCnt="9" custLinFactNeighborX="98652" custLinFactNeighborY="-2799">
+      <dgm:prSet presAssocID="{471E8A3D-0412-4888-BDDC-4650B60A0162}" presName="rootText" presStyleLbl="node3" presStyleIdx="9" presStyleCnt="10" custLinFactNeighborX="98652" custLinFactNeighborY="-2799">
         <dgm:presLayoutVars>
           <dgm:chPref val="3"/>
         </dgm:presLayoutVars>
@@ -2052,7 +2142,7 @@
       <dgm:spPr/>
     </dgm:pt>
     <dgm:pt modelId="{799A57CE-B0E7-44E1-8A7C-0FC040BABD60}" type="pres">
-      <dgm:prSet presAssocID="{471E8A3D-0412-4888-BDDC-4650B60A0162}" presName="rootConnector" presStyleLbl="node3" presStyleIdx="8" presStyleCnt="9"/>
+      <dgm:prSet presAssocID="{471E8A3D-0412-4888-BDDC-4650B60A0162}" presName="rootConnector" presStyleLbl="node3" presStyleIdx="9" presStyleCnt="10"/>
       <dgm:spPr/>
     </dgm:pt>
     <dgm:pt modelId="{9763DE75-AE00-49A1-8448-55F48E0C66CA}" type="pres">
@@ -2076,6 +2166,7 @@
     <dgm:cxn modelId="{1E9A5904-2E97-4D10-8F88-CFFB68D26F44}" type="presOf" srcId="{B0860D4C-F5A2-4FE3-A038-3AE6739CB2F8}" destId="{49E54C8C-F3AB-4587-9714-9F87463F06FF}" srcOrd="0" destOrd="0" presId="urn:microsoft.com/office/officeart/2005/8/layout/orgChart1"/>
     <dgm:cxn modelId="{C6707A05-1D74-4F93-A496-F286DF265388}" type="presOf" srcId="{9A89BBE0-C7CA-424F-B4CD-F8715AA66FEC}" destId="{A6C9AA09-511A-4B42-9DAF-4E44EB5CBF4E}" srcOrd="0" destOrd="0" presId="urn:microsoft.com/office/officeart/2005/8/layout/orgChart1"/>
     <dgm:cxn modelId="{E7C0E207-BDEA-4BB3-9FB5-22874837897A}" srcId="{F23A4E3D-CF8F-4FFC-85E5-7BAF190C36D0}" destId="{89448955-38CC-44B4-9AE1-C2203D300AA9}" srcOrd="0" destOrd="0" parTransId="{6CDD0B7F-0B2C-4E6A-B0F7-EACF7AA80D1F}" sibTransId="{927F9015-BF08-4B15-B4BC-60AE7723CB75}"/>
+    <dgm:cxn modelId="{7E493C0C-2F96-4C80-BE99-54524DD480F8}" srcId="{B0860D4C-F5A2-4FE3-A038-3AE6739CB2F8}" destId="{54CEC939-277C-4048-B728-19C476DAB1BD}" srcOrd="0" destOrd="0" parTransId="{B659153B-63BE-46CE-AB23-2033A37DCD8F}" sibTransId="{E44ECD72-FDEB-4693-9552-E3B7BD1ED1F1}"/>
     <dgm:cxn modelId="{4D89FF13-B97F-450D-B49A-6B375BABB7A5}" type="presOf" srcId="{6EE4B883-E573-4421-97E5-D8AA25BC89AA}" destId="{2D56B674-C19A-4ABD-B9B3-F3B80163672B}" srcOrd="0" destOrd="0" presId="urn:microsoft.com/office/officeart/2005/8/layout/orgChart1"/>
     <dgm:cxn modelId="{2FD0AE1A-D479-4F2A-A0AA-319E13575DF3}" type="presOf" srcId="{4B45BFDD-2DE5-4D86-B274-995552996976}" destId="{423FE704-C9D8-46BB-BBF4-3B7F823E94F2}" srcOrd="0" destOrd="0" presId="urn:microsoft.com/office/officeart/2005/8/layout/orgChart1"/>
     <dgm:cxn modelId="{FB400B22-020B-4B8E-B7E3-45D73EC00514}" type="presOf" srcId="{1507D3AE-3CAC-40E2-94D3-D59A1ABCD94B}" destId="{933A7E87-600E-495C-9ED8-7B3FCD5BBE87}" srcOrd="1" destOrd="0" presId="urn:microsoft.com/office/officeart/2005/8/layout/orgChart1"/>
@@ -2091,6 +2182,7 @@
     <dgm:cxn modelId="{E114095B-1EDD-4927-B2C8-0E45B49DF5FB}" srcId="{89448955-38CC-44B4-9AE1-C2203D300AA9}" destId="{82B76CE7-267E-4C86-9DD1-D083C56A0CF3}" srcOrd="4" destOrd="0" parTransId="{0B3EF5B0-5AF0-4A5D-9129-21FEE5080755}" sibTransId="{226B15C2-A4B6-4A17-880B-0C2E180D5E3D}"/>
     <dgm:cxn modelId="{3B3B8960-2452-4767-8C70-FE7C362FD39A}" type="presOf" srcId="{783F092E-61E2-4D45-B174-B67730C34FBE}" destId="{EC60AC49-AA5E-426F-A90A-8E4A7B5A721D}" srcOrd="0" destOrd="0" presId="urn:microsoft.com/office/officeart/2005/8/layout/orgChart1"/>
     <dgm:cxn modelId="{22593162-A56E-4665-9B3B-E5DED46995CF}" type="presOf" srcId="{02415962-477A-465A-99B3-4A3540149C17}" destId="{413D91AD-4C30-4279-A6F9-F8962D1713BF}" srcOrd="0" destOrd="0" presId="urn:microsoft.com/office/officeart/2005/8/layout/orgChart1"/>
+    <dgm:cxn modelId="{7773AB64-7014-4BFE-8DA5-02276DFCE979}" type="presOf" srcId="{54CEC939-277C-4048-B728-19C476DAB1BD}" destId="{AFE7DCEF-11E9-40CC-8ACB-6B9B6EBDA626}" srcOrd="1" destOrd="0" presId="urn:microsoft.com/office/officeart/2005/8/layout/orgChart1"/>
     <dgm:cxn modelId="{ED4A7C47-EE1B-4D8D-B4F3-1A0521E0E2DC}" type="presOf" srcId="{8F52081D-1F31-41EF-B85D-3BD0B9C73943}" destId="{2C54278C-D6A4-49CC-AB46-B26EFEEAEAA1}" srcOrd="0" destOrd="0" presId="urn:microsoft.com/office/officeart/2005/8/layout/orgChart1"/>
     <dgm:cxn modelId="{7377FB47-4526-4A62-8344-135FB0E4C20F}" type="presOf" srcId="{2261E63F-1F71-48CB-84CF-571A9E2DF3C7}" destId="{EA11CD3A-E2AE-49AE-A406-DA16ED0BBDB4}" srcOrd="0" destOrd="0" presId="urn:microsoft.com/office/officeart/2005/8/layout/orgChart1"/>
     <dgm:cxn modelId="{53580D48-21F3-46D4-B31A-34050BCCDA33}" srcId="{8F52081D-1F31-41EF-B85D-3BD0B9C73943}" destId="{CBEF451C-002C-4F8A-B8B8-CE133B2DE466}" srcOrd="1" destOrd="0" parTransId="{4FACE287-6892-4366-8E3F-6DADBB0223D7}" sibTransId="{4BB53C82-2A42-4C50-B5F3-D64E646843B5}"/>
@@ -2108,11 +2200,13 @@
     <dgm:cxn modelId="{706C047B-8F82-46FE-A37A-46C554ADE4AE}" srcId="{1507D3AE-3CAC-40E2-94D3-D59A1ABCD94B}" destId="{B65984E6-4FB2-478C-B2DD-C276AF98699E}" srcOrd="1" destOrd="0" parTransId="{181C8E2B-E214-43B3-8B00-EFF5CA0CFE4A}" sibTransId="{8CCB7E6D-D8BF-4656-8DC7-3DFDBB443321}"/>
     <dgm:cxn modelId="{45B77580-AB29-4429-AA25-4C1011A1B06D}" srcId="{BEA0552F-7C77-4CDE-85D3-708AD1A14619}" destId="{2FA36327-CA99-4F6A-B5DD-521D413B1B43}" srcOrd="1" destOrd="0" parTransId="{1C99B740-439E-4A96-87A0-C328AC45357E}" sibTransId="{50F07964-8CFB-46B0-A0F8-0BBAF159AF70}"/>
     <dgm:cxn modelId="{CA53D889-1136-4AFA-B2D3-A09B9B8A0901}" type="presOf" srcId="{2FA36327-CA99-4F6A-B5DD-521D413B1B43}" destId="{14908242-A76A-48AE-A64E-DB25C8E90F4C}" srcOrd="1" destOrd="0" presId="urn:microsoft.com/office/officeart/2005/8/layout/orgChart1"/>
+    <dgm:cxn modelId="{73C86394-FCB0-4E21-BF88-650C8308078D}" type="presOf" srcId="{54CEC939-277C-4048-B728-19C476DAB1BD}" destId="{AC803F9E-52EA-4D48-B82B-6E5E58823777}" srcOrd="0" destOrd="0" presId="urn:microsoft.com/office/officeart/2005/8/layout/orgChart1"/>
     <dgm:cxn modelId="{00A89696-CBD1-4F44-91A2-70FE663560BD}" type="presOf" srcId="{CBEF451C-002C-4F8A-B8B8-CE133B2DE466}" destId="{E01CD6BE-EF90-436B-A4FE-B01AA9811E62}" srcOrd="1" destOrd="0" presId="urn:microsoft.com/office/officeart/2005/8/layout/orgChart1"/>
     <dgm:cxn modelId="{9F145499-B4C8-4B6E-8B5F-0CC00FADECB2}" type="presOf" srcId="{2FA36327-CA99-4F6A-B5DD-521D413B1B43}" destId="{A8014437-CC62-4F5F-8DA8-5FEF458377F2}" srcOrd="0" destOrd="0" presId="urn:microsoft.com/office/officeart/2005/8/layout/orgChart1"/>
     <dgm:cxn modelId="{5384969D-29CE-4F40-A041-AE0A5557C515}" srcId="{1507D3AE-3CAC-40E2-94D3-D59A1ABCD94B}" destId="{E44A941C-612F-4E92-924D-FFE0B5850B7F}" srcOrd="0" destOrd="0" parTransId="{D5EB77A5-BF1A-4944-ABC0-17CE1BD598F3}" sibTransId="{0DA389DA-4985-4B68-96B6-A2FD5944D1F1}"/>
     <dgm:cxn modelId="{58B5809E-8285-407C-903E-152746A4262A}" type="presOf" srcId="{CBEF451C-002C-4F8A-B8B8-CE133B2DE466}" destId="{DC117704-7E65-4732-B80D-668AB7BE02E2}" srcOrd="0" destOrd="0" presId="urn:microsoft.com/office/officeart/2005/8/layout/orgChart1"/>
     <dgm:cxn modelId="{97A446A3-6E18-4B90-861D-D50B67237036}" type="presOf" srcId="{358044DA-B012-4215-9130-4442A22BCA33}" destId="{AAEB0403-AD2A-47DD-8C8A-EE5DCEA14D79}" srcOrd="0" destOrd="0" presId="urn:microsoft.com/office/officeart/2005/8/layout/orgChart1"/>
+    <dgm:cxn modelId="{55DD9BA3-D5FE-4852-9929-E2BAACE01938}" type="presOf" srcId="{B659153B-63BE-46CE-AB23-2033A37DCD8F}" destId="{2C1B65B8-CDA7-4851-A1F5-48D7ADA089D3}" srcOrd="0" destOrd="0" presId="urn:microsoft.com/office/officeart/2005/8/layout/orgChart1"/>
     <dgm:cxn modelId="{1DACEBA5-D8A7-498D-94BD-43E1497C1D20}" srcId="{8F52081D-1F31-41EF-B85D-3BD0B9C73943}" destId="{9A89BBE0-C7CA-424F-B4CD-F8715AA66FEC}" srcOrd="0" destOrd="0" parTransId="{6B1D037D-23E8-463A-8F4D-236990C4CB5D}" sibTransId="{675BEA08-768B-4BC3-82ED-3C43FD0FE5DE}"/>
     <dgm:cxn modelId="{D167ADA8-DDC4-47FA-8864-2401C2B5B1DC}" srcId="{BEA0552F-7C77-4CDE-85D3-708AD1A14619}" destId="{918BAD50-96A9-4B34-AF09-B34997CA4C14}" srcOrd="0" destOrd="0" parTransId="{5FC43921-9CB9-438E-89B8-115B5C7332F0}" sibTransId="{D9428D81-0D1E-4E0C-A2D0-CC3983CAA96B}"/>
     <dgm:cxn modelId="{4D8069A9-A0BE-43C9-B196-737497DAAE67}" type="presOf" srcId="{5FC43921-9CB9-438E-89B8-115B5C7332F0}" destId="{F72AC698-7D07-440D-B1B0-FEE8B5B70E8D}" srcOrd="0" destOrd="0" presId="urn:microsoft.com/office/officeart/2005/8/layout/orgChart1"/>
@@ -2200,6 +2294,13 @@
     <dgm:cxn modelId="{44821424-BAB2-4B06-9E43-A93CAB5BADC1}" type="presParOf" srcId="{3EC8E579-D573-48BE-9360-88A797858CAC}" destId="{49E54C8C-F3AB-4587-9714-9F87463F06FF}" srcOrd="0" destOrd="0" presId="urn:microsoft.com/office/officeart/2005/8/layout/orgChart1"/>
     <dgm:cxn modelId="{9B29FD91-B619-4CF5-BDAA-9B6BA5C2DD30}" type="presParOf" srcId="{3EC8E579-D573-48BE-9360-88A797858CAC}" destId="{DA0D333D-0134-4B90-A57A-A9DA8AE0286F}" srcOrd="1" destOrd="0" presId="urn:microsoft.com/office/officeart/2005/8/layout/orgChart1"/>
     <dgm:cxn modelId="{0D514B9F-F974-4C44-B7CA-738379E4357D}" type="presParOf" srcId="{B74147BA-DF77-4794-82DA-1A617203570A}" destId="{1F44F630-7EC6-41EC-9A90-A461EB4967E6}" srcOrd="1" destOrd="0" presId="urn:microsoft.com/office/officeart/2005/8/layout/orgChart1"/>
+    <dgm:cxn modelId="{7E3AEB25-B6D6-48B6-A03F-6B1400C854A1}" type="presParOf" srcId="{1F44F630-7EC6-41EC-9A90-A461EB4967E6}" destId="{2C1B65B8-CDA7-4851-A1F5-48D7ADA089D3}" srcOrd="0" destOrd="0" presId="urn:microsoft.com/office/officeart/2005/8/layout/orgChart1"/>
+    <dgm:cxn modelId="{B508E461-2416-48E2-83FE-67067E6DF323}" type="presParOf" srcId="{1F44F630-7EC6-41EC-9A90-A461EB4967E6}" destId="{B6ABE7FB-89AD-48DC-868B-70741061E625}" srcOrd="1" destOrd="0" presId="urn:microsoft.com/office/officeart/2005/8/layout/orgChart1"/>
+    <dgm:cxn modelId="{E6DAC848-DF20-4A26-90C7-A666E758BDA1}" type="presParOf" srcId="{B6ABE7FB-89AD-48DC-868B-70741061E625}" destId="{C0F3405C-D309-4381-BC52-C5310855070C}" srcOrd="0" destOrd="0" presId="urn:microsoft.com/office/officeart/2005/8/layout/orgChart1"/>
+    <dgm:cxn modelId="{C3B26875-355D-4D4B-ADFE-5527A3144B96}" type="presParOf" srcId="{C0F3405C-D309-4381-BC52-C5310855070C}" destId="{AC803F9E-52EA-4D48-B82B-6E5E58823777}" srcOrd="0" destOrd="0" presId="urn:microsoft.com/office/officeart/2005/8/layout/orgChart1"/>
+    <dgm:cxn modelId="{86134618-AF3C-489D-AE91-39004C4F45E0}" type="presParOf" srcId="{C0F3405C-D309-4381-BC52-C5310855070C}" destId="{AFE7DCEF-11E9-40CC-8ACB-6B9B6EBDA626}" srcOrd="1" destOrd="0" presId="urn:microsoft.com/office/officeart/2005/8/layout/orgChart1"/>
+    <dgm:cxn modelId="{1FA21AC5-F01A-4DA0-9062-CF0EA4D19DA5}" type="presParOf" srcId="{B6ABE7FB-89AD-48DC-868B-70741061E625}" destId="{26D01FCB-5FD7-4A07-A871-C8D827D8431F}" srcOrd="1" destOrd="0" presId="urn:microsoft.com/office/officeart/2005/8/layout/orgChart1"/>
+    <dgm:cxn modelId="{BAA84075-DF46-412F-B9F0-E12029E5C161}" type="presParOf" srcId="{B6ABE7FB-89AD-48DC-868B-70741061E625}" destId="{B672CE2A-E399-412C-8AB1-0902994DADE4}" srcOrd="2" destOrd="0" presId="urn:microsoft.com/office/officeart/2005/8/layout/orgChart1"/>
     <dgm:cxn modelId="{00C49757-7AD2-46BB-AD87-3DA177207540}" type="presParOf" srcId="{B74147BA-DF77-4794-82DA-1A617203570A}" destId="{7489B656-61F8-4846-9BAE-E87A75A31552}" srcOrd="2" destOrd="0" presId="urn:microsoft.com/office/officeart/2005/8/layout/orgChart1"/>
     <dgm:cxn modelId="{5FB82F4D-3F3E-42E6-ABB2-ED0B69B6A0C3}" type="presParOf" srcId="{03C4FB5A-F466-4C13-846C-F1ABF63E6135}" destId="{0B59EDE4-D8CD-4D94-9A2D-8B3F893E5FE9}" srcOrd="6" destOrd="0" presId="urn:microsoft.com/office/officeart/2005/8/layout/orgChart1"/>
     <dgm:cxn modelId="{F6E3469A-2C35-47D4-B550-BF0E639B3DF5}" type="presParOf" srcId="{03C4FB5A-F466-4C13-846C-F1ABF63E6135}" destId="{C1CACC16-C79A-4066-8FFD-D88649385A02}" srcOrd="7" destOrd="0" presId="urn:microsoft.com/office/officeart/2005/8/layout/orgChart1"/>
@@ -2533,6 +2634,65 @@
           <a:solidFill>
             <a:schemeClr val="accent1">
               <a:shade val="60000"/>
+              <a:hueOff val="0"/>
+              <a:satOff val="0"/>
+              <a:lumOff val="0"/>
+              <a:alphaOff val="0"/>
+            </a:schemeClr>
+          </a:solidFill>
+          <a:prstDash val="solid"/>
+          <a:miter lim="800000"/>
+        </a:ln>
+        <a:effectLst/>
+      </dsp:spPr>
+      <dsp:style>
+        <a:lnRef idx="2">
+          <a:scrgbClr r="0" g="0" b="0"/>
+        </a:lnRef>
+        <a:fillRef idx="0">
+          <a:scrgbClr r="0" g="0" b="0"/>
+        </a:fillRef>
+        <a:effectRef idx="0">
+          <a:scrgbClr r="0" g="0" b="0"/>
+        </a:effectRef>
+        <a:fontRef idx="minor"/>
+      </dsp:style>
+    </dsp:sp>
+    <dsp:sp modelId="{2C1B65B8-CDA7-4851-A1F5-48D7ADA089D3}">
+      <dsp:nvSpPr>
+        <dsp:cNvPr id="0" name=""/>
+        <dsp:cNvSpPr/>
+      </dsp:nvSpPr>
+      <dsp:spPr>
+        <a:xfrm>
+          <a:off x="4927609" y="1558787"/>
+          <a:ext cx="355279" cy="562503"/>
+        </a:xfrm>
+        <a:custGeom>
+          <a:avLst/>
+          <a:gdLst/>
+          <a:ahLst/>
+          <a:cxnLst/>
+          <a:rect l="0" t="0" r="0" b="0"/>
+          <a:pathLst>
+            <a:path>
+              <a:moveTo>
+                <a:pt x="0" y="0"/>
+              </a:moveTo>
+              <a:lnTo>
+                <a:pt x="0" y="562503"/>
+              </a:lnTo>
+              <a:lnTo>
+                <a:pt x="355279" y="562503"/>
+              </a:lnTo>
+            </a:path>
+          </a:pathLst>
+        </a:custGeom>
+        <a:noFill/>
+        <a:ln w="12700" cap="flat" cmpd="sng" algn="ctr">
+          <a:solidFill>
+            <a:schemeClr val="accent1">
+              <a:shade val="80000"/>
               <a:hueOff val="0"/>
               <a:satOff val="0"/>
               <a:lumOff val="0"/>
@@ -3907,6 +4067,93 @@
       </dsp:txBody>
       <dsp:txXfrm>
         <a:off x="4800723" y="924359"/>
+        <a:ext cx="1268856" cy="634428"/>
+      </dsp:txXfrm>
+    </dsp:sp>
+    <dsp:sp modelId="{AC803F9E-52EA-4D48-B82B-6E5E58823777}">
+      <dsp:nvSpPr>
+        <dsp:cNvPr id="0" name=""/>
+        <dsp:cNvSpPr/>
+      </dsp:nvSpPr>
+      <dsp:spPr>
+        <a:xfrm>
+          <a:off x="5282888" y="1804076"/>
+          <a:ext cx="1268856" cy="634428"/>
+        </a:xfrm>
+        <a:prstGeom prst="rect">
+          <a:avLst/>
+        </a:prstGeom>
+        <a:solidFill>
+          <a:schemeClr val="accent1"/>
+        </a:solidFill>
+        <a:ln w="12700" cap="flat" cmpd="sng" algn="ctr">
+          <a:solidFill>
+            <a:schemeClr val="lt1">
+              <a:hueOff val="0"/>
+              <a:satOff val="0"/>
+              <a:lumOff val="0"/>
+              <a:alphaOff val="0"/>
+            </a:schemeClr>
+          </a:solidFill>
+          <a:prstDash val="solid"/>
+          <a:miter lim="800000"/>
+        </a:ln>
+        <a:effectLst/>
+      </dsp:spPr>
+      <dsp:style>
+        <a:lnRef idx="2">
+          <a:scrgbClr r="0" g="0" b="0"/>
+        </a:lnRef>
+        <a:fillRef idx="1">
+          <a:scrgbClr r="0" g="0" b="0"/>
+        </a:fillRef>
+        <a:effectRef idx="0">
+          <a:scrgbClr r="0" g="0" b="0"/>
+        </a:effectRef>
+        <a:fontRef idx="minor">
+          <a:schemeClr val="lt1"/>
+        </a:fontRef>
+      </dsp:style>
+      <dsp:txBody>
+        <a:bodyPr spcFirstLastPara="0" vert="horz" wrap="square" lIns="12700" tIns="12700" rIns="12700" bIns="12700" numCol="1" spcCol="1270" anchor="ctr" anchorCtr="0">
+          <a:noAutofit/>
+        </a:bodyPr>
+        <a:lstStyle/>
+        <a:p>
+          <a:pPr marL="0" lvl="0" indent="0" algn="ctr" defTabSz="889000">
+            <a:lnSpc>
+              <a:spcPct val="90000"/>
+            </a:lnSpc>
+            <a:spcBef>
+              <a:spcPct val="0"/>
+            </a:spcBef>
+            <a:spcAft>
+              <a:spcPct val="35000"/>
+            </a:spcAft>
+            <a:buNone/>
+          </a:pPr>
+          <a:r>
+            <a:rPr lang="en-US" altLang="zh-TW" sz="2000" kern="1200" dirty="0" err="1">
+              <a:latin typeface="標楷體" panose="03000509000000000000" pitchFamily="65" charset="-120"/>
+              <a:ea typeface="標楷體" panose="03000509000000000000" pitchFamily="65" charset="-120"/>
+            </a:rPr>
+            <a:t>P</a:t>
+          </a:r>
+          <a:r>
+            <a:rPr lang="en-US" altLang="en-US" sz="2000" kern="1200" dirty="0" err="1">
+              <a:latin typeface="標楷體" panose="03000509000000000000" pitchFamily="65" charset="-120"/>
+              <a:ea typeface="標楷體" panose="03000509000000000000" pitchFamily="65" charset="-120"/>
+            </a:rPr>
+            <a:t>addleocr</a:t>
+          </a:r>
+          <a:endParaRPr lang="zh-TW" altLang="en-US" sz="2000" kern="1200" dirty="0">
+            <a:latin typeface="標楷體" panose="03000509000000000000" pitchFamily="65" charset="-120"/>
+            <a:ea typeface="標楷體" panose="03000509000000000000" pitchFamily="65" charset="-120"/>
+          </a:endParaRPr>
+        </a:p>
+      </dsp:txBody>
+      <dsp:txXfrm>
+        <a:off x="5282888" y="1804076"/>
         <a:ext cx="1268856" cy="634428"/>
       </dsp:txXfrm>
     </dsp:sp>
@@ -10566,7 +10813,7 @@
           <p:nvPr>
             <p:extLst>
               <p:ext uri="{D42A27DB-BD31-4B8C-83A1-F6EECF244321}">
-                <p14:modId xmlns:p14="http://schemas.microsoft.com/office/powerpoint/2010/main" val="1576364043"/>
+                <p14:modId xmlns:p14="http://schemas.microsoft.com/office/powerpoint/2010/main" val="2194578450"/>
               </p:ext>
             </p:extLst>
           </p:nvPr>
